--- a/Jenae/Project 3 - California Hospital Performance Comparison.pptx
+++ b/Jenae/Project 3 - California Hospital Performance Comparison.pptx
@@ -4,15 +4,21 @@
   <p:sldMasterIdLst>
     <p:sldMasterId id="2147483677" r:id="rId1"/>
   </p:sldMasterIdLst>
+  <p:notesMasterIdLst>
+    <p:notesMasterId r:id="rId13"/>
+  </p:notesMasterIdLst>
   <p:sldIdLst>
     <p:sldId id="256" r:id="rId2"/>
     <p:sldId id="258" r:id="rId3"/>
-    <p:sldId id="257" r:id="rId4"/>
-    <p:sldId id="260" r:id="rId5"/>
-    <p:sldId id="264" r:id="rId6"/>
-    <p:sldId id="261" r:id="rId7"/>
-    <p:sldId id="259" r:id="rId8"/>
-    <p:sldId id="262" r:id="rId9"/>
+    <p:sldId id="266" r:id="rId4"/>
+    <p:sldId id="265" r:id="rId5"/>
+    <p:sldId id="267" r:id="rId6"/>
+    <p:sldId id="257" r:id="rId7"/>
+    <p:sldId id="260" r:id="rId8"/>
+    <p:sldId id="264" r:id="rId9"/>
+    <p:sldId id="261" r:id="rId10"/>
+    <p:sldId id="259" r:id="rId11"/>
+    <p:sldId id="262" r:id="rId12"/>
   </p:sldIdLst>
   <p:sldSz cx="12192000" cy="6858000"/>
   <p:notesSz cx="6858000" cy="9144000"/>
@@ -1613,6 +1619,753 @@
 </dgm:colorsDef>
 </file>
 
+<file path=ppt/diagrams/colors3.xml><?xml version="1.0" encoding="utf-8"?>
+<dgm:colorsDef xmlns:dgm="http://schemas.openxmlformats.org/drawingml/2006/diagram" xmlns:a="http://schemas.openxmlformats.org/drawingml/2006/main" uniqueId="urn:microsoft.com/office/officeart/2005/8/colors/accent1_2">
+  <dgm:title val=""/>
+  <dgm:desc val=""/>
+  <dgm:catLst>
+    <dgm:cat type="accent1" pri="11200"/>
+  </dgm:catLst>
+  <dgm:styleLbl name="node0">
+    <dgm:fillClrLst meth="repeat">
+      <a:schemeClr val="accent1"/>
+    </dgm:fillClrLst>
+    <dgm:linClrLst meth="repeat">
+      <a:schemeClr val="lt1"/>
+    </dgm:linClrLst>
+    <dgm:effectClrLst/>
+    <dgm:txLinClrLst/>
+    <dgm:txFillClrLst/>
+    <dgm:txEffectClrLst/>
+  </dgm:styleLbl>
+  <dgm:styleLbl name="alignNode1">
+    <dgm:fillClrLst meth="repeat">
+      <a:schemeClr val="accent1"/>
+    </dgm:fillClrLst>
+    <dgm:linClrLst meth="repeat">
+      <a:schemeClr val="accent1"/>
+    </dgm:linClrLst>
+    <dgm:effectClrLst/>
+    <dgm:txLinClrLst/>
+    <dgm:txFillClrLst/>
+    <dgm:txEffectClrLst/>
+  </dgm:styleLbl>
+  <dgm:styleLbl name="node1">
+    <dgm:fillClrLst meth="repeat">
+      <a:schemeClr val="accent1"/>
+    </dgm:fillClrLst>
+    <dgm:linClrLst meth="repeat">
+      <a:schemeClr val="lt1"/>
+    </dgm:linClrLst>
+    <dgm:effectClrLst/>
+    <dgm:txLinClrLst/>
+    <dgm:txFillClrLst/>
+    <dgm:txEffectClrLst/>
+  </dgm:styleLbl>
+  <dgm:styleLbl name="lnNode1">
+    <dgm:fillClrLst meth="repeat">
+      <a:schemeClr val="accent1"/>
+    </dgm:fillClrLst>
+    <dgm:linClrLst meth="repeat">
+      <a:schemeClr val="lt1"/>
+    </dgm:linClrLst>
+    <dgm:effectClrLst/>
+    <dgm:txLinClrLst/>
+    <dgm:txFillClrLst/>
+    <dgm:txEffectClrLst/>
+  </dgm:styleLbl>
+  <dgm:styleLbl name="vennNode1">
+    <dgm:fillClrLst meth="repeat">
+      <a:schemeClr val="accent1">
+        <a:alpha val="50000"/>
+      </a:schemeClr>
+    </dgm:fillClrLst>
+    <dgm:linClrLst meth="repeat">
+      <a:schemeClr val="lt1"/>
+    </dgm:linClrLst>
+    <dgm:effectClrLst/>
+    <dgm:txLinClrLst/>
+    <dgm:txFillClrLst/>
+    <dgm:txEffectClrLst/>
+  </dgm:styleLbl>
+  <dgm:styleLbl name="node2">
+    <dgm:fillClrLst meth="repeat">
+      <a:schemeClr val="accent1"/>
+    </dgm:fillClrLst>
+    <dgm:linClrLst meth="repeat">
+      <a:schemeClr val="lt1"/>
+    </dgm:linClrLst>
+    <dgm:effectClrLst/>
+    <dgm:txLinClrLst/>
+    <dgm:txFillClrLst/>
+    <dgm:txEffectClrLst/>
+  </dgm:styleLbl>
+  <dgm:styleLbl name="node3">
+    <dgm:fillClrLst meth="repeat">
+      <a:schemeClr val="accent1"/>
+    </dgm:fillClrLst>
+    <dgm:linClrLst meth="repeat">
+      <a:schemeClr val="lt1"/>
+    </dgm:linClrLst>
+    <dgm:effectClrLst/>
+    <dgm:txLinClrLst/>
+    <dgm:txFillClrLst/>
+    <dgm:txEffectClrLst/>
+  </dgm:styleLbl>
+  <dgm:styleLbl name="node4">
+    <dgm:fillClrLst meth="repeat">
+      <a:schemeClr val="accent1"/>
+    </dgm:fillClrLst>
+    <dgm:linClrLst meth="repeat">
+      <a:schemeClr val="lt1"/>
+    </dgm:linClrLst>
+    <dgm:effectClrLst/>
+    <dgm:txLinClrLst/>
+    <dgm:txFillClrLst/>
+    <dgm:txEffectClrLst/>
+  </dgm:styleLbl>
+  <dgm:styleLbl name="fgImgPlace1">
+    <dgm:fillClrLst meth="repeat">
+      <a:schemeClr val="accent1">
+        <a:tint val="50000"/>
+      </a:schemeClr>
+    </dgm:fillClrLst>
+    <dgm:linClrLst meth="repeat">
+      <a:schemeClr val="lt1"/>
+    </dgm:linClrLst>
+    <dgm:effectClrLst/>
+    <dgm:txLinClrLst/>
+    <dgm:txFillClrLst meth="repeat">
+      <a:schemeClr val="lt1"/>
+    </dgm:txFillClrLst>
+    <dgm:txEffectClrLst/>
+  </dgm:styleLbl>
+  <dgm:styleLbl name="alignImgPlace1">
+    <dgm:fillClrLst meth="repeat">
+      <a:schemeClr val="accent1">
+        <a:tint val="50000"/>
+      </a:schemeClr>
+    </dgm:fillClrLst>
+    <dgm:linClrLst meth="repeat">
+      <a:schemeClr val="lt1"/>
+    </dgm:linClrLst>
+    <dgm:effectClrLst/>
+    <dgm:txLinClrLst/>
+    <dgm:txFillClrLst meth="repeat">
+      <a:schemeClr val="lt1"/>
+    </dgm:txFillClrLst>
+    <dgm:txEffectClrLst/>
+  </dgm:styleLbl>
+  <dgm:styleLbl name="bgImgPlace1">
+    <dgm:fillClrLst meth="repeat">
+      <a:schemeClr val="accent1">
+        <a:tint val="50000"/>
+      </a:schemeClr>
+    </dgm:fillClrLst>
+    <dgm:linClrLst meth="repeat">
+      <a:schemeClr val="lt1"/>
+    </dgm:linClrLst>
+    <dgm:effectClrLst/>
+    <dgm:txLinClrLst/>
+    <dgm:txFillClrLst meth="repeat">
+      <a:schemeClr val="lt1"/>
+    </dgm:txFillClrLst>
+    <dgm:txEffectClrLst/>
+  </dgm:styleLbl>
+  <dgm:styleLbl name="sibTrans2D1">
+    <dgm:fillClrLst meth="repeat">
+      <a:schemeClr val="accent1">
+        <a:tint val="60000"/>
+      </a:schemeClr>
+    </dgm:fillClrLst>
+    <dgm:linClrLst meth="repeat">
+      <a:schemeClr val="accent1">
+        <a:tint val="60000"/>
+      </a:schemeClr>
+    </dgm:linClrLst>
+    <dgm:effectClrLst/>
+    <dgm:txLinClrLst/>
+    <dgm:txFillClrLst/>
+    <dgm:txEffectClrLst/>
+  </dgm:styleLbl>
+  <dgm:styleLbl name="fgSibTrans2D1">
+    <dgm:fillClrLst meth="repeat">
+      <a:schemeClr val="accent1">
+        <a:tint val="60000"/>
+      </a:schemeClr>
+    </dgm:fillClrLst>
+    <dgm:linClrLst meth="repeat">
+      <a:schemeClr val="accent1">
+        <a:tint val="60000"/>
+      </a:schemeClr>
+    </dgm:linClrLst>
+    <dgm:effectClrLst/>
+    <dgm:txLinClrLst/>
+    <dgm:txFillClrLst/>
+    <dgm:txEffectClrLst/>
+  </dgm:styleLbl>
+  <dgm:styleLbl name="bgSibTrans2D1">
+    <dgm:fillClrLst meth="repeat">
+      <a:schemeClr val="accent1">
+        <a:tint val="60000"/>
+      </a:schemeClr>
+    </dgm:fillClrLst>
+    <dgm:linClrLst meth="repeat">
+      <a:schemeClr val="accent1">
+        <a:tint val="60000"/>
+      </a:schemeClr>
+    </dgm:linClrLst>
+    <dgm:effectClrLst/>
+    <dgm:txLinClrLst/>
+    <dgm:txFillClrLst/>
+    <dgm:txEffectClrLst/>
+  </dgm:styleLbl>
+  <dgm:styleLbl name="sibTrans1D1">
+    <dgm:fillClrLst meth="repeat">
+      <a:schemeClr val="accent1"/>
+    </dgm:fillClrLst>
+    <dgm:linClrLst meth="repeat">
+      <a:schemeClr val="accent1"/>
+    </dgm:linClrLst>
+    <dgm:effectClrLst/>
+    <dgm:txLinClrLst/>
+    <dgm:txFillClrLst meth="repeat">
+      <a:schemeClr val="tx1"/>
+    </dgm:txFillClrLst>
+    <dgm:txEffectClrLst/>
+  </dgm:styleLbl>
+  <dgm:styleLbl name="callout">
+    <dgm:fillClrLst meth="repeat">
+      <a:schemeClr val="accent1"/>
+    </dgm:fillClrLst>
+    <dgm:linClrLst meth="repeat">
+      <a:schemeClr val="accent1">
+        <a:tint val="50000"/>
+      </a:schemeClr>
+    </dgm:linClrLst>
+    <dgm:effectClrLst/>
+    <dgm:txLinClrLst/>
+    <dgm:txFillClrLst meth="repeat">
+      <a:schemeClr val="tx1"/>
+    </dgm:txFillClrLst>
+    <dgm:txEffectClrLst/>
+  </dgm:styleLbl>
+  <dgm:styleLbl name="asst0">
+    <dgm:fillClrLst meth="repeat">
+      <a:schemeClr val="accent1"/>
+    </dgm:fillClrLst>
+    <dgm:linClrLst meth="repeat">
+      <a:schemeClr val="lt1"/>
+    </dgm:linClrLst>
+    <dgm:effectClrLst/>
+    <dgm:txLinClrLst/>
+    <dgm:txFillClrLst/>
+    <dgm:txEffectClrLst/>
+  </dgm:styleLbl>
+  <dgm:styleLbl name="asst1">
+    <dgm:fillClrLst meth="repeat">
+      <a:schemeClr val="accent1"/>
+    </dgm:fillClrLst>
+    <dgm:linClrLst meth="repeat">
+      <a:schemeClr val="lt1"/>
+    </dgm:linClrLst>
+    <dgm:effectClrLst/>
+    <dgm:txLinClrLst/>
+    <dgm:txFillClrLst/>
+    <dgm:txEffectClrLst/>
+  </dgm:styleLbl>
+  <dgm:styleLbl name="asst2">
+    <dgm:fillClrLst meth="repeat">
+      <a:schemeClr val="accent1"/>
+    </dgm:fillClrLst>
+    <dgm:linClrLst meth="repeat">
+      <a:schemeClr val="lt1"/>
+    </dgm:linClrLst>
+    <dgm:effectClrLst/>
+    <dgm:txLinClrLst/>
+    <dgm:txFillClrLst/>
+    <dgm:txEffectClrLst/>
+  </dgm:styleLbl>
+  <dgm:styleLbl name="asst3">
+    <dgm:fillClrLst meth="repeat">
+      <a:schemeClr val="accent1"/>
+    </dgm:fillClrLst>
+    <dgm:linClrLst meth="repeat">
+      <a:schemeClr val="lt1"/>
+    </dgm:linClrLst>
+    <dgm:effectClrLst/>
+    <dgm:txLinClrLst/>
+    <dgm:txFillClrLst/>
+    <dgm:txEffectClrLst/>
+  </dgm:styleLbl>
+  <dgm:styleLbl name="asst4">
+    <dgm:fillClrLst meth="repeat">
+      <a:schemeClr val="accent1"/>
+    </dgm:fillClrLst>
+    <dgm:linClrLst meth="repeat">
+      <a:schemeClr val="lt1"/>
+    </dgm:linClrLst>
+    <dgm:effectClrLst/>
+    <dgm:txLinClrLst/>
+    <dgm:txFillClrLst/>
+    <dgm:txEffectClrLst/>
+  </dgm:styleLbl>
+  <dgm:styleLbl name="parChTrans2D1">
+    <dgm:fillClrLst meth="repeat">
+      <a:schemeClr val="accent1">
+        <a:tint val="60000"/>
+      </a:schemeClr>
+    </dgm:fillClrLst>
+    <dgm:linClrLst meth="repeat">
+      <a:schemeClr val="accent1">
+        <a:tint val="60000"/>
+      </a:schemeClr>
+    </dgm:linClrLst>
+    <dgm:effectClrLst/>
+    <dgm:txLinClrLst/>
+    <dgm:txFillClrLst meth="repeat">
+      <a:schemeClr val="lt1"/>
+    </dgm:txFillClrLst>
+    <dgm:txEffectClrLst/>
+  </dgm:styleLbl>
+  <dgm:styleLbl name="parChTrans2D2">
+    <dgm:fillClrLst meth="repeat">
+      <a:schemeClr val="accent1"/>
+    </dgm:fillClrLst>
+    <dgm:linClrLst meth="repeat">
+      <a:schemeClr val="accent1"/>
+    </dgm:linClrLst>
+    <dgm:effectClrLst/>
+    <dgm:txLinClrLst/>
+    <dgm:txFillClrLst meth="repeat">
+      <a:schemeClr val="lt1"/>
+    </dgm:txFillClrLst>
+    <dgm:txEffectClrLst/>
+  </dgm:styleLbl>
+  <dgm:styleLbl name="parChTrans2D3">
+    <dgm:fillClrLst meth="repeat">
+      <a:schemeClr val="accent1"/>
+    </dgm:fillClrLst>
+    <dgm:linClrLst meth="repeat">
+      <a:schemeClr val="accent1"/>
+    </dgm:linClrLst>
+    <dgm:effectClrLst/>
+    <dgm:txLinClrLst/>
+    <dgm:txFillClrLst meth="repeat">
+      <a:schemeClr val="lt1"/>
+    </dgm:txFillClrLst>
+    <dgm:txEffectClrLst/>
+  </dgm:styleLbl>
+  <dgm:styleLbl name="parChTrans2D4">
+    <dgm:fillClrLst meth="repeat">
+      <a:schemeClr val="accent1"/>
+    </dgm:fillClrLst>
+    <dgm:linClrLst meth="repeat">
+      <a:schemeClr val="accent1"/>
+    </dgm:linClrLst>
+    <dgm:effectClrLst/>
+    <dgm:txLinClrLst/>
+    <dgm:txFillClrLst meth="repeat">
+      <a:schemeClr val="lt1"/>
+    </dgm:txFillClrLst>
+    <dgm:txEffectClrLst/>
+  </dgm:styleLbl>
+  <dgm:styleLbl name="parChTrans1D1">
+    <dgm:fillClrLst meth="repeat">
+      <a:schemeClr val="accent1"/>
+    </dgm:fillClrLst>
+    <dgm:linClrLst meth="repeat">
+      <a:schemeClr val="accent1">
+        <a:shade val="60000"/>
+      </a:schemeClr>
+    </dgm:linClrLst>
+    <dgm:effectClrLst/>
+    <dgm:txLinClrLst/>
+    <dgm:txFillClrLst meth="repeat">
+      <a:schemeClr val="tx1"/>
+    </dgm:txFillClrLst>
+    <dgm:txEffectClrLst/>
+  </dgm:styleLbl>
+  <dgm:styleLbl name="parChTrans1D2">
+    <dgm:fillClrLst meth="repeat">
+      <a:schemeClr val="accent1"/>
+    </dgm:fillClrLst>
+    <dgm:linClrLst meth="repeat">
+      <a:schemeClr val="accent1">
+        <a:shade val="60000"/>
+      </a:schemeClr>
+    </dgm:linClrLst>
+    <dgm:effectClrLst/>
+    <dgm:txLinClrLst/>
+    <dgm:txFillClrLst meth="repeat">
+      <a:schemeClr val="tx1"/>
+    </dgm:txFillClrLst>
+    <dgm:txEffectClrLst/>
+  </dgm:styleLbl>
+  <dgm:styleLbl name="parChTrans1D3">
+    <dgm:fillClrLst meth="repeat">
+      <a:schemeClr val="accent1"/>
+    </dgm:fillClrLst>
+    <dgm:linClrLst meth="repeat">
+      <a:schemeClr val="accent1">
+        <a:shade val="80000"/>
+      </a:schemeClr>
+    </dgm:linClrLst>
+    <dgm:effectClrLst/>
+    <dgm:txLinClrLst/>
+    <dgm:txFillClrLst meth="repeat">
+      <a:schemeClr val="tx1"/>
+    </dgm:txFillClrLst>
+    <dgm:txEffectClrLst/>
+  </dgm:styleLbl>
+  <dgm:styleLbl name="parChTrans1D4">
+    <dgm:fillClrLst meth="repeat">
+      <a:schemeClr val="accent1"/>
+    </dgm:fillClrLst>
+    <dgm:linClrLst meth="repeat">
+      <a:schemeClr val="accent1">
+        <a:shade val="80000"/>
+      </a:schemeClr>
+    </dgm:linClrLst>
+    <dgm:effectClrLst/>
+    <dgm:txLinClrLst/>
+    <dgm:txFillClrLst meth="repeat">
+      <a:schemeClr val="tx1"/>
+    </dgm:txFillClrLst>
+    <dgm:txEffectClrLst/>
+  </dgm:styleLbl>
+  <dgm:styleLbl name="fgAcc1">
+    <dgm:fillClrLst meth="repeat">
+      <a:schemeClr val="lt1">
+        <a:alpha val="90000"/>
+      </a:schemeClr>
+    </dgm:fillClrLst>
+    <dgm:linClrLst meth="repeat">
+      <a:schemeClr val="accent1"/>
+    </dgm:linClrLst>
+    <dgm:effectClrLst/>
+    <dgm:txLinClrLst/>
+    <dgm:txFillClrLst meth="repeat">
+      <a:schemeClr val="dk1"/>
+    </dgm:txFillClrLst>
+    <dgm:txEffectClrLst/>
+  </dgm:styleLbl>
+  <dgm:styleLbl name="conFgAcc1">
+    <dgm:fillClrLst meth="repeat">
+      <a:schemeClr val="lt1">
+        <a:alpha val="90000"/>
+      </a:schemeClr>
+    </dgm:fillClrLst>
+    <dgm:linClrLst meth="repeat">
+      <a:schemeClr val="accent1"/>
+    </dgm:linClrLst>
+    <dgm:effectClrLst/>
+    <dgm:txLinClrLst/>
+    <dgm:txFillClrLst meth="repeat">
+      <a:schemeClr val="dk1"/>
+    </dgm:txFillClrLst>
+    <dgm:txEffectClrLst/>
+  </dgm:styleLbl>
+  <dgm:styleLbl name="alignAcc1">
+    <dgm:fillClrLst meth="repeat">
+      <a:schemeClr val="lt1">
+        <a:alpha val="90000"/>
+      </a:schemeClr>
+    </dgm:fillClrLst>
+    <dgm:linClrLst meth="repeat">
+      <a:schemeClr val="accent1"/>
+    </dgm:linClrLst>
+    <dgm:effectClrLst/>
+    <dgm:txLinClrLst/>
+    <dgm:txFillClrLst meth="repeat">
+      <a:schemeClr val="dk1"/>
+    </dgm:txFillClrLst>
+    <dgm:txEffectClrLst/>
+  </dgm:styleLbl>
+  <dgm:styleLbl name="trAlignAcc1">
+    <dgm:fillClrLst meth="repeat">
+      <a:schemeClr val="lt1">
+        <a:alpha val="40000"/>
+      </a:schemeClr>
+    </dgm:fillClrLst>
+    <dgm:linClrLst meth="repeat">
+      <a:schemeClr val="accent1"/>
+    </dgm:linClrLst>
+    <dgm:effectClrLst/>
+    <dgm:txLinClrLst/>
+    <dgm:txFillClrLst meth="repeat">
+      <a:schemeClr val="dk1"/>
+    </dgm:txFillClrLst>
+    <dgm:txEffectClrLst/>
+  </dgm:styleLbl>
+  <dgm:styleLbl name="bgAcc1">
+    <dgm:fillClrLst meth="repeat">
+      <a:schemeClr val="lt1">
+        <a:alpha val="90000"/>
+      </a:schemeClr>
+    </dgm:fillClrLst>
+    <dgm:linClrLst meth="repeat">
+      <a:schemeClr val="accent1"/>
+    </dgm:linClrLst>
+    <dgm:effectClrLst/>
+    <dgm:txLinClrLst/>
+    <dgm:txFillClrLst meth="repeat">
+      <a:schemeClr val="dk1"/>
+    </dgm:txFillClrLst>
+    <dgm:txEffectClrLst/>
+  </dgm:styleLbl>
+  <dgm:styleLbl name="solidFgAcc1">
+    <dgm:fillClrLst meth="repeat">
+      <a:schemeClr val="lt1"/>
+    </dgm:fillClrLst>
+    <dgm:linClrLst meth="repeat">
+      <a:schemeClr val="accent1"/>
+    </dgm:linClrLst>
+    <dgm:effectClrLst/>
+    <dgm:txLinClrLst/>
+    <dgm:txFillClrLst meth="repeat">
+      <a:schemeClr val="dk1"/>
+    </dgm:txFillClrLst>
+    <dgm:txEffectClrLst/>
+  </dgm:styleLbl>
+  <dgm:styleLbl name="solidAlignAcc1">
+    <dgm:fillClrLst meth="repeat">
+      <a:schemeClr val="lt1"/>
+    </dgm:fillClrLst>
+    <dgm:linClrLst meth="repeat">
+      <a:schemeClr val="accent1"/>
+    </dgm:linClrLst>
+    <dgm:effectClrLst/>
+    <dgm:txLinClrLst/>
+    <dgm:txFillClrLst meth="repeat">
+      <a:schemeClr val="dk1"/>
+    </dgm:txFillClrLst>
+    <dgm:txEffectClrLst/>
+  </dgm:styleLbl>
+  <dgm:styleLbl name="solidBgAcc1">
+    <dgm:fillClrLst meth="repeat">
+      <a:schemeClr val="lt1"/>
+    </dgm:fillClrLst>
+    <dgm:linClrLst meth="repeat">
+      <a:schemeClr val="accent1"/>
+    </dgm:linClrLst>
+    <dgm:effectClrLst/>
+    <dgm:txLinClrLst/>
+    <dgm:txFillClrLst meth="repeat">
+      <a:schemeClr val="dk1"/>
+    </dgm:txFillClrLst>
+    <dgm:txEffectClrLst/>
+  </dgm:styleLbl>
+  <dgm:styleLbl name="fgAccFollowNode1">
+    <dgm:fillClrLst meth="repeat">
+      <a:schemeClr val="accent1">
+        <a:alpha val="90000"/>
+        <a:tint val="40000"/>
+      </a:schemeClr>
+    </dgm:fillClrLst>
+    <dgm:linClrLst meth="repeat">
+      <a:schemeClr val="accent1">
+        <a:alpha val="90000"/>
+        <a:tint val="40000"/>
+      </a:schemeClr>
+    </dgm:linClrLst>
+    <dgm:effectClrLst/>
+    <dgm:txLinClrLst/>
+    <dgm:txFillClrLst meth="repeat">
+      <a:schemeClr val="dk1"/>
+    </dgm:txFillClrLst>
+    <dgm:txEffectClrLst/>
+  </dgm:styleLbl>
+  <dgm:styleLbl name="alignAccFollowNode1">
+    <dgm:fillClrLst meth="repeat">
+      <a:schemeClr val="accent1">
+        <a:alpha val="90000"/>
+        <a:tint val="40000"/>
+      </a:schemeClr>
+    </dgm:fillClrLst>
+    <dgm:linClrLst meth="repeat">
+      <a:schemeClr val="accent1">
+        <a:alpha val="90000"/>
+        <a:tint val="40000"/>
+      </a:schemeClr>
+    </dgm:linClrLst>
+    <dgm:effectClrLst/>
+    <dgm:txLinClrLst/>
+    <dgm:txFillClrLst meth="repeat">
+      <a:schemeClr val="dk1"/>
+    </dgm:txFillClrLst>
+    <dgm:txEffectClrLst/>
+  </dgm:styleLbl>
+  <dgm:styleLbl name="bgAccFollowNode1">
+    <dgm:fillClrLst meth="repeat">
+      <a:schemeClr val="accent1">
+        <a:alpha val="90000"/>
+        <a:tint val="40000"/>
+      </a:schemeClr>
+    </dgm:fillClrLst>
+    <dgm:linClrLst meth="repeat">
+      <a:schemeClr val="accent1">
+        <a:alpha val="90000"/>
+        <a:tint val="40000"/>
+      </a:schemeClr>
+    </dgm:linClrLst>
+    <dgm:effectClrLst/>
+    <dgm:txLinClrLst/>
+    <dgm:txFillClrLst meth="repeat">
+      <a:schemeClr val="dk1"/>
+    </dgm:txFillClrLst>
+    <dgm:txEffectClrLst/>
+  </dgm:styleLbl>
+  <dgm:styleLbl name="fgAcc0">
+    <dgm:fillClrLst meth="repeat">
+      <a:schemeClr val="lt1">
+        <a:alpha val="90000"/>
+      </a:schemeClr>
+    </dgm:fillClrLst>
+    <dgm:linClrLst meth="repeat">
+      <a:schemeClr val="accent1"/>
+    </dgm:linClrLst>
+    <dgm:effectClrLst/>
+    <dgm:txLinClrLst/>
+    <dgm:txFillClrLst meth="repeat">
+      <a:schemeClr val="dk1"/>
+    </dgm:txFillClrLst>
+    <dgm:txEffectClrLst/>
+  </dgm:styleLbl>
+  <dgm:styleLbl name="fgAcc2">
+    <dgm:fillClrLst meth="repeat">
+      <a:schemeClr val="lt1">
+        <a:alpha val="90000"/>
+      </a:schemeClr>
+    </dgm:fillClrLst>
+    <dgm:linClrLst meth="repeat">
+      <a:schemeClr val="accent1"/>
+    </dgm:linClrLst>
+    <dgm:effectClrLst/>
+    <dgm:txLinClrLst/>
+    <dgm:txFillClrLst meth="repeat">
+      <a:schemeClr val="dk1"/>
+    </dgm:txFillClrLst>
+    <dgm:txEffectClrLst/>
+  </dgm:styleLbl>
+  <dgm:styleLbl name="fgAcc3">
+    <dgm:fillClrLst meth="repeat">
+      <a:schemeClr val="lt1">
+        <a:alpha val="90000"/>
+      </a:schemeClr>
+    </dgm:fillClrLst>
+    <dgm:linClrLst meth="repeat">
+      <a:schemeClr val="accent1"/>
+    </dgm:linClrLst>
+    <dgm:effectClrLst/>
+    <dgm:txLinClrLst/>
+    <dgm:txFillClrLst meth="repeat">
+      <a:schemeClr val="dk1"/>
+    </dgm:txFillClrLst>
+    <dgm:txEffectClrLst/>
+  </dgm:styleLbl>
+  <dgm:styleLbl name="fgAcc4">
+    <dgm:fillClrLst meth="repeat">
+      <a:schemeClr val="lt1">
+        <a:alpha val="90000"/>
+      </a:schemeClr>
+    </dgm:fillClrLst>
+    <dgm:linClrLst meth="repeat">
+      <a:schemeClr val="accent1"/>
+    </dgm:linClrLst>
+    <dgm:effectClrLst/>
+    <dgm:txLinClrLst/>
+    <dgm:txFillClrLst meth="repeat">
+      <a:schemeClr val="dk1"/>
+    </dgm:txFillClrLst>
+    <dgm:txEffectClrLst/>
+  </dgm:styleLbl>
+  <dgm:styleLbl name="bgShp">
+    <dgm:fillClrLst meth="repeat">
+      <a:schemeClr val="accent1">
+        <a:tint val="40000"/>
+      </a:schemeClr>
+    </dgm:fillClrLst>
+    <dgm:linClrLst meth="repeat">
+      <a:schemeClr val="accent1"/>
+    </dgm:linClrLst>
+    <dgm:effectClrLst/>
+    <dgm:txLinClrLst/>
+    <dgm:txFillClrLst meth="repeat">
+      <a:schemeClr val="dk1"/>
+    </dgm:txFillClrLst>
+    <dgm:txEffectClrLst/>
+  </dgm:styleLbl>
+  <dgm:styleLbl name="dkBgShp">
+    <dgm:fillClrLst meth="repeat">
+      <a:schemeClr val="accent1">
+        <a:shade val="80000"/>
+      </a:schemeClr>
+    </dgm:fillClrLst>
+    <dgm:linClrLst meth="repeat">
+      <a:schemeClr val="accent1"/>
+    </dgm:linClrLst>
+    <dgm:effectClrLst/>
+    <dgm:txLinClrLst/>
+    <dgm:txFillClrLst meth="repeat">
+      <a:schemeClr val="lt1"/>
+    </dgm:txFillClrLst>
+    <dgm:txEffectClrLst/>
+  </dgm:styleLbl>
+  <dgm:styleLbl name="trBgShp">
+    <dgm:fillClrLst meth="repeat">
+      <a:schemeClr val="accent1">
+        <a:tint val="50000"/>
+        <a:alpha val="40000"/>
+      </a:schemeClr>
+    </dgm:fillClrLst>
+    <dgm:linClrLst meth="repeat">
+      <a:schemeClr val="accent1"/>
+    </dgm:linClrLst>
+    <dgm:effectClrLst/>
+    <dgm:txLinClrLst/>
+    <dgm:txFillClrLst meth="repeat">
+      <a:schemeClr val="lt1"/>
+    </dgm:txFillClrLst>
+    <dgm:txEffectClrLst/>
+  </dgm:styleLbl>
+  <dgm:styleLbl name="fgShp">
+    <dgm:fillClrLst meth="repeat">
+      <a:schemeClr val="accent1">
+        <a:tint val="60000"/>
+      </a:schemeClr>
+    </dgm:fillClrLst>
+    <dgm:linClrLst meth="repeat">
+      <a:schemeClr val="lt1"/>
+    </dgm:linClrLst>
+    <dgm:effectClrLst/>
+    <dgm:txLinClrLst/>
+    <dgm:txFillClrLst meth="repeat">
+      <a:schemeClr val="dk1"/>
+    </dgm:txFillClrLst>
+    <dgm:txEffectClrLst/>
+  </dgm:styleLbl>
+  <dgm:styleLbl name="revTx">
+    <dgm:fillClrLst meth="repeat">
+      <a:schemeClr val="lt1">
+        <a:alpha val="0"/>
+      </a:schemeClr>
+    </dgm:fillClrLst>
+    <dgm:linClrLst meth="repeat">
+      <a:schemeClr val="dk1">
+        <a:alpha val="0"/>
+      </a:schemeClr>
+    </dgm:linClrLst>
+    <dgm:effectClrLst/>
+    <dgm:txLinClrLst/>
+    <dgm:txFillClrLst meth="repeat">
+      <a:schemeClr val="tx1"/>
+    </dgm:txFillClrLst>
+    <dgm:txEffectClrLst/>
+  </dgm:styleLbl>
+</dgm:colorsDef>
+</file>
+
 <file path=ppt/diagrams/data1.xml><?xml version="1.0" encoding="utf-8"?>
 <dgm:dataModel xmlns:dgm="http://schemas.openxmlformats.org/drawingml/2006/diagram" xmlns:a="http://schemas.openxmlformats.org/drawingml/2006/main">
   <dgm:ptLst>
@@ -1640,18 +2393,22 @@
             </a:lnSpc>
           </a:pPr>
           <a:r>
-            <a:rPr lang="en-US" b="0" i="0"/>
-            <a:t>For this project, our goal was to build an insightful dashboard including key data </a:t>
+            <a:rPr lang="en-US" b="0" i="0" dirty="0" smtClean="0"/>
+            <a:t>PURPOSE: For </a:t>
           </a:r>
           <a:r>
-            <a:rPr lang="en-US"/>
+            <a:rPr lang="en-US" b="0" i="0" dirty="0"/>
+            <a:t>this project, our goal was to build an insightful dashboard including key data </a:t>
+          </a:r>
+          <a:r>
+            <a:rPr lang="en-US" dirty="0"/>
             <a:t>visualizations that </a:t>
           </a:r>
           <a:r>
-            <a:rPr lang="en-US" b="0" i="0"/>
+            <a:rPr lang="en-US" b="0" i="0" dirty="0"/>
             <a:t>hospital administrators in California could utilize when making operating decisions.</a:t>
           </a:r>
-          <a:endParaRPr lang="en-US"/>
+          <a:endParaRPr lang="en-US" dirty="0"/>
         </a:p>
       </dgm:t>
     </dgm:pt>
@@ -1690,10 +2447,14 @@
             </a:lnSpc>
           </a:pPr>
           <a:r>
-            <a:rPr lang="en-US" b="0" i="0"/>
-            <a:t>By analyzing and visualizing the revenue mix and types of care provided at each hospital, the user can uncover trends and insights about the current healthcare system operations in California.</a:t>
+            <a:rPr lang="en-US" b="0" i="0" dirty="0" smtClean="0"/>
+            <a:t>KEY OBJECTIVE: By </a:t>
           </a:r>
-          <a:endParaRPr lang="en-US"/>
+          <a:r>
+            <a:rPr lang="en-US" b="0" i="0" dirty="0"/>
+            <a:t>analyzing and visualizing the revenue mix and types of care provided at each hospital, the user can uncover trends and insights about the current healthcare system operations in California.</a:t>
+          </a:r>
+          <a:endParaRPr lang="en-US" dirty="0"/>
         </a:p>
       </dgm:t>
     </dgm:pt>
@@ -1732,14 +2493,14 @@
             </a:lnSpc>
           </a:pPr>
           <a:r>
-            <a:rPr lang="en-US"/>
+            <a:rPr lang="en-US" dirty="0"/>
             <a:t>We also analyzed </a:t>
           </a:r>
           <a:r>
-            <a:rPr lang="en-US" i="0"/>
+            <a:rPr lang="en-US" i="0" dirty="0"/>
             <a:t>data from both the ten largest and smallest hospitals – based on the size of their total assets – to provide a benchmark for comparison.</a:t>
           </a:r>
-          <a:endParaRPr lang="en-US"/>
+          <a:endParaRPr lang="en-US" dirty="0"/>
         </a:p>
       </dgm:t>
     </dgm:pt>
@@ -1773,6 +2534,13 @@
         </dgm:presLayoutVars>
       </dgm:prSet>
       <dgm:spPr/>
+      <dgm:t>
+        <a:bodyPr/>
+        <a:lstStyle/>
+        <a:p>
+          <a:endParaRPr lang="en-US"/>
+        </a:p>
+      </dgm:t>
     </dgm:pt>
     <dgm:pt modelId="{0EE13416-1A0A-4BE7-AF38-309CCD9FCDDA}" type="pres">
       <dgm:prSet presAssocID="{D4DCD722-4182-4E38-852D-DC8181A21CBC}" presName="compNode" presStyleCnt="0"/>
@@ -1781,6 +2549,13 @@
     <dgm:pt modelId="{0A3EB985-0886-4635-A463-46277A5E572D}" type="pres">
       <dgm:prSet presAssocID="{D4DCD722-4182-4E38-852D-DC8181A21CBC}" presName="bgRect" presStyleLbl="bgShp" presStyleIdx="0" presStyleCnt="3"/>
       <dgm:spPr/>
+      <dgm:t>
+        <a:bodyPr/>
+        <a:lstStyle/>
+        <a:p>
+          <a:endParaRPr lang="en-US"/>
+        </a:p>
+      </dgm:t>
     </dgm:pt>
     <dgm:pt modelId="{F183BD5F-A441-429E-B298-F85C7FD9A97D}" type="pres">
       <dgm:prSet presAssocID="{D4DCD722-4182-4E38-852D-DC8181A21CBC}" presName="iconRect" presStyleLbl="node1" presStyleIdx="0" presStyleCnt="3"/>
@@ -1792,7 +2567,7 @@
                 <a14:useLocalDpi xmlns:a14="http://schemas.microsoft.com/office/drawing/2010/main" val="0"/>
               </a:ext>
               <a:ext uri="{96DAC541-7B7A-43D3-8B79-37D633B846F1}">
-                <asvg:svgBlip xmlns:asvg="http://schemas.microsoft.com/office/drawing/2016/SVG/main" r:embed="rId2"/>
+                <asvg:svgBlip xmlns:asvg="http://schemas.microsoft.com/office/drawing/2016/SVG/main" xmlns="" r:embed="rId2"/>
               </a:ext>
             </a:extLst>
           </a:blip>
@@ -1801,6 +2576,13 @@
           </a:stretch>
         </a:blipFill>
       </dgm:spPr>
+      <dgm:t>
+        <a:bodyPr/>
+        <a:lstStyle/>
+        <a:p>
+          <a:endParaRPr lang="en-US"/>
+        </a:p>
+      </dgm:t>
       <dgm:extLst>
         <a:ext uri="{E40237B7-FDA0-4F09-8148-C483321AD2D9}">
           <dgm14:cNvPr xmlns:dgm14="http://schemas.microsoft.com/office/drawing/2010/diagram" id="0" name="" descr="Statistics"/>
@@ -1819,6 +2601,13 @@
         </dgm:presLayoutVars>
       </dgm:prSet>
       <dgm:spPr/>
+      <dgm:t>
+        <a:bodyPr/>
+        <a:lstStyle/>
+        <a:p>
+          <a:endParaRPr lang="en-US"/>
+        </a:p>
+      </dgm:t>
     </dgm:pt>
     <dgm:pt modelId="{BD7FBB69-4D45-4015-8D5D-81E3B0A4907F}" type="pres">
       <dgm:prSet presAssocID="{CE7F95AC-4DE3-42AA-A71F-4EDF665F3304}" presName="sibTrans" presStyleCnt="0"/>
@@ -1831,6 +2620,13 @@
     <dgm:pt modelId="{CA57E06E-F102-47CB-91F2-161FB7AE1ABB}" type="pres">
       <dgm:prSet presAssocID="{0B3256F4-2EE4-4858-80E3-84F16D18622C}" presName="bgRect" presStyleLbl="bgShp" presStyleIdx="1" presStyleCnt="3"/>
       <dgm:spPr/>
+      <dgm:t>
+        <a:bodyPr/>
+        <a:lstStyle/>
+        <a:p>
+          <a:endParaRPr lang="en-US"/>
+        </a:p>
+      </dgm:t>
     </dgm:pt>
     <dgm:pt modelId="{9A3EFD32-1706-494B-BC41-B873B0873934}" type="pres">
       <dgm:prSet presAssocID="{0B3256F4-2EE4-4858-80E3-84F16D18622C}" presName="iconRect" presStyleLbl="node1" presStyleIdx="1" presStyleCnt="3"/>
@@ -1842,7 +2638,7 @@
                 <a14:useLocalDpi xmlns:a14="http://schemas.microsoft.com/office/drawing/2010/main" val="0"/>
               </a:ext>
               <a:ext uri="{96DAC541-7B7A-43D3-8B79-37D633B846F1}">
-                <asvg:svgBlip xmlns:asvg="http://schemas.microsoft.com/office/drawing/2016/SVG/main" r:embed="rId4"/>
+                <asvg:svgBlip xmlns:asvg="http://schemas.microsoft.com/office/drawing/2016/SVG/main" xmlns="" r:embed="rId4"/>
               </a:ext>
             </a:extLst>
           </a:blip>
@@ -1851,6 +2647,13 @@
           </a:stretch>
         </a:blipFill>
       </dgm:spPr>
+      <dgm:t>
+        <a:bodyPr/>
+        <a:lstStyle/>
+        <a:p>
+          <a:endParaRPr lang="en-US"/>
+        </a:p>
+      </dgm:t>
       <dgm:extLst>
         <a:ext uri="{E40237B7-FDA0-4F09-8148-C483321AD2D9}">
           <dgm14:cNvPr xmlns:dgm14="http://schemas.microsoft.com/office/drawing/2010/diagram" id="0" name="" descr="Doctor"/>
@@ -1869,6 +2672,13 @@
         </dgm:presLayoutVars>
       </dgm:prSet>
       <dgm:spPr/>
+      <dgm:t>
+        <a:bodyPr/>
+        <a:lstStyle/>
+        <a:p>
+          <a:endParaRPr lang="en-US"/>
+        </a:p>
+      </dgm:t>
     </dgm:pt>
     <dgm:pt modelId="{7D88DFF1-C999-4C81-9ECD-BC354B74357A}" type="pres">
       <dgm:prSet presAssocID="{45583C0E-4EAA-4FEA-BA94-8ED643336921}" presName="sibTrans" presStyleCnt="0"/>
@@ -1889,7 +2699,7 @@
           <a:blip xmlns:r="http://schemas.openxmlformats.org/officeDocument/2006/relationships" r:embed="rId5">
             <a:extLst>
               <a:ext uri="{96DAC541-7B7A-43D3-8B79-37D633B846F1}">
-                <asvg:svgBlip xmlns:asvg="http://schemas.microsoft.com/office/drawing/2016/SVG/main" r:embed="rId6"/>
+                <asvg:svgBlip xmlns:asvg="http://schemas.microsoft.com/office/drawing/2016/SVG/main" xmlns="" r:embed="rId6"/>
               </a:ext>
             </a:extLst>
           </a:blip>
@@ -1917,15 +2727,22 @@
         </dgm:presLayoutVars>
       </dgm:prSet>
       <dgm:spPr/>
+      <dgm:t>
+        <a:bodyPr/>
+        <a:lstStyle/>
+        <a:p>
+          <a:endParaRPr lang="en-US"/>
+        </a:p>
+      </dgm:t>
     </dgm:pt>
   </dgm:ptLst>
   <dgm:cxnLst>
     <dgm:cxn modelId="{470D943C-5DDC-4478-988D-49D8C0D9E44E}" type="presOf" srcId="{0B3256F4-2EE4-4858-80E3-84F16D18622C}" destId="{D995DAC8-92E1-4180-AFDA-BB26B85D3133}" srcOrd="0" destOrd="0" presId="urn:microsoft.com/office/officeart/2018/2/layout/IconVerticalSolidList"/>
+    <dgm:cxn modelId="{0556319D-B5E2-4E45-A39D-5B10A23FB278}" srcId="{5648D7A0-9D49-433C-A116-96E67296EEF4}" destId="{14E98AC5-9129-4BD1-A72E-62E664F8FFA8}" srcOrd="2" destOrd="0" parTransId="{43A129E9-1BA2-474E-86AA-CA9D35E2DF14}" sibTransId="{9B823D46-1E20-4844-8DE6-A19BA5D2A60E}"/>
+    <dgm:cxn modelId="{895D04B1-E1B1-46C0-A3EF-7A18399512F6}" type="presOf" srcId="{D4DCD722-4182-4E38-852D-DC8181A21CBC}" destId="{1AB80843-C108-47B6-98BC-B034661C3C04}" srcOrd="0" destOrd="0" presId="urn:microsoft.com/office/officeart/2018/2/layout/IconVerticalSolidList"/>
+    <dgm:cxn modelId="{261C6FA6-55E9-4FD4-96E8-A057EC43B289}" type="presOf" srcId="{5648D7A0-9D49-433C-A116-96E67296EEF4}" destId="{59DE5CAA-2CAD-43E8-B0AF-7AF32D86B08A}" srcOrd="0" destOrd="0" presId="urn:microsoft.com/office/officeart/2018/2/layout/IconVerticalSolidList"/>
+    <dgm:cxn modelId="{63D101CE-514D-4E76-AE58-DDAE2C5E8617}" srcId="{5648D7A0-9D49-433C-A116-96E67296EEF4}" destId="{D4DCD722-4182-4E38-852D-DC8181A21CBC}" srcOrd="0" destOrd="0" parTransId="{70F3084D-7E3E-4101-91CB-2B5DCE0EDBB7}" sibTransId="{CE7F95AC-4DE3-42AA-A71F-4EDF665F3304}"/>
     <dgm:cxn modelId="{B68B9450-40E7-48AA-9837-08049450DDDC}" srcId="{5648D7A0-9D49-433C-A116-96E67296EEF4}" destId="{0B3256F4-2EE4-4858-80E3-84F16D18622C}" srcOrd="1" destOrd="0" parTransId="{3BEA5680-58EA-4B61-8854-C59850564086}" sibTransId="{45583C0E-4EAA-4FEA-BA94-8ED643336921}"/>
-    <dgm:cxn modelId="{0556319D-B5E2-4E45-A39D-5B10A23FB278}" srcId="{5648D7A0-9D49-433C-A116-96E67296EEF4}" destId="{14E98AC5-9129-4BD1-A72E-62E664F8FFA8}" srcOrd="2" destOrd="0" parTransId="{43A129E9-1BA2-474E-86AA-CA9D35E2DF14}" sibTransId="{9B823D46-1E20-4844-8DE6-A19BA5D2A60E}"/>
-    <dgm:cxn modelId="{261C6FA6-55E9-4FD4-96E8-A057EC43B289}" type="presOf" srcId="{5648D7A0-9D49-433C-A116-96E67296EEF4}" destId="{59DE5CAA-2CAD-43E8-B0AF-7AF32D86B08A}" srcOrd="0" destOrd="0" presId="urn:microsoft.com/office/officeart/2018/2/layout/IconVerticalSolidList"/>
-    <dgm:cxn modelId="{895D04B1-E1B1-46C0-A3EF-7A18399512F6}" type="presOf" srcId="{D4DCD722-4182-4E38-852D-DC8181A21CBC}" destId="{1AB80843-C108-47B6-98BC-B034661C3C04}" srcOrd="0" destOrd="0" presId="urn:microsoft.com/office/officeart/2018/2/layout/IconVerticalSolidList"/>
-    <dgm:cxn modelId="{63D101CE-514D-4E76-AE58-DDAE2C5E8617}" srcId="{5648D7A0-9D49-433C-A116-96E67296EEF4}" destId="{D4DCD722-4182-4E38-852D-DC8181A21CBC}" srcOrd="0" destOrd="0" parTransId="{70F3084D-7E3E-4101-91CB-2B5DCE0EDBB7}" sibTransId="{CE7F95AC-4DE3-42AA-A71F-4EDF665F3304}"/>
     <dgm:cxn modelId="{CCC103E3-C135-4C73-BAFC-EB684CD17B23}" type="presOf" srcId="{14E98AC5-9129-4BD1-A72E-62E664F8FFA8}" destId="{AFBBA951-EA0F-4FEA-873D-D7F4CE07E77E}" srcOrd="0" destOrd="0" presId="urn:microsoft.com/office/officeart/2018/2/layout/IconVerticalSolidList"/>
     <dgm:cxn modelId="{F8688E0B-5331-47AD-926B-44A482F56D07}" type="presParOf" srcId="{59DE5CAA-2CAD-43E8-B0AF-7AF32D86B08A}" destId="{0EE13416-1A0A-4BE7-AF38-309CCD9FCDDA}" srcOrd="0" destOrd="0" presId="urn:microsoft.com/office/officeart/2018/2/layout/IconVerticalSolidList"/>
     <dgm:cxn modelId="{A2B80D35-7A5D-40A7-987D-E31AF9FB9D5E}" type="presParOf" srcId="{0EE13416-1A0A-4BE7-AF38-309CCD9FCDDA}" destId="{0A3EB985-0886-4635-A463-46277A5E572D}" srcOrd="0" destOrd="0" presId="urn:microsoft.com/office/officeart/2018/2/layout/IconVerticalSolidList"/>
@@ -1956,6 +2773,355 @@
 </file>
 
 <file path=ppt/diagrams/data2.xml><?xml version="1.0" encoding="utf-8"?>
+<dgm:dataModel xmlns:dgm="http://schemas.openxmlformats.org/drawingml/2006/diagram" xmlns:a="http://schemas.openxmlformats.org/drawingml/2006/main">
+  <dgm:ptLst>
+    <dgm:pt modelId="{B921DA41-0734-4180-A0B6-1C7C30DED0D5}" type="doc">
+      <dgm:prSet loTypeId="urn:microsoft.com/office/officeart/2018/2/layout/IconLabelList" loCatId="icon" qsTypeId="urn:microsoft.com/office/officeart/2005/8/quickstyle/simple1" qsCatId="simple" csTypeId="urn:microsoft.com/office/officeart/2005/8/colors/accent1_2" csCatId="accent1" phldr="1"/>
+      <dgm:spPr/>
+      <dgm:t>
+        <a:bodyPr/>
+        <a:lstStyle/>
+        <a:p>
+          <a:endParaRPr lang="en-US"/>
+        </a:p>
+      </dgm:t>
+    </dgm:pt>
+    <dgm:pt modelId="{CD05649B-8C74-4D5B-9E3F-2478BA58C891}">
+      <dgm:prSet/>
+      <dgm:spPr/>
+      <dgm:t>
+        <a:bodyPr/>
+        <a:lstStyle/>
+        <a:p>
+          <a:pPr>
+            <a:lnSpc>
+              <a:spcPct val="100000"/>
+            </a:lnSpc>
+          </a:pPr>
+          <a:r>
+            <a:rPr lang="en-US" dirty="0"/>
+            <a:t>9 </a:t>
+          </a:r>
+          <a:r>
+            <a:rPr lang="en-US" dirty="0" smtClean="0"/>
+            <a:t>Payer </a:t>
+          </a:r>
+          <a:r>
+            <a:rPr lang="en-US" dirty="0"/>
+            <a:t>Categories</a:t>
+          </a:r>
+        </a:p>
+      </dgm:t>
+    </dgm:pt>
+    <dgm:pt modelId="{D80FF642-D437-4291-BAD2-8325AA4D3F91}" type="parTrans" cxnId="{1680D877-6EE7-4669-A372-0F398F999849}">
+      <dgm:prSet/>
+      <dgm:spPr/>
+      <dgm:t>
+        <a:bodyPr/>
+        <a:lstStyle/>
+        <a:p>
+          <a:endParaRPr lang="en-US"/>
+        </a:p>
+      </dgm:t>
+    </dgm:pt>
+    <dgm:pt modelId="{F50EEB1D-DA31-4ED6-9E63-43C83A8075FF}" type="sibTrans" cxnId="{1680D877-6EE7-4669-A372-0F398F999849}">
+      <dgm:prSet/>
+      <dgm:spPr/>
+      <dgm:t>
+        <a:bodyPr/>
+        <a:lstStyle/>
+        <a:p>
+          <a:endParaRPr lang="en-US"/>
+        </a:p>
+      </dgm:t>
+    </dgm:pt>
+    <dgm:pt modelId="{6F563EB3-AEFF-427A-89EC-D5F54DE0D1CE}">
+      <dgm:prSet/>
+      <dgm:spPr/>
+      <dgm:t>
+        <a:bodyPr/>
+        <a:lstStyle/>
+        <a:p>
+          <a:pPr>
+            <a:lnSpc>
+              <a:spcPct val="100000"/>
+            </a:lnSpc>
+          </a:pPr>
+          <a:r>
+            <a:rPr lang="en-US" dirty="0"/>
+            <a:t>431 </a:t>
+          </a:r>
+          <a:r>
+            <a:rPr lang="en-US" dirty="0" smtClean="0"/>
+            <a:t>Hospitals</a:t>
+          </a:r>
+          <a:endParaRPr lang="en-US" dirty="0"/>
+        </a:p>
+      </dgm:t>
+    </dgm:pt>
+    <dgm:pt modelId="{A1E92C1C-02F9-4AD1-9C19-4D29BA0FC418}" type="parTrans" cxnId="{7E345779-6A52-41EE-AC5F-761A4B01613E}">
+      <dgm:prSet/>
+      <dgm:spPr/>
+      <dgm:t>
+        <a:bodyPr/>
+        <a:lstStyle/>
+        <a:p>
+          <a:endParaRPr lang="en-US"/>
+        </a:p>
+      </dgm:t>
+    </dgm:pt>
+    <dgm:pt modelId="{C817E149-F3C7-4452-A6F4-665D49D13D94}" type="sibTrans" cxnId="{7E345779-6A52-41EE-AC5F-761A4B01613E}">
+      <dgm:prSet/>
+      <dgm:spPr/>
+      <dgm:t>
+        <a:bodyPr/>
+        <a:lstStyle/>
+        <a:p>
+          <a:endParaRPr lang="en-US"/>
+        </a:p>
+      </dgm:t>
+    </dgm:pt>
+    <dgm:pt modelId="{BE1D28A6-BC45-4632-BBC7-A7A1D6E10743}">
+      <dgm:prSet/>
+      <dgm:spPr/>
+      <dgm:t>
+        <a:bodyPr/>
+        <a:lstStyle/>
+        <a:p>
+          <a:pPr>
+            <a:lnSpc>
+              <a:spcPct val="100000"/>
+            </a:lnSpc>
+          </a:pPr>
+          <a:r>
+            <a:rPr lang="en-US" dirty="0"/>
+            <a:t>$16.5B in Combined Net Revenue</a:t>
+          </a:r>
+        </a:p>
+      </dgm:t>
+    </dgm:pt>
+    <dgm:pt modelId="{50FD35C8-F98E-4C15-9915-440B107ADE43}" type="parTrans" cxnId="{BFAEE101-1639-4670-8CF2-DE8BE8EB4188}">
+      <dgm:prSet/>
+      <dgm:spPr/>
+      <dgm:t>
+        <a:bodyPr/>
+        <a:lstStyle/>
+        <a:p>
+          <a:endParaRPr lang="en-US"/>
+        </a:p>
+      </dgm:t>
+    </dgm:pt>
+    <dgm:pt modelId="{1DF6F867-E370-44B3-96D9-4D831F312971}" type="sibTrans" cxnId="{BFAEE101-1639-4670-8CF2-DE8BE8EB4188}">
+      <dgm:prSet/>
+      <dgm:spPr/>
+      <dgm:t>
+        <a:bodyPr/>
+        <a:lstStyle/>
+        <a:p>
+          <a:endParaRPr lang="en-US"/>
+        </a:p>
+      </dgm:t>
+    </dgm:pt>
+    <dgm:pt modelId="{18CBCA29-BA31-47DE-8C33-F0613E7E4EB0}" type="pres">
+      <dgm:prSet presAssocID="{B921DA41-0734-4180-A0B6-1C7C30DED0D5}" presName="root" presStyleCnt="0">
+        <dgm:presLayoutVars>
+          <dgm:dir/>
+          <dgm:resizeHandles val="exact"/>
+        </dgm:presLayoutVars>
+      </dgm:prSet>
+      <dgm:spPr/>
+      <dgm:t>
+        <a:bodyPr/>
+        <a:lstStyle/>
+        <a:p>
+          <a:endParaRPr lang="en-US"/>
+        </a:p>
+      </dgm:t>
+    </dgm:pt>
+    <dgm:pt modelId="{501497E0-294A-49C5-89D2-C909FA231A6F}" type="pres">
+      <dgm:prSet presAssocID="{CD05649B-8C74-4D5B-9E3F-2478BA58C891}" presName="compNode" presStyleCnt="0"/>
+      <dgm:spPr/>
+    </dgm:pt>
+    <dgm:pt modelId="{F918D225-4876-42BC-96A3-9EF9540B7B88}" type="pres">
+      <dgm:prSet presAssocID="{CD05649B-8C74-4D5B-9E3F-2478BA58C891}" presName="iconRect" presStyleLbl="node1" presStyleIdx="0" presStyleCnt="3"/>
+      <dgm:spPr>
+        <a:blipFill>
+          <a:blip xmlns:r="http://schemas.openxmlformats.org/officeDocument/2006/relationships" r:embed="rId1">
+            <a:extLst>
+              <a:ext uri="{96DAC541-7B7A-43D3-8B79-37D633B846F1}">
+                <asvg:svgBlip xmlns:asvg="http://schemas.microsoft.com/office/drawing/2016/SVG/main" xmlns="" r:embed="rId2"/>
+              </a:ext>
+            </a:extLst>
+          </a:blip>
+          <a:srcRect/>
+          <a:stretch>
+            <a:fillRect/>
+          </a:stretch>
+        </a:blipFill>
+      </dgm:spPr>
+      <dgm:extLst>
+        <a:ext uri="{E40237B7-FDA0-4F09-8148-C483321AD2D9}">
+          <dgm14:cNvPr xmlns:dgm14="http://schemas.microsoft.com/office/drawing/2010/diagram" id="0" name="" descr="Payroll with solid fill"/>
+        </a:ext>
+      </dgm:extLst>
+    </dgm:pt>
+    <dgm:pt modelId="{D884340C-78CD-4F9B-8425-A387E6831590}" type="pres">
+      <dgm:prSet presAssocID="{CD05649B-8C74-4D5B-9E3F-2478BA58C891}" presName="spaceRect" presStyleCnt="0"/>
+      <dgm:spPr/>
+    </dgm:pt>
+    <dgm:pt modelId="{CC1A6799-D267-4FCD-8D98-2D457C544FFD}" type="pres">
+      <dgm:prSet presAssocID="{CD05649B-8C74-4D5B-9E3F-2478BA58C891}" presName="textRect" presStyleLbl="revTx" presStyleIdx="0" presStyleCnt="3">
+        <dgm:presLayoutVars>
+          <dgm:chMax val="1"/>
+          <dgm:chPref val="1"/>
+        </dgm:presLayoutVars>
+      </dgm:prSet>
+      <dgm:spPr/>
+      <dgm:t>
+        <a:bodyPr/>
+        <a:lstStyle/>
+        <a:p>
+          <a:endParaRPr lang="en-US"/>
+        </a:p>
+      </dgm:t>
+    </dgm:pt>
+    <dgm:pt modelId="{CD6BAFD9-E5DA-4F17-9A84-4AD1A3A70EE8}" type="pres">
+      <dgm:prSet presAssocID="{F50EEB1D-DA31-4ED6-9E63-43C83A8075FF}" presName="sibTrans" presStyleCnt="0"/>
+      <dgm:spPr/>
+    </dgm:pt>
+    <dgm:pt modelId="{B372CC1E-BE71-45A8-A836-9F46CB81AB30}" type="pres">
+      <dgm:prSet presAssocID="{6F563EB3-AEFF-427A-89EC-D5F54DE0D1CE}" presName="compNode" presStyleCnt="0"/>
+      <dgm:spPr/>
+    </dgm:pt>
+    <dgm:pt modelId="{42B8216D-0DFF-4247-9439-E07800C13E9B}" type="pres">
+      <dgm:prSet presAssocID="{6F563EB3-AEFF-427A-89EC-D5F54DE0D1CE}" presName="iconRect" presStyleLbl="node1" presStyleIdx="1" presStyleCnt="3"/>
+      <dgm:spPr>
+        <a:blipFill>
+          <a:blip xmlns:r="http://schemas.openxmlformats.org/officeDocument/2006/relationships" r:embed="rId3">
+            <a:extLst>
+              <a:ext uri="{96DAC541-7B7A-43D3-8B79-37D633B846F1}">
+                <asvg:svgBlip xmlns:asvg="http://schemas.microsoft.com/office/drawing/2016/SVG/main" xmlns="" r:embed="rId4"/>
+              </a:ext>
+            </a:extLst>
+          </a:blip>
+          <a:srcRect/>
+          <a:stretch>
+            <a:fillRect/>
+          </a:stretch>
+        </a:blipFill>
+      </dgm:spPr>
+      <dgm:extLst>
+        <a:ext uri="{E40237B7-FDA0-4F09-8148-C483321AD2D9}">
+          <dgm14:cNvPr xmlns:dgm14="http://schemas.microsoft.com/office/drawing/2010/diagram" id="0" name="" descr="Building outline"/>
+        </a:ext>
+      </dgm:extLst>
+    </dgm:pt>
+    <dgm:pt modelId="{D52461B0-ACF4-42F4-9E29-5921A1CC09DA}" type="pres">
+      <dgm:prSet presAssocID="{6F563EB3-AEFF-427A-89EC-D5F54DE0D1CE}" presName="spaceRect" presStyleCnt="0"/>
+      <dgm:spPr/>
+    </dgm:pt>
+    <dgm:pt modelId="{6D8C13C9-D2B6-41FD-949D-ED6966756D3F}" type="pres">
+      <dgm:prSet presAssocID="{6F563EB3-AEFF-427A-89EC-D5F54DE0D1CE}" presName="textRect" presStyleLbl="revTx" presStyleIdx="1" presStyleCnt="3">
+        <dgm:presLayoutVars>
+          <dgm:chMax val="1"/>
+          <dgm:chPref val="1"/>
+        </dgm:presLayoutVars>
+      </dgm:prSet>
+      <dgm:spPr/>
+      <dgm:t>
+        <a:bodyPr/>
+        <a:lstStyle/>
+        <a:p>
+          <a:endParaRPr lang="en-US"/>
+        </a:p>
+      </dgm:t>
+    </dgm:pt>
+    <dgm:pt modelId="{BE27F95E-0DD7-4F3D-A58D-41C81F6498EB}" type="pres">
+      <dgm:prSet presAssocID="{C817E149-F3C7-4452-A6F4-665D49D13D94}" presName="sibTrans" presStyleCnt="0"/>
+      <dgm:spPr/>
+    </dgm:pt>
+    <dgm:pt modelId="{FBB24A17-7684-426A-8879-852BE1EEACDB}" type="pres">
+      <dgm:prSet presAssocID="{BE1D28A6-BC45-4632-BBC7-A7A1D6E10743}" presName="compNode" presStyleCnt="0"/>
+      <dgm:spPr/>
+    </dgm:pt>
+    <dgm:pt modelId="{86CF668A-BE1C-4753-9587-6D3A7E72C782}" type="pres">
+      <dgm:prSet presAssocID="{BE1D28A6-BC45-4632-BBC7-A7A1D6E10743}" presName="iconRect" presStyleLbl="node1" presStyleIdx="2" presStyleCnt="3"/>
+      <dgm:spPr>
+        <a:blipFill>
+          <a:blip xmlns:r="http://schemas.openxmlformats.org/officeDocument/2006/relationships" r:embed="rId5">
+            <a:extLst>
+              <a:ext uri="{96DAC541-7B7A-43D3-8B79-37D633B846F1}">
+                <asvg:svgBlip xmlns:asvg="http://schemas.microsoft.com/office/drawing/2016/SVG/main" xmlns="" r:embed="rId6"/>
+              </a:ext>
+            </a:extLst>
+          </a:blip>
+          <a:srcRect/>
+          <a:stretch>
+            <a:fillRect/>
+          </a:stretch>
+        </a:blipFill>
+      </dgm:spPr>
+      <dgm:extLst>
+        <a:ext uri="{E40237B7-FDA0-4F09-8148-C483321AD2D9}">
+          <dgm14:cNvPr xmlns:dgm14="http://schemas.microsoft.com/office/drawing/2010/diagram" id="0" name="" descr="Money with solid fill"/>
+        </a:ext>
+      </dgm:extLst>
+    </dgm:pt>
+    <dgm:pt modelId="{3539C29A-407B-40EC-BBD5-9E2FBDE83DDB}" type="pres">
+      <dgm:prSet presAssocID="{BE1D28A6-BC45-4632-BBC7-A7A1D6E10743}" presName="spaceRect" presStyleCnt="0"/>
+      <dgm:spPr/>
+    </dgm:pt>
+    <dgm:pt modelId="{39863B24-82F4-4CA6-9BDD-CD3F63E41161}" type="pres">
+      <dgm:prSet presAssocID="{BE1D28A6-BC45-4632-BBC7-A7A1D6E10743}" presName="textRect" presStyleLbl="revTx" presStyleIdx="2" presStyleCnt="3">
+        <dgm:presLayoutVars>
+          <dgm:chMax val="1"/>
+          <dgm:chPref val="1"/>
+        </dgm:presLayoutVars>
+      </dgm:prSet>
+      <dgm:spPr/>
+      <dgm:t>
+        <a:bodyPr/>
+        <a:lstStyle/>
+        <a:p>
+          <a:endParaRPr lang="en-US"/>
+        </a:p>
+      </dgm:t>
+    </dgm:pt>
+  </dgm:ptLst>
+  <dgm:cxnLst>
+    <dgm:cxn modelId="{D15B439E-E938-4B2A-AB33-A7F61597D7F3}" type="presOf" srcId="{CD05649B-8C74-4D5B-9E3F-2478BA58C891}" destId="{CC1A6799-D267-4FCD-8D98-2D457C544FFD}" srcOrd="0" destOrd="0" presId="urn:microsoft.com/office/officeart/2018/2/layout/IconLabelList"/>
+    <dgm:cxn modelId="{7E345779-6A52-41EE-AC5F-761A4B01613E}" srcId="{B921DA41-0734-4180-A0B6-1C7C30DED0D5}" destId="{6F563EB3-AEFF-427A-89EC-D5F54DE0D1CE}" srcOrd="1" destOrd="0" parTransId="{A1E92C1C-02F9-4AD1-9C19-4D29BA0FC418}" sibTransId="{C817E149-F3C7-4452-A6F4-665D49D13D94}"/>
+    <dgm:cxn modelId="{BFAEE101-1639-4670-8CF2-DE8BE8EB4188}" srcId="{B921DA41-0734-4180-A0B6-1C7C30DED0D5}" destId="{BE1D28A6-BC45-4632-BBC7-A7A1D6E10743}" srcOrd="2" destOrd="0" parTransId="{50FD35C8-F98E-4C15-9915-440B107ADE43}" sibTransId="{1DF6F867-E370-44B3-96D9-4D831F312971}"/>
+    <dgm:cxn modelId="{1680D877-6EE7-4669-A372-0F398F999849}" srcId="{B921DA41-0734-4180-A0B6-1C7C30DED0D5}" destId="{CD05649B-8C74-4D5B-9E3F-2478BA58C891}" srcOrd="0" destOrd="0" parTransId="{D80FF642-D437-4291-BAD2-8325AA4D3F91}" sibTransId="{F50EEB1D-DA31-4ED6-9E63-43C83A8075FF}"/>
+    <dgm:cxn modelId="{D740EBFB-6A3D-4AD9-92E7-FB65DBCB4042}" type="presOf" srcId="{6F563EB3-AEFF-427A-89EC-D5F54DE0D1CE}" destId="{6D8C13C9-D2B6-41FD-949D-ED6966756D3F}" srcOrd="0" destOrd="0" presId="urn:microsoft.com/office/officeart/2018/2/layout/IconLabelList"/>
+    <dgm:cxn modelId="{8A96CC04-928E-4780-A7AA-8D92B0763C41}" type="presOf" srcId="{BE1D28A6-BC45-4632-BBC7-A7A1D6E10743}" destId="{39863B24-82F4-4CA6-9BDD-CD3F63E41161}" srcOrd="0" destOrd="0" presId="urn:microsoft.com/office/officeart/2018/2/layout/IconLabelList"/>
+    <dgm:cxn modelId="{8F1AE952-3587-42BE-AB67-0105F4820479}" type="presOf" srcId="{B921DA41-0734-4180-A0B6-1C7C30DED0D5}" destId="{18CBCA29-BA31-47DE-8C33-F0613E7E4EB0}" srcOrd="0" destOrd="0" presId="urn:microsoft.com/office/officeart/2018/2/layout/IconLabelList"/>
+    <dgm:cxn modelId="{CC638B33-FBA5-4178-B6D2-76C7DD3D0E65}" type="presParOf" srcId="{18CBCA29-BA31-47DE-8C33-F0613E7E4EB0}" destId="{501497E0-294A-49C5-89D2-C909FA231A6F}" srcOrd="0" destOrd="0" presId="urn:microsoft.com/office/officeart/2018/2/layout/IconLabelList"/>
+    <dgm:cxn modelId="{41B7A322-2A7E-45FF-B78E-2AAF42935051}" type="presParOf" srcId="{501497E0-294A-49C5-89D2-C909FA231A6F}" destId="{F918D225-4876-42BC-96A3-9EF9540B7B88}" srcOrd="0" destOrd="0" presId="urn:microsoft.com/office/officeart/2018/2/layout/IconLabelList"/>
+    <dgm:cxn modelId="{2750350F-B408-4266-BBDE-2A7B81BD8072}" type="presParOf" srcId="{501497E0-294A-49C5-89D2-C909FA231A6F}" destId="{D884340C-78CD-4F9B-8425-A387E6831590}" srcOrd="1" destOrd="0" presId="urn:microsoft.com/office/officeart/2018/2/layout/IconLabelList"/>
+    <dgm:cxn modelId="{E9F36F96-3A5A-4031-89D4-84656CAAB834}" type="presParOf" srcId="{501497E0-294A-49C5-89D2-C909FA231A6F}" destId="{CC1A6799-D267-4FCD-8D98-2D457C544FFD}" srcOrd="2" destOrd="0" presId="urn:microsoft.com/office/officeart/2018/2/layout/IconLabelList"/>
+    <dgm:cxn modelId="{13B1C341-E28A-4EF2-A77B-997C7C9BFD67}" type="presParOf" srcId="{18CBCA29-BA31-47DE-8C33-F0613E7E4EB0}" destId="{CD6BAFD9-E5DA-4F17-9A84-4AD1A3A70EE8}" srcOrd="1" destOrd="0" presId="urn:microsoft.com/office/officeart/2018/2/layout/IconLabelList"/>
+    <dgm:cxn modelId="{A83DD394-49BC-4474-AE84-2E8045C00460}" type="presParOf" srcId="{18CBCA29-BA31-47DE-8C33-F0613E7E4EB0}" destId="{B372CC1E-BE71-45A8-A836-9F46CB81AB30}" srcOrd="2" destOrd="0" presId="urn:microsoft.com/office/officeart/2018/2/layout/IconLabelList"/>
+    <dgm:cxn modelId="{A52CE2FC-74CB-4238-B1AF-736CB3EB3648}" type="presParOf" srcId="{B372CC1E-BE71-45A8-A836-9F46CB81AB30}" destId="{42B8216D-0DFF-4247-9439-E07800C13E9B}" srcOrd="0" destOrd="0" presId="urn:microsoft.com/office/officeart/2018/2/layout/IconLabelList"/>
+    <dgm:cxn modelId="{DDC05302-A371-4125-ABC5-33166A424538}" type="presParOf" srcId="{B372CC1E-BE71-45A8-A836-9F46CB81AB30}" destId="{D52461B0-ACF4-42F4-9E29-5921A1CC09DA}" srcOrd="1" destOrd="0" presId="urn:microsoft.com/office/officeart/2018/2/layout/IconLabelList"/>
+    <dgm:cxn modelId="{06596913-FD7F-400C-9CE1-8D5BD5AC48B4}" type="presParOf" srcId="{B372CC1E-BE71-45A8-A836-9F46CB81AB30}" destId="{6D8C13C9-D2B6-41FD-949D-ED6966756D3F}" srcOrd="2" destOrd="0" presId="urn:microsoft.com/office/officeart/2018/2/layout/IconLabelList"/>
+    <dgm:cxn modelId="{E41B56E4-9729-4F61-946D-5A5BA8F68C6B}" type="presParOf" srcId="{18CBCA29-BA31-47DE-8C33-F0613E7E4EB0}" destId="{BE27F95E-0DD7-4F3D-A58D-41C81F6498EB}" srcOrd="3" destOrd="0" presId="urn:microsoft.com/office/officeart/2018/2/layout/IconLabelList"/>
+    <dgm:cxn modelId="{23B924B7-6CED-484D-838B-CCEB8A8F14BB}" type="presParOf" srcId="{18CBCA29-BA31-47DE-8C33-F0613E7E4EB0}" destId="{FBB24A17-7684-426A-8879-852BE1EEACDB}" srcOrd="4" destOrd="0" presId="urn:microsoft.com/office/officeart/2018/2/layout/IconLabelList"/>
+    <dgm:cxn modelId="{853C2AB8-7AA3-4373-A0E4-6E69300E21BB}" type="presParOf" srcId="{FBB24A17-7684-426A-8879-852BE1EEACDB}" destId="{86CF668A-BE1C-4753-9587-6D3A7E72C782}" srcOrd="0" destOrd="0" presId="urn:microsoft.com/office/officeart/2018/2/layout/IconLabelList"/>
+    <dgm:cxn modelId="{B882CE1C-F712-4A92-BDB6-921B78E57B21}" type="presParOf" srcId="{FBB24A17-7684-426A-8879-852BE1EEACDB}" destId="{3539C29A-407B-40EC-BBD5-9E2FBDE83DDB}" srcOrd="1" destOrd="0" presId="urn:microsoft.com/office/officeart/2018/2/layout/IconLabelList"/>
+    <dgm:cxn modelId="{69860817-7184-40C0-86FD-67710A24200B}" type="presParOf" srcId="{FBB24A17-7684-426A-8879-852BE1EEACDB}" destId="{39863B24-82F4-4CA6-9BDD-CD3F63E41161}" srcOrd="2" destOrd="0" presId="urn:microsoft.com/office/officeart/2018/2/layout/IconLabelList"/>
+  </dgm:cxnLst>
+  <dgm:bg/>
+  <dgm:whole/>
+  <dgm:extLst>
+    <a:ext uri="http://schemas.microsoft.com/office/drawing/2008/diagram">
+      <dsp:dataModelExt xmlns:dsp="http://schemas.microsoft.com/office/drawing/2008/diagram" relId="rId6" minVer="http://schemas.openxmlformats.org/drawingml/2006/diagram"/>
+    </a:ext>
+  </dgm:extLst>
+</dgm:dataModel>
+</file>
+
+<file path=ppt/diagrams/data3.xml><?xml version="1.0" encoding="utf-8"?>
 <dgm:dataModel xmlns:dgm="http://schemas.openxmlformats.org/drawingml/2006/diagram" xmlns:a="http://schemas.openxmlformats.org/drawingml/2006/main">
   <dgm:ptLst>
     <dgm:pt modelId="{B921DA41-0734-4180-A0B6-1C7C30DED0D5}" type="doc">
@@ -2100,6 +3266,13 @@
         </dgm:presLayoutVars>
       </dgm:prSet>
       <dgm:spPr/>
+      <dgm:t>
+        <a:bodyPr/>
+        <a:lstStyle/>
+        <a:p>
+          <a:endParaRPr lang="en-US"/>
+        </a:p>
+      </dgm:t>
     </dgm:pt>
     <dgm:pt modelId="{501497E0-294A-49C5-89D2-C909FA231A6F}" type="pres">
       <dgm:prSet presAssocID="{CD05649B-8C74-4D5B-9E3F-2478BA58C891}" presName="compNode" presStyleCnt="0"/>
@@ -2112,7 +3285,7 @@
           <a:blip xmlns:r="http://schemas.openxmlformats.org/officeDocument/2006/relationships" r:embed="rId1">
             <a:extLst>
               <a:ext uri="{96DAC541-7B7A-43D3-8B79-37D633B846F1}">
-                <asvg:svgBlip xmlns:asvg="http://schemas.microsoft.com/office/drawing/2016/SVG/main" r:embed="rId2"/>
+                <asvg:svgBlip xmlns:asvg="http://schemas.microsoft.com/office/drawing/2016/SVG/main" xmlns="" r:embed="rId2"/>
               </a:ext>
             </a:extLst>
           </a:blip>
@@ -2140,6 +3313,13 @@
         </dgm:presLayoutVars>
       </dgm:prSet>
       <dgm:spPr/>
+      <dgm:t>
+        <a:bodyPr/>
+        <a:lstStyle/>
+        <a:p>
+          <a:endParaRPr lang="en-US"/>
+        </a:p>
+      </dgm:t>
     </dgm:pt>
     <dgm:pt modelId="{CD6BAFD9-E5DA-4F17-9A84-4AD1A3A70EE8}" type="pres">
       <dgm:prSet presAssocID="{F50EEB1D-DA31-4ED6-9E63-43C83A8075FF}" presName="sibTrans" presStyleCnt="0"/>
@@ -2156,7 +3336,7 @@
           <a:blip xmlns:r="http://schemas.openxmlformats.org/officeDocument/2006/relationships" r:embed="rId3">
             <a:extLst>
               <a:ext uri="{96DAC541-7B7A-43D3-8B79-37D633B846F1}">
-                <asvg:svgBlip xmlns:asvg="http://schemas.microsoft.com/office/drawing/2016/SVG/main" r:embed="rId4"/>
+                <asvg:svgBlip xmlns:asvg="http://schemas.microsoft.com/office/drawing/2016/SVG/main" xmlns="" r:embed="rId4"/>
               </a:ext>
             </a:extLst>
           </a:blip>
@@ -2184,6 +3364,13 @@
         </dgm:presLayoutVars>
       </dgm:prSet>
       <dgm:spPr/>
+      <dgm:t>
+        <a:bodyPr/>
+        <a:lstStyle/>
+        <a:p>
+          <a:endParaRPr lang="en-US"/>
+        </a:p>
+      </dgm:t>
     </dgm:pt>
     <dgm:pt modelId="{BE27F95E-0DD7-4F3D-A58D-41C81F6498EB}" type="pres">
       <dgm:prSet presAssocID="{C817E149-F3C7-4452-A6F4-665D49D13D94}" presName="sibTrans" presStyleCnt="0"/>
@@ -2200,7 +3387,7 @@
           <a:blip xmlns:r="http://schemas.openxmlformats.org/officeDocument/2006/relationships" r:embed="rId5">
             <a:extLst>
               <a:ext uri="{96DAC541-7B7A-43D3-8B79-37D633B846F1}">
-                <asvg:svgBlip xmlns:asvg="http://schemas.microsoft.com/office/drawing/2016/SVG/main" r:embed="rId6"/>
+                <asvg:svgBlip xmlns:asvg="http://schemas.microsoft.com/office/drawing/2016/SVG/main" xmlns="" r:embed="rId6"/>
               </a:ext>
             </a:extLst>
           </a:blip>
@@ -2228,16 +3415,23 @@
         </dgm:presLayoutVars>
       </dgm:prSet>
       <dgm:spPr/>
+      <dgm:t>
+        <a:bodyPr/>
+        <a:lstStyle/>
+        <a:p>
+          <a:endParaRPr lang="en-US"/>
+        </a:p>
+      </dgm:t>
     </dgm:pt>
   </dgm:ptLst>
   <dgm:cxnLst>
+    <dgm:cxn modelId="{D15B439E-E938-4B2A-AB33-A7F61597D7F3}" type="presOf" srcId="{CD05649B-8C74-4D5B-9E3F-2478BA58C891}" destId="{CC1A6799-D267-4FCD-8D98-2D457C544FFD}" srcOrd="0" destOrd="0" presId="urn:microsoft.com/office/officeart/2018/2/layout/IconLabelList"/>
+    <dgm:cxn modelId="{7E345779-6A52-41EE-AC5F-761A4B01613E}" srcId="{B921DA41-0734-4180-A0B6-1C7C30DED0D5}" destId="{6F563EB3-AEFF-427A-89EC-D5F54DE0D1CE}" srcOrd="1" destOrd="0" parTransId="{A1E92C1C-02F9-4AD1-9C19-4D29BA0FC418}" sibTransId="{C817E149-F3C7-4452-A6F4-665D49D13D94}"/>
     <dgm:cxn modelId="{BFAEE101-1639-4670-8CF2-DE8BE8EB4188}" srcId="{B921DA41-0734-4180-A0B6-1C7C30DED0D5}" destId="{BE1D28A6-BC45-4632-BBC7-A7A1D6E10743}" srcOrd="2" destOrd="0" parTransId="{50FD35C8-F98E-4C15-9915-440B107ADE43}" sibTransId="{1DF6F867-E370-44B3-96D9-4D831F312971}"/>
+    <dgm:cxn modelId="{1680D877-6EE7-4669-A372-0F398F999849}" srcId="{B921DA41-0734-4180-A0B6-1C7C30DED0D5}" destId="{CD05649B-8C74-4D5B-9E3F-2478BA58C891}" srcOrd="0" destOrd="0" parTransId="{D80FF642-D437-4291-BAD2-8325AA4D3F91}" sibTransId="{F50EEB1D-DA31-4ED6-9E63-43C83A8075FF}"/>
+    <dgm:cxn modelId="{D740EBFB-6A3D-4AD9-92E7-FB65DBCB4042}" type="presOf" srcId="{6F563EB3-AEFF-427A-89EC-D5F54DE0D1CE}" destId="{6D8C13C9-D2B6-41FD-949D-ED6966756D3F}" srcOrd="0" destOrd="0" presId="urn:microsoft.com/office/officeart/2018/2/layout/IconLabelList"/>
     <dgm:cxn modelId="{8A96CC04-928E-4780-A7AA-8D92B0763C41}" type="presOf" srcId="{BE1D28A6-BC45-4632-BBC7-A7A1D6E10743}" destId="{39863B24-82F4-4CA6-9BDD-CD3F63E41161}" srcOrd="0" destOrd="0" presId="urn:microsoft.com/office/officeart/2018/2/layout/IconLabelList"/>
     <dgm:cxn modelId="{8F1AE952-3587-42BE-AB67-0105F4820479}" type="presOf" srcId="{B921DA41-0734-4180-A0B6-1C7C30DED0D5}" destId="{18CBCA29-BA31-47DE-8C33-F0613E7E4EB0}" srcOrd="0" destOrd="0" presId="urn:microsoft.com/office/officeart/2018/2/layout/IconLabelList"/>
-    <dgm:cxn modelId="{1680D877-6EE7-4669-A372-0F398F999849}" srcId="{B921DA41-0734-4180-A0B6-1C7C30DED0D5}" destId="{CD05649B-8C74-4D5B-9E3F-2478BA58C891}" srcOrd="0" destOrd="0" parTransId="{D80FF642-D437-4291-BAD2-8325AA4D3F91}" sibTransId="{F50EEB1D-DA31-4ED6-9E63-43C83A8075FF}"/>
-    <dgm:cxn modelId="{7E345779-6A52-41EE-AC5F-761A4B01613E}" srcId="{B921DA41-0734-4180-A0B6-1C7C30DED0D5}" destId="{6F563EB3-AEFF-427A-89EC-D5F54DE0D1CE}" srcOrd="1" destOrd="0" parTransId="{A1E92C1C-02F9-4AD1-9C19-4D29BA0FC418}" sibTransId="{C817E149-F3C7-4452-A6F4-665D49D13D94}"/>
-    <dgm:cxn modelId="{D15B439E-E938-4B2A-AB33-A7F61597D7F3}" type="presOf" srcId="{CD05649B-8C74-4D5B-9E3F-2478BA58C891}" destId="{CC1A6799-D267-4FCD-8D98-2D457C544FFD}" srcOrd="0" destOrd="0" presId="urn:microsoft.com/office/officeart/2018/2/layout/IconLabelList"/>
-    <dgm:cxn modelId="{D740EBFB-6A3D-4AD9-92E7-FB65DBCB4042}" type="presOf" srcId="{6F563EB3-AEFF-427A-89EC-D5F54DE0D1CE}" destId="{6D8C13C9-D2B6-41FD-949D-ED6966756D3F}" srcOrd="0" destOrd="0" presId="urn:microsoft.com/office/officeart/2018/2/layout/IconLabelList"/>
     <dgm:cxn modelId="{CC638B33-FBA5-4178-B6D2-76C7DD3D0E65}" type="presParOf" srcId="{18CBCA29-BA31-47DE-8C33-F0613E7E4EB0}" destId="{501497E0-294A-49C5-89D2-C909FA231A6F}" srcOrd="0" destOrd="0" presId="urn:microsoft.com/office/officeart/2018/2/layout/IconLabelList"/>
     <dgm:cxn modelId="{41B7A322-2A7E-45FF-B78E-2AAF42935051}" type="presParOf" srcId="{501497E0-294A-49C5-89D2-C909FA231A6F}" destId="{F918D225-4876-42BC-96A3-9EF9540B7B88}" srcOrd="0" destOrd="0" presId="urn:microsoft.com/office/officeart/2018/2/layout/IconLabelList"/>
     <dgm:cxn modelId="{2750350F-B408-4266-BBDE-2A7B81BD8072}" type="presParOf" srcId="{501497E0-294A-49C5-89D2-C909FA231A6F}" destId="{D884340C-78CD-4F9B-8425-A387E6831590}" srcOrd="1" destOrd="0" presId="urn:microsoft.com/office/officeart/2018/2/layout/IconLabelList"/>
@@ -2333,7 +3527,7 @@
                 <a14:useLocalDpi xmlns:a14="http://schemas.microsoft.com/office/drawing/2010/main" val="0"/>
               </a:ext>
               <a:ext uri="{96DAC541-7B7A-43D3-8B79-37D633B846F1}">
-                <asvg:svgBlip xmlns:asvg="http://schemas.microsoft.com/office/drawing/2016/SVG/main" r:embed="rId2"/>
+                <asvg:svgBlip xmlns:asvg="http://schemas.microsoft.com/office/drawing/2016/SVG/main" xmlns="" r:embed="rId2"/>
               </a:ext>
             </a:extLst>
           </a:blip>
@@ -2406,7 +3600,7 @@
         </a:bodyPr>
         <a:lstStyle/>
         <a:p>
-          <a:pPr marL="0" lvl="0" indent="0" algn="l" defTabSz="800100">
+          <a:pPr lvl="0" algn="l" defTabSz="755650">
             <a:lnSpc>
               <a:spcPct val="100000"/>
             </a:lnSpc>
@@ -2416,21 +3610,24 @@
             <a:spcAft>
               <a:spcPct val="35000"/>
             </a:spcAft>
-            <a:buNone/>
           </a:pPr>
           <a:r>
-            <a:rPr lang="en-US" sz="1800" b="0" i="0" kern="1200"/>
-            <a:t>For this project, our goal was to build an insightful dashboard including key data </a:t>
+            <a:rPr lang="en-US" sz="1700" b="0" i="0" kern="1200" dirty="0" smtClean="0"/>
+            <a:t>PURPOSE: For </a:t>
           </a:r>
           <a:r>
-            <a:rPr lang="en-US" sz="1800" kern="1200"/>
+            <a:rPr lang="en-US" sz="1700" b="0" i="0" kern="1200" dirty="0"/>
+            <a:t>this project, our goal was to build an insightful dashboard including key data </a:t>
+          </a:r>
+          <a:r>
+            <a:rPr lang="en-US" sz="1700" kern="1200" dirty="0"/>
             <a:t>visualizations that </a:t>
           </a:r>
           <a:r>
-            <a:rPr lang="en-US" sz="1800" b="0" i="0" kern="1200"/>
+            <a:rPr lang="en-US" sz="1700" b="0" i="0" kern="1200" dirty="0"/>
             <a:t>hospital administrators in California could utilize when making operating decisions.</a:t>
           </a:r>
-          <a:endParaRPr lang="en-US" sz="1800" kern="1200"/>
+          <a:endParaRPr lang="en-US" sz="1700" kern="1200" dirty="0"/>
         </a:p>
       </dsp:txBody>
       <dsp:txXfrm>
@@ -2500,7 +3697,7 @@
                 <a14:useLocalDpi xmlns:a14="http://schemas.microsoft.com/office/drawing/2010/main" val="0"/>
               </a:ext>
               <a:ext uri="{96DAC541-7B7A-43D3-8B79-37D633B846F1}">
-                <asvg:svgBlip xmlns:asvg="http://schemas.microsoft.com/office/drawing/2016/SVG/main" r:embed="rId4"/>
+                <asvg:svgBlip xmlns:asvg="http://schemas.microsoft.com/office/drawing/2016/SVG/main" xmlns="" r:embed="rId4"/>
               </a:ext>
             </a:extLst>
           </a:blip>
@@ -2573,7 +3770,7 @@
         </a:bodyPr>
         <a:lstStyle/>
         <a:p>
-          <a:pPr marL="0" lvl="0" indent="0" algn="l" defTabSz="800100">
+          <a:pPr lvl="0" algn="l" defTabSz="755650">
             <a:lnSpc>
               <a:spcPct val="100000"/>
             </a:lnSpc>
@@ -2583,13 +3780,16 @@
             <a:spcAft>
               <a:spcPct val="35000"/>
             </a:spcAft>
-            <a:buNone/>
           </a:pPr>
           <a:r>
-            <a:rPr lang="en-US" sz="1800" b="0" i="0" kern="1200"/>
-            <a:t>By analyzing and visualizing the revenue mix and types of care provided at each hospital, the user can uncover trends and insights about the current healthcare system operations in California.</a:t>
+            <a:rPr lang="en-US" sz="1700" b="0" i="0" kern="1200" dirty="0" smtClean="0"/>
+            <a:t>KEY OBJECTIVE: By </a:t>
           </a:r>
-          <a:endParaRPr lang="en-US" sz="1800" kern="1200"/>
+          <a:r>
+            <a:rPr lang="en-US" sz="1700" b="0" i="0" kern="1200" dirty="0"/>
+            <a:t>analyzing and visualizing the revenue mix and types of care provided at each hospital, the user can uncover trends and insights about the current healthcare system operations in California.</a:t>
+          </a:r>
+          <a:endParaRPr lang="en-US" sz="1700" kern="1200" dirty="0"/>
         </a:p>
       </dsp:txBody>
       <dsp:txXfrm>
@@ -2656,7 +3856,7 @@
           <a:blip xmlns:r="http://schemas.openxmlformats.org/officeDocument/2006/relationships" r:embed="rId5">
             <a:extLst>
               <a:ext uri="{96DAC541-7B7A-43D3-8B79-37D633B846F1}">
-                <asvg:svgBlip xmlns:asvg="http://schemas.microsoft.com/office/drawing/2016/SVG/main" r:embed="rId6"/>
+                <asvg:svgBlip xmlns:asvg="http://schemas.microsoft.com/office/drawing/2016/SVG/main" xmlns="" r:embed="rId6"/>
               </a:ext>
             </a:extLst>
           </a:blip>
@@ -2730,7 +3930,7 @@
         </a:bodyPr>
         <a:lstStyle/>
         <a:p>
-          <a:pPr marL="0" lvl="0" indent="0" algn="l" defTabSz="800100">
+          <a:pPr lvl="0" algn="l" defTabSz="755650">
             <a:lnSpc>
               <a:spcPct val="100000"/>
             </a:lnSpc>
@@ -2740,17 +3940,16 @@
             <a:spcAft>
               <a:spcPct val="35000"/>
             </a:spcAft>
-            <a:buNone/>
           </a:pPr>
           <a:r>
-            <a:rPr lang="en-US" sz="1800" kern="1200"/>
+            <a:rPr lang="en-US" sz="1700" kern="1200" dirty="0"/>
             <a:t>We also analyzed </a:t>
           </a:r>
           <a:r>
-            <a:rPr lang="en-US" sz="1800" i="0" kern="1200"/>
+            <a:rPr lang="en-US" sz="1700" i="0" kern="1200" dirty="0"/>
             <a:t>data from both the ten largest and smallest hospitals – based on the size of their total assets – to provide a benchmark for comparison.</a:t>
           </a:r>
-          <a:endParaRPr lang="en-US" sz="1800" kern="1200"/>
+          <a:endParaRPr lang="en-US" sz="1700" kern="1200" dirty="0"/>
         </a:p>
       </dsp:txBody>
       <dsp:txXfrm>
@@ -2787,7 +3986,7 @@
           <a:blip xmlns:r="http://schemas.openxmlformats.org/officeDocument/2006/relationships" r:embed="rId1">
             <a:extLst>
               <a:ext uri="{96DAC541-7B7A-43D3-8B79-37D633B846F1}">
-                <asvg:svgBlip xmlns:asvg="http://schemas.microsoft.com/office/drawing/2016/SVG/main" r:embed="rId2"/>
+                <asvg:svgBlip xmlns:asvg="http://schemas.microsoft.com/office/drawing/2016/SVG/main" xmlns="" r:embed="rId2"/>
               </a:ext>
             </a:extLst>
           </a:blip>
@@ -2861,7 +4060,7 @@
         </a:bodyPr>
         <a:lstStyle/>
         <a:p>
-          <a:pPr marL="0" lvl="0" indent="0" algn="ctr" defTabSz="755650">
+          <a:pPr lvl="0" algn="ctr" defTabSz="755650">
             <a:lnSpc>
               <a:spcPct val="100000"/>
             </a:lnSpc>
@@ -2871,11 +4070,18 @@
             <a:spcAft>
               <a:spcPct val="35000"/>
             </a:spcAft>
-            <a:buNone/>
           </a:pPr>
           <a:r>
             <a:rPr lang="en-US" sz="1700" kern="1200" dirty="0"/>
-            <a:t>9 Payer Categories</a:t>
+            <a:t>9 </a:t>
+          </a:r>
+          <a:r>
+            <a:rPr lang="en-US" sz="1700" kern="1200" dirty="0" smtClean="0"/>
+            <a:t>Payer </a:t>
+          </a:r>
+          <a:r>
+            <a:rPr lang="en-US" sz="1700" kern="1200" dirty="0"/>
+            <a:t>Categories</a:t>
           </a:r>
         </a:p>
       </dsp:txBody>
@@ -2901,7 +4107,7 @@
           <a:blip xmlns:r="http://schemas.openxmlformats.org/officeDocument/2006/relationships" r:embed="rId3">
             <a:extLst>
               <a:ext uri="{96DAC541-7B7A-43D3-8B79-37D633B846F1}">
-                <asvg:svgBlip xmlns:asvg="http://schemas.microsoft.com/office/drawing/2016/SVG/main" r:embed="rId4"/>
+                <asvg:svgBlip xmlns:asvg="http://schemas.microsoft.com/office/drawing/2016/SVG/main" xmlns="" r:embed="rId4"/>
               </a:ext>
             </a:extLst>
           </a:blip>
@@ -2975,7 +4181,7 @@
         </a:bodyPr>
         <a:lstStyle/>
         <a:p>
-          <a:pPr marL="0" lvl="0" indent="0" algn="ctr" defTabSz="755650">
+          <a:pPr lvl="0" algn="ctr" defTabSz="755650">
             <a:lnSpc>
               <a:spcPct val="100000"/>
             </a:lnSpc>
@@ -2985,12 +4191,16 @@
             <a:spcAft>
               <a:spcPct val="35000"/>
             </a:spcAft>
-            <a:buNone/>
           </a:pPr>
           <a:r>
             <a:rPr lang="en-US" sz="1700" kern="1200" dirty="0"/>
-            <a:t>431 Facilities</a:t>
+            <a:t>431 </a:t>
           </a:r>
+          <a:r>
+            <a:rPr lang="en-US" sz="1700" kern="1200" dirty="0" smtClean="0"/>
+            <a:t>Hospitals</a:t>
+          </a:r>
+          <a:endParaRPr lang="en-US" sz="1700" kern="1200" dirty="0"/>
         </a:p>
       </dsp:txBody>
       <dsp:txXfrm>
@@ -3015,7 +4225,7 @@
           <a:blip xmlns:r="http://schemas.openxmlformats.org/officeDocument/2006/relationships" r:embed="rId5">
             <a:extLst>
               <a:ext uri="{96DAC541-7B7A-43D3-8B79-37D633B846F1}">
-                <asvg:svgBlip xmlns:asvg="http://schemas.microsoft.com/office/drawing/2016/SVG/main" r:embed="rId6"/>
+                <asvg:svgBlip xmlns:asvg="http://schemas.microsoft.com/office/drawing/2016/SVG/main" xmlns="" r:embed="rId6"/>
               </a:ext>
             </a:extLst>
           </a:blip>
@@ -3089,7 +4299,7 @@
         </a:bodyPr>
         <a:lstStyle/>
         <a:p>
-          <a:pPr marL="0" lvl="0" indent="0" algn="ctr" defTabSz="755650">
+          <a:pPr lvl="0" algn="ctr" defTabSz="755650">
             <a:lnSpc>
               <a:spcPct val="100000"/>
             </a:lnSpc>
@@ -3099,7 +4309,357 @@
             <a:spcAft>
               <a:spcPct val="35000"/>
             </a:spcAft>
-            <a:buNone/>
+          </a:pPr>
+          <a:r>
+            <a:rPr lang="en-US" sz="1700" kern="1200" dirty="0"/>
+            <a:t>$16.5B in Combined Net Revenue</a:t>
+          </a:r>
+        </a:p>
+      </dsp:txBody>
+      <dsp:txXfrm>
+        <a:off x="4398066" y="1280076"/>
+        <a:ext cx="1800000" cy="720000"/>
+      </dsp:txXfrm>
+    </dsp:sp>
+  </dsp:spTree>
+</dsp:drawing>
+</file>
+
+<file path=ppt/diagrams/drawing3.xml><?xml version="1.0" encoding="utf-8"?>
+<dsp:drawing xmlns:dgm="http://schemas.openxmlformats.org/drawingml/2006/diagram" xmlns:dsp="http://schemas.microsoft.com/office/drawing/2008/diagram" xmlns:a="http://schemas.openxmlformats.org/drawingml/2006/main">
+  <dsp:spTree>
+    <dsp:nvGrpSpPr>
+      <dsp:cNvPr id="0" name=""/>
+      <dsp:cNvGrpSpPr/>
+    </dsp:nvGrpSpPr>
+    <dsp:grpSpPr/>
+    <dsp:sp modelId="{F918D225-4876-42BC-96A3-9EF9540B7B88}">
+      <dsp:nvSpPr>
+        <dsp:cNvPr id="0" name=""/>
+        <dsp:cNvSpPr/>
+      </dsp:nvSpPr>
+      <dsp:spPr>
+        <a:xfrm>
+          <a:off x="663065" y="199892"/>
+          <a:ext cx="810000" cy="810000"/>
+        </a:xfrm>
+        <a:prstGeom prst="rect">
+          <a:avLst/>
+        </a:prstGeom>
+        <a:blipFill>
+          <a:blip xmlns:r="http://schemas.openxmlformats.org/officeDocument/2006/relationships" r:embed="rId1">
+            <a:extLst>
+              <a:ext uri="{96DAC541-7B7A-43D3-8B79-37D633B846F1}">
+                <asvg:svgBlip xmlns:asvg="http://schemas.microsoft.com/office/drawing/2016/SVG/main" xmlns="" r:embed="rId2"/>
+              </a:ext>
+            </a:extLst>
+          </a:blip>
+          <a:srcRect/>
+          <a:stretch>
+            <a:fillRect/>
+          </a:stretch>
+        </a:blipFill>
+        <a:ln w="10795" cap="flat" cmpd="sng" algn="ctr">
+          <a:solidFill>
+            <a:schemeClr val="lt1">
+              <a:hueOff val="0"/>
+              <a:satOff val="0"/>
+              <a:lumOff val="0"/>
+              <a:alphaOff val="0"/>
+            </a:schemeClr>
+          </a:solidFill>
+          <a:prstDash val="solid"/>
+        </a:ln>
+        <a:effectLst/>
+      </dsp:spPr>
+      <dsp:style>
+        <a:lnRef idx="2">
+          <a:scrgbClr r="0" g="0" b="0"/>
+        </a:lnRef>
+        <a:fillRef idx="1">
+          <a:scrgbClr r="0" g="0" b="0"/>
+        </a:fillRef>
+        <a:effectRef idx="0">
+          <a:scrgbClr r="0" g="0" b="0"/>
+        </a:effectRef>
+        <a:fontRef idx="minor">
+          <a:schemeClr val="lt1"/>
+        </a:fontRef>
+      </dsp:style>
+    </dsp:sp>
+    <dsp:sp modelId="{CC1A6799-D267-4FCD-8D98-2D457C544FFD}">
+      <dsp:nvSpPr>
+        <dsp:cNvPr id="0" name=""/>
+        <dsp:cNvSpPr/>
+      </dsp:nvSpPr>
+      <dsp:spPr>
+        <a:xfrm>
+          <a:off x="168065" y="1280076"/>
+          <a:ext cx="1800000" cy="720000"/>
+        </a:xfrm>
+        <a:prstGeom prst="rect">
+          <a:avLst/>
+        </a:prstGeom>
+        <a:noFill/>
+        <a:ln>
+          <a:noFill/>
+        </a:ln>
+        <a:effectLst/>
+      </dsp:spPr>
+      <dsp:style>
+        <a:lnRef idx="0">
+          <a:scrgbClr r="0" g="0" b="0"/>
+        </a:lnRef>
+        <a:fillRef idx="0">
+          <a:scrgbClr r="0" g="0" b="0"/>
+        </a:fillRef>
+        <a:effectRef idx="0">
+          <a:scrgbClr r="0" g="0" b="0"/>
+        </a:effectRef>
+        <a:fontRef idx="minor"/>
+      </dsp:style>
+      <dsp:txBody>
+        <a:bodyPr spcFirstLastPara="0" vert="horz" wrap="square" lIns="0" tIns="0" rIns="0" bIns="0" numCol="1" spcCol="1270" anchor="t" anchorCtr="0">
+          <a:noAutofit/>
+        </a:bodyPr>
+        <a:lstStyle/>
+        <a:p>
+          <a:pPr lvl="0" algn="ctr" defTabSz="755650">
+            <a:lnSpc>
+              <a:spcPct val="100000"/>
+            </a:lnSpc>
+            <a:spcBef>
+              <a:spcPct val="0"/>
+            </a:spcBef>
+            <a:spcAft>
+              <a:spcPct val="35000"/>
+            </a:spcAft>
+          </a:pPr>
+          <a:r>
+            <a:rPr lang="en-US" sz="1700" kern="1200" dirty="0"/>
+            <a:t>9 Payer Categories</a:t>
+          </a:r>
+        </a:p>
+      </dsp:txBody>
+      <dsp:txXfrm>
+        <a:off x="168065" y="1280076"/>
+        <a:ext cx="1800000" cy="720000"/>
+      </dsp:txXfrm>
+    </dsp:sp>
+    <dsp:sp modelId="{42B8216D-0DFF-4247-9439-E07800C13E9B}">
+      <dsp:nvSpPr>
+        <dsp:cNvPr id="0" name=""/>
+        <dsp:cNvSpPr/>
+      </dsp:nvSpPr>
+      <dsp:spPr>
+        <a:xfrm>
+          <a:off x="2778065" y="199892"/>
+          <a:ext cx="810000" cy="810000"/>
+        </a:xfrm>
+        <a:prstGeom prst="rect">
+          <a:avLst/>
+        </a:prstGeom>
+        <a:blipFill>
+          <a:blip xmlns:r="http://schemas.openxmlformats.org/officeDocument/2006/relationships" r:embed="rId3">
+            <a:extLst>
+              <a:ext uri="{96DAC541-7B7A-43D3-8B79-37D633B846F1}">
+                <asvg:svgBlip xmlns:asvg="http://schemas.microsoft.com/office/drawing/2016/SVG/main" xmlns="" r:embed="rId4"/>
+              </a:ext>
+            </a:extLst>
+          </a:blip>
+          <a:srcRect/>
+          <a:stretch>
+            <a:fillRect/>
+          </a:stretch>
+        </a:blipFill>
+        <a:ln w="10795" cap="flat" cmpd="sng" algn="ctr">
+          <a:solidFill>
+            <a:schemeClr val="lt1">
+              <a:hueOff val="0"/>
+              <a:satOff val="0"/>
+              <a:lumOff val="0"/>
+              <a:alphaOff val="0"/>
+            </a:schemeClr>
+          </a:solidFill>
+          <a:prstDash val="solid"/>
+        </a:ln>
+        <a:effectLst/>
+      </dsp:spPr>
+      <dsp:style>
+        <a:lnRef idx="2">
+          <a:scrgbClr r="0" g="0" b="0"/>
+        </a:lnRef>
+        <a:fillRef idx="1">
+          <a:scrgbClr r="0" g="0" b="0"/>
+        </a:fillRef>
+        <a:effectRef idx="0">
+          <a:scrgbClr r="0" g="0" b="0"/>
+        </a:effectRef>
+        <a:fontRef idx="minor">
+          <a:schemeClr val="lt1"/>
+        </a:fontRef>
+      </dsp:style>
+    </dsp:sp>
+    <dsp:sp modelId="{6D8C13C9-D2B6-41FD-949D-ED6966756D3F}">
+      <dsp:nvSpPr>
+        <dsp:cNvPr id="0" name=""/>
+        <dsp:cNvSpPr/>
+      </dsp:nvSpPr>
+      <dsp:spPr>
+        <a:xfrm>
+          <a:off x="2283065" y="1280076"/>
+          <a:ext cx="1800000" cy="720000"/>
+        </a:xfrm>
+        <a:prstGeom prst="rect">
+          <a:avLst/>
+        </a:prstGeom>
+        <a:noFill/>
+        <a:ln>
+          <a:noFill/>
+        </a:ln>
+        <a:effectLst/>
+      </dsp:spPr>
+      <dsp:style>
+        <a:lnRef idx="0">
+          <a:scrgbClr r="0" g="0" b="0"/>
+        </a:lnRef>
+        <a:fillRef idx="0">
+          <a:scrgbClr r="0" g="0" b="0"/>
+        </a:fillRef>
+        <a:effectRef idx="0">
+          <a:scrgbClr r="0" g="0" b="0"/>
+        </a:effectRef>
+        <a:fontRef idx="minor"/>
+      </dsp:style>
+      <dsp:txBody>
+        <a:bodyPr spcFirstLastPara="0" vert="horz" wrap="square" lIns="0" tIns="0" rIns="0" bIns="0" numCol="1" spcCol="1270" anchor="t" anchorCtr="0">
+          <a:noAutofit/>
+        </a:bodyPr>
+        <a:lstStyle/>
+        <a:p>
+          <a:pPr lvl="0" algn="ctr" defTabSz="755650">
+            <a:lnSpc>
+              <a:spcPct val="100000"/>
+            </a:lnSpc>
+            <a:spcBef>
+              <a:spcPct val="0"/>
+            </a:spcBef>
+            <a:spcAft>
+              <a:spcPct val="35000"/>
+            </a:spcAft>
+          </a:pPr>
+          <a:r>
+            <a:rPr lang="en-US" sz="1700" kern="1200" dirty="0"/>
+            <a:t>431 Facilities</a:t>
+          </a:r>
+        </a:p>
+      </dsp:txBody>
+      <dsp:txXfrm>
+        <a:off x="2283065" y="1280076"/>
+        <a:ext cx="1800000" cy="720000"/>
+      </dsp:txXfrm>
+    </dsp:sp>
+    <dsp:sp modelId="{86CF668A-BE1C-4753-9587-6D3A7E72C782}">
+      <dsp:nvSpPr>
+        <dsp:cNvPr id="0" name=""/>
+        <dsp:cNvSpPr/>
+      </dsp:nvSpPr>
+      <dsp:spPr>
+        <a:xfrm>
+          <a:off x="4893066" y="199892"/>
+          <a:ext cx="810000" cy="810000"/>
+        </a:xfrm>
+        <a:prstGeom prst="rect">
+          <a:avLst/>
+        </a:prstGeom>
+        <a:blipFill>
+          <a:blip xmlns:r="http://schemas.openxmlformats.org/officeDocument/2006/relationships" r:embed="rId5">
+            <a:extLst>
+              <a:ext uri="{96DAC541-7B7A-43D3-8B79-37D633B846F1}">
+                <asvg:svgBlip xmlns:asvg="http://schemas.microsoft.com/office/drawing/2016/SVG/main" xmlns="" r:embed="rId6"/>
+              </a:ext>
+            </a:extLst>
+          </a:blip>
+          <a:srcRect/>
+          <a:stretch>
+            <a:fillRect/>
+          </a:stretch>
+        </a:blipFill>
+        <a:ln w="10795" cap="flat" cmpd="sng" algn="ctr">
+          <a:solidFill>
+            <a:schemeClr val="lt1">
+              <a:hueOff val="0"/>
+              <a:satOff val="0"/>
+              <a:lumOff val="0"/>
+              <a:alphaOff val="0"/>
+            </a:schemeClr>
+          </a:solidFill>
+          <a:prstDash val="solid"/>
+        </a:ln>
+        <a:effectLst/>
+      </dsp:spPr>
+      <dsp:style>
+        <a:lnRef idx="2">
+          <a:scrgbClr r="0" g="0" b="0"/>
+        </a:lnRef>
+        <a:fillRef idx="1">
+          <a:scrgbClr r="0" g="0" b="0"/>
+        </a:fillRef>
+        <a:effectRef idx="0">
+          <a:scrgbClr r="0" g="0" b="0"/>
+        </a:effectRef>
+        <a:fontRef idx="minor">
+          <a:schemeClr val="lt1"/>
+        </a:fontRef>
+      </dsp:style>
+    </dsp:sp>
+    <dsp:sp modelId="{39863B24-82F4-4CA6-9BDD-CD3F63E41161}">
+      <dsp:nvSpPr>
+        <dsp:cNvPr id="0" name=""/>
+        <dsp:cNvSpPr/>
+      </dsp:nvSpPr>
+      <dsp:spPr>
+        <a:xfrm>
+          <a:off x="4398066" y="1280076"/>
+          <a:ext cx="1800000" cy="720000"/>
+        </a:xfrm>
+        <a:prstGeom prst="rect">
+          <a:avLst/>
+        </a:prstGeom>
+        <a:noFill/>
+        <a:ln>
+          <a:noFill/>
+        </a:ln>
+        <a:effectLst/>
+      </dsp:spPr>
+      <dsp:style>
+        <a:lnRef idx="0">
+          <a:scrgbClr r="0" g="0" b="0"/>
+        </a:lnRef>
+        <a:fillRef idx="0">
+          <a:scrgbClr r="0" g="0" b="0"/>
+        </a:fillRef>
+        <a:effectRef idx="0">
+          <a:scrgbClr r="0" g="0" b="0"/>
+        </a:effectRef>
+        <a:fontRef idx="minor"/>
+      </dsp:style>
+      <dsp:txBody>
+        <a:bodyPr spcFirstLastPara="0" vert="horz" wrap="square" lIns="0" tIns="0" rIns="0" bIns="0" numCol="1" spcCol="1270" anchor="t" anchorCtr="0">
+          <a:noAutofit/>
+        </a:bodyPr>
+        <a:lstStyle/>
+        <a:p>
+          <a:pPr lvl="0" algn="ctr" defTabSz="755650">
+            <a:lnSpc>
+              <a:spcPct val="100000"/>
+            </a:lnSpc>
+            <a:spcBef>
+              <a:spcPct val="0"/>
+            </a:spcBef>
+            <a:spcAft>
+              <a:spcPct val="35000"/>
+            </a:spcAft>
           </a:pPr>
           <a:r>
             <a:rPr lang="en-US" sz="1700" kern="1200"/>
@@ -3393,7 +4953,7 @@
   </dgm:layoutNode>
   <dgm:extLst>
     <a:ext uri="{68A01E43-0DF5-4B5B-8FA6-DAF915123BFB}">
-      <dgm1612:lstStyle xmlns:dgm1612="http://schemas.microsoft.com/office/drawing/2016/12/diagram">
+      <dgm1612:lstStyle xmlns:dgm1612="http://schemas.microsoft.com/office/drawing/2016/12/diagram" xmlns="">
         <a:lvl1pPr>
           <a:lnSpc>
             <a:spcPct val="100000"/>
@@ -3588,7 +5148,197 @@
   </dgm:layoutNode>
   <dgm:extLst>
     <a:ext uri="{68A01E43-0DF5-4B5B-8FA6-DAF915123BFB}">
-      <dgm1612:lstStyle xmlns:dgm1612="http://schemas.microsoft.com/office/drawing/2016/12/diagram">
+      <dgm1612:lstStyle xmlns:dgm1612="http://schemas.microsoft.com/office/drawing/2016/12/diagram" xmlns="">
+        <a:lvl1pPr>
+          <a:lnSpc>
+            <a:spcPct val="100000"/>
+          </a:lnSpc>
+        </a:lvl1pPr>
+      </dgm1612:lstStyle>
+    </a:ext>
+  </dgm:extLst>
+</dgm:layoutDef>
+</file>
+
+<file path=ppt/diagrams/layout3.xml><?xml version="1.0" encoding="utf-8"?>
+<dgm:layoutDef xmlns:dgm="http://schemas.openxmlformats.org/drawingml/2006/diagram" xmlns:a="http://schemas.openxmlformats.org/drawingml/2006/main" uniqueId="urn:microsoft.com/office/officeart/2018/2/layout/IconLabelList">
+  <dgm:title val="Icon Label List"/>
+  <dgm:desc val="Use to show non-sequential or grouped chunks of information accompanied by a related visuals. Works best with icons or small pictures with short text captions."/>
+  <dgm:catLst>
+    <dgm:cat type="icon" pri="500"/>
+  </dgm:catLst>
+  <dgm:sampData useDef="1">
+    <dgm:dataModel>
+      <dgm:ptLst/>
+      <dgm:bg/>
+      <dgm:whole/>
+    </dgm:dataModel>
+  </dgm:sampData>
+  <dgm:styleData useDef="1">
+    <dgm:dataModel>
+      <dgm:ptLst/>
+      <dgm:bg/>
+      <dgm:whole/>
+    </dgm:dataModel>
+  </dgm:styleData>
+  <dgm:clrData useDef="1">
+    <dgm:dataModel>
+      <dgm:ptLst/>
+      <dgm:bg/>
+      <dgm:whole/>
+    </dgm:dataModel>
+  </dgm:clrData>
+  <dgm:layoutNode name="root">
+    <dgm:varLst>
+      <dgm:dir/>
+      <dgm:resizeHandles val="exact"/>
+    </dgm:varLst>
+    <dgm:choose name="Name0">
+      <dgm:if name="Name1" axis="self" func="var" arg="dir" op="equ" val="norm">
+        <dgm:alg type="snake">
+          <dgm:param type="grDir" val="tL"/>
+          <dgm:param type="flowDir" val="row"/>
+          <dgm:param type="contDir" val="sameDir"/>
+          <dgm:param type="off" val="ctr"/>
+          <dgm:param type="vertAlign" val="mid"/>
+          <dgm:param type="horzAlign" val="ctr"/>
+        </dgm:alg>
+      </dgm:if>
+      <dgm:else name="Name2">
+        <dgm:alg type="snake">
+          <dgm:param type="grDir" val="tR"/>
+          <dgm:param type="flowDir" val="row"/>
+          <dgm:param type="contDir" val="sameDir"/>
+          <dgm:param type="off" val="ctr"/>
+          <dgm:param type="vertAlign" val="mid"/>
+          <dgm:param type="horzAlign" val="ctr"/>
+        </dgm:alg>
+      </dgm:else>
+    </dgm:choose>
+    <dgm:shape xmlns:r="http://schemas.openxmlformats.org/officeDocument/2006/relationships" r:blip="">
+      <dgm:adjLst/>
+    </dgm:shape>
+    <dgm:presOf/>
+    <dgm:choose name="Name3">
+      <dgm:if name="Name4" axis="ch" ptType="node" func="cnt" op="lte" val="2">
+        <dgm:constrLst>
+          <dgm:constr type="h" for="ch" forName="compNode" refType="h" fact="0.4"/>
+          <dgm:constr type="w" for="ch" forName="compNode" val="120"/>
+          <dgm:constr type="w" for="ch" forName="sibTrans" refType="w" refFor="ch" refForName="compNode" fact="0.175"/>
+          <dgm:constr type="sp" refType="w" refFor="ch" refForName="compNode" op="equ" fact="0.25"/>
+          <dgm:constr type="primFontSz" for="des" ptType="node" op="equ" val="50"/>
+          <dgm:constr type="h" for="des" forName="compNode" op="equ"/>
+          <dgm:constr type="h" for="des" forName="textRect" op="equ"/>
+        </dgm:constrLst>
+      </dgm:if>
+      <dgm:if name="Name5" axis="ch" ptType="node" func="cnt" op="lte" val="4">
+        <dgm:constrLst>
+          <dgm:constr type="h" for="ch" forName="compNode" refType="h" fact="0.4"/>
+          <dgm:constr type="w" for="ch" forName="compNode" refType="w"/>
+          <dgm:constr type="w" for="ch" forName="sibTrans" refType="w" refFor="ch" refForName="compNode" fact="0.175"/>
+          <dgm:constr type="sp" refType="w" refFor="ch" refForName="compNode" op="equ" fact="0.25"/>
+          <dgm:constr type="primFontSz" for="des" ptType="node" op="equ" val="36"/>
+          <dgm:constr type="h" for="des" forName="compNode" op="equ"/>
+          <dgm:constr type="h" for="des" forName="textRect" op="equ"/>
+        </dgm:constrLst>
+      </dgm:if>
+      <dgm:else name="Name6">
+        <dgm:constrLst>
+          <dgm:constr type="h" for="ch" forName="compNode" refType="h" fact="0.4"/>
+          <dgm:constr type="w" for="ch" forName="compNode" refType="w"/>
+          <dgm:constr type="w" for="ch" forName="sibTrans" refType="w" refFor="ch" refForName="compNode" fact="0.175"/>
+          <dgm:constr type="sp" refType="w" refFor="ch" refForName="compNode" op="equ" fact="0.25"/>
+          <dgm:constr type="primFontSz" for="des" ptType="node" op="equ" val="24"/>
+          <dgm:constr type="h" for="des" forName="compNode" op="equ"/>
+          <dgm:constr type="h" for="des" forName="textRect" op="equ"/>
+        </dgm:constrLst>
+      </dgm:else>
+    </dgm:choose>
+    <dgm:ruleLst>
+      <dgm:rule type="w" for="ch" forName="compNode" val="50" fact="NaN" max="NaN"/>
+    </dgm:ruleLst>
+    <dgm:forEach name="Name7" axis="ch" ptType="node">
+      <dgm:layoutNode name="compNode">
+        <dgm:alg type="composite"/>
+        <dgm:shape xmlns:r="http://schemas.openxmlformats.org/officeDocument/2006/relationships" r:blip="">
+          <dgm:adjLst/>
+        </dgm:shape>
+        <dgm:presOf axis="self"/>
+        <dgm:constrLst>
+          <dgm:constr type="w" for="ch" forName="iconRect" refType="w" fact="0.45"/>
+          <dgm:constr type="h" for="ch" forName="iconRect" refType="w" refFor="ch" refForName="iconRect"/>
+          <dgm:constr type="ctrX" for="ch" forName="iconRect" refType="w" fact="0.5"/>
+          <dgm:constr type="t" for="ch" forName="iconRect"/>
+          <dgm:constr type="h" for="ch" forName="spaceRect" refType="h" fact="0.15"/>
+          <dgm:constr type="w" for="ch" forName="spaceRect" refType="w"/>
+          <dgm:constr type="l" for="ch" forName="spaceRect"/>
+          <dgm:constr type="t" for="ch" forName="spaceRect" refType="b" refFor="ch" refForName="iconRect"/>
+          <dgm:constr type="h" for="ch" forName="textRect" val="20"/>
+          <dgm:constr type="w" for="ch" forName="textRect" refType="w"/>
+          <dgm:constr type="l" for="ch" forName="textRect"/>
+          <dgm:constr type="t" for="ch" forName="textRect" refType="b" refFor="ch" refForName="spaceRect"/>
+        </dgm:constrLst>
+        <dgm:ruleLst>
+          <dgm:rule type="h" val="INF" fact="NaN" max="NaN"/>
+        </dgm:ruleLst>
+        <dgm:layoutNode name="iconRect" styleLbl="node1">
+          <dgm:alg type="sp"/>
+          <dgm:shape xmlns:r="http://schemas.openxmlformats.org/officeDocument/2006/relationships" type="rect" r:blip="" blipPhldr="1">
+            <dgm:adjLst/>
+          </dgm:shape>
+          <dgm:presOf/>
+          <dgm:constrLst/>
+          <dgm:ruleLst/>
+        </dgm:layoutNode>
+        <dgm:layoutNode name="spaceRect">
+          <dgm:alg type="sp"/>
+          <dgm:shape xmlns:r="http://schemas.openxmlformats.org/officeDocument/2006/relationships" r:blip="">
+            <dgm:adjLst/>
+          </dgm:shape>
+          <dgm:presOf/>
+          <dgm:constrLst/>
+          <dgm:ruleLst/>
+        </dgm:layoutNode>
+        <dgm:layoutNode name="textRect" styleLbl="revTx">
+          <dgm:varLst>
+            <dgm:chMax val="1"/>
+            <dgm:chPref val="1"/>
+          </dgm:varLst>
+          <dgm:alg type="tx">
+            <dgm:param type="txAnchorVert" val="t"/>
+          </dgm:alg>
+          <dgm:shape xmlns:r="http://schemas.openxmlformats.org/officeDocument/2006/relationships" type="rect" r:blip="">
+            <dgm:adjLst/>
+          </dgm:shape>
+          <dgm:presOf axis="self" ptType="node"/>
+          <dgm:constrLst>
+            <dgm:constr type="lMarg"/>
+            <dgm:constr type="rMarg"/>
+            <dgm:constr type="tMarg"/>
+            <dgm:constr type="bMarg"/>
+          </dgm:constrLst>
+          <dgm:ruleLst>
+            <dgm:rule type="primFontSz" val="11" fact="NaN" max="NaN"/>
+            <dgm:rule type="h" val="INF" fact="NaN" max="NaN"/>
+          </dgm:ruleLst>
+        </dgm:layoutNode>
+      </dgm:layoutNode>
+      <dgm:forEach name="Name8" axis="followSib" ptType="sibTrans" cnt="1">
+        <dgm:layoutNode name="sibTrans">
+          <dgm:alg type="sp"/>
+          <dgm:shape xmlns:r="http://schemas.openxmlformats.org/officeDocument/2006/relationships" r:blip="">
+            <dgm:adjLst/>
+          </dgm:shape>
+          <dgm:presOf axis="self"/>
+          <dgm:constrLst/>
+          <dgm:ruleLst/>
+        </dgm:layoutNode>
+      </dgm:forEach>
+    </dgm:forEach>
+  </dgm:layoutNode>
+  <dgm:extLst>
+    <a:ext uri="{68A01E43-0DF5-4B5B-8FA6-DAF915123BFB}">
+      <dgm1612:lstStyle xmlns:dgm1612="http://schemas.microsoft.com/office/drawing/2016/12/diagram" xmlns="">
         <a:lvl1pPr>
           <a:lnSpc>
             <a:spcPct val="100000"/>
@@ -5666,6 +7416,1474 @@
     </dgm:style>
   </dgm:styleLbl>
 </dgm:styleDef>
+</file>
+
+<file path=ppt/diagrams/quickStyle3.xml><?xml version="1.0" encoding="utf-8"?>
+<dgm:styleDef xmlns:dgm="http://schemas.openxmlformats.org/drawingml/2006/diagram" xmlns:a="http://schemas.openxmlformats.org/drawingml/2006/main" uniqueId="urn:microsoft.com/office/officeart/2005/8/quickstyle/simple1">
+  <dgm:title val=""/>
+  <dgm:desc val=""/>
+  <dgm:catLst>
+    <dgm:cat type="simple" pri="10100"/>
+  </dgm:catLst>
+  <dgm:scene3d>
+    <a:camera prst="orthographicFront"/>
+    <a:lightRig rig="threePt" dir="t"/>
+  </dgm:scene3d>
+  <dgm:styleLbl name="node0">
+    <dgm:scene3d>
+      <a:camera prst="orthographicFront"/>
+      <a:lightRig rig="threePt" dir="t"/>
+    </dgm:scene3d>
+    <dgm:sp3d/>
+    <dgm:txPr/>
+    <dgm:style>
+      <a:lnRef idx="2">
+        <a:scrgbClr r="0" g="0" b="0"/>
+      </a:lnRef>
+      <a:fillRef idx="1">
+        <a:scrgbClr r="0" g="0" b="0"/>
+      </a:fillRef>
+      <a:effectRef idx="0">
+        <a:scrgbClr r="0" g="0" b="0"/>
+      </a:effectRef>
+      <a:fontRef idx="minor">
+        <a:schemeClr val="lt1"/>
+      </a:fontRef>
+    </dgm:style>
+  </dgm:styleLbl>
+  <dgm:styleLbl name="lnNode1">
+    <dgm:scene3d>
+      <a:camera prst="orthographicFront"/>
+      <a:lightRig rig="threePt" dir="t"/>
+    </dgm:scene3d>
+    <dgm:sp3d/>
+    <dgm:txPr/>
+    <dgm:style>
+      <a:lnRef idx="2">
+        <a:scrgbClr r="0" g="0" b="0"/>
+      </a:lnRef>
+      <a:fillRef idx="1">
+        <a:scrgbClr r="0" g="0" b="0"/>
+      </a:fillRef>
+      <a:effectRef idx="0">
+        <a:scrgbClr r="0" g="0" b="0"/>
+      </a:effectRef>
+      <a:fontRef idx="minor">
+        <a:schemeClr val="lt1"/>
+      </a:fontRef>
+    </dgm:style>
+  </dgm:styleLbl>
+  <dgm:styleLbl name="vennNode1">
+    <dgm:scene3d>
+      <a:camera prst="orthographicFront"/>
+      <a:lightRig rig="threePt" dir="t"/>
+    </dgm:scene3d>
+    <dgm:sp3d/>
+    <dgm:txPr/>
+    <dgm:style>
+      <a:lnRef idx="2">
+        <a:scrgbClr r="0" g="0" b="0"/>
+      </a:lnRef>
+      <a:fillRef idx="1">
+        <a:scrgbClr r="0" g="0" b="0"/>
+      </a:fillRef>
+      <a:effectRef idx="0">
+        <a:scrgbClr r="0" g="0" b="0"/>
+      </a:effectRef>
+      <a:fontRef idx="minor">
+        <a:schemeClr val="tx1"/>
+      </a:fontRef>
+    </dgm:style>
+  </dgm:styleLbl>
+  <dgm:styleLbl name="alignNode1">
+    <dgm:scene3d>
+      <a:camera prst="orthographicFront"/>
+      <a:lightRig rig="threePt" dir="t"/>
+    </dgm:scene3d>
+    <dgm:sp3d/>
+    <dgm:txPr/>
+    <dgm:style>
+      <a:lnRef idx="2">
+        <a:scrgbClr r="0" g="0" b="0"/>
+      </a:lnRef>
+      <a:fillRef idx="1">
+        <a:scrgbClr r="0" g="0" b="0"/>
+      </a:fillRef>
+      <a:effectRef idx="0">
+        <a:scrgbClr r="0" g="0" b="0"/>
+      </a:effectRef>
+      <a:fontRef idx="minor">
+        <a:schemeClr val="lt1"/>
+      </a:fontRef>
+    </dgm:style>
+  </dgm:styleLbl>
+  <dgm:styleLbl name="node1">
+    <dgm:scene3d>
+      <a:camera prst="orthographicFront"/>
+      <a:lightRig rig="threePt" dir="t"/>
+    </dgm:scene3d>
+    <dgm:sp3d/>
+    <dgm:txPr/>
+    <dgm:style>
+      <a:lnRef idx="2">
+        <a:scrgbClr r="0" g="0" b="0"/>
+      </a:lnRef>
+      <a:fillRef idx="1">
+        <a:scrgbClr r="0" g="0" b="0"/>
+      </a:fillRef>
+      <a:effectRef idx="0">
+        <a:scrgbClr r="0" g="0" b="0"/>
+      </a:effectRef>
+      <a:fontRef idx="minor">
+        <a:schemeClr val="lt1"/>
+      </a:fontRef>
+    </dgm:style>
+  </dgm:styleLbl>
+  <dgm:styleLbl name="node2">
+    <dgm:scene3d>
+      <a:camera prst="orthographicFront"/>
+      <a:lightRig rig="threePt" dir="t"/>
+    </dgm:scene3d>
+    <dgm:sp3d/>
+    <dgm:txPr/>
+    <dgm:style>
+      <a:lnRef idx="2">
+        <a:scrgbClr r="0" g="0" b="0"/>
+      </a:lnRef>
+      <a:fillRef idx="1">
+        <a:scrgbClr r="0" g="0" b="0"/>
+      </a:fillRef>
+      <a:effectRef idx="0">
+        <a:scrgbClr r="0" g="0" b="0"/>
+      </a:effectRef>
+      <a:fontRef idx="minor">
+        <a:schemeClr val="lt1"/>
+      </a:fontRef>
+    </dgm:style>
+  </dgm:styleLbl>
+  <dgm:styleLbl name="node3">
+    <dgm:scene3d>
+      <a:camera prst="orthographicFront"/>
+      <a:lightRig rig="threePt" dir="t"/>
+    </dgm:scene3d>
+    <dgm:sp3d/>
+    <dgm:txPr/>
+    <dgm:style>
+      <a:lnRef idx="2">
+        <a:scrgbClr r="0" g="0" b="0"/>
+      </a:lnRef>
+      <a:fillRef idx="1">
+        <a:scrgbClr r="0" g="0" b="0"/>
+      </a:fillRef>
+      <a:effectRef idx="0">
+        <a:scrgbClr r="0" g="0" b="0"/>
+      </a:effectRef>
+      <a:fontRef idx="minor">
+        <a:schemeClr val="lt1"/>
+      </a:fontRef>
+    </dgm:style>
+  </dgm:styleLbl>
+  <dgm:styleLbl name="node4">
+    <dgm:scene3d>
+      <a:camera prst="orthographicFront"/>
+      <a:lightRig rig="threePt" dir="t"/>
+    </dgm:scene3d>
+    <dgm:sp3d/>
+    <dgm:txPr/>
+    <dgm:style>
+      <a:lnRef idx="2">
+        <a:scrgbClr r="0" g="0" b="0"/>
+      </a:lnRef>
+      <a:fillRef idx="1">
+        <a:scrgbClr r="0" g="0" b="0"/>
+      </a:fillRef>
+      <a:effectRef idx="0">
+        <a:scrgbClr r="0" g="0" b="0"/>
+      </a:effectRef>
+      <a:fontRef idx="minor">
+        <a:schemeClr val="lt1"/>
+      </a:fontRef>
+    </dgm:style>
+  </dgm:styleLbl>
+  <dgm:styleLbl name="fgImgPlace1">
+    <dgm:scene3d>
+      <a:camera prst="orthographicFront"/>
+      <a:lightRig rig="threePt" dir="t"/>
+    </dgm:scene3d>
+    <dgm:sp3d/>
+    <dgm:txPr/>
+    <dgm:style>
+      <a:lnRef idx="2">
+        <a:scrgbClr r="0" g="0" b="0"/>
+      </a:lnRef>
+      <a:fillRef idx="1">
+        <a:scrgbClr r="0" g="0" b="0"/>
+      </a:fillRef>
+      <a:effectRef idx="0">
+        <a:scrgbClr r="0" g="0" b="0"/>
+      </a:effectRef>
+      <a:fontRef idx="minor"/>
+    </dgm:style>
+  </dgm:styleLbl>
+  <dgm:styleLbl name="alignImgPlace1">
+    <dgm:scene3d>
+      <a:camera prst="orthographicFront"/>
+      <a:lightRig rig="threePt" dir="t"/>
+    </dgm:scene3d>
+    <dgm:sp3d/>
+    <dgm:txPr/>
+    <dgm:style>
+      <a:lnRef idx="2">
+        <a:scrgbClr r="0" g="0" b="0"/>
+      </a:lnRef>
+      <a:fillRef idx="1">
+        <a:scrgbClr r="0" g="0" b="0"/>
+      </a:fillRef>
+      <a:effectRef idx="0">
+        <a:scrgbClr r="0" g="0" b="0"/>
+      </a:effectRef>
+      <a:fontRef idx="minor"/>
+    </dgm:style>
+  </dgm:styleLbl>
+  <dgm:styleLbl name="bgImgPlace1">
+    <dgm:scene3d>
+      <a:camera prst="orthographicFront"/>
+      <a:lightRig rig="threePt" dir="t"/>
+    </dgm:scene3d>
+    <dgm:sp3d/>
+    <dgm:txPr/>
+    <dgm:style>
+      <a:lnRef idx="2">
+        <a:scrgbClr r="0" g="0" b="0"/>
+      </a:lnRef>
+      <a:fillRef idx="1">
+        <a:scrgbClr r="0" g="0" b="0"/>
+      </a:fillRef>
+      <a:effectRef idx="0">
+        <a:scrgbClr r="0" g="0" b="0"/>
+      </a:effectRef>
+      <a:fontRef idx="minor"/>
+    </dgm:style>
+  </dgm:styleLbl>
+  <dgm:styleLbl name="sibTrans2D1">
+    <dgm:scene3d>
+      <a:camera prst="orthographicFront"/>
+      <a:lightRig rig="threePt" dir="t"/>
+    </dgm:scene3d>
+    <dgm:sp3d/>
+    <dgm:txPr/>
+    <dgm:style>
+      <a:lnRef idx="0">
+        <a:scrgbClr r="0" g="0" b="0"/>
+      </a:lnRef>
+      <a:fillRef idx="1">
+        <a:scrgbClr r="0" g="0" b="0"/>
+      </a:fillRef>
+      <a:effectRef idx="0">
+        <a:scrgbClr r="0" g="0" b="0"/>
+      </a:effectRef>
+      <a:fontRef idx="minor">
+        <a:schemeClr val="lt1"/>
+      </a:fontRef>
+    </dgm:style>
+  </dgm:styleLbl>
+  <dgm:styleLbl name="fgSibTrans2D1">
+    <dgm:scene3d>
+      <a:camera prst="orthographicFront"/>
+      <a:lightRig rig="threePt" dir="t"/>
+    </dgm:scene3d>
+    <dgm:sp3d/>
+    <dgm:txPr/>
+    <dgm:style>
+      <a:lnRef idx="0">
+        <a:scrgbClr r="0" g="0" b="0"/>
+      </a:lnRef>
+      <a:fillRef idx="1">
+        <a:scrgbClr r="0" g="0" b="0"/>
+      </a:fillRef>
+      <a:effectRef idx="0">
+        <a:scrgbClr r="0" g="0" b="0"/>
+      </a:effectRef>
+      <a:fontRef idx="minor">
+        <a:schemeClr val="lt1"/>
+      </a:fontRef>
+    </dgm:style>
+  </dgm:styleLbl>
+  <dgm:styleLbl name="bgSibTrans2D1">
+    <dgm:scene3d>
+      <a:camera prst="orthographicFront"/>
+      <a:lightRig rig="threePt" dir="t"/>
+    </dgm:scene3d>
+    <dgm:sp3d/>
+    <dgm:txPr/>
+    <dgm:style>
+      <a:lnRef idx="0">
+        <a:scrgbClr r="0" g="0" b="0"/>
+      </a:lnRef>
+      <a:fillRef idx="1">
+        <a:scrgbClr r="0" g="0" b="0"/>
+      </a:fillRef>
+      <a:effectRef idx="0">
+        <a:scrgbClr r="0" g="0" b="0"/>
+      </a:effectRef>
+      <a:fontRef idx="minor">
+        <a:schemeClr val="lt1"/>
+      </a:fontRef>
+    </dgm:style>
+  </dgm:styleLbl>
+  <dgm:styleLbl name="sibTrans1D1">
+    <dgm:scene3d>
+      <a:camera prst="orthographicFront"/>
+      <a:lightRig rig="threePt" dir="t"/>
+    </dgm:scene3d>
+    <dgm:sp3d/>
+    <dgm:txPr/>
+    <dgm:style>
+      <a:lnRef idx="1">
+        <a:scrgbClr r="0" g="0" b="0"/>
+      </a:lnRef>
+      <a:fillRef idx="0">
+        <a:scrgbClr r="0" g="0" b="0"/>
+      </a:fillRef>
+      <a:effectRef idx="0">
+        <a:scrgbClr r="0" g="0" b="0"/>
+      </a:effectRef>
+      <a:fontRef idx="minor"/>
+    </dgm:style>
+  </dgm:styleLbl>
+  <dgm:styleLbl name="callout">
+    <dgm:scene3d>
+      <a:camera prst="orthographicFront"/>
+      <a:lightRig rig="threePt" dir="t"/>
+    </dgm:scene3d>
+    <dgm:sp3d/>
+    <dgm:txPr/>
+    <dgm:style>
+      <a:lnRef idx="2">
+        <a:scrgbClr r="0" g="0" b="0"/>
+      </a:lnRef>
+      <a:fillRef idx="1">
+        <a:scrgbClr r="0" g="0" b="0"/>
+      </a:fillRef>
+      <a:effectRef idx="0">
+        <a:scrgbClr r="0" g="0" b="0"/>
+      </a:effectRef>
+      <a:fontRef idx="minor"/>
+    </dgm:style>
+  </dgm:styleLbl>
+  <dgm:styleLbl name="asst0">
+    <dgm:scene3d>
+      <a:camera prst="orthographicFront"/>
+      <a:lightRig rig="threePt" dir="t"/>
+    </dgm:scene3d>
+    <dgm:sp3d/>
+    <dgm:txPr/>
+    <dgm:style>
+      <a:lnRef idx="2">
+        <a:scrgbClr r="0" g="0" b="0"/>
+      </a:lnRef>
+      <a:fillRef idx="1">
+        <a:scrgbClr r="0" g="0" b="0"/>
+      </a:fillRef>
+      <a:effectRef idx="0">
+        <a:scrgbClr r="0" g="0" b="0"/>
+      </a:effectRef>
+      <a:fontRef idx="minor">
+        <a:schemeClr val="lt1"/>
+      </a:fontRef>
+    </dgm:style>
+  </dgm:styleLbl>
+  <dgm:styleLbl name="asst1">
+    <dgm:scene3d>
+      <a:camera prst="orthographicFront"/>
+      <a:lightRig rig="threePt" dir="t"/>
+    </dgm:scene3d>
+    <dgm:sp3d/>
+    <dgm:txPr/>
+    <dgm:style>
+      <a:lnRef idx="2">
+        <a:scrgbClr r="0" g="0" b="0"/>
+      </a:lnRef>
+      <a:fillRef idx="1">
+        <a:scrgbClr r="0" g="0" b="0"/>
+      </a:fillRef>
+      <a:effectRef idx="0">
+        <a:scrgbClr r="0" g="0" b="0"/>
+      </a:effectRef>
+      <a:fontRef idx="minor">
+        <a:schemeClr val="lt1"/>
+      </a:fontRef>
+    </dgm:style>
+  </dgm:styleLbl>
+  <dgm:styleLbl name="asst2">
+    <dgm:scene3d>
+      <a:camera prst="orthographicFront"/>
+      <a:lightRig rig="threePt" dir="t"/>
+    </dgm:scene3d>
+    <dgm:sp3d/>
+    <dgm:txPr/>
+    <dgm:style>
+      <a:lnRef idx="2">
+        <a:scrgbClr r="0" g="0" b="0"/>
+      </a:lnRef>
+      <a:fillRef idx="1">
+        <a:scrgbClr r="0" g="0" b="0"/>
+      </a:fillRef>
+      <a:effectRef idx="0">
+        <a:scrgbClr r="0" g="0" b="0"/>
+      </a:effectRef>
+      <a:fontRef idx="minor">
+        <a:schemeClr val="lt1"/>
+      </a:fontRef>
+    </dgm:style>
+  </dgm:styleLbl>
+  <dgm:styleLbl name="asst3">
+    <dgm:scene3d>
+      <a:camera prst="orthographicFront"/>
+      <a:lightRig rig="threePt" dir="t"/>
+    </dgm:scene3d>
+    <dgm:sp3d/>
+    <dgm:txPr/>
+    <dgm:style>
+      <a:lnRef idx="2">
+        <a:scrgbClr r="0" g="0" b="0"/>
+      </a:lnRef>
+      <a:fillRef idx="1">
+        <a:scrgbClr r="0" g="0" b="0"/>
+      </a:fillRef>
+      <a:effectRef idx="0">
+        <a:scrgbClr r="0" g="0" b="0"/>
+      </a:effectRef>
+      <a:fontRef idx="minor">
+        <a:schemeClr val="lt1"/>
+      </a:fontRef>
+    </dgm:style>
+  </dgm:styleLbl>
+  <dgm:styleLbl name="asst4">
+    <dgm:scene3d>
+      <a:camera prst="orthographicFront"/>
+      <a:lightRig rig="threePt" dir="t"/>
+    </dgm:scene3d>
+    <dgm:sp3d/>
+    <dgm:txPr/>
+    <dgm:style>
+      <a:lnRef idx="2">
+        <a:scrgbClr r="0" g="0" b="0"/>
+      </a:lnRef>
+      <a:fillRef idx="1">
+        <a:scrgbClr r="0" g="0" b="0"/>
+      </a:fillRef>
+      <a:effectRef idx="0">
+        <a:scrgbClr r="0" g="0" b="0"/>
+      </a:effectRef>
+      <a:fontRef idx="minor">
+        <a:schemeClr val="lt1"/>
+      </a:fontRef>
+    </dgm:style>
+  </dgm:styleLbl>
+  <dgm:styleLbl name="parChTrans2D1">
+    <dgm:scene3d>
+      <a:camera prst="orthographicFront"/>
+      <a:lightRig rig="threePt" dir="t"/>
+    </dgm:scene3d>
+    <dgm:sp3d/>
+    <dgm:txPr/>
+    <dgm:style>
+      <a:lnRef idx="2">
+        <a:scrgbClr r="0" g="0" b="0"/>
+      </a:lnRef>
+      <a:fillRef idx="1">
+        <a:scrgbClr r="0" g="0" b="0"/>
+      </a:fillRef>
+      <a:effectRef idx="0">
+        <a:scrgbClr r="0" g="0" b="0"/>
+      </a:effectRef>
+      <a:fontRef idx="minor">
+        <a:schemeClr val="lt1"/>
+      </a:fontRef>
+    </dgm:style>
+  </dgm:styleLbl>
+  <dgm:styleLbl name="parChTrans2D2">
+    <dgm:scene3d>
+      <a:camera prst="orthographicFront"/>
+      <a:lightRig rig="threePt" dir="t"/>
+    </dgm:scene3d>
+    <dgm:sp3d/>
+    <dgm:txPr/>
+    <dgm:style>
+      <a:lnRef idx="2">
+        <a:scrgbClr r="0" g="0" b="0"/>
+      </a:lnRef>
+      <a:fillRef idx="1">
+        <a:scrgbClr r="0" g="0" b="0"/>
+      </a:fillRef>
+      <a:effectRef idx="0">
+        <a:scrgbClr r="0" g="0" b="0"/>
+      </a:effectRef>
+      <a:fontRef idx="minor">
+        <a:schemeClr val="lt1"/>
+      </a:fontRef>
+    </dgm:style>
+  </dgm:styleLbl>
+  <dgm:styleLbl name="parChTrans2D3">
+    <dgm:scene3d>
+      <a:camera prst="orthographicFront"/>
+      <a:lightRig rig="threePt" dir="t"/>
+    </dgm:scene3d>
+    <dgm:sp3d/>
+    <dgm:txPr/>
+    <dgm:style>
+      <a:lnRef idx="2">
+        <a:scrgbClr r="0" g="0" b="0"/>
+      </a:lnRef>
+      <a:fillRef idx="1">
+        <a:scrgbClr r="0" g="0" b="0"/>
+      </a:fillRef>
+      <a:effectRef idx="0">
+        <a:scrgbClr r="0" g="0" b="0"/>
+      </a:effectRef>
+      <a:fontRef idx="minor">
+        <a:schemeClr val="lt1"/>
+      </a:fontRef>
+    </dgm:style>
+  </dgm:styleLbl>
+  <dgm:styleLbl name="parChTrans2D4">
+    <dgm:scene3d>
+      <a:camera prst="orthographicFront"/>
+      <a:lightRig rig="threePt" dir="t"/>
+    </dgm:scene3d>
+    <dgm:sp3d/>
+    <dgm:txPr/>
+    <dgm:style>
+      <a:lnRef idx="2">
+        <a:scrgbClr r="0" g="0" b="0"/>
+      </a:lnRef>
+      <a:fillRef idx="1">
+        <a:scrgbClr r="0" g="0" b="0"/>
+      </a:fillRef>
+      <a:effectRef idx="0">
+        <a:scrgbClr r="0" g="0" b="0"/>
+      </a:effectRef>
+      <a:fontRef idx="minor">
+        <a:schemeClr val="lt1"/>
+      </a:fontRef>
+    </dgm:style>
+  </dgm:styleLbl>
+  <dgm:styleLbl name="parChTrans1D1">
+    <dgm:scene3d>
+      <a:camera prst="orthographicFront"/>
+      <a:lightRig rig="threePt" dir="t"/>
+    </dgm:scene3d>
+    <dgm:sp3d/>
+    <dgm:txPr/>
+    <dgm:style>
+      <a:lnRef idx="2">
+        <a:scrgbClr r="0" g="0" b="0"/>
+      </a:lnRef>
+      <a:fillRef idx="0">
+        <a:scrgbClr r="0" g="0" b="0"/>
+      </a:fillRef>
+      <a:effectRef idx="0">
+        <a:scrgbClr r="0" g="0" b="0"/>
+      </a:effectRef>
+      <a:fontRef idx="minor"/>
+    </dgm:style>
+  </dgm:styleLbl>
+  <dgm:styleLbl name="parChTrans1D2">
+    <dgm:scene3d>
+      <a:camera prst="orthographicFront"/>
+      <a:lightRig rig="threePt" dir="t"/>
+    </dgm:scene3d>
+    <dgm:sp3d/>
+    <dgm:txPr/>
+    <dgm:style>
+      <a:lnRef idx="2">
+        <a:scrgbClr r="0" g="0" b="0"/>
+      </a:lnRef>
+      <a:fillRef idx="0">
+        <a:scrgbClr r="0" g="0" b="0"/>
+      </a:fillRef>
+      <a:effectRef idx="0">
+        <a:scrgbClr r="0" g="0" b="0"/>
+      </a:effectRef>
+      <a:fontRef idx="minor"/>
+    </dgm:style>
+  </dgm:styleLbl>
+  <dgm:styleLbl name="parChTrans1D3">
+    <dgm:scene3d>
+      <a:camera prst="orthographicFront"/>
+      <a:lightRig rig="threePt" dir="t"/>
+    </dgm:scene3d>
+    <dgm:sp3d/>
+    <dgm:txPr/>
+    <dgm:style>
+      <a:lnRef idx="2">
+        <a:scrgbClr r="0" g="0" b="0"/>
+      </a:lnRef>
+      <a:fillRef idx="0">
+        <a:scrgbClr r="0" g="0" b="0"/>
+      </a:fillRef>
+      <a:effectRef idx="0">
+        <a:scrgbClr r="0" g="0" b="0"/>
+      </a:effectRef>
+      <a:fontRef idx="minor"/>
+    </dgm:style>
+  </dgm:styleLbl>
+  <dgm:styleLbl name="parChTrans1D4">
+    <dgm:scene3d>
+      <a:camera prst="orthographicFront"/>
+      <a:lightRig rig="threePt" dir="t"/>
+    </dgm:scene3d>
+    <dgm:sp3d/>
+    <dgm:txPr/>
+    <dgm:style>
+      <a:lnRef idx="2">
+        <a:scrgbClr r="0" g="0" b="0"/>
+      </a:lnRef>
+      <a:fillRef idx="0">
+        <a:scrgbClr r="0" g="0" b="0"/>
+      </a:fillRef>
+      <a:effectRef idx="0">
+        <a:scrgbClr r="0" g="0" b="0"/>
+      </a:effectRef>
+      <a:fontRef idx="minor"/>
+    </dgm:style>
+  </dgm:styleLbl>
+  <dgm:styleLbl name="fgAcc1">
+    <dgm:scene3d>
+      <a:camera prst="orthographicFront"/>
+      <a:lightRig rig="threePt" dir="t"/>
+    </dgm:scene3d>
+    <dgm:sp3d/>
+    <dgm:txPr/>
+    <dgm:style>
+      <a:lnRef idx="2">
+        <a:scrgbClr r="0" g="0" b="0"/>
+      </a:lnRef>
+      <a:fillRef idx="1">
+        <a:scrgbClr r="0" g="0" b="0"/>
+      </a:fillRef>
+      <a:effectRef idx="0">
+        <a:scrgbClr r="0" g="0" b="0"/>
+      </a:effectRef>
+      <a:fontRef idx="minor"/>
+    </dgm:style>
+  </dgm:styleLbl>
+  <dgm:styleLbl name="conFgAcc1">
+    <dgm:scene3d>
+      <a:camera prst="orthographicFront"/>
+      <a:lightRig rig="threePt" dir="t"/>
+    </dgm:scene3d>
+    <dgm:sp3d/>
+    <dgm:txPr/>
+    <dgm:style>
+      <a:lnRef idx="2">
+        <a:scrgbClr r="0" g="0" b="0"/>
+      </a:lnRef>
+      <a:fillRef idx="1">
+        <a:scrgbClr r="0" g="0" b="0"/>
+      </a:fillRef>
+      <a:effectRef idx="0">
+        <a:scrgbClr r="0" g="0" b="0"/>
+      </a:effectRef>
+      <a:fontRef idx="minor"/>
+    </dgm:style>
+  </dgm:styleLbl>
+  <dgm:styleLbl name="alignAcc1">
+    <dgm:scene3d>
+      <a:camera prst="orthographicFront"/>
+      <a:lightRig rig="threePt" dir="t"/>
+    </dgm:scene3d>
+    <dgm:sp3d/>
+    <dgm:txPr/>
+    <dgm:style>
+      <a:lnRef idx="2">
+        <a:scrgbClr r="0" g="0" b="0"/>
+      </a:lnRef>
+      <a:fillRef idx="1">
+        <a:scrgbClr r="0" g="0" b="0"/>
+      </a:fillRef>
+      <a:effectRef idx="0">
+        <a:scrgbClr r="0" g="0" b="0"/>
+      </a:effectRef>
+      <a:fontRef idx="minor"/>
+    </dgm:style>
+  </dgm:styleLbl>
+  <dgm:styleLbl name="trAlignAcc1">
+    <dgm:scene3d>
+      <a:camera prst="orthographicFront"/>
+      <a:lightRig rig="threePt" dir="t"/>
+    </dgm:scene3d>
+    <dgm:sp3d/>
+    <dgm:txPr/>
+    <dgm:style>
+      <a:lnRef idx="1">
+        <a:scrgbClr r="0" g="0" b="0"/>
+      </a:lnRef>
+      <a:fillRef idx="1">
+        <a:scrgbClr r="0" g="0" b="0"/>
+      </a:fillRef>
+      <a:effectRef idx="0">
+        <a:scrgbClr r="0" g="0" b="0"/>
+      </a:effectRef>
+      <a:fontRef idx="minor"/>
+    </dgm:style>
+  </dgm:styleLbl>
+  <dgm:styleLbl name="bgAcc1">
+    <dgm:scene3d>
+      <a:camera prst="orthographicFront"/>
+      <a:lightRig rig="threePt" dir="t"/>
+    </dgm:scene3d>
+    <dgm:sp3d/>
+    <dgm:txPr/>
+    <dgm:style>
+      <a:lnRef idx="2">
+        <a:scrgbClr r="0" g="0" b="0"/>
+      </a:lnRef>
+      <a:fillRef idx="1">
+        <a:scrgbClr r="0" g="0" b="0"/>
+      </a:fillRef>
+      <a:effectRef idx="0">
+        <a:scrgbClr r="0" g="0" b="0"/>
+      </a:effectRef>
+      <a:fontRef idx="minor"/>
+    </dgm:style>
+  </dgm:styleLbl>
+  <dgm:styleLbl name="solidFgAcc1">
+    <dgm:scene3d>
+      <a:camera prst="orthographicFront"/>
+      <a:lightRig rig="threePt" dir="t"/>
+    </dgm:scene3d>
+    <dgm:sp3d/>
+    <dgm:txPr/>
+    <dgm:style>
+      <a:lnRef idx="2">
+        <a:scrgbClr r="0" g="0" b="0"/>
+      </a:lnRef>
+      <a:fillRef idx="1">
+        <a:scrgbClr r="0" g="0" b="0"/>
+      </a:fillRef>
+      <a:effectRef idx="0">
+        <a:scrgbClr r="0" g="0" b="0"/>
+      </a:effectRef>
+      <a:fontRef idx="minor"/>
+    </dgm:style>
+  </dgm:styleLbl>
+  <dgm:styleLbl name="solidAlignAcc1">
+    <dgm:scene3d>
+      <a:camera prst="orthographicFront"/>
+      <a:lightRig rig="threePt" dir="t"/>
+    </dgm:scene3d>
+    <dgm:sp3d/>
+    <dgm:txPr/>
+    <dgm:style>
+      <a:lnRef idx="2">
+        <a:scrgbClr r="0" g="0" b="0"/>
+      </a:lnRef>
+      <a:fillRef idx="1">
+        <a:scrgbClr r="0" g="0" b="0"/>
+      </a:fillRef>
+      <a:effectRef idx="0">
+        <a:scrgbClr r="0" g="0" b="0"/>
+      </a:effectRef>
+      <a:fontRef idx="minor"/>
+    </dgm:style>
+  </dgm:styleLbl>
+  <dgm:styleLbl name="solidBgAcc1">
+    <dgm:scene3d>
+      <a:camera prst="orthographicFront"/>
+      <a:lightRig rig="threePt" dir="t"/>
+    </dgm:scene3d>
+    <dgm:sp3d/>
+    <dgm:txPr/>
+    <dgm:style>
+      <a:lnRef idx="2">
+        <a:scrgbClr r="0" g="0" b="0"/>
+      </a:lnRef>
+      <a:fillRef idx="1">
+        <a:scrgbClr r="0" g="0" b="0"/>
+      </a:fillRef>
+      <a:effectRef idx="0">
+        <a:scrgbClr r="0" g="0" b="0"/>
+      </a:effectRef>
+      <a:fontRef idx="minor"/>
+    </dgm:style>
+  </dgm:styleLbl>
+  <dgm:styleLbl name="fgAccFollowNode1">
+    <dgm:scene3d>
+      <a:camera prst="orthographicFront"/>
+      <a:lightRig rig="threePt" dir="t"/>
+    </dgm:scene3d>
+    <dgm:sp3d/>
+    <dgm:txPr/>
+    <dgm:style>
+      <a:lnRef idx="2">
+        <a:scrgbClr r="0" g="0" b="0"/>
+      </a:lnRef>
+      <a:fillRef idx="1">
+        <a:scrgbClr r="0" g="0" b="0"/>
+      </a:fillRef>
+      <a:effectRef idx="0">
+        <a:scrgbClr r="0" g="0" b="0"/>
+      </a:effectRef>
+      <a:fontRef idx="minor"/>
+    </dgm:style>
+  </dgm:styleLbl>
+  <dgm:styleLbl name="alignAccFollowNode1">
+    <dgm:scene3d>
+      <a:camera prst="orthographicFront"/>
+      <a:lightRig rig="threePt" dir="t"/>
+    </dgm:scene3d>
+    <dgm:sp3d/>
+    <dgm:txPr/>
+    <dgm:style>
+      <a:lnRef idx="2">
+        <a:scrgbClr r="0" g="0" b="0"/>
+      </a:lnRef>
+      <a:fillRef idx="1">
+        <a:scrgbClr r="0" g="0" b="0"/>
+      </a:fillRef>
+      <a:effectRef idx="0">
+        <a:scrgbClr r="0" g="0" b="0"/>
+      </a:effectRef>
+      <a:fontRef idx="minor"/>
+    </dgm:style>
+  </dgm:styleLbl>
+  <dgm:styleLbl name="bgAccFollowNode1">
+    <dgm:scene3d>
+      <a:camera prst="orthographicFront"/>
+      <a:lightRig rig="threePt" dir="t"/>
+    </dgm:scene3d>
+    <dgm:sp3d/>
+    <dgm:txPr/>
+    <dgm:style>
+      <a:lnRef idx="2">
+        <a:scrgbClr r="0" g="0" b="0"/>
+      </a:lnRef>
+      <a:fillRef idx="1">
+        <a:scrgbClr r="0" g="0" b="0"/>
+      </a:fillRef>
+      <a:effectRef idx="0">
+        <a:scrgbClr r="0" g="0" b="0"/>
+      </a:effectRef>
+      <a:fontRef idx="minor"/>
+    </dgm:style>
+  </dgm:styleLbl>
+  <dgm:styleLbl name="fgAcc0">
+    <dgm:scene3d>
+      <a:camera prst="orthographicFront"/>
+      <a:lightRig rig="threePt" dir="t"/>
+    </dgm:scene3d>
+    <dgm:sp3d/>
+    <dgm:txPr/>
+    <dgm:style>
+      <a:lnRef idx="2">
+        <a:scrgbClr r="0" g="0" b="0"/>
+      </a:lnRef>
+      <a:fillRef idx="1">
+        <a:scrgbClr r="0" g="0" b="0"/>
+      </a:fillRef>
+      <a:effectRef idx="0">
+        <a:scrgbClr r="0" g="0" b="0"/>
+      </a:effectRef>
+      <a:fontRef idx="minor"/>
+    </dgm:style>
+  </dgm:styleLbl>
+  <dgm:styleLbl name="fgAcc2">
+    <dgm:scene3d>
+      <a:camera prst="orthographicFront"/>
+      <a:lightRig rig="threePt" dir="t"/>
+    </dgm:scene3d>
+    <dgm:sp3d/>
+    <dgm:txPr/>
+    <dgm:style>
+      <a:lnRef idx="2">
+        <a:scrgbClr r="0" g="0" b="0"/>
+      </a:lnRef>
+      <a:fillRef idx="1">
+        <a:scrgbClr r="0" g="0" b="0"/>
+      </a:fillRef>
+      <a:effectRef idx="0">
+        <a:scrgbClr r="0" g="0" b="0"/>
+      </a:effectRef>
+      <a:fontRef idx="minor"/>
+    </dgm:style>
+  </dgm:styleLbl>
+  <dgm:styleLbl name="fgAcc3">
+    <dgm:scene3d>
+      <a:camera prst="orthographicFront"/>
+      <a:lightRig rig="threePt" dir="t"/>
+    </dgm:scene3d>
+    <dgm:sp3d/>
+    <dgm:txPr/>
+    <dgm:style>
+      <a:lnRef idx="2">
+        <a:scrgbClr r="0" g="0" b="0"/>
+      </a:lnRef>
+      <a:fillRef idx="1">
+        <a:scrgbClr r="0" g="0" b="0"/>
+      </a:fillRef>
+      <a:effectRef idx="0">
+        <a:scrgbClr r="0" g="0" b="0"/>
+      </a:effectRef>
+      <a:fontRef idx="minor"/>
+    </dgm:style>
+  </dgm:styleLbl>
+  <dgm:styleLbl name="fgAcc4">
+    <dgm:scene3d>
+      <a:camera prst="orthographicFront"/>
+      <a:lightRig rig="threePt" dir="t"/>
+    </dgm:scene3d>
+    <dgm:sp3d/>
+    <dgm:txPr/>
+    <dgm:style>
+      <a:lnRef idx="2">
+        <a:scrgbClr r="0" g="0" b="0"/>
+      </a:lnRef>
+      <a:fillRef idx="1">
+        <a:scrgbClr r="0" g="0" b="0"/>
+      </a:fillRef>
+      <a:effectRef idx="0">
+        <a:scrgbClr r="0" g="0" b="0"/>
+      </a:effectRef>
+      <a:fontRef idx="minor"/>
+    </dgm:style>
+  </dgm:styleLbl>
+  <dgm:styleLbl name="bgShp">
+    <dgm:scene3d>
+      <a:camera prst="orthographicFront"/>
+      <a:lightRig rig="threePt" dir="t"/>
+    </dgm:scene3d>
+    <dgm:sp3d/>
+    <dgm:txPr/>
+    <dgm:style>
+      <a:lnRef idx="0">
+        <a:scrgbClr r="0" g="0" b="0"/>
+      </a:lnRef>
+      <a:fillRef idx="1">
+        <a:scrgbClr r="0" g="0" b="0"/>
+      </a:fillRef>
+      <a:effectRef idx="0">
+        <a:scrgbClr r="0" g="0" b="0"/>
+      </a:effectRef>
+      <a:fontRef idx="minor"/>
+    </dgm:style>
+  </dgm:styleLbl>
+  <dgm:styleLbl name="dkBgShp">
+    <dgm:scene3d>
+      <a:camera prst="orthographicFront"/>
+      <a:lightRig rig="threePt" dir="t"/>
+    </dgm:scene3d>
+    <dgm:sp3d/>
+    <dgm:txPr/>
+    <dgm:style>
+      <a:lnRef idx="0">
+        <a:scrgbClr r="0" g="0" b="0"/>
+      </a:lnRef>
+      <a:fillRef idx="1">
+        <a:scrgbClr r="0" g="0" b="0"/>
+      </a:fillRef>
+      <a:effectRef idx="0">
+        <a:scrgbClr r="0" g="0" b="0"/>
+      </a:effectRef>
+      <a:fontRef idx="minor"/>
+    </dgm:style>
+  </dgm:styleLbl>
+  <dgm:styleLbl name="trBgShp">
+    <dgm:scene3d>
+      <a:camera prst="orthographicFront"/>
+      <a:lightRig rig="threePt" dir="t"/>
+    </dgm:scene3d>
+    <dgm:sp3d/>
+    <dgm:txPr/>
+    <dgm:style>
+      <a:lnRef idx="0">
+        <a:scrgbClr r="0" g="0" b="0"/>
+      </a:lnRef>
+      <a:fillRef idx="1">
+        <a:scrgbClr r="0" g="0" b="0"/>
+      </a:fillRef>
+      <a:effectRef idx="0">
+        <a:scrgbClr r="0" g="0" b="0"/>
+      </a:effectRef>
+      <a:fontRef idx="minor"/>
+    </dgm:style>
+  </dgm:styleLbl>
+  <dgm:styleLbl name="fgShp">
+    <dgm:scene3d>
+      <a:camera prst="orthographicFront"/>
+      <a:lightRig rig="threePt" dir="t"/>
+    </dgm:scene3d>
+    <dgm:sp3d/>
+    <dgm:txPr/>
+    <dgm:style>
+      <a:lnRef idx="2">
+        <a:scrgbClr r="0" g="0" b="0"/>
+      </a:lnRef>
+      <a:fillRef idx="1">
+        <a:scrgbClr r="0" g="0" b="0"/>
+      </a:fillRef>
+      <a:effectRef idx="0">
+        <a:scrgbClr r="0" g="0" b="0"/>
+      </a:effectRef>
+      <a:fontRef idx="minor"/>
+    </dgm:style>
+  </dgm:styleLbl>
+  <dgm:styleLbl name="revTx">
+    <dgm:scene3d>
+      <a:camera prst="orthographicFront"/>
+      <a:lightRig rig="threePt" dir="t"/>
+    </dgm:scene3d>
+    <dgm:sp3d/>
+    <dgm:txPr/>
+    <dgm:style>
+      <a:lnRef idx="0">
+        <a:scrgbClr r="0" g="0" b="0"/>
+      </a:lnRef>
+      <a:fillRef idx="0">
+        <a:scrgbClr r="0" g="0" b="0"/>
+      </a:fillRef>
+      <a:effectRef idx="0">
+        <a:scrgbClr r="0" g="0" b="0"/>
+      </a:effectRef>
+      <a:fontRef idx="minor"/>
+    </dgm:style>
+  </dgm:styleLbl>
+</dgm:styleDef>
+</file>
+
+<file path=ppt/notesMasters/notesMaster1.xml><?xml version="1.0" encoding="utf-8"?>
+<p:notesMaster xmlns:a="http://schemas.openxmlformats.org/drawingml/2006/main" xmlns:r="http://schemas.openxmlformats.org/officeDocument/2006/relationships" xmlns:p="http://schemas.openxmlformats.org/presentationml/2006/main">
+  <p:cSld>
+    <p:bg>
+      <p:bgRef idx="1001">
+        <a:schemeClr val="bg1"/>
+      </p:bgRef>
+    </p:bg>
+    <p:spTree>
+      <p:nvGrpSpPr>
+        <p:cNvPr id="1" name=""/>
+        <p:cNvGrpSpPr/>
+        <p:nvPr/>
+      </p:nvGrpSpPr>
+      <p:grpSpPr>
+        <a:xfrm>
+          <a:off x="0" y="0"/>
+          <a:ext cx="0" cy="0"/>
+          <a:chOff x="0" y="0"/>
+          <a:chExt cx="0" cy="0"/>
+        </a:xfrm>
+      </p:grpSpPr>
+      <p:sp>
+        <p:nvSpPr>
+          <p:cNvPr id="2" name="Header Placeholder 1"/>
+          <p:cNvSpPr>
+            <a:spLocks noGrp="1"/>
+          </p:cNvSpPr>
+          <p:nvPr>
+            <p:ph type="hdr" sz="quarter"/>
+          </p:nvPr>
+        </p:nvSpPr>
+        <p:spPr>
+          <a:xfrm>
+            <a:off x="0" y="0"/>
+            <a:ext cx="2971800" cy="458788"/>
+          </a:xfrm>
+          <a:prstGeom prst="rect">
+            <a:avLst/>
+          </a:prstGeom>
+        </p:spPr>
+        <p:txBody>
+          <a:bodyPr vert="horz" lIns="91440" tIns="45720" rIns="91440" bIns="45720" rtlCol="0"/>
+          <a:lstStyle>
+            <a:lvl1pPr algn="l">
+              <a:defRPr sz="1200"/>
+            </a:lvl1pPr>
+          </a:lstStyle>
+          <a:p>
+            <a:endParaRPr lang="en-US"/>
+          </a:p>
+        </p:txBody>
+      </p:sp>
+      <p:sp>
+        <p:nvSpPr>
+          <p:cNvPr id="3" name="Date Placeholder 2"/>
+          <p:cNvSpPr>
+            <a:spLocks noGrp="1"/>
+          </p:cNvSpPr>
+          <p:nvPr>
+            <p:ph type="dt" idx="1"/>
+          </p:nvPr>
+        </p:nvSpPr>
+        <p:spPr>
+          <a:xfrm>
+            <a:off x="3884613" y="0"/>
+            <a:ext cx="2971800" cy="458788"/>
+          </a:xfrm>
+          <a:prstGeom prst="rect">
+            <a:avLst/>
+          </a:prstGeom>
+        </p:spPr>
+        <p:txBody>
+          <a:bodyPr vert="horz" lIns="91440" tIns="45720" rIns="91440" bIns="45720" rtlCol="0"/>
+          <a:lstStyle>
+            <a:lvl1pPr algn="r">
+              <a:defRPr sz="1200"/>
+            </a:lvl1pPr>
+          </a:lstStyle>
+          <a:p>
+            <a:fld id="{D8099AAA-69B8-418C-BEE6-AC95D1A624A2}" type="datetimeFigureOut">
+              <a:rPr lang="en-US" smtClean="0"/>
+              <a:t>03/18/2024</a:t>
+            </a:fld>
+            <a:endParaRPr lang="en-US"/>
+          </a:p>
+        </p:txBody>
+      </p:sp>
+      <p:sp>
+        <p:nvSpPr>
+          <p:cNvPr id="4" name="Slide Image Placeholder 3"/>
+          <p:cNvSpPr>
+            <a:spLocks noGrp="1" noRot="1" noChangeAspect="1"/>
+          </p:cNvSpPr>
+          <p:nvPr>
+            <p:ph type="sldImg" idx="2"/>
+          </p:nvPr>
+        </p:nvSpPr>
+        <p:spPr>
+          <a:xfrm>
+            <a:off x="685800" y="1143000"/>
+            <a:ext cx="5486400" cy="3086100"/>
+          </a:xfrm>
+          <a:prstGeom prst="rect">
+            <a:avLst/>
+          </a:prstGeom>
+          <a:noFill/>
+          <a:ln w="12700">
+            <a:solidFill>
+              <a:prstClr val="black"/>
+            </a:solidFill>
+          </a:ln>
+        </p:spPr>
+        <p:txBody>
+          <a:bodyPr vert="horz" lIns="91440" tIns="45720" rIns="91440" bIns="45720" rtlCol="0" anchor="ctr"/>
+          <a:lstStyle/>
+          <a:p>
+            <a:endParaRPr lang="en-US"/>
+          </a:p>
+        </p:txBody>
+      </p:sp>
+      <p:sp>
+        <p:nvSpPr>
+          <p:cNvPr id="5" name="Notes Placeholder 4"/>
+          <p:cNvSpPr>
+            <a:spLocks noGrp="1"/>
+          </p:cNvSpPr>
+          <p:nvPr>
+            <p:ph type="body" sz="quarter" idx="3"/>
+          </p:nvPr>
+        </p:nvSpPr>
+        <p:spPr>
+          <a:xfrm>
+            <a:off x="685800" y="4400550"/>
+            <a:ext cx="5486400" cy="3600450"/>
+          </a:xfrm>
+          <a:prstGeom prst="rect">
+            <a:avLst/>
+          </a:prstGeom>
+        </p:spPr>
+        <p:txBody>
+          <a:bodyPr vert="horz" lIns="91440" tIns="45720" rIns="91440" bIns="45720" rtlCol="0"/>
+          <a:lstStyle/>
+          <a:p>
+            <a:pPr lvl="0"/>
+            <a:r>
+              <a:rPr lang="en-US" smtClean="0"/>
+              <a:t>Edit Master text styles</a:t>
+            </a:r>
+          </a:p>
+          <a:p>
+            <a:pPr lvl="1"/>
+            <a:r>
+              <a:rPr lang="en-US" smtClean="0"/>
+              <a:t>Second level</a:t>
+            </a:r>
+          </a:p>
+          <a:p>
+            <a:pPr lvl="2"/>
+            <a:r>
+              <a:rPr lang="en-US" smtClean="0"/>
+              <a:t>Third level</a:t>
+            </a:r>
+          </a:p>
+          <a:p>
+            <a:pPr lvl="3"/>
+            <a:r>
+              <a:rPr lang="en-US" smtClean="0"/>
+              <a:t>Fourth level</a:t>
+            </a:r>
+          </a:p>
+          <a:p>
+            <a:pPr lvl="4"/>
+            <a:r>
+              <a:rPr lang="en-US" smtClean="0"/>
+              <a:t>Fifth level</a:t>
+            </a:r>
+            <a:endParaRPr lang="en-US"/>
+          </a:p>
+        </p:txBody>
+      </p:sp>
+      <p:sp>
+        <p:nvSpPr>
+          <p:cNvPr id="6" name="Footer Placeholder 5"/>
+          <p:cNvSpPr>
+            <a:spLocks noGrp="1"/>
+          </p:cNvSpPr>
+          <p:nvPr>
+            <p:ph type="ftr" sz="quarter" idx="4"/>
+          </p:nvPr>
+        </p:nvSpPr>
+        <p:spPr>
+          <a:xfrm>
+            <a:off x="0" y="8685213"/>
+            <a:ext cx="2971800" cy="458787"/>
+          </a:xfrm>
+          <a:prstGeom prst="rect">
+            <a:avLst/>
+          </a:prstGeom>
+        </p:spPr>
+        <p:txBody>
+          <a:bodyPr vert="horz" lIns="91440" tIns="45720" rIns="91440" bIns="45720" rtlCol="0" anchor="b"/>
+          <a:lstStyle>
+            <a:lvl1pPr algn="l">
+              <a:defRPr sz="1200"/>
+            </a:lvl1pPr>
+          </a:lstStyle>
+          <a:p>
+            <a:endParaRPr lang="en-US"/>
+          </a:p>
+        </p:txBody>
+      </p:sp>
+      <p:sp>
+        <p:nvSpPr>
+          <p:cNvPr id="7" name="Slide Number Placeholder 6"/>
+          <p:cNvSpPr>
+            <a:spLocks noGrp="1"/>
+          </p:cNvSpPr>
+          <p:nvPr>
+            <p:ph type="sldNum" sz="quarter" idx="5"/>
+          </p:nvPr>
+        </p:nvSpPr>
+        <p:spPr>
+          <a:xfrm>
+            <a:off x="3884613" y="8685213"/>
+            <a:ext cx="2971800" cy="458787"/>
+          </a:xfrm>
+          <a:prstGeom prst="rect">
+            <a:avLst/>
+          </a:prstGeom>
+        </p:spPr>
+        <p:txBody>
+          <a:bodyPr vert="horz" lIns="91440" tIns="45720" rIns="91440" bIns="45720" rtlCol="0" anchor="b"/>
+          <a:lstStyle>
+            <a:lvl1pPr algn="r">
+              <a:defRPr sz="1200"/>
+            </a:lvl1pPr>
+          </a:lstStyle>
+          <a:p>
+            <a:fld id="{9ACEF446-EFA3-4D05-AA19-5D78259E99C0}" type="slidenum">
+              <a:rPr lang="en-US" smtClean="0"/>
+              <a:t>‹#›</a:t>
+            </a:fld>
+            <a:endParaRPr lang="en-US"/>
+          </a:p>
+        </p:txBody>
+      </p:sp>
+    </p:spTree>
+    <p:extLst>
+      <p:ext uri="{BB962C8B-B14F-4D97-AF65-F5344CB8AC3E}">
+        <p14:creationId xmlns:p14="http://schemas.microsoft.com/office/powerpoint/2010/main" val="3141046209"/>
+      </p:ext>
+    </p:extLst>
+  </p:cSld>
+  <p:clrMap bg1="lt1" tx1="dk1" bg2="lt2" tx2="dk2" accent1="accent1" accent2="accent2" accent3="accent3" accent4="accent4" accent5="accent5" accent6="accent6" hlink="hlink" folHlink="folHlink"/>
+  <p:notesStyle>
+    <a:lvl1pPr marL="0" algn="l" defTabSz="914400" rtl="0" eaLnBrk="1" latinLnBrk="0" hangingPunct="1">
+      <a:defRPr sz="1200" kern="1200">
+        <a:solidFill>
+          <a:schemeClr val="tx1"/>
+        </a:solidFill>
+        <a:latin typeface="+mn-lt"/>
+        <a:ea typeface="+mn-ea"/>
+        <a:cs typeface="+mn-cs"/>
+      </a:defRPr>
+    </a:lvl1pPr>
+    <a:lvl2pPr marL="457200" algn="l" defTabSz="914400" rtl="0" eaLnBrk="1" latinLnBrk="0" hangingPunct="1">
+      <a:defRPr sz="1200" kern="1200">
+        <a:solidFill>
+          <a:schemeClr val="tx1"/>
+        </a:solidFill>
+        <a:latin typeface="+mn-lt"/>
+        <a:ea typeface="+mn-ea"/>
+        <a:cs typeface="+mn-cs"/>
+      </a:defRPr>
+    </a:lvl2pPr>
+    <a:lvl3pPr marL="914400" algn="l" defTabSz="914400" rtl="0" eaLnBrk="1" latinLnBrk="0" hangingPunct="1">
+      <a:defRPr sz="1200" kern="1200">
+        <a:solidFill>
+          <a:schemeClr val="tx1"/>
+        </a:solidFill>
+        <a:latin typeface="+mn-lt"/>
+        <a:ea typeface="+mn-ea"/>
+        <a:cs typeface="+mn-cs"/>
+      </a:defRPr>
+    </a:lvl3pPr>
+    <a:lvl4pPr marL="1371600" algn="l" defTabSz="914400" rtl="0" eaLnBrk="1" latinLnBrk="0" hangingPunct="1">
+      <a:defRPr sz="1200" kern="1200">
+        <a:solidFill>
+          <a:schemeClr val="tx1"/>
+        </a:solidFill>
+        <a:latin typeface="+mn-lt"/>
+        <a:ea typeface="+mn-ea"/>
+        <a:cs typeface="+mn-cs"/>
+      </a:defRPr>
+    </a:lvl4pPr>
+    <a:lvl5pPr marL="1828800" algn="l" defTabSz="914400" rtl="0" eaLnBrk="1" latinLnBrk="0" hangingPunct="1">
+      <a:defRPr sz="1200" kern="1200">
+        <a:solidFill>
+          <a:schemeClr val="tx1"/>
+        </a:solidFill>
+        <a:latin typeface="+mn-lt"/>
+        <a:ea typeface="+mn-ea"/>
+        <a:cs typeface="+mn-cs"/>
+      </a:defRPr>
+    </a:lvl5pPr>
+    <a:lvl6pPr marL="2286000" algn="l" defTabSz="914400" rtl="0" eaLnBrk="1" latinLnBrk="0" hangingPunct="1">
+      <a:defRPr sz="1200" kern="1200">
+        <a:solidFill>
+          <a:schemeClr val="tx1"/>
+        </a:solidFill>
+        <a:latin typeface="+mn-lt"/>
+        <a:ea typeface="+mn-ea"/>
+        <a:cs typeface="+mn-cs"/>
+      </a:defRPr>
+    </a:lvl6pPr>
+    <a:lvl7pPr marL="2743200" algn="l" defTabSz="914400" rtl="0" eaLnBrk="1" latinLnBrk="0" hangingPunct="1">
+      <a:defRPr sz="1200" kern="1200">
+        <a:solidFill>
+          <a:schemeClr val="tx1"/>
+        </a:solidFill>
+        <a:latin typeface="+mn-lt"/>
+        <a:ea typeface="+mn-ea"/>
+        <a:cs typeface="+mn-cs"/>
+      </a:defRPr>
+    </a:lvl7pPr>
+    <a:lvl8pPr marL="3200400" algn="l" defTabSz="914400" rtl="0" eaLnBrk="1" latinLnBrk="0" hangingPunct="1">
+      <a:defRPr sz="1200" kern="1200">
+        <a:solidFill>
+          <a:schemeClr val="tx1"/>
+        </a:solidFill>
+        <a:latin typeface="+mn-lt"/>
+        <a:ea typeface="+mn-ea"/>
+        <a:cs typeface="+mn-cs"/>
+      </a:defRPr>
+    </a:lvl8pPr>
+    <a:lvl9pPr marL="3657600" algn="l" defTabSz="914400" rtl="0" eaLnBrk="1" latinLnBrk="0" hangingPunct="1">
+      <a:defRPr sz="1200" kern="1200">
+        <a:solidFill>
+          <a:schemeClr val="tx1"/>
+        </a:solidFill>
+        <a:latin typeface="+mn-lt"/>
+        <a:ea typeface="+mn-ea"/>
+        <a:cs typeface="+mn-cs"/>
+      </a:defRPr>
+    </a:lvl9pPr>
+  </p:notesStyle>
+</p:notesMaster>
+</file>
+
+<file path=ppt/notesSlides/notesSlide1.xml><?xml version="1.0" encoding="utf-8"?>
+<p:notes xmlns:a="http://schemas.openxmlformats.org/drawingml/2006/main" xmlns:r="http://schemas.openxmlformats.org/officeDocument/2006/relationships" xmlns:p="http://schemas.openxmlformats.org/presentationml/2006/main">
+  <p:cSld>
+    <p:spTree>
+      <p:nvGrpSpPr>
+        <p:cNvPr id="1" name=""/>
+        <p:cNvGrpSpPr/>
+        <p:nvPr/>
+      </p:nvGrpSpPr>
+      <p:grpSpPr>
+        <a:xfrm>
+          <a:off x="0" y="0"/>
+          <a:ext cx="0" cy="0"/>
+          <a:chOff x="0" y="0"/>
+          <a:chExt cx="0" cy="0"/>
+        </a:xfrm>
+      </p:grpSpPr>
+      <p:sp>
+        <p:nvSpPr>
+          <p:cNvPr id="2" name="Slide Image Placeholder 1"/>
+          <p:cNvSpPr>
+            <a:spLocks noGrp="1" noRot="1" noChangeAspect="1"/>
+          </p:cNvSpPr>
+          <p:nvPr>
+            <p:ph type="sldImg"/>
+          </p:nvPr>
+        </p:nvSpPr>
+        <p:spPr/>
+      </p:sp>
+      <p:sp>
+        <p:nvSpPr>
+          <p:cNvPr id="3" name="Notes Placeholder 2"/>
+          <p:cNvSpPr>
+            <a:spLocks noGrp="1"/>
+          </p:cNvSpPr>
+          <p:nvPr>
+            <p:ph type="body" idx="1"/>
+          </p:nvPr>
+        </p:nvSpPr>
+        <p:spPr/>
+        <p:txBody>
+          <a:bodyPr/>
+          <a:lstStyle/>
+          <a:p>
+            <a:endParaRPr lang="en-US" dirty="0"/>
+          </a:p>
+        </p:txBody>
+      </p:sp>
+      <p:sp>
+        <p:nvSpPr>
+          <p:cNvPr id="4" name="Slide Number Placeholder 3"/>
+          <p:cNvSpPr>
+            <a:spLocks noGrp="1"/>
+          </p:cNvSpPr>
+          <p:nvPr>
+            <p:ph type="sldNum" sz="quarter" idx="10"/>
+          </p:nvPr>
+        </p:nvSpPr>
+        <p:spPr/>
+        <p:txBody>
+          <a:bodyPr/>
+          <a:lstStyle/>
+          <a:p>
+            <a:fld id="{9ACEF446-EFA3-4D05-AA19-5D78259E99C0}" type="slidenum">
+              <a:rPr lang="en-US" smtClean="0"/>
+              <a:t>5</a:t>
+            </a:fld>
+            <a:endParaRPr lang="en-US"/>
+          </a:p>
+        </p:txBody>
+      </p:sp>
+    </p:spTree>
+    <p:extLst>
+      <p:ext uri="{BB962C8B-B14F-4D97-AF65-F5344CB8AC3E}">
+        <p14:creationId xmlns:p14="http://schemas.microsoft.com/office/powerpoint/2010/main" val="375381324"/>
+      </p:ext>
+    </p:extLst>
+  </p:cSld>
+  <p:clrMapOvr>
+    <a:masterClrMapping/>
+  </p:clrMapOvr>
+</p:notes>
 </file>
 
 <file path=ppt/slideLayouts/slideLayout1.xml><?xml version="1.0" encoding="utf-8"?>
@@ -5892,7 +9110,7 @@
           <a:p>
             <a:fld id="{14D49F24-C369-408B-985E-7F462C90F2F7}" type="datetimeFigureOut">
               <a:rPr lang="en-US" smtClean="0"/>
-              <a:t>3/18/2024</a:t>
+              <a:t>03/18/2024</a:t>
             </a:fld>
             <a:endParaRPr lang="en-US"/>
           </a:p>
@@ -6062,7 +9280,7 @@
           <a:p>
             <a:fld id="{14D49F24-C369-408B-985E-7F462C90F2F7}" type="datetimeFigureOut">
               <a:rPr lang="en-US" smtClean="0"/>
-              <a:t>3/18/2024</a:t>
+              <a:t>03/18/2024</a:t>
             </a:fld>
             <a:endParaRPr lang="en-US"/>
           </a:p>
@@ -6242,7 +9460,7 @@
           <a:p>
             <a:fld id="{14D49F24-C369-408B-985E-7F462C90F2F7}" type="datetimeFigureOut">
               <a:rPr lang="en-US" smtClean="0"/>
-              <a:t>3/18/2024</a:t>
+              <a:t>03/18/2024</a:t>
             </a:fld>
             <a:endParaRPr lang="en-US"/>
           </a:p>
@@ -6412,7 +9630,7 @@
           <a:p>
             <a:fld id="{14D49F24-C369-408B-985E-7F462C90F2F7}" type="datetimeFigureOut">
               <a:rPr lang="en-US" smtClean="0"/>
-              <a:t>3/18/2024</a:t>
+              <a:t>03/18/2024</a:t>
             </a:fld>
             <a:endParaRPr lang="en-US"/>
           </a:p>
@@ -6670,7 +9888,7 @@
           <a:p>
             <a:fld id="{14D49F24-C369-408B-985E-7F462C90F2F7}" type="datetimeFigureOut">
               <a:rPr lang="en-US" smtClean="0"/>
-              <a:t>3/18/2024</a:t>
+              <a:t>03/18/2024</a:t>
             </a:fld>
             <a:endParaRPr lang="en-US"/>
           </a:p>
@@ -6958,7 +10176,7 @@
           <a:p>
             <a:fld id="{14D49F24-C369-408B-985E-7F462C90F2F7}" type="datetimeFigureOut">
               <a:rPr lang="en-US" smtClean="0"/>
-              <a:t>3/18/2024</a:t>
+              <a:t>03/18/2024</a:t>
             </a:fld>
             <a:endParaRPr lang="en-US"/>
           </a:p>
@@ -7400,7 +10618,7 @@
           <a:p>
             <a:fld id="{14D49F24-C369-408B-985E-7F462C90F2F7}" type="datetimeFigureOut">
               <a:rPr lang="en-US" smtClean="0"/>
-              <a:t>3/18/2024</a:t>
+              <a:t>03/18/2024</a:t>
             </a:fld>
             <a:endParaRPr lang="en-US"/>
           </a:p>
@@ -7518,7 +10736,7 @@
           <a:p>
             <a:fld id="{14D49F24-C369-408B-985E-7F462C90F2F7}" type="datetimeFigureOut">
               <a:rPr lang="en-US" smtClean="0"/>
-              <a:t>3/18/2024</a:t>
+              <a:t>03/18/2024</a:t>
             </a:fld>
             <a:endParaRPr lang="en-US"/>
           </a:p>
@@ -7613,7 +10831,7 @@
           <a:p>
             <a:fld id="{14D49F24-C369-408B-985E-7F462C90F2F7}" type="datetimeFigureOut">
               <a:rPr lang="en-US" smtClean="0"/>
-              <a:t>3/18/2024</a:t>
+              <a:t>03/18/2024</a:t>
             </a:fld>
             <a:endParaRPr lang="en-US"/>
           </a:p>
@@ -7901,7 +11119,7 @@
           <a:p>
             <a:fld id="{14D49F24-C369-408B-985E-7F462C90F2F7}" type="datetimeFigureOut">
               <a:rPr lang="en-US" smtClean="0"/>
-              <a:t>3/18/2024</a:t>
+              <a:t>03/18/2024</a:t>
             </a:fld>
             <a:endParaRPr lang="en-US"/>
           </a:p>
@@ -8174,7 +11392,7 @@
           <a:p>
             <a:fld id="{14D49F24-C369-408B-985E-7F462C90F2F7}" type="datetimeFigureOut">
               <a:rPr lang="en-US" smtClean="0"/>
-              <a:t>3/18/2024</a:t>
+              <a:t>03/18/2024</a:t>
             </a:fld>
             <a:endParaRPr lang="en-US"/>
           </a:p>
@@ -8471,7 +11689,7 @@
           <a:p>
             <a:fld id="{14D49F24-C369-408B-985E-7F462C90F2F7}" type="datetimeFigureOut">
               <a:rPr lang="en-US" smtClean="0"/>
-              <a:t>3/18/2024</a:t>
+              <a:t>03/18/2024</a:t>
             </a:fld>
             <a:endParaRPr lang="en-US"/>
           </a:p>
@@ -8969,7 +12187,7 @@
                 <a16:creationId xmlns:a16="http://schemas.microsoft.com/office/drawing/2014/main" id="{9FDD9264-A478-4B82-A891-2BEA8BF9F68A}"/>
               </a:ext>
               <a:ext uri="{C183D7F6-B498-43B3-948B-1728B52AA6E4}">
-                <adec:decorative xmlns:adec="http://schemas.microsoft.com/office/drawing/2017/decorative" val="1"/>
+                <adec:decorative xmlns:adec="http://schemas.microsoft.com/office/drawing/2017/decorative" xmlns="" val="1"/>
               </a:ext>
             </a:extLst>
           </p:cNvPr>
@@ -9064,7 +12282,7 @@
                 <a16:creationId xmlns:a16="http://schemas.microsoft.com/office/drawing/2014/main" id="{C4D755E9-CEF5-43A7-A514-4664F25F398C}"/>
               </a:ext>
               <a:ext uri="{C183D7F6-B498-43B3-948B-1728B52AA6E4}">
-                <adec:decorative xmlns:adec="http://schemas.microsoft.com/office/drawing/2017/decorative" val="1"/>
+                <adec:decorative xmlns:adec="http://schemas.microsoft.com/office/drawing/2017/decorative" xmlns="" val="1"/>
               </a:ext>
             </a:extLst>
           </p:cNvPr>
@@ -9136,7 +12354,7 @@
         </p:nvSpPr>
         <p:spPr>
           <a:xfrm>
-            <a:off x="643467" y="1298448"/>
+            <a:off x="643467" y="1213105"/>
             <a:ext cx="3685070" cy="3255264"/>
           </a:xfrm>
         </p:spPr>
@@ -9147,7 +12365,7 @@
           <a:lstStyle/>
           <a:p>
             <a:r>
-              <a:rPr lang="en-US" sz="4400">
+              <a:rPr lang="en-US" sz="4400" dirty="0">
                 <a:ln w="15875">
                   <a:solidFill>
                     <a:srgbClr val="FFFFFF"/>
@@ -9188,9 +12406,26 @@
           <a:lstStyle/>
           <a:p>
             <a:r>
-              <a:rPr lang="en-US" sz="2000"/>
-              <a:t>Presented by Jenae Journot, Manuel Sosa and Greg Thomas</a:t>
+              <a:rPr lang="en-US" sz="2400" dirty="0" smtClean="0">
+                <a:effectLst>
+                  <a:outerShdw blurRad="38100" dist="38100" dir="2700000" algn="tl">
+                    <a:srgbClr val="000000">
+                      <a:alpha val="43137"/>
+                    </a:srgbClr>
+                  </a:outerShdw>
+                </a:effectLst>
+              </a:rPr>
+              <a:t>Data Visualization Track</a:t>
             </a:r>
+            <a:endParaRPr lang="en-US" sz="2400" dirty="0">
+              <a:effectLst>
+                <a:outerShdw blurRad="38100" dist="38100" dir="2700000" algn="tl">
+                  <a:srgbClr val="000000">
+                    <a:alpha val="43137"/>
+                  </a:srgbClr>
+                </a:outerShdw>
+              </a:effectLst>
+            </a:endParaRPr>
           </a:p>
         </p:txBody>
       </p:sp>
@@ -9202,7 +12437,7 @@
                 <a16:creationId xmlns:a16="http://schemas.microsoft.com/office/drawing/2014/main" id="{2BF879CD-ED15-450F-B829-699C694D2EBC}"/>
               </a:ext>
               <a:ext uri="{C183D7F6-B498-43B3-948B-1728B52AA6E4}">
-                <adec:decorative xmlns:adec="http://schemas.microsoft.com/office/drawing/2017/decorative" val="1"/>
+                <adec:decorative xmlns:adec="http://schemas.microsoft.com/office/drawing/2017/decorative" xmlns="" val="1"/>
               </a:ext>
             </a:extLst>
           </p:cNvPr>
@@ -9255,6 +12490,284 @@
           <a:lstStyle/>
           <a:p>
             <a:endParaRPr lang="en-US"/>
+          </a:p>
+        </p:txBody>
+      </p:sp>
+      <p:sp>
+        <p:nvSpPr>
+          <p:cNvPr id="8" name="Subtitle 2">
+            <a:extLst>
+              <a:ext uri="{FF2B5EF4-FFF2-40B4-BE49-F238E27FC236}">
+                <a16:creationId xmlns:a16="http://schemas.microsoft.com/office/drawing/2014/main" id="{D58806E1-FAB7-46B8-3646-CE1D23540574}"/>
+              </a:ext>
+            </a:extLst>
+          </p:cNvPr>
+          <p:cNvSpPr txBox="1">
+            <a:spLocks/>
+          </p:cNvSpPr>
+          <p:nvPr/>
+        </p:nvSpPr>
+        <p:spPr>
+          <a:xfrm>
+            <a:off x="643467" y="5298134"/>
+            <a:ext cx="3685069" cy="914400"/>
+          </a:xfrm>
+          <a:prstGeom prst="rect">
+            <a:avLst/>
+          </a:prstGeom>
+        </p:spPr>
+        <p:txBody>
+          <a:bodyPr vert="horz" lIns="91440" tIns="45720" rIns="91440" bIns="45720" rtlCol="0" anchor="t">
+            <a:normAutofit/>
+          </a:bodyPr>
+          <a:lstStyle>
+            <a:lvl1pPr marL="0" indent="0" algn="l" defTabSz="914400" rtl="0" eaLnBrk="1" latinLnBrk="0" hangingPunct="1">
+              <a:lnSpc>
+                <a:spcPct val="90000"/>
+              </a:lnSpc>
+              <a:spcBef>
+                <a:spcPts val="1200"/>
+              </a:spcBef>
+              <a:buClr>
+                <a:schemeClr val="accent1"/>
+              </a:buClr>
+              <a:buFont typeface="Wingdings 2" pitchFamily="18" charset="2"/>
+              <a:buNone/>
+              <a:defRPr sz="2200" kern="1200" cap="none" spc="0" baseline="0">
+                <a:solidFill>
+                  <a:schemeClr val="accent1">
+                    <a:lumMod val="20000"/>
+                    <a:lumOff val="80000"/>
+                  </a:schemeClr>
+                </a:solidFill>
+                <a:latin typeface="+mn-lt"/>
+                <a:ea typeface="+mn-ea"/>
+                <a:cs typeface="+mn-cs"/>
+              </a:defRPr>
+            </a:lvl1pPr>
+            <a:lvl2pPr marL="457200" indent="0" algn="ctr" defTabSz="914400" rtl="0" eaLnBrk="1" latinLnBrk="0" hangingPunct="1">
+              <a:lnSpc>
+                <a:spcPct val="90000"/>
+              </a:lnSpc>
+              <a:spcBef>
+                <a:spcPts val="250"/>
+              </a:spcBef>
+              <a:spcAft>
+                <a:spcPts val="250"/>
+              </a:spcAft>
+              <a:buClr>
+                <a:schemeClr val="accent1"/>
+              </a:buClr>
+              <a:buFont typeface="Wingdings 2" pitchFamily="18" charset="2"/>
+              <a:buNone/>
+              <a:defRPr sz="2200" kern="1200">
+                <a:solidFill>
+                  <a:schemeClr val="tx1">
+                    <a:lumMod val="65000"/>
+                    <a:lumOff val="35000"/>
+                  </a:schemeClr>
+                </a:solidFill>
+                <a:latin typeface="+mn-lt"/>
+                <a:ea typeface="+mn-ea"/>
+                <a:cs typeface="+mn-cs"/>
+              </a:defRPr>
+            </a:lvl2pPr>
+            <a:lvl3pPr marL="914400" indent="0" algn="ctr" defTabSz="914400" rtl="0" eaLnBrk="1" latinLnBrk="0" hangingPunct="1">
+              <a:lnSpc>
+                <a:spcPct val="90000"/>
+              </a:lnSpc>
+              <a:spcBef>
+                <a:spcPts val="250"/>
+              </a:spcBef>
+              <a:spcAft>
+                <a:spcPts val="250"/>
+              </a:spcAft>
+              <a:buClr>
+                <a:schemeClr val="accent1"/>
+              </a:buClr>
+              <a:buFont typeface="Wingdings 2" pitchFamily="18" charset="2"/>
+              <a:buNone/>
+              <a:defRPr sz="2200" kern="1200">
+                <a:solidFill>
+                  <a:schemeClr val="tx1">
+                    <a:lumMod val="65000"/>
+                    <a:lumOff val="35000"/>
+                  </a:schemeClr>
+                </a:solidFill>
+                <a:latin typeface="+mn-lt"/>
+                <a:ea typeface="+mn-ea"/>
+                <a:cs typeface="+mn-cs"/>
+              </a:defRPr>
+            </a:lvl3pPr>
+            <a:lvl4pPr marL="1371600" indent="0" algn="ctr" defTabSz="914400" rtl="0" eaLnBrk="1" latinLnBrk="0" hangingPunct="1">
+              <a:lnSpc>
+                <a:spcPct val="90000"/>
+              </a:lnSpc>
+              <a:spcBef>
+                <a:spcPts val="250"/>
+              </a:spcBef>
+              <a:spcAft>
+                <a:spcPts val="250"/>
+              </a:spcAft>
+              <a:buClr>
+                <a:schemeClr val="accent1"/>
+              </a:buClr>
+              <a:buFont typeface="Wingdings 2" pitchFamily="18" charset="2"/>
+              <a:buNone/>
+              <a:defRPr sz="2000" kern="1200">
+                <a:solidFill>
+                  <a:schemeClr val="tx1">
+                    <a:lumMod val="65000"/>
+                    <a:lumOff val="35000"/>
+                  </a:schemeClr>
+                </a:solidFill>
+                <a:latin typeface="+mn-lt"/>
+                <a:ea typeface="+mn-ea"/>
+                <a:cs typeface="+mn-cs"/>
+              </a:defRPr>
+            </a:lvl4pPr>
+            <a:lvl5pPr marL="1828800" indent="0" algn="ctr" defTabSz="914400" rtl="0" eaLnBrk="1" latinLnBrk="0" hangingPunct="1">
+              <a:lnSpc>
+                <a:spcPct val="90000"/>
+              </a:lnSpc>
+              <a:spcBef>
+                <a:spcPts val="250"/>
+              </a:spcBef>
+              <a:spcAft>
+                <a:spcPts val="250"/>
+              </a:spcAft>
+              <a:buClr>
+                <a:schemeClr val="accent1"/>
+              </a:buClr>
+              <a:buFont typeface="Wingdings 2" pitchFamily="18" charset="2"/>
+              <a:buNone/>
+              <a:defRPr sz="2000" kern="1200">
+                <a:solidFill>
+                  <a:schemeClr val="tx1">
+                    <a:lumMod val="65000"/>
+                    <a:lumOff val="35000"/>
+                  </a:schemeClr>
+                </a:solidFill>
+                <a:latin typeface="+mn-lt"/>
+                <a:ea typeface="+mn-ea"/>
+                <a:cs typeface="+mn-cs"/>
+              </a:defRPr>
+            </a:lvl5pPr>
+            <a:lvl6pPr marL="2286000" indent="0" algn="ctr" defTabSz="914400" rtl="0" eaLnBrk="1" latinLnBrk="0" hangingPunct="1">
+              <a:lnSpc>
+                <a:spcPct val="90000"/>
+              </a:lnSpc>
+              <a:spcBef>
+                <a:spcPts val="250"/>
+              </a:spcBef>
+              <a:spcAft>
+                <a:spcPts val="250"/>
+              </a:spcAft>
+              <a:buClr>
+                <a:schemeClr val="accent1"/>
+              </a:buClr>
+              <a:buFont typeface="Wingdings 2" pitchFamily="18" charset="2"/>
+              <a:buNone/>
+              <a:defRPr sz="2000" kern="1200">
+                <a:solidFill>
+                  <a:schemeClr val="tx1">
+                    <a:lumMod val="65000"/>
+                    <a:lumOff val="35000"/>
+                  </a:schemeClr>
+                </a:solidFill>
+                <a:latin typeface="+mn-lt"/>
+                <a:ea typeface="+mn-ea"/>
+                <a:cs typeface="+mn-cs"/>
+              </a:defRPr>
+            </a:lvl6pPr>
+            <a:lvl7pPr marL="2743200" indent="0" algn="ctr" defTabSz="914400" rtl="0" eaLnBrk="1" latinLnBrk="0" hangingPunct="1">
+              <a:lnSpc>
+                <a:spcPct val="90000"/>
+              </a:lnSpc>
+              <a:spcBef>
+                <a:spcPts val="250"/>
+              </a:spcBef>
+              <a:spcAft>
+                <a:spcPts val="250"/>
+              </a:spcAft>
+              <a:buClr>
+                <a:schemeClr val="accent1"/>
+              </a:buClr>
+              <a:buFont typeface="Wingdings 2" pitchFamily="18" charset="2"/>
+              <a:buNone/>
+              <a:defRPr sz="2000" kern="1200">
+                <a:solidFill>
+                  <a:schemeClr val="tx1">
+                    <a:lumMod val="65000"/>
+                    <a:lumOff val="35000"/>
+                  </a:schemeClr>
+                </a:solidFill>
+                <a:latin typeface="+mn-lt"/>
+                <a:ea typeface="+mn-ea"/>
+                <a:cs typeface="+mn-cs"/>
+              </a:defRPr>
+            </a:lvl7pPr>
+            <a:lvl8pPr marL="3200400" indent="0" algn="ctr" defTabSz="914400" rtl="0" eaLnBrk="1" latinLnBrk="0" hangingPunct="1">
+              <a:lnSpc>
+                <a:spcPct val="90000"/>
+              </a:lnSpc>
+              <a:spcBef>
+                <a:spcPts val="250"/>
+              </a:spcBef>
+              <a:spcAft>
+                <a:spcPts val="250"/>
+              </a:spcAft>
+              <a:buClr>
+                <a:schemeClr val="accent1"/>
+              </a:buClr>
+              <a:buFont typeface="Wingdings 2" pitchFamily="18" charset="2"/>
+              <a:buNone/>
+              <a:defRPr sz="2000" kern="1200">
+                <a:solidFill>
+                  <a:schemeClr val="tx1">
+                    <a:lumMod val="65000"/>
+                    <a:lumOff val="35000"/>
+                  </a:schemeClr>
+                </a:solidFill>
+                <a:latin typeface="+mn-lt"/>
+                <a:ea typeface="+mn-ea"/>
+                <a:cs typeface="+mn-cs"/>
+              </a:defRPr>
+            </a:lvl8pPr>
+            <a:lvl9pPr marL="3657600" indent="0" algn="ctr" defTabSz="914400" rtl="0" eaLnBrk="1" latinLnBrk="0" hangingPunct="1">
+              <a:lnSpc>
+                <a:spcPct val="90000"/>
+              </a:lnSpc>
+              <a:spcBef>
+                <a:spcPts val="250"/>
+              </a:spcBef>
+              <a:spcAft>
+                <a:spcPts val="250"/>
+              </a:spcAft>
+              <a:buClr>
+                <a:schemeClr val="accent1"/>
+              </a:buClr>
+              <a:buFont typeface="Wingdings 2" pitchFamily="18" charset="2"/>
+              <a:buNone/>
+              <a:defRPr sz="2000" kern="1200">
+                <a:solidFill>
+                  <a:schemeClr val="tx1">
+                    <a:lumMod val="65000"/>
+                    <a:lumOff val="35000"/>
+                  </a:schemeClr>
+                </a:solidFill>
+                <a:latin typeface="+mn-lt"/>
+                <a:ea typeface="+mn-ea"/>
+                <a:cs typeface="+mn-cs"/>
+              </a:defRPr>
+            </a:lvl9pPr>
+          </a:lstStyle>
+          <a:p>
+            <a:r>
+              <a:rPr lang="en-US" sz="2000" dirty="0" smtClean="0"/>
+              <a:t>Presented by Jenae Journot, Manuel Sosa and Greg Thomas</a:t>
+            </a:r>
+            <a:endParaRPr lang="en-US" sz="2000" dirty="0"/>
           </a:p>
         </p:txBody>
       </p:sp>
@@ -9375,6 +12888,52 @@
                                   </p:childTnLst>
                                 </p:cTn>
                               </p:par>
+                              <p:par>
+                                <p:cTn id="11" presetID="10" presetClass="entr" presetSubtype="0" fill="hold" grpId="0" nodeType="withEffect">
+                                  <p:stCondLst>
+                                    <p:cond delay="2000"/>
+                                  </p:stCondLst>
+                                  <p:iterate type="lt">
+                                    <p:tmPct val="10000"/>
+                                  </p:iterate>
+                                  <p:childTnLst>
+                                    <p:set>
+                                      <p:cBhvr>
+                                        <p:cTn id="12" dur="1" fill="hold">
+                                          <p:stCondLst>
+                                            <p:cond delay="0"/>
+                                          </p:stCondLst>
+                                        </p:cTn>
+                                        <p:tgtEl>
+                                          <p:spTgt spid="8">
+                                            <p:txEl>
+                                              <p:pRg st="0" end="0"/>
+                                            </p:txEl>
+                                          </p:spTgt>
+                                        </p:tgtEl>
+                                        <p:attrNameLst>
+                                          <p:attrName>style.visibility</p:attrName>
+                                        </p:attrNameLst>
+                                      </p:cBhvr>
+                                      <p:to>
+                                        <p:strVal val="visible"/>
+                                      </p:to>
+                                    </p:set>
+                                    <p:animEffect transition="in" filter="fade">
+                                      <p:cBhvr>
+                                        <p:cTn id="13" dur="400"/>
+                                        <p:tgtEl>
+                                          <p:spTgt spid="8">
+                                            <p:txEl>
+                                              <p:pRg st="0" end="0"/>
+                                            </p:txEl>
+                                          </p:spTgt>
+                                        </p:tgtEl>
+                                      </p:cBhvr>
+                                    </p:animEffect>
+                                  </p:childTnLst>
+                                </p:cTn>
+                              </p:par>
                             </p:childTnLst>
                           </p:cTn>
                         </p:par>
@@ -9405,8 +12964,272 @@
     <p:bldLst>
       <p:bldP spid="2" grpId="0"/>
       <p:bldP spid="3" grpId="0" build="p"/>
+      <p:bldP spid="8" grpId="0" build="p"/>
     </p:bldLst>
   </p:timing>
+</p:sld>
+</file>
+
+<file path=ppt/slides/slide10.xml><?xml version="1.0" encoding="utf-8"?>
+<p:sld xmlns:a="http://schemas.openxmlformats.org/drawingml/2006/main" xmlns:r="http://schemas.openxmlformats.org/officeDocument/2006/relationships" xmlns:p="http://schemas.openxmlformats.org/presentationml/2006/main">
+  <p:cSld>
+    <p:spTree>
+      <p:nvGrpSpPr>
+        <p:cNvPr id="1" name=""/>
+        <p:cNvGrpSpPr/>
+        <p:nvPr/>
+      </p:nvGrpSpPr>
+      <p:grpSpPr>
+        <a:xfrm>
+          <a:off x="0" y="0"/>
+          <a:ext cx="0" cy="0"/>
+          <a:chOff x="0" y="0"/>
+          <a:chExt cx="0" cy="0"/>
+        </a:xfrm>
+      </p:grpSpPr>
+      <p:sp>
+        <p:nvSpPr>
+          <p:cNvPr id="2" name="Title 1">
+            <a:extLst>
+              <a:ext uri="{FF2B5EF4-FFF2-40B4-BE49-F238E27FC236}">
+                <a16:creationId xmlns:a16="http://schemas.microsoft.com/office/drawing/2014/main" id="{2702D8B7-D014-7167-C342-BBF94440264C}"/>
+              </a:ext>
+            </a:extLst>
+          </p:cNvPr>
+          <p:cNvSpPr>
+            <a:spLocks noGrp="1"/>
+          </p:cNvSpPr>
+          <p:nvPr>
+            <p:ph type="title"/>
+          </p:nvPr>
+        </p:nvSpPr>
+        <p:spPr/>
+        <p:txBody>
+          <a:bodyPr/>
+          <a:lstStyle/>
+          <a:p>
+            <a:r>
+              <a:rPr lang="en-US" dirty="0"/>
+              <a:t>Lessons Learned</a:t>
+            </a:r>
+          </a:p>
+        </p:txBody>
+      </p:sp>
+      <p:sp>
+        <p:nvSpPr>
+          <p:cNvPr id="3" name="Content Placeholder 2">
+            <a:extLst>
+              <a:ext uri="{FF2B5EF4-FFF2-40B4-BE49-F238E27FC236}">
+                <a16:creationId xmlns:a16="http://schemas.microsoft.com/office/drawing/2014/main" id="{B1F4A6BB-5547-0AA1-FB5B-67D439798FAD}"/>
+              </a:ext>
+            </a:extLst>
+          </p:cNvPr>
+          <p:cNvSpPr>
+            <a:spLocks noGrp="1"/>
+          </p:cNvSpPr>
+          <p:nvPr>
+            <p:ph idx="1"/>
+          </p:nvPr>
+        </p:nvSpPr>
+        <p:spPr/>
+        <p:txBody>
+          <a:bodyPr/>
+          <a:lstStyle/>
+          <a:p>
+            <a:endParaRPr lang="en-US" dirty="0"/>
+          </a:p>
+        </p:txBody>
+      </p:sp>
+    </p:spTree>
+    <p:extLst>
+      <p:ext uri="{BB962C8B-B14F-4D97-AF65-F5344CB8AC3E}">
+        <p14:creationId xmlns:p14="http://schemas.microsoft.com/office/powerpoint/2010/main" val="3343080671"/>
+      </p:ext>
+    </p:extLst>
+  </p:cSld>
+  <p:clrMapOvr>
+    <a:masterClrMapping/>
+  </p:clrMapOvr>
+</p:sld>
+</file>
+
+<file path=ppt/slides/slide11.xml><?xml version="1.0" encoding="utf-8"?>
+<p:sld xmlns:a="http://schemas.openxmlformats.org/drawingml/2006/main" xmlns:r="http://schemas.openxmlformats.org/officeDocument/2006/relationships" xmlns:p="http://schemas.openxmlformats.org/presentationml/2006/main">
+  <p:cSld>
+    <p:bg>
+      <p:bgPr>
+        <a:solidFill>
+          <a:schemeClr val="bg1"/>
+        </a:solidFill>
+        <a:effectLst/>
+      </p:bgPr>
+    </p:bg>
+    <p:spTree>
+      <p:nvGrpSpPr>
+        <p:cNvPr id="1" name=""/>
+        <p:cNvGrpSpPr/>
+        <p:nvPr/>
+      </p:nvGrpSpPr>
+      <p:grpSpPr>
+        <a:xfrm>
+          <a:off x="0" y="0"/>
+          <a:ext cx="0" cy="0"/>
+          <a:chOff x="0" y="0"/>
+          <a:chExt cx="0" cy="0"/>
+        </a:xfrm>
+      </p:grpSpPr>
+      <p:sp useBgFill="1">
+        <p:nvSpPr>
+          <p:cNvPr id="11" name="Rectangle 10">
+            <a:extLst>
+              <a:ext uri="{FF2B5EF4-FFF2-40B4-BE49-F238E27FC236}">
+                <a16:creationId xmlns:a16="http://schemas.microsoft.com/office/drawing/2014/main" id="{DADC4F84-175A-4AB1-916C-1E5796E1E0D3}"/>
+              </a:ext>
+              <a:ext uri="{C183D7F6-B498-43B3-948B-1728B52AA6E4}">
+                <adec:decorative xmlns:adec="http://schemas.microsoft.com/office/drawing/2017/decorative" xmlns="" val="1"/>
+              </a:ext>
+            </a:extLst>
+          </p:cNvPr>
+          <p:cNvSpPr>
+            <a:spLocks noGrp="1" noRot="1" noChangeAspect="1" noMove="1" noResize="1" noEditPoints="1" noAdjustHandles="1" noChangeArrowheads="1" noChangeShapeType="1" noTextEdit="1"/>
+          </p:cNvSpPr>
+          <p:nvPr>
+            <p:extLst>
+              <p:ext uri="{386F3935-93C4-4BCD-93E2-E3B085C9AB24}">
+                <p16:designElem xmlns:p16="http://schemas.microsoft.com/office/powerpoint/2015/main" val="1"/>
+              </p:ext>
+            </p:extLst>
+          </p:nvPr>
+        </p:nvSpPr>
+        <p:spPr>
+          <a:xfrm>
+            <a:off x="0" y="0"/>
+            <a:ext cx="12192000" cy="6858000"/>
+          </a:xfrm>
+          <a:prstGeom prst="rect">
+            <a:avLst/>
+          </a:prstGeom>
+          <a:ln>
+            <a:noFill/>
+          </a:ln>
+        </p:spPr>
+        <p:style>
+          <a:lnRef idx="2">
+            <a:schemeClr val="accent1">
+              <a:shade val="50000"/>
+            </a:schemeClr>
+          </a:lnRef>
+          <a:fillRef idx="1">
+            <a:schemeClr val="accent1"/>
+          </a:fillRef>
+          <a:effectRef idx="0">
+            <a:schemeClr val="accent1"/>
+          </a:effectRef>
+          <a:fontRef idx="minor">
+            <a:schemeClr val="lt1"/>
+          </a:fontRef>
+        </p:style>
+        <p:txBody>
+          <a:bodyPr rtlCol="0" anchor="ctr"/>
+          <a:lstStyle/>
+          <a:p>
+            <a:pPr algn="ctr"/>
+            <a:endParaRPr lang="en-US"/>
+          </a:p>
+        </p:txBody>
+      </p:sp>
+      <p:pic>
+        <p:nvPicPr>
+          <p:cNvPr id="7" name="Picture 6" descr="Question mark on green pastel background">
+            <a:extLst>
+              <a:ext uri="{FF2B5EF4-FFF2-40B4-BE49-F238E27FC236}">
+                <a16:creationId xmlns:a16="http://schemas.microsoft.com/office/drawing/2014/main" id="{4344C4FB-FAC7-DF6D-D09C-55E660A8F02B}"/>
+              </a:ext>
+            </a:extLst>
+          </p:cNvPr>
+          <p:cNvPicPr>
+            <a:picLocks noChangeAspect="1"/>
+          </p:cNvPicPr>
+          <p:nvPr/>
+        </p:nvPicPr>
+        <p:blipFill>
+          <a:blip r:embed="rId2">
+            <a:extLst>
+              <a:ext uri="{28A0092B-C50C-407E-A947-70E740481C1C}">
+                <a14:useLocalDpi xmlns:a14="http://schemas.microsoft.com/office/drawing/2010/main" val="0"/>
+              </a:ext>
+            </a:extLst>
+          </a:blip>
+          <a:srcRect t="12500" b="12500"/>
+          <a:stretch/>
+        </p:blipFill>
+        <p:spPr>
+          <a:xfrm>
+            <a:off x="20" y="10"/>
+            <a:ext cx="12191980" cy="6857990"/>
+          </a:xfrm>
+          <a:prstGeom prst="rect">
+            <a:avLst/>
+          </a:prstGeom>
+        </p:spPr>
+      </p:pic>
+      <p:sp>
+        <p:nvSpPr>
+          <p:cNvPr id="5" name="Content Placeholder 4">
+            <a:extLst>
+              <a:ext uri="{FF2B5EF4-FFF2-40B4-BE49-F238E27FC236}">
+                <a16:creationId xmlns:a16="http://schemas.microsoft.com/office/drawing/2014/main" id="{08385B63-719F-ECE2-901B-1947EBFB61BE}"/>
+              </a:ext>
+            </a:extLst>
+          </p:cNvPr>
+          <p:cNvSpPr>
+            <a:spLocks noGrp="1"/>
+          </p:cNvSpPr>
+          <p:nvPr>
+            <p:ph idx="1"/>
+          </p:nvPr>
+        </p:nvSpPr>
+        <p:spPr>
+          <a:xfrm>
+            <a:off x="693449" y="868680"/>
+            <a:ext cx="5668022" cy="5120640"/>
+          </a:xfrm>
+        </p:spPr>
+        <p:txBody>
+          <a:bodyPr>
+            <a:normAutofit/>
+          </a:bodyPr>
+          <a:lstStyle/>
+          <a:p>
+            <a:pPr marL="0" indent="0">
+              <a:buNone/>
+            </a:pPr>
+            <a:r>
+              <a:rPr lang="en-US" sz="6600">
+                <a:solidFill>
+                  <a:schemeClr val="tx1"/>
+                </a:solidFill>
+              </a:rPr>
+              <a:t>Any Questions?</a:t>
+            </a:r>
+            <a:endParaRPr lang="en-US" sz="6600" dirty="0">
+              <a:solidFill>
+                <a:schemeClr val="tx1"/>
+              </a:solidFill>
+            </a:endParaRPr>
+          </a:p>
+        </p:txBody>
+      </p:sp>
+    </p:spTree>
+    <p:extLst>
+      <p:ext uri="{BB962C8B-B14F-4D97-AF65-F5344CB8AC3E}">
+        <p14:creationId xmlns:p14="http://schemas.microsoft.com/office/powerpoint/2010/main" val="218649669"/>
+      </p:ext>
+    </p:extLst>
+  </p:cSld>
+  <p:clrMapOvr>
+    <a:overrideClrMapping bg1="dk1" tx1="lt1" bg2="dk2" tx2="lt2" accent1="accent1" accent2="accent2" accent3="accent3" accent4="accent4" accent5="accent5" accent6="accent6" hlink="hlink" folHlink="folHlink"/>
+  </p:clrMapOvr>
 </p:sld>
 </file>
 
@@ -9471,7 +13294,7 @@
             <p:ph idx="1"/>
             <p:extLst>
               <p:ext uri="{D42A27DB-BD31-4B8C-83A1-F6EECF244321}">
-                <p14:modId xmlns:p14="http://schemas.microsoft.com/office/powerpoint/2010/main" val="3887375023"/>
+                <p14:modId xmlns:p14="http://schemas.microsoft.com/office/powerpoint/2010/main" val="3704672834"/>
               </p:ext>
             </p:extLst>
           </p:nvPr>
@@ -9526,13 +13349,1980 @@
       </p:grpSpPr>
       <p:sp>
         <p:nvSpPr>
+          <p:cNvPr id="17" name="Rounded Rectangle 16"/>
+          <p:cNvSpPr/>
+          <p:nvPr/>
+        </p:nvSpPr>
+        <p:spPr>
+          <a:xfrm>
+            <a:off x="4826866" y="819716"/>
+            <a:ext cx="6761396" cy="1462682"/>
+          </a:xfrm>
+          <a:prstGeom prst="roundRect">
+            <a:avLst>
+              <a:gd name="adj" fmla="val 10000"/>
+            </a:avLst>
+          </a:prstGeom>
+        </p:spPr>
+        <p:style>
+          <a:lnRef idx="0">
+            <a:schemeClr val="accent1">
+              <a:hueOff val="0"/>
+              <a:satOff val="0"/>
+              <a:lumOff val="0"/>
+              <a:alphaOff val="0"/>
+            </a:schemeClr>
+          </a:lnRef>
+          <a:fillRef idx="1">
+            <a:schemeClr val="accent1">
+              <a:tint val="40000"/>
+              <a:hueOff val="0"/>
+              <a:satOff val="0"/>
+              <a:lumOff val="0"/>
+              <a:alphaOff val="0"/>
+            </a:schemeClr>
+          </a:fillRef>
+          <a:effectRef idx="0">
+            <a:schemeClr val="accent1">
+              <a:tint val="40000"/>
+              <a:hueOff val="0"/>
+              <a:satOff val="0"/>
+              <a:lumOff val="0"/>
+              <a:alphaOff val="0"/>
+            </a:schemeClr>
+          </a:effectRef>
+          <a:fontRef idx="minor">
+            <a:schemeClr val="dk1">
+              <a:hueOff val="0"/>
+              <a:satOff val="0"/>
+              <a:lumOff val="0"/>
+              <a:alphaOff val="0"/>
+            </a:schemeClr>
+          </a:fontRef>
+        </p:style>
+      </p:sp>
+      <p:sp>
+        <p:nvSpPr>
+          <p:cNvPr id="18" name="Rounded Rectangle 17"/>
+          <p:cNvSpPr/>
+          <p:nvPr/>
+        </p:nvSpPr>
+        <p:spPr>
+          <a:xfrm>
+            <a:off x="4826866" y="2648069"/>
+            <a:ext cx="6761396" cy="1462682"/>
+          </a:xfrm>
+          <a:prstGeom prst="roundRect">
+            <a:avLst>
+              <a:gd name="adj" fmla="val 10000"/>
+            </a:avLst>
+          </a:prstGeom>
+        </p:spPr>
+        <p:style>
+          <a:lnRef idx="0">
+            <a:schemeClr val="accent1">
+              <a:hueOff val="0"/>
+              <a:satOff val="0"/>
+              <a:lumOff val="0"/>
+              <a:alphaOff val="0"/>
+            </a:schemeClr>
+          </a:lnRef>
+          <a:fillRef idx="1">
+            <a:schemeClr val="accent1">
+              <a:tint val="40000"/>
+              <a:hueOff val="0"/>
+              <a:satOff val="0"/>
+              <a:lumOff val="0"/>
+              <a:alphaOff val="0"/>
+            </a:schemeClr>
+          </a:fillRef>
+          <a:effectRef idx="0">
+            <a:schemeClr val="accent1">
+              <a:tint val="40000"/>
+              <a:hueOff val="0"/>
+              <a:satOff val="0"/>
+              <a:lumOff val="0"/>
+              <a:alphaOff val="0"/>
+            </a:schemeClr>
+          </a:effectRef>
+          <a:fontRef idx="minor">
+            <a:schemeClr val="dk1">
+              <a:hueOff val="0"/>
+              <a:satOff val="0"/>
+              <a:lumOff val="0"/>
+              <a:alphaOff val="0"/>
+            </a:schemeClr>
+          </a:fontRef>
+        </p:style>
+      </p:sp>
+      <p:sp>
+        <p:nvSpPr>
+          <p:cNvPr id="19" name="Rounded Rectangle 18"/>
+          <p:cNvSpPr/>
+          <p:nvPr/>
+        </p:nvSpPr>
+        <p:spPr>
+          <a:xfrm>
+            <a:off x="4826866" y="4476423"/>
+            <a:ext cx="6761396" cy="1462682"/>
+          </a:xfrm>
+          <a:prstGeom prst="roundRect">
+            <a:avLst>
+              <a:gd name="adj" fmla="val 10000"/>
+            </a:avLst>
+          </a:prstGeom>
+        </p:spPr>
+        <p:style>
+          <a:lnRef idx="0">
+            <a:schemeClr val="accent1">
+              <a:hueOff val="0"/>
+              <a:satOff val="0"/>
+              <a:lumOff val="0"/>
+              <a:alphaOff val="0"/>
+            </a:schemeClr>
+          </a:lnRef>
+          <a:fillRef idx="1">
+            <a:schemeClr val="accent1">
+              <a:tint val="40000"/>
+              <a:hueOff val="0"/>
+              <a:satOff val="0"/>
+              <a:lumOff val="0"/>
+              <a:alphaOff val="0"/>
+            </a:schemeClr>
+          </a:fillRef>
+          <a:effectRef idx="0">
+            <a:schemeClr val="accent1">
+              <a:tint val="40000"/>
+              <a:hueOff val="0"/>
+              <a:satOff val="0"/>
+              <a:lumOff val="0"/>
+              <a:alphaOff val="0"/>
+            </a:schemeClr>
+          </a:effectRef>
+          <a:fontRef idx="minor">
+            <a:schemeClr val="dk1">
+              <a:hueOff val="0"/>
+              <a:satOff val="0"/>
+              <a:lumOff val="0"/>
+              <a:alphaOff val="0"/>
+            </a:schemeClr>
+          </a:fontRef>
+        </p:style>
+      </p:sp>
+      <p:sp>
+        <p:nvSpPr>
           <p:cNvPr id="10" name="Rectangle 9">
             <a:extLst>
               <a:ext uri="{FF2B5EF4-FFF2-40B4-BE49-F238E27FC236}">
                 <a16:creationId xmlns:a16="http://schemas.microsoft.com/office/drawing/2014/main" id="{681577AD-DA5F-48B3-8FB9-5199BA9EE681}"/>
               </a:ext>
               <a:ext uri="{C183D7F6-B498-43B3-948B-1728B52AA6E4}">
-                <adec:decorative xmlns:adec="http://schemas.microsoft.com/office/drawing/2017/decorative" val="1"/>
+                <adec:decorative xmlns:adec="http://schemas.microsoft.com/office/drawing/2017/decorative" xmlns="" val="1"/>
+              </a:ext>
+            </a:extLst>
+          </p:cNvPr>
+          <p:cNvSpPr>
+            <a:spLocks noGrp="1" noRot="1" noChangeAspect="1" noMove="1" noResize="1" noEditPoints="1" noAdjustHandles="1" noChangeArrowheads="1" noChangeShapeType="1" noTextEdit="1"/>
+          </p:cNvSpPr>
+          <p:nvPr>
+            <p:extLst>
+              <p:ext uri="{386F3935-93C4-4BCD-93E2-E3B085C9AB24}">
+                <p16:designElem xmlns:p16="http://schemas.microsoft.com/office/powerpoint/2015/main" val="1"/>
+              </p:ext>
+            </p:extLst>
+          </p:nvPr>
+        </p:nvSpPr>
+        <p:spPr>
+          <a:xfrm>
+            <a:off x="1" y="765350"/>
+            <a:ext cx="4642228" cy="5330650"/>
+          </a:xfrm>
+          <a:prstGeom prst="rect">
+            <a:avLst/>
+          </a:prstGeom>
+          <a:solidFill>
+            <a:schemeClr val="accent1"/>
+          </a:solidFill>
+          <a:ln>
+            <a:noFill/>
+          </a:ln>
+        </p:spPr>
+        <p:style>
+          <a:lnRef idx="2">
+            <a:schemeClr val="accent1">
+              <a:shade val="50000"/>
+            </a:schemeClr>
+          </a:lnRef>
+          <a:fillRef idx="1">
+            <a:schemeClr val="accent1"/>
+          </a:fillRef>
+          <a:effectRef idx="0">
+            <a:schemeClr val="accent1"/>
+          </a:effectRef>
+          <a:fontRef idx="minor">
+            <a:schemeClr val="lt1"/>
+          </a:fontRef>
+        </p:style>
+        <p:txBody>
+          <a:bodyPr/>
+          <a:lstStyle/>
+          <a:p>
+            <a:endParaRPr lang="en-US"/>
+          </a:p>
+        </p:txBody>
+      </p:sp>
+      <p:sp>
+        <p:nvSpPr>
+          <p:cNvPr id="2" name="Title 1">
+            <a:extLst>
+              <a:ext uri="{FF2B5EF4-FFF2-40B4-BE49-F238E27FC236}">
+                <a16:creationId xmlns:a16="http://schemas.microsoft.com/office/drawing/2014/main" id="{006AEA51-05B8-7657-CD71-E43E34445B2B}"/>
+              </a:ext>
+            </a:extLst>
+          </p:cNvPr>
+          <p:cNvSpPr>
+            <a:spLocks noGrp="1"/>
+          </p:cNvSpPr>
+          <p:nvPr>
+            <p:ph type="title"/>
+          </p:nvPr>
+        </p:nvSpPr>
+        <p:spPr>
+          <a:xfrm>
+            <a:off x="184638" y="2600945"/>
+            <a:ext cx="4352193" cy="1255469"/>
+          </a:xfrm>
+        </p:spPr>
+        <p:txBody>
+          <a:bodyPr>
+            <a:normAutofit/>
+          </a:bodyPr>
+          <a:lstStyle/>
+          <a:p>
+            <a:r>
+              <a:rPr lang="en-US" dirty="0" smtClean="0"/>
+              <a:t>3 Questions to Answer via Visualizations:</a:t>
+            </a:r>
+            <a:endParaRPr lang="en-US" dirty="0"/>
+          </a:p>
+        </p:txBody>
+      </p:sp>
+      <p:grpSp>
+        <p:nvGrpSpPr>
+          <p:cNvPr id="12" name="Group 11"/>
+          <p:cNvGrpSpPr/>
+          <p:nvPr/>
+        </p:nvGrpSpPr>
+        <p:grpSpPr>
+          <a:xfrm>
+            <a:off x="5604052" y="819716"/>
+            <a:ext cx="5952529" cy="3851155"/>
+            <a:chOff x="-74546" y="-1851079"/>
+            <a:chExt cx="2042611" cy="3851155"/>
+          </a:xfrm>
+        </p:grpSpPr>
+        <p:sp>
+          <p:nvSpPr>
+            <p:cNvPr id="13" name="Rectangle 12"/>
+            <p:cNvSpPr/>
+            <p:nvPr/>
+          </p:nvSpPr>
+          <p:spPr>
+            <a:xfrm>
+              <a:off x="168065" y="1280076"/>
+              <a:ext cx="1800000" cy="720000"/>
+            </a:xfrm>
+            <a:prstGeom prst="rect">
+              <a:avLst/>
+            </a:prstGeom>
+          </p:spPr>
+          <p:style>
+            <a:lnRef idx="0">
+              <a:schemeClr val="dk1">
+                <a:alpha val="0"/>
+                <a:hueOff val="0"/>
+                <a:satOff val="0"/>
+                <a:lumOff val="0"/>
+                <a:alphaOff val="0"/>
+              </a:schemeClr>
+            </a:lnRef>
+            <a:fillRef idx="0">
+              <a:schemeClr val="lt1">
+                <a:alpha val="0"/>
+                <a:hueOff val="0"/>
+                <a:satOff val="0"/>
+                <a:lumOff val="0"/>
+                <a:alphaOff val="0"/>
+              </a:schemeClr>
+            </a:fillRef>
+            <a:effectRef idx="0">
+              <a:schemeClr val="lt1">
+                <a:alpha val="0"/>
+                <a:hueOff val="0"/>
+                <a:satOff val="0"/>
+                <a:lumOff val="0"/>
+                <a:alphaOff val="0"/>
+              </a:schemeClr>
+            </a:effectRef>
+            <a:fontRef idx="minor">
+              <a:schemeClr val="tx1">
+                <a:hueOff val="0"/>
+                <a:satOff val="0"/>
+                <a:lumOff val="0"/>
+                <a:alphaOff val="0"/>
+              </a:schemeClr>
+            </a:fontRef>
+          </p:style>
+        </p:sp>
+        <p:sp>
+          <p:nvSpPr>
+            <p:cNvPr id="14" name="TextBox 13"/>
+            <p:cNvSpPr txBox="1"/>
+            <p:nvPr/>
+          </p:nvSpPr>
+          <p:spPr>
+            <a:xfrm>
+              <a:off x="-74546" y="-1851079"/>
+              <a:ext cx="1800000" cy="720000"/>
+            </a:xfrm>
+            <a:prstGeom prst="rect">
+              <a:avLst/>
+            </a:prstGeom>
+          </p:spPr>
+          <p:style>
+            <a:lnRef idx="0">
+              <a:scrgbClr r="0" g="0" b="0"/>
+            </a:lnRef>
+            <a:fillRef idx="0">
+              <a:scrgbClr r="0" g="0" b="0"/>
+            </a:fillRef>
+            <a:effectRef idx="0">
+              <a:scrgbClr r="0" g="0" b="0"/>
+            </a:effectRef>
+            <a:fontRef idx="minor">
+              <a:schemeClr val="tx1">
+                <a:hueOff val="0"/>
+                <a:satOff val="0"/>
+                <a:lumOff val="0"/>
+                <a:alphaOff val="0"/>
+              </a:schemeClr>
+            </a:fontRef>
+          </p:style>
+          <p:txBody>
+            <a:bodyPr spcFirstLastPara="0" vert="horz" wrap="square" lIns="0" tIns="0" rIns="0" bIns="0" numCol="1" spcCol="1270" anchor="t" anchorCtr="0">
+              <a:noAutofit/>
+            </a:bodyPr>
+            <a:lstStyle/>
+            <a:p>
+              <a:pPr lvl="0" algn="ctr" defTabSz="755650">
+                <a:lnSpc>
+                  <a:spcPct val="100000"/>
+                </a:lnSpc>
+                <a:spcBef>
+                  <a:spcPct val="0"/>
+                </a:spcBef>
+                <a:spcAft>
+                  <a:spcPct val="35000"/>
+                </a:spcAft>
+              </a:pPr>
+              <a:endParaRPr lang="en-US" sz="2000" dirty="0"/>
+            </a:p>
+            <a:p>
+              <a:pPr lvl="0" algn="ctr" defTabSz="755650">
+                <a:lnSpc>
+                  <a:spcPct val="100000"/>
+                </a:lnSpc>
+                <a:spcBef>
+                  <a:spcPct val="0"/>
+                </a:spcBef>
+                <a:spcAft>
+                  <a:spcPct val="35000"/>
+                </a:spcAft>
+              </a:pPr>
+              <a:r>
+                <a:rPr lang="en-US" sz="2000" dirty="0" smtClean="0"/>
+                <a:t>Where </a:t>
+              </a:r>
+              <a:r>
+                <a:rPr lang="en-US" sz="2000" dirty="0"/>
+                <a:t>are the </a:t>
+              </a:r>
+              <a:r>
+                <a:rPr lang="en-US" sz="2000" dirty="0" smtClean="0"/>
+                <a:t>ten largest and ten smallest hospitals </a:t>
+              </a:r>
+              <a:r>
+                <a:rPr lang="en-US" sz="2000" dirty="0"/>
+                <a:t>and healthcare systems located?</a:t>
+              </a:r>
+            </a:p>
+            <a:p>
+              <a:pPr lvl="0" algn="ctr" defTabSz="755650">
+                <a:lnSpc>
+                  <a:spcPct val="100000"/>
+                </a:lnSpc>
+                <a:spcBef>
+                  <a:spcPct val="0"/>
+                </a:spcBef>
+                <a:spcAft>
+                  <a:spcPct val="35000"/>
+                </a:spcAft>
+              </a:pPr>
+              <a:endParaRPr lang="en-US" sz="2000" dirty="0"/>
+            </a:p>
+            <a:p>
+              <a:pPr lvl="0" algn="ctr" defTabSz="755650">
+                <a:lnSpc>
+                  <a:spcPct val="100000"/>
+                </a:lnSpc>
+                <a:spcBef>
+                  <a:spcPct val="0"/>
+                </a:spcBef>
+                <a:spcAft>
+                  <a:spcPct val="35000"/>
+                </a:spcAft>
+              </a:pPr>
+              <a:endParaRPr lang="en-US" sz="2000" dirty="0" smtClean="0"/>
+            </a:p>
+            <a:p>
+              <a:pPr lvl="0" algn="ctr" defTabSz="755650">
+                <a:lnSpc>
+                  <a:spcPct val="100000"/>
+                </a:lnSpc>
+                <a:spcBef>
+                  <a:spcPct val="0"/>
+                </a:spcBef>
+                <a:spcAft>
+                  <a:spcPct val="35000"/>
+                </a:spcAft>
+              </a:pPr>
+              <a:endParaRPr lang="en-US" sz="2000" dirty="0" smtClean="0"/>
+            </a:p>
+            <a:p>
+              <a:pPr lvl="0" algn="ctr" defTabSz="755650">
+                <a:lnSpc>
+                  <a:spcPct val="100000"/>
+                </a:lnSpc>
+                <a:spcBef>
+                  <a:spcPct val="0"/>
+                </a:spcBef>
+                <a:spcAft>
+                  <a:spcPct val="35000"/>
+                </a:spcAft>
+              </a:pPr>
+              <a:r>
+                <a:rPr lang="en-US" sz="2000" dirty="0" smtClean="0"/>
+                <a:t>What </a:t>
+              </a:r>
+              <a:r>
+                <a:rPr lang="en-US" sz="2000" dirty="0"/>
+                <a:t>is the mix of </a:t>
+              </a:r>
+              <a:r>
+                <a:rPr lang="en-US" sz="2000" dirty="0" smtClean="0"/>
+                <a:t>patient revenue </a:t>
+              </a:r>
+              <a:r>
+                <a:rPr lang="en-US" sz="2000" dirty="0"/>
+                <a:t>by </a:t>
+              </a:r>
+              <a:r>
+                <a:rPr lang="en-US" sz="2000" dirty="0" smtClean="0"/>
+                <a:t>payer category</a:t>
+              </a:r>
+              <a:r>
+                <a:rPr lang="en-US" sz="2000" dirty="0"/>
+                <a:t>?</a:t>
+              </a:r>
+            </a:p>
+            <a:p>
+              <a:pPr lvl="0" algn="ctr" defTabSz="755650">
+                <a:lnSpc>
+                  <a:spcPct val="100000"/>
+                </a:lnSpc>
+                <a:spcBef>
+                  <a:spcPct val="0"/>
+                </a:spcBef>
+                <a:spcAft>
+                  <a:spcPct val="35000"/>
+                </a:spcAft>
+              </a:pPr>
+              <a:endParaRPr lang="en-US" sz="2000" dirty="0"/>
+            </a:p>
+            <a:p>
+              <a:pPr lvl="0" algn="ctr" defTabSz="755650">
+                <a:lnSpc>
+                  <a:spcPct val="100000"/>
+                </a:lnSpc>
+                <a:spcBef>
+                  <a:spcPct val="0"/>
+                </a:spcBef>
+                <a:spcAft>
+                  <a:spcPct val="35000"/>
+                </a:spcAft>
+              </a:pPr>
+              <a:endParaRPr lang="en-US" sz="2000" dirty="0" smtClean="0"/>
+            </a:p>
+            <a:p>
+              <a:pPr lvl="0" algn="ctr" defTabSz="755650">
+                <a:lnSpc>
+                  <a:spcPct val="100000"/>
+                </a:lnSpc>
+                <a:spcBef>
+                  <a:spcPct val="0"/>
+                </a:spcBef>
+                <a:spcAft>
+                  <a:spcPct val="35000"/>
+                </a:spcAft>
+              </a:pPr>
+              <a:endParaRPr lang="en-US" sz="2000" dirty="0"/>
+            </a:p>
+            <a:p>
+              <a:pPr lvl="0" algn="ctr" defTabSz="755650">
+                <a:lnSpc>
+                  <a:spcPct val="100000"/>
+                </a:lnSpc>
+                <a:spcBef>
+                  <a:spcPct val="0"/>
+                </a:spcBef>
+                <a:spcAft>
+                  <a:spcPct val="35000"/>
+                </a:spcAft>
+              </a:pPr>
+              <a:r>
+                <a:rPr lang="en-US" sz="2000" dirty="0" smtClean="0"/>
+                <a:t>What </a:t>
+              </a:r>
+              <a:r>
+                <a:rPr lang="en-US" sz="2000" dirty="0"/>
+                <a:t>is the breakdown of type of care?</a:t>
+              </a:r>
+              <a:endParaRPr lang="en-US" sz="2000" kern="1200" dirty="0"/>
+            </a:p>
+          </p:txBody>
+        </p:sp>
+      </p:grpSp>
+    </p:spTree>
+    <p:extLst>
+      <p:ext uri="{BB962C8B-B14F-4D97-AF65-F5344CB8AC3E}">
+        <p14:creationId xmlns:p14="http://schemas.microsoft.com/office/powerpoint/2010/main" val="4066239190"/>
+      </p:ext>
+    </p:extLst>
+  </p:cSld>
+  <p:clrMapOvr>
+    <a:masterClrMapping/>
+  </p:clrMapOvr>
+</p:sld>
+</file>
+
+<file path=ppt/slides/slide4.xml><?xml version="1.0" encoding="utf-8"?>
+<p:sld xmlns:a="http://schemas.openxmlformats.org/drawingml/2006/main" xmlns:r="http://schemas.openxmlformats.org/officeDocument/2006/relationships" xmlns:p="http://schemas.openxmlformats.org/presentationml/2006/main">
+  <p:cSld>
+    <p:bg>
+      <p:bgPr>
+        <a:solidFill>
+          <a:schemeClr val="bg1"/>
+        </a:solidFill>
+        <a:effectLst/>
+      </p:bgPr>
+    </p:bg>
+    <p:spTree>
+      <p:nvGrpSpPr>
+        <p:cNvPr id="1" name=""/>
+        <p:cNvGrpSpPr/>
+        <p:nvPr/>
+      </p:nvGrpSpPr>
+      <p:grpSpPr>
+        <a:xfrm>
+          <a:off x="0" y="0"/>
+          <a:ext cx="0" cy="0"/>
+          <a:chOff x="0" y="0"/>
+          <a:chExt cx="0" cy="0"/>
+        </a:xfrm>
+      </p:grpSpPr>
+      <p:sp>
+        <p:nvSpPr>
+          <p:cNvPr id="10" name="Rectangle 9">
+            <a:extLst>
+              <a:ext uri="{FF2B5EF4-FFF2-40B4-BE49-F238E27FC236}">
+                <a16:creationId xmlns:a16="http://schemas.microsoft.com/office/drawing/2014/main" id="{681577AD-DA5F-48B3-8FB9-5199BA9EE681}"/>
+              </a:ext>
+              <a:ext uri="{C183D7F6-B498-43B3-948B-1728B52AA6E4}">
+                <adec:decorative xmlns:adec="http://schemas.microsoft.com/office/drawing/2017/decorative" xmlns="" val="1"/>
+              </a:ext>
+            </a:extLst>
+          </p:cNvPr>
+          <p:cNvSpPr>
+            <a:spLocks noGrp="1" noRot="1" noChangeAspect="1" noMove="1" noResize="1" noEditPoints="1" noAdjustHandles="1" noChangeArrowheads="1" noChangeShapeType="1" noTextEdit="1"/>
+          </p:cNvSpPr>
+          <p:nvPr>
+            <p:extLst>
+              <p:ext uri="{386F3935-93C4-4BCD-93E2-E3B085C9AB24}">
+                <p16:designElem xmlns:p16="http://schemas.microsoft.com/office/powerpoint/2015/main" val="1"/>
+              </p:ext>
+            </p:extLst>
+          </p:nvPr>
+        </p:nvSpPr>
+        <p:spPr>
+          <a:xfrm>
+            <a:off x="1" y="765350"/>
+            <a:ext cx="4642228" cy="5330650"/>
+          </a:xfrm>
+          <a:prstGeom prst="rect">
+            <a:avLst/>
+          </a:prstGeom>
+          <a:solidFill>
+            <a:schemeClr val="accent1"/>
+          </a:solidFill>
+          <a:ln>
+            <a:noFill/>
+          </a:ln>
+        </p:spPr>
+        <p:style>
+          <a:lnRef idx="2">
+            <a:schemeClr val="accent1">
+              <a:shade val="50000"/>
+            </a:schemeClr>
+          </a:lnRef>
+          <a:fillRef idx="1">
+            <a:schemeClr val="accent1"/>
+          </a:fillRef>
+          <a:effectRef idx="0">
+            <a:schemeClr val="accent1"/>
+          </a:effectRef>
+          <a:fontRef idx="minor">
+            <a:schemeClr val="lt1"/>
+          </a:fontRef>
+        </p:style>
+        <p:txBody>
+          <a:bodyPr/>
+          <a:lstStyle/>
+          <a:p>
+            <a:endParaRPr lang="en-US"/>
+          </a:p>
+        </p:txBody>
+      </p:sp>
+      <p:sp>
+        <p:nvSpPr>
+          <p:cNvPr id="2" name="Title 1">
+            <a:extLst>
+              <a:ext uri="{FF2B5EF4-FFF2-40B4-BE49-F238E27FC236}">
+                <a16:creationId xmlns:a16="http://schemas.microsoft.com/office/drawing/2014/main" id="{006AEA51-05B8-7657-CD71-E43E34445B2B}"/>
+              </a:ext>
+            </a:extLst>
+          </p:cNvPr>
+          <p:cNvSpPr>
+            <a:spLocks noGrp="1"/>
+          </p:cNvSpPr>
+          <p:nvPr>
+            <p:ph type="title"/>
+          </p:nvPr>
+        </p:nvSpPr>
+        <p:spPr>
+          <a:xfrm>
+            <a:off x="289249" y="1123837"/>
+            <a:ext cx="4016116" cy="1255469"/>
+          </a:xfrm>
+        </p:spPr>
+        <p:txBody>
+          <a:bodyPr>
+            <a:normAutofit/>
+          </a:bodyPr>
+          <a:lstStyle/>
+          <a:p>
+            <a:r>
+              <a:rPr lang="en-US" dirty="0" smtClean="0"/>
+              <a:t>Dataset</a:t>
+            </a:r>
+            <a:endParaRPr lang="en-US" dirty="0"/>
+          </a:p>
+        </p:txBody>
+      </p:sp>
+      <p:sp>
+        <p:nvSpPr>
+          <p:cNvPr id="3" name="Content Placeholder 2">
+            <a:extLst>
+              <a:ext uri="{FF2B5EF4-FFF2-40B4-BE49-F238E27FC236}">
+                <a16:creationId xmlns:a16="http://schemas.microsoft.com/office/drawing/2014/main" id="{823EF9F2-09E6-EDD1-080B-B22A4AA63FE0}"/>
+              </a:ext>
+            </a:extLst>
+          </p:cNvPr>
+          <p:cNvSpPr>
+            <a:spLocks noGrp="1"/>
+          </p:cNvSpPr>
+          <p:nvPr>
+            <p:ph idx="1"/>
+          </p:nvPr>
+        </p:nvSpPr>
+        <p:spPr>
+          <a:xfrm>
+            <a:off x="289249" y="2193871"/>
+            <a:ext cx="4016116" cy="3776105"/>
+          </a:xfrm>
+        </p:spPr>
+        <p:txBody>
+          <a:bodyPr anchor="t">
+            <a:normAutofit fontScale="92500" lnSpcReduction="10000"/>
+          </a:bodyPr>
+          <a:lstStyle/>
+          <a:p>
+            <a:r>
+              <a:rPr lang="en-US" sz="1600" dirty="0">
+                <a:solidFill>
+                  <a:srgbClr val="FFFFFF"/>
+                </a:solidFill>
+              </a:rPr>
+              <a:t>Our dataset comprises </a:t>
+            </a:r>
+            <a:r>
+              <a:rPr lang="en-US" sz="1600" dirty="0" smtClean="0">
+                <a:solidFill>
+                  <a:srgbClr val="FFFFFF"/>
+                </a:solidFill>
+              </a:rPr>
+              <a:t>of 431 </a:t>
+            </a:r>
+            <a:r>
+              <a:rPr lang="en-US" sz="1600" dirty="0">
+                <a:solidFill>
+                  <a:srgbClr val="FFFFFF"/>
+                </a:solidFill>
+              </a:rPr>
+              <a:t>records focusing </a:t>
+            </a:r>
+            <a:r>
+              <a:rPr lang="en-US" sz="1600" dirty="0" smtClean="0">
+                <a:solidFill>
+                  <a:srgbClr val="FFFFFF"/>
+                </a:solidFill>
+              </a:rPr>
+              <a:t>on California </a:t>
+            </a:r>
+            <a:r>
+              <a:rPr lang="en-US" sz="1600" dirty="0">
+                <a:solidFill>
+                  <a:srgbClr val="FFFFFF"/>
+                </a:solidFill>
+              </a:rPr>
+              <a:t>hospitals and health </a:t>
+            </a:r>
+            <a:r>
+              <a:rPr lang="en-US" sz="1600" dirty="0" smtClean="0">
+                <a:solidFill>
+                  <a:srgbClr val="FFFFFF"/>
+                </a:solidFill>
+              </a:rPr>
+              <a:t>systems’ financial and operational data, </a:t>
+            </a:r>
+            <a:r>
+              <a:rPr lang="en-US" sz="1600" dirty="0">
+                <a:solidFill>
+                  <a:srgbClr val="FFFFFF"/>
+                </a:solidFill>
+              </a:rPr>
+              <a:t>reported in </a:t>
+            </a:r>
+            <a:r>
+              <a:rPr lang="en-US" sz="1600" dirty="0" smtClean="0">
+                <a:solidFill>
+                  <a:srgbClr val="FFFFFF"/>
+                </a:solidFill>
+              </a:rPr>
+              <a:t>2022. We primarily focused on the following information:</a:t>
+            </a:r>
+          </a:p>
+          <a:p>
+            <a:r>
+              <a:rPr lang="en-US" sz="1600" dirty="0" smtClean="0">
+                <a:solidFill>
+                  <a:srgbClr val="FFFFFF"/>
+                </a:solidFill>
+              </a:rPr>
+              <a:t>1. Location </a:t>
+            </a:r>
+          </a:p>
+          <a:p>
+            <a:r>
+              <a:rPr lang="en-US" sz="1600" dirty="0" smtClean="0">
+                <a:solidFill>
+                  <a:srgbClr val="FFFFFF"/>
+                </a:solidFill>
+              </a:rPr>
+              <a:t>2. Asset size</a:t>
+            </a:r>
+          </a:p>
+          <a:p>
+            <a:r>
+              <a:rPr lang="en-US" sz="1600" dirty="0" smtClean="0">
+                <a:solidFill>
+                  <a:srgbClr val="FFFFFF"/>
+                </a:solidFill>
+              </a:rPr>
+              <a:t>3. Revenue by payer type</a:t>
+            </a:r>
+          </a:p>
+          <a:p>
+            <a:r>
+              <a:rPr lang="en-US" sz="1600" dirty="0" smtClean="0">
+                <a:solidFill>
+                  <a:srgbClr val="FFFFFF"/>
+                </a:solidFill>
+              </a:rPr>
+              <a:t>4. Type of care</a:t>
+            </a:r>
+          </a:p>
+          <a:p>
+            <a:endParaRPr lang="en-US" sz="1600" dirty="0">
+              <a:solidFill>
+                <a:srgbClr val="FFFFFF"/>
+              </a:solidFill>
+            </a:endParaRPr>
+          </a:p>
+          <a:p>
+            <a:r>
+              <a:rPr lang="en-US" sz="1600" dirty="0" smtClean="0">
+                <a:solidFill>
+                  <a:srgbClr val="FFFFFF"/>
+                </a:solidFill>
+              </a:rPr>
+              <a:t>Data Source: </a:t>
+            </a:r>
+          </a:p>
+          <a:p>
+            <a:r>
+              <a:rPr lang="en-US" sz="1600" dirty="0" smtClean="0">
+                <a:solidFill>
+                  <a:srgbClr val="FFFFFF"/>
+                </a:solidFill>
+              </a:rPr>
+              <a:t>Hospital </a:t>
+            </a:r>
+            <a:r>
+              <a:rPr lang="en-US" sz="1600" dirty="0">
+                <a:solidFill>
+                  <a:srgbClr val="FFFFFF"/>
+                </a:solidFill>
+              </a:rPr>
+              <a:t>Annual Financial Data - State of California, Department of Health Care Access and </a:t>
+            </a:r>
+            <a:r>
+              <a:rPr lang="en-US" sz="1600" dirty="0" smtClean="0">
+                <a:solidFill>
+                  <a:srgbClr val="FFFFFF"/>
+                </a:solidFill>
+              </a:rPr>
+              <a:t>Information, 2022.</a:t>
+            </a:r>
+            <a:endParaRPr lang="en-US" sz="1600" dirty="0">
+              <a:solidFill>
+                <a:srgbClr val="FFFFFF"/>
+              </a:solidFill>
+            </a:endParaRPr>
+          </a:p>
+        </p:txBody>
+      </p:sp>
+      <p:graphicFrame>
+        <p:nvGraphicFramePr>
+          <p:cNvPr id="8" name="Content Placeholder 5">
+            <a:extLst>
+              <a:ext uri="{FF2B5EF4-FFF2-40B4-BE49-F238E27FC236}">
+                <a16:creationId xmlns:a16="http://schemas.microsoft.com/office/drawing/2014/main" id="{1373F261-8793-B5A0-6FA3-A1CBB3A136A8}"/>
+              </a:ext>
+            </a:extLst>
+          </p:cNvPr>
+          <p:cNvGraphicFramePr>
+            <a:graphicFrameLocks/>
+          </p:cNvGraphicFramePr>
+          <p:nvPr>
+            <p:extLst>
+              <p:ext uri="{D42A27DB-BD31-4B8C-83A1-F6EECF244321}">
+                <p14:modId xmlns:p14="http://schemas.microsoft.com/office/powerpoint/2010/main" val="4180503972"/>
+              </p:ext>
+            </p:extLst>
+          </p:nvPr>
+        </p:nvGraphicFramePr>
+        <p:xfrm>
+          <a:off x="5090609" y="869208"/>
+          <a:ext cx="6366132" cy="2199969"/>
+        </p:xfrm>
+        <a:graphic>
+          <a:graphicData uri="http://schemas.openxmlformats.org/drawingml/2006/diagram">
+            <dgm:relIds xmlns:dgm="http://schemas.openxmlformats.org/drawingml/2006/diagram" xmlns:r="http://schemas.openxmlformats.org/officeDocument/2006/relationships" r:dm="rId2" r:lo="rId3" r:qs="rId4" r:cs="rId5"/>
+          </a:graphicData>
+        </a:graphic>
+      </p:graphicFrame>
+      <p:sp>
+        <p:nvSpPr>
+          <p:cNvPr id="7" name="Rectangle 6" descr="Payroll with solid fill"/>
+          <p:cNvSpPr/>
+          <p:nvPr/>
+        </p:nvSpPr>
+        <p:spPr>
+          <a:xfrm>
+            <a:off x="5774075" y="3619154"/>
+            <a:ext cx="810000" cy="810000"/>
+          </a:xfrm>
+          <a:prstGeom prst="rect">
+            <a:avLst/>
+          </a:prstGeom>
+          <a:blipFill>
+            <a:blip r:embed="rId7">
+              <a:extLst>
+                <a:ext uri="{96DAC541-7B7A-43D3-8B79-37D633B846F1}">
+                  <asvg:svgBlip xmlns="" xmlns:dgm="http://schemas.openxmlformats.org/drawingml/2006/diagram" xmlns:asvg="http://schemas.microsoft.com/office/drawing/2016/SVG/main" xmlns:lc="http://schemas.openxmlformats.org/drawingml/2006/lockedCanvas" r:embed="rId8"/>
+                </a:ext>
+              </a:extLst>
+            </a:blip>
+            <a:srcRect/>
+            <a:stretch>
+              <a:fillRect/>
+            </a:stretch>
+          </a:blipFill>
+        </p:spPr>
+        <p:style>
+          <a:lnRef idx="2">
+            <a:schemeClr val="lt1">
+              <a:hueOff val="0"/>
+              <a:satOff val="0"/>
+              <a:lumOff val="0"/>
+              <a:alphaOff val="0"/>
+            </a:schemeClr>
+          </a:lnRef>
+          <a:fillRef idx="1">
+            <a:scrgbClr r="0" g="0" b="0"/>
+          </a:fillRef>
+          <a:effectRef idx="0">
+            <a:schemeClr val="accent1">
+              <a:hueOff val="0"/>
+              <a:satOff val="0"/>
+              <a:lumOff val="0"/>
+              <a:alphaOff val="0"/>
+            </a:schemeClr>
+          </a:effectRef>
+          <a:fontRef idx="minor">
+            <a:schemeClr val="lt1"/>
+          </a:fontRef>
+        </p:style>
+      </p:sp>
+      <p:grpSp>
+        <p:nvGrpSpPr>
+          <p:cNvPr id="9" name="Group 8"/>
+          <p:cNvGrpSpPr/>
+          <p:nvPr/>
+        </p:nvGrpSpPr>
+        <p:grpSpPr>
+          <a:xfrm>
+            <a:off x="5279075" y="4699338"/>
+            <a:ext cx="1800000" cy="720000"/>
+            <a:chOff x="168065" y="1280076"/>
+            <a:chExt cx="1800000" cy="720000"/>
+          </a:xfrm>
+        </p:grpSpPr>
+        <p:sp>
+          <p:nvSpPr>
+            <p:cNvPr id="19" name="Rectangle 18"/>
+            <p:cNvSpPr/>
+            <p:nvPr/>
+          </p:nvSpPr>
+          <p:spPr>
+            <a:xfrm>
+              <a:off x="168065" y="1280076"/>
+              <a:ext cx="1800000" cy="720000"/>
+            </a:xfrm>
+            <a:prstGeom prst="rect">
+              <a:avLst/>
+            </a:prstGeom>
+          </p:spPr>
+          <p:style>
+            <a:lnRef idx="0">
+              <a:schemeClr val="dk1">
+                <a:alpha val="0"/>
+                <a:hueOff val="0"/>
+                <a:satOff val="0"/>
+                <a:lumOff val="0"/>
+                <a:alphaOff val="0"/>
+              </a:schemeClr>
+            </a:lnRef>
+            <a:fillRef idx="0">
+              <a:schemeClr val="lt1">
+                <a:alpha val="0"/>
+                <a:hueOff val="0"/>
+                <a:satOff val="0"/>
+                <a:lumOff val="0"/>
+                <a:alphaOff val="0"/>
+              </a:schemeClr>
+            </a:fillRef>
+            <a:effectRef idx="0">
+              <a:schemeClr val="lt1">
+                <a:alpha val="0"/>
+                <a:hueOff val="0"/>
+                <a:satOff val="0"/>
+                <a:lumOff val="0"/>
+                <a:alphaOff val="0"/>
+              </a:schemeClr>
+            </a:effectRef>
+            <a:fontRef idx="minor">
+              <a:schemeClr val="tx1">
+                <a:hueOff val="0"/>
+                <a:satOff val="0"/>
+                <a:lumOff val="0"/>
+                <a:alphaOff val="0"/>
+              </a:schemeClr>
+            </a:fontRef>
+          </p:style>
+        </p:sp>
+        <p:sp>
+          <p:nvSpPr>
+            <p:cNvPr id="20" name="TextBox 19"/>
+            <p:cNvSpPr txBox="1"/>
+            <p:nvPr/>
+          </p:nvSpPr>
+          <p:spPr>
+            <a:xfrm>
+              <a:off x="168065" y="1280076"/>
+              <a:ext cx="1800000" cy="720000"/>
+            </a:xfrm>
+            <a:prstGeom prst="rect">
+              <a:avLst/>
+            </a:prstGeom>
+          </p:spPr>
+          <p:style>
+            <a:lnRef idx="0">
+              <a:scrgbClr r="0" g="0" b="0"/>
+            </a:lnRef>
+            <a:fillRef idx="0">
+              <a:scrgbClr r="0" g="0" b="0"/>
+            </a:fillRef>
+            <a:effectRef idx="0">
+              <a:scrgbClr r="0" g="0" b="0"/>
+            </a:effectRef>
+            <a:fontRef idx="minor">
+              <a:schemeClr val="tx1">
+                <a:hueOff val="0"/>
+                <a:satOff val="0"/>
+                <a:lumOff val="0"/>
+                <a:alphaOff val="0"/>
+              </a:schemeClr>
+            </a:fontRef>
+          </p:style>
+          <p:txBody>
+            <a:bodyPr spcFirstLastPara="0" vert="horz" wrap="square" lIns="0" tIns="0" rIns="0" bIns="0" numCol="1" spcCol="1270" anchor="t" anchorCtr="0">
+              <a:noAutofit/>
+            </a:bodyPr>
+            <a:lstStyle/>
+            <a:p>
+              <a:pPr lvl="0" algn="ctr" defTabSz="755650">
+                <a:lnSpc>
+                  <a:spcPct val="100000"/>
+                </a:lnSpc>
+                <a:spcBef>
+                  <a:spcPct val="0"/>
+                </a:spcBef>
+                <a:spcAft>
+                  <a:spcPct val="35000"/>
+                </a:spcAft>
+              </a:pPr>
+              <a:r>
+                <a:rPr lang="en-US" sz="1700" dirty="0"/>
+                <a:t>6</a:t>
+              </a:r>
+              <a:r>
+                <a:rPr lang="en-US" sz="1700" kern="1200" dirty="0" smtClean="0"/>
+                <a:t> Types of Care</a:t>
+              </a:r>
+              <a:endParaRPr lang="en-US" sz="1700" kern="1200" dirty="0"/>
+            </a:p>
+          </p:txBody>
+        </p:sp>
+      </p:grpSp>
+      <p:sp>
+        <p:nvSpPr>
+          <p:cNvPr id="11" name="Rectangle 10" descr="Building outline"/>
+          <p:cNvSpPr/>
+          <p:nvPr/>
+        </p:nvSpPr>
+        <p:spPr>
+          <a:xfrm>
+            <a:off x="7889075" y="3619154"/>
+            <a:ext cx="810000" cy="810000"/>
+          </a:xfrm>
+          <a:prstGeom prst="rect">
+            <a:avLst/>
+          </a:prstGeom>
+          <a:blipFill>
+            <a:blip r:embed="rId9">
+              <a:extLst>
+                <a:ext uri="{96DAC541-7B7A-43D3-8B79-37D633B846F1}">
+                  <asvg:svgBlip xmlns="" xmlns:dgm="http://schemas.openxmlformats.org/drawingml/2006/diagram" xmlns:asvg="http://schemas.microsoft.com/office/drawing/2016/SVG/main" xmlns:lc="http://schemas.openxmlformats.org/drawingml/2006/lockedCanvas" r:embed="rId10"/>
+                </a:ext>
+              </a:extLst>
+            </a:blip>
+            <a:srcRect/>
+            <a:stretch>
+              <a:fillRect/>
+            </a:stretch>
+          </a:blipFill>
+        </p:spPr>
+        <p:style>
+          <a:lnRef idx="2">
+            <a:schemeClr val="lt1">
+              <a:hueOff val="0"/>
+              <a:satOff val="0"/>
+              <a:lumOff val="0"/>
+              <a:alphaOff val="0"/>
+            </a:schemeClr>
+          </a:lnRef>
+          <a:fillRef idx="1">
+            <a:scrgbClr r="0" g="0" b="0"/>
+          </a:fillRef>
+          <a:effectRef idx="0">
+            <a:schemeClr val="accent1">
+              <a:hueOff val="0"/>
+              <a:satOff val="0"/>
+              <a:lumOff val="0"/>
+              <a:alphaOff val="0"/>
+            </a:schemeClr>
+          </a:effectRef>
+          <a:fontRef idx="minor">
+            <a:schemeClr val="lt1"/>
+          </a:fontRef>
+        </p:style>
+      </p:sp>
+      <p:grpSp>
+        <p:nvGrpSpPr>
+          <p:cNvPr id="12" name="Group 11"/>
+          <p:cNvGrpSpPr/>
+          <p:nvPr/>
+        </p:nvGrpSpPr>
+        <p:grpSpPr>
+          <a:xfrm>
+            <a:off x="7394075" y="4699338"/>
+            <a:ext cx="1800000" cy="720000"/>
+            <a:chOff x="2283065" y="1280076"/>
+            <a:chExt cx="1800000" cy="720000"/>
+          </a:xfrm>
+        </p:grpSpPr>
+        <p:sp>
+          <p:nvSpPr>
+            <p:cNvPr id="17" name="Rectangle 16"/>
+            <p:cNvSpPr/>
+            <p:nvPr/>
+          </p:nvSpPr>
+          <p:spPr>
+            <a:xfrm>
+              <a:off x="2283065" y="1280076"/>
+              <a:ext cx="1800000" cy="720000"/>
+            </a:xfrm>
+            <a:prstGeom prst="rect">
+              <a:avLst/>
+            </a:prstGeom>
+          </p:spPr>
+          <p:style>
+            <a:lnRef idx="0">
+              <a:schemeClr val="dk1">
+                <a:alpha val="0"/>
+                <a:hueOff val="0"/>
+                <a:satOff val="0"/>
+                <a:lumOff val="0"/>
+                <a:alphaOff val="0"/>
+              </a:schemeClr>
+            </a:lnRef>
+            <a:fillRef idx="0">
+              <a:schemeClr val="lt1">
+                <a:alpha val="0"/>
+                <a:hueOff val="0"/>
+                <a:satOff val="0"/>
+                <a:lumOff val="0"/>
+                <a:alphaOff val="0"/>
+              </a:schemeClr>
+            </a:fillRef>
+            <a:effectRef idx="0">
+              <a:schemeClr val="lt1">
+                <a:alpha val="0"/>
+                <a:hueOff val="0"/>
+                <a:satOff val="0"/>
+                <a:lumOff val="0"/>
+                <a:alphaOff val="0"/>
+              </a:schemeClr>
+            </a:effectRef>
+            <a:fontRef idx="minor">
+              <a:schemeClr val="tx1">
+                <a:hueOff val="0"/>
+                <a:satOff val="0"/>
+                <a:lumOff val="0"/>
+                <a:alphaOff val="0"/>
+              </a:schemeClr>
+            </a:fontRef>
+          </p:style>
+        </p:sp>
+        <p:sp>
+          <p:nvSpPr>
+            <p:cNvPr id="18" name="TextBox 17"/>
+            <p:cNvSpPr txBox="1"/>
+            <p:nvPr/>
+          </p:nvSpPr>
+          <p:spPr>
+            <a:xfrm>
+              <a:off x="2283065" y="1280076"/>
+              <a:ext cx="1800000" cy="720000"/>
+            </a:xfrm>
+            <a:prstGeom prst="rect">
+              <a:avLst/>
+            </a:prstGeom>
+          </p:spPr>
+          <p:style>
+            <a:lnRef idx="0">
+              <a:scrgbClr r="0" g="0" b="0"/>
+            </a:lnRef>
+            <a:fillRef idx="0">
+              <a:scrgbClr r="0" g="0" b="0"/>
+            </a:fillRef>
+            <a:effectRef idx="0">
+              <a:scrgbClr r="0" g="0" b="0"/>
+            </a:effectRef>
+            <a:fontRef idx="minor">
+              <a:schemeClr val="tx1">
+                <a:hueOff val="0"/>
+                <a:satOff val="0"/>
+                <a:lumOff val="0"/>
+                <a:alphaOff val="0"/>
+              </a:schemeClr>
+            </a:fontRef>
+          </p:style>
+          <p:txBody>
+            <a:bodyPr spcFirstLastPara="0" vert="horz" wrap="square" lIns="0" tIns="0" rIns="0" bIns="0" numCol="1" spcCol="1270" anchor="t" anchorCtr="0">
+              <a:noAutofit/>
+            </a:bodyPr>
+            <a:lstStyle/>
+            <a:p>
+              <a:pPr lvl="0" algn="ctr" defTabSz="755650">
+                <a:lnSpc>
+                  <a:spcPct val="100000"/>
+                </a:lnSpc>
+                <a:spcBef>
+                  <a:spcPct val="0"/>
+                </a:spcBef>
+                <a:spcAft>
+                  <a:spcPct val="35000"/>
+                </a:spcAft>
+              </a:pPr>
+              <a:r>
+                <a:rPr lang="en-US" sz="1700" dirty="0"/>
+                <a:t>108 Hospitals located in L.A. County</a:t>
+              </a:r>
+              <a:endParaRPr lang="en-US" sz="1700" dirty="0"/>
+            </a:p>
+          </p:txBody>
+        </p:sp>
+      </p:grpSp>
+      <p:sp>
+        <p:nvSpPr>
+          <p:cNvPr id="13" name="Rectangle 12" descr="Money with solid fill"/>
+          <p:cNvSpPr/>
+          <p:nvPr/>
+        </p:nvSpPr>
+        <p:spPr>
+          <a:xfrm>
+            <a:off x="10004076" y="3619154"/>
+            <a:ext cx="810000" cy="810000"/>
+          </a:xfrm>
+          <a:prstGeom prst="rect">
+            <a:avLst/>
+          </a:prstGeom>
+          <a:blipFill>
+            <a:blip r:embed="rId11">
+              <a:extLst>
+                <a:ext uri="{96DAC541-7B7A-43D3-8B79-37D633B846F1}">
+                  <asvg:svgBlip xmlns="" xmlns:dgm="http://schemas.openxmlformats.org/drawingml/2006/diagram" xmlns:asvg="http://schemas.microsoft.com/office/drawing/2016/SVG/main" xmlns:lc="http://schemas.openxmlformats.org/drawingml/2006/lockedCanvas" r:embed="rId12"/>
+                </a:ext>
+              </a:extLst>
+            </a:blip>
+            <a:srcRect/>
+            <a:stretch>
+              <a:fillRect/>
+            </a:stretch>
+          </a:blipFill>
+        </p:spPr>
+        <p:style>
+          <a:lnRef idx="2">
+            <a:schemeClr val="lt1">
+              <a:hueOff val="0"/>
+              <a:satOff val="0"/>
+              <a:lumOff val="0"/>
+              <a:alphaOff val="0"/>
+            </a:schemeClr>
+          </a:lnRef>
+          <a:fillRef idx="1">
+            <a:scrgbClr r="0" g="0" b="0"/>
+          </a:fillRef>
+          <a:effectRef idx="0">
+            <a:schemeClr val="accent1">
+              <a:hueOff val="0"/>
+              <a:satOff val="0"/>
+              <a:lumOff val="0"/>
+              <a:alphaOff val="0"/>
+            </a:schemeClr>
+          </a:effectRef>
+          <a:fontRef idx="minor">
+            <a:schemeClr val="lt1"/>
+          </a:fontRef>
+        </p:style>
+      </p:sp>
+      <p:grpSp>
+        <p:nvGrpSpPr>
+          <p:cNvPr id="14" name="Group 13"/>
+          <p:cNvGrpSpPr/>
+          <p:nvPr/>
+        </p:nvGrpSpPr>
+        <p:grpSpPr>
+          <a:xfrm>
+            <a:off x="9509076" y="4699338"/>
+            <a:ext cx="1800000" cy="720000"/>
+            <a:chOff x="4398066" y="1280076"/>
+            <a:chExt cx="1800000" cy="720000"/>
+          </a:xfrm>
+        </p:grpSpPr>
+        <p:sp>
+          <p:nvSpPr>
+            <p:cNvPr id="15" name="Rectangle 14"/>
+            <p:cNvSpPr/>
+            <p:nvPr/>
+          </p:nvSpPr>
+          <p:spPr>
+            <a:xfrm>
+              <a:off x="4398066" y="1280076"/>
+              <a:ext cx="1800000" cy="720000"/>
+            </a:xfrm>
+            <a:prstGeom prst="rect">
+              <a:avLst/>
+            </a:prstGeom>
+          </p:spPr>
+          <p:style>
+            <a:lnRef idx="0">
+              <a:schemeClr val="dk1">
+                <a:alpha val="0"/>
+                <a:hueOff val="0"/>
+                <a:satOff val="0"/>
+                <a:lumOff val="0"/>
+                <a:alphaOff val="0"/>
+              </a:schemeClr>
+            </a:lnRef>
+            <a:fillRef idx="0">
+              <a:schemeClr val="lt1">
+                <a:alpha val="0"/>
+                <a:hueOff val="0"/>
+                <a:satOff val="0"/>
+                <a:lumOff val="0"/>
+                <a:alphaOff val="0"/>
+              </a:schemeClr>
+            </a:fillRef>
+            <a:effectRef idx="0">
+              <a:schemeClr val="lt1">
+                <a:alpha val="0"/>
+                <a:hueOff val="0"/>
+                <a:satOff val="0"/>
+                <a:lumOff val="0"/>
+                <a:alphaOff val="0"/>
+              </a:schemeClr>
+            </a:effectRef>
+            <a:fontRef idx="minor">
+              <a:schemeClr val="tx1">
+                <a:hueOff val="0"/>
+                <a:satOff val="0"/>
+                <a:lumOff val="0"/>
+                <a:alphaOff val="0"/>
+              </a:schemeClr>
+            </a:fontRef>
+          </p:style>
+        </p:sp>
+        <p:sp>
+          <p:nvSpPr>
+            <p:cNvPr id="16" name="TextBox 15"/>
+            <p:cNvSpPr txBox="1"/>
+            <p:nvPr/>
+          </p:nvSpPr>
+          <p:spPr>
+            <a:xfrm>
+              <a:off x="4398066" y="1280076"/>
+              <a:ext cx="1800000" cy="720000"/>
+            </a:xfrm>
+            <a:prstGeom prst="rect">
+              <a:avLst/>
+            </a:prstGeom>
+          </p:spPr>
+          <p:style>
+            <a:lnRef idx="0">
+              <a:scrgbClr r="0" g="0" b="0"/>
+            </a:lnRef>
+            <a:fillRef idx="0">
+              <a:scrgbClr r="0" g="0" b="0"/>
+            </a:fillRef>
+            <a:effectRef idx="0">
+              <a:scrgbClr r="0" g="0" b="0"/>
+            </a:effectRef>
+            <a:fontRef idx="minor">
+              <a:schemeClr val="tx1">
+                <a:hueOff val="0"/>
+                <a:satOff val="0"/>
+                <a:lumOff val="0"/>
+                <a:alphaOff val="0"/>
+              </a:schemeClr>
+            </a:fontRef>
+          </p:style>
+          <p:txBody>
+            <a:bodyPr spcFirstLastPara="0" vert="horz" wrap="square" lIns="0" tIns="0" rIns="0" bIns="0" numCol="1" spcCol="1270" anchor="t" anchorCtr="0">
+              <a:noAutofit/>
+            </a:bodyPr>
+            <a:lstStyle/>
+            <a:p>
+              <a:pPr lvl="0" algn="ctr" defTabSz="755650">
+                <a:lnSpc>
+                  <a:spcPct val="100000"/>
+                </a:lnSpc>
+                <a:spcBef>
+                  <a:spcPct val="0"/>
+                </a:spcBef>
+                <a:spcAft>
+                  <a:spcPct val="35000"/>
+                </a:spcAft>
+              </a:pPr>
+              <a:r>
+                <a:rPr lang="en-US" sz="1700" kern="1200" dirty="0" smtClean="0"/>
+                <a:t>$248.5B in Combined Total Assets</a:t>
+              </a:r>
+              <a:endParaRPr lang="en-US" sz="1700" kern="1200" dirty="0"/>
+            </a:p>
+          </p:txBody>
+        </p:sp>
+      </p:grpSp>
+    </p:spTree>
+    <p:extLst>
+      <p:ext uri="{BB962C8B-B14F-4D97-AF65-F5344CB8AC3E}">
+        <p14:creationId xmlns:p14="http://schemas.microsoft.com/office/powerpoint/2010/main" val="24966256"/>
+      </p:ext>
+    </p:extLst>
+  </p:cSld>
+  <p:clrMapOvr>
+    <a:masterClrMapping/>
+  </p:clrMapOvr>
+</p:sld>
+</file>
+
+<file path=ppt/slides/slide5.xml><?xml version="1.0" encoding="utf-8"?>
+<p:sld xmlns:a="http://schemas.openxmlformats.org/drawingml/2006/main" xmlns:r="http://schemas.openxmlformats.org/officeDocument/2006/relationships" xmlns:p="http://schemas.openxmlformats.org/presentationml/2006/main">
+  <p:cSld>
+    <p:bg>
+      <p:bgPr>
+        <a:solidFill>
+          <a:schemeClr val="bg1"/>
+        </a:solidFill>
+        <a:effectLst/>
+      </p:bgPr>
+    </p:bg>
+    <p:spTree>
+      <p:nvGrpSpPr>
+        <p:cNvPr id="1" name=""/>
+        <p:cNvGrpSpPr/>
+        <p:nvPr/>
+      </p:nvGrpSpPr>
+      <p:grpSpPr>
+        <a:xfrm>
+          <a:off x="0" y="0"/>
+          <a:ext cx="0" cy="0"/>
+          <a:chOff x="0" y="0"/>
+          <a:chExt cx="0" cy="0"/>
+        </a:xfrm>
+      </p:grpSpPr>
+      <p:sp>
+        <p:nvSpPr>
+          <p:cNvPr id="10" name="Rectangle 9">
+            <a:extLst>
+              <a:ext uri="{FF2B5EF4-FFF2-40B4-BE49-F238E27FC236}">
+                <a16:creationId xmlns:a16="http://schemas.microsoft.com/office/drawing/2014/main" id="{681577AD-DA5F-48B3-8FB9-5199BA9EE681}"/>
+              </a:ext>
+              <a:ext uri="{C183D7F6-B498-43B3-948B-1728B52AA6E4}">
+                <adec:decorative xmlns:adec="http://schemas.microsoft.com/office/drawing/2017/decorative" xmlns="" val="1"/>
+              </a:ext>
+            </a:extLst>
+          </p:cNvPr>
+          <p:cNvSpPr>
+            <a:spLocks noGrp="1" noRot="1" noChangeAspect="1" noMove="1" noResize="1" noEditPoints="1" noAdjustHandles="1" noChangeArrowheads="1" noChangeShapeType="1" noTextEdit="1"/>
+          </p:cNvSpPr>
+          <p:nvPr>
+            <p:extLst>
+              <p:ext uri="{386F3935-93C4-4BCD-93E2-E3B085C9AB24}">
+                <p16:designElem xmlns:p16="http://schemas.microsoft.com/office/powerpoint/2015/main" val="1"/>
+              </p:ext>
+            </p:extLst>
+          </p:nvPr>
+        </p:nvSpPr>
+        <p:spPr>
+          <a:xfrm>
+            <a:off x="1" y="765350"/>
+            <a:ext cx="4642228" cy="5330650"/>
+          </a:xfrm>
+          <a:prstGeom prst="rect">
+            <a:avLst/>
+          </a:prstGeom>
+          <a:solidFill>
+            <a:schemeClr val="accent1"/>
+          </a:solidFill>
+          <a:ln>
+            <a:noFill/>
+          </a:ln>
+        </p:spPr>
+        <p:style>
+          <a:lnRef idx="2">
+            <a:schemeClr val="accent1">
+              <a:shade val="50000"/>
+            </a:schemeClr>
+          </a:lnRef>
+          <a:fillRef idx="1">
+            <a:schemeClr val="accent1"/>
+          </a:fillRef>
+          <a:effectRef idx="0">
+            <a:schemeClr val="accent1"/>
+          </a:effectRef>
+          <a:fontRef idx="minor">
+            <a:schemeClr val="lt1"/>
+          </a:fontRef>
+        </p:style>
+        <p:txBody>
+          <a:bodyPr/>
+          <a:lstStyle/>
+          <a:p>
+            <a:endParaRPr lang="en-US"/>
+          </a:p>
+        </p:txBody>
+      </p:sp>
+      <p:sp>
+        <p:nvSpPr>
+          <p:cNvPr id="2" name="Title 1">
+            <a:extLst>
+              <a:ext uri="{FF2B5EF4-FFF2-40B4-BE49-F238E27FC236}">
+                <a16:creationId xmlns:a16="http://schemas.microsoft.com/office/drawing/2014/main" id="{006AEA51-05B8-7657-CD71-E43E34445B2B}"/>
+              </a:ext>
+            </a:extLst>
+          </p:cNvPr>
+          <p:cNvSpPr>
+            <a:spLocks noGrp="1"/>
+          </p:cNvSpPr>
+          <p:nvPr>
+            <p:ph type="title"/>
+          </p:nvPr>
+        </p:nvSpPr>
+        <p:spPr>
+          <a:xfrm>
+            <a:off x="289249" y="1123837"/>
+            <a:ext cx="4016116" cy="1255469"/>
+          </a:xfrm>
+        </p:spPr>
+        <p:txBody>
+          <a:bodyPr>
+            <a:normAutofit/>
+          </a:bodyPr>
+          <a:lstStyle/>
+          <a:p>
+            <a:r>
+              <a:rPr lang="en-US" dirty="0" smtClean="0"/>
+              <a:t>Tech Stack</a:t>
+            </a:r>
+            <a:endParaRPr lang="en-US" dirty="0"/>
+          </a:p>
+        </p:txBody>
+      </p:sp>
+      <p:sp>
+        <p:nvSpPr>
+          <p:cNvPr id="3" name="Content Placeholder 2">
+            <a:extLst>
+              <a:ext uri="{FF2B5EF4-FFF2-40B4-BE49-F238E27FC236}">
+                <a16:creationId xmlns:a16="http://schemas.microsoft.com/office/drawing/2014/main" id="{823EF9F2-09E6-EDD1-080B-B22A4AA63FE0}"/>
+              </a:ext>
+            </a:extLst>
+          </p:cNvPr>
+          <p:cNvSpPr>
+            <a:spLocks noGrp="1"/>
+          </p:cNvSpPr>
+          <p:nvPr>
+            <p:ph idx="1"/>
+          </p:nvPr>
+        </p:nvSpPr>
+        <p:spPr>
+          <a:xfrm>
+            <a:off x="289249" y="2193872"/>
+            <a:ext cx="4016116" cy="3635428"/>
+          </a:xfrm>
+        </p:spPr>
+        <p:txBody>
+          <a:bodyPr anchor="t">
+            <a:normAutofit/>
+          </a:bodyPr>
+          <a:lstStyle/>
+          <a:p>
+            <a:r>
+              <a:rPr lang="en-US" sz="1600" dirty="0" smtClean="0">
+                <a:solidFill>
+                  <a:srgbClr val="FFFFFF"/>
+                </a:solidFill>
+              </a:rPr>
+              <a:t>JavaScript: Interactive web pages</a:t>
+            </a:r>
+          </a:p>
+          <a:p>
+            <a:r>
+              <a:rPr lang="en-US" sz="1600" dirty="0" smtClean="0">
+                <a:solidFill>
+                  <a:srgbClr val="FFFFFF"/>
+                </a:solidFill>
+              </a:rPr>
+              <a:t>Pandas: Data analysis for Python</a:t>
+            </a:r>
+          </a:p>
+          <a:p>
+            <a:r>
+              <a:rPr lang="en-US" sz="1600" dirty="0" smtClean="0">
+                <a:solidFill>
+                  <a:srgbClr val="FFFFFF"/>
+                </a:solidFill>
+              </a:rPr>
+              <a:t>Plotly: Interactive online graphing library</a:t>
+            </a:r>
+          </a:p>
+          <a:p>
+            <a:r>
+              <a:rPr lang="en-US" sz="1600" dirty="0" smtClean="0">
+                <a:solidFill>
+                  <a:srgbClr val="FFFFFF"/>
+                </a:solidFill>
+              </a:rPr>
+              <a:t>Node.js: Web development</a:t>
+            </a:r>
+          </a:p>
+          <a:p>
+            <a:r>
+              <a:rPr lang="en-US" sz="1600" dirty="0" smtClean="0">
+                <a:solidFill>
+                  <a:srgbClr val="FFFFFF"/>
+                </a:solidFill>
+              </a:rPr>
+              <a:t>Leaflet: Interactive maps</a:t>
+            </a:r>
+          </a:p>
+          <a:p>
+            <a:r>
+              <a:rPr lang="en-US" sz="1600" dirty="0" smtClean="0">
+                <a:solidFill>
+                  <a:srgbClr val="FFFFFF"/>
+                </a:solidFill>
+              </a:rPr>
+              <a:t>PostgreSQL: Database system</a:t>
+            </a:r>
+          </a:p>
+          <a:p>
+            <a:r>
+              <a:rPr lang="en-US" sz="1600" dirty="0" smtClean="0">
+                <a:solidFill>
+                  <a:srgbClr val="FFFFFF"/>
+                </a:solidFill>
+              </a:rPr>
+              <a:t>GitHub: Collaborative coding platform</a:t>
+            </a:r>
+          </a:p>
+        </p:txBody>
+      </p:sp>
+      <p:pic>
+        <p:nvPicPr>
+          <p:cNvPr id="2050" name="Picture 2" descr="image"/>
+          <p:cNvPicPr>
+            <a:picLocks noChangeAspect="1" noChangeArrowheads="1"/>
+          </p:cNvPicPr>
+          <p:nvPr/>
+        </p:nvPicPr>
+        <p:blipFill>
+          <a:blip r:embed="rId3">
+            <a:extLst>
+              <a:ext uri="{28A0092B-C50C-407E-A947-70E740481C1C}">
+                <a14:useLocalDpi xmlns:a14="http://schemas.microsoft.com/office/drawing/2010/main" val="0"/>
+              </a:ext>
+            </a:extLst>
+          </a:blip>
+          <a:srcRect/>
+          <a:stretch>
+            <a:fillRect/>
+          </a:stretch>
+        </p:blipFill>
+        <p:spPr bwMode="auto">
+          <a:xfrm>
+            <a:off x="5165602" y="945762"/>
+            <a:ext cx="1400175" cy="1381126"/>
+          </a:xfrm>
+          <a:prstGeom prst="rect">
+            <a:avLst/>
+          </a:prstGeom>
+          <a:noFill/>
+          <a:extLst>
+            <a:ext uri="{909E8E84-426E-40DD-AFC4-6F175D3DCCD1}">
+              <a14:hiddenFill xmlns:a14="http://schemas.microsoft.com/office/drawing/2010/main">
+                <a:solidFill>
+                  <a:srgbClr val="FFFFFF"/>
+                </a:solidFill>
+              </a14:hiddenFill>
+            </a:ext>
+          </a:extLst>
+        </p:spPr>
+      </p:pic>
+      <p:pic>
+        <p:nvPicPr>
+          <p:cNvPr id="2052" name="Picture 4" descr="image"/>
+          <p:cNvPicPr>
+            <a:picLocks noChangeAspect="1" noChangeArrowheads="1"/>
+          </p:cNvPicPr>
+          <p:nvPr/>
+        </p:nvPicPr>
+        <p:blipFill>
+          <a:blip r:embed="rId4">
+            <a:extLst>
+              <a:ext uri="{28A0092B-C50C-407E-A947-70E740481C1C}">
+                <a14:useLocalDpi xmlns:a14="http://schemas.microsoft.com/office/drawing/2010/main" val="0"/>
+              </a:ext>
+            </a:extLst>
+          </a:blip>
+          <a:srcRect/>
+          <a:stretch>
+            <a:fillRect/>
+          </a:stretch>
+        </p:blipFill>
+        <p:spPr bwMode="auto">
+          <a:xfrm>
+            <a:off x="8236315" y="1198205"/>
+            <a:ext cx="3193686" cy="1181101"/>
+          </a:xfrm>
+          <a:prstGeom prst="rect">
+            <a:avLst/>
+          </a:prstGeom>
+          <a:noFill/>
+          <a:extLst>
+            <a:ext uri="{909E8E84-426E-40DD-AFC4-6F175D3DCCD1}">
+              <a14:hiddenFill xmlns:a14="http://schemas.microsoft.com/office/drawing/2010/main">
+                <a:solidFill>
+                  <a:srgbClr val="FFFFFF"/>
+                </a:solidFill>
+              </a14:hiddenFill>
+            </a:ext>
+          </a:extLst>
+        </p:spPr>
+      </p:pic>
+      <p:pic>
+        <p:nvPicPr>
+          <p:cNvPr id="2054" name="Picture 6" descr="image"/>
+          <p:cNvPicPr>
+            <a:picLocks noChangeAspect="1" noChangeArrowheads="1"/>
+          </p:cNvPicPr>
+          <p:nvPr/>
+        </p:nvPicPr>
+        <p:blipFill>
+          <a:blip r:embed="rId5">
+            <a:extLst>
+              <a:ext uri="{28A0092B-C50C-407E-A947-70E740481C1C}">
+                <a14:useLocalDpi xmlns:a14="http://schemas.microsoft.com/office/drawing/2010/main" val="0"/>
+              </a:ext>
+            </a:extLst>
+          </a:blip>
+          <a:srcRect/>
+          <a:stretch>
+            <a:fillRect/>
+          </a:stretch>
+        </p:blipFill>
+        <p:spPr bwMode="auto">
+          <a:xfrm>
+            <a:off x="8236313" y="2669929"/>
+            <a:ext cx="3193687" cy="1270685"/>
+          </a:xfrm>
+          <a:prstGeom prst="rect">
+            <a:avLst/>
+          </a:prstGeom>
+          <a:noFill/>
+          <a:extLst>
+            <a:ext uri="{909E8E84-426E-40DD-AFC4-6F175D3DCCD1}">
+              <a14:hiddenFill xmlns:a14="http://schemas.microsoft.com/office/drawing/2010/main">
+                <a:solidFill>
+                  <a:srgbClr val="FFFFFF"/>
+                </a:solidFill>
+              </a14:hiddenFill>
+            </a:ext>
+          </a:extLst>
+        </p:spPr>
+      </p:pic>
+      <p:pic>
+        <p:nvPicPr>
+          <p:cNvPr id="2056" name="Picture 8" descr="image"/>
+          <p:cNvPicPr>
+            <a:picLocks noChangeAspect="1" noChangeArrowheads="1"/>
+          </p:cNvPicPr>
+          <p:nvPr/>
+        </p:nvPicPr>
+        <p:blipFill>
+          <a:blip r:embed="rId6">
+            <a:extLst>
+              <a:ext uri="{28A0092B-C50C-407E-A947-70E740481C1C}">
+                <a14:useLocalDpi xmlns:a14="http://schemas.microsoft.com/office/drawing/2010/main" val="0"/>
+              </a:ext>
+            </a:extLst>
+          </a:blip>
+          <a:srcRect/>
+          <a:stretch>
+            <a:fillRect/>
+          </a:stretch>
+        </p:blipFill>
+        <p:spPr bwMode="auto">
+          <a:xfrm>
+            <a:off x="5165603" y="2776603"/>
+            <a:ext cx="2316652" cy="952500"/>
+          </a:xfrm>
+          <a:prstGeom prst="rect">
+            <a:avLst/>
+          </a:prstGeom>
+          <a:noFill/>
+          <a:extLst>
+            <a:ext uri="{909E8E84-426E-40DD-AFC4-6F175D3DCCD1}">
+              <a14:hiddenFill xmlns:a14="http://schemas.microsoft.com/office/drawing/2010/main">
+                <a:solidFill>
+                  <a:srgbClr val="FFFFFF"/>
+                </a:solidFill>
+              </a14:hiddenFill>
+            </a:ext>
+          </a:extLst>
+        </p:spPr>
+      </p:pic>
+      <p:pic>
+        <p:nvPicPr>
+          <p:cNvPr id="2058" name="Picture 10" descr="image"/>
+          <p:cNvPicPr>
+            <a:picLocks noChangeAspect="1" noChangeArrowheads="1"/>
+          </p:cNvPicPr>
+          <p:nvPr/>
+        </p:nvPicPr>
+        <p:blipFill>
+          <a:blip r:embed="rId7">
+            <a:extLst>
+              <a:ext uri="{28A0092B-C50C-407E-A947-70E740481C1C}">
+                <a14:useLocalDpi xmlns:a14="http://schemas.microsoft.com/office/drawing/2010/main" val="0"/>
+              </a:ext>
+            </a:extLst>
+          </a:blip>
+          <a:srcRect/>
+          <a:stretch>
+            <a:fillRect/>
+          </a:stretch>
+        </p:blipFill>
+        <p:spPr bwMode="auto">
+          <a:xfrm>
+            <a:off x="8236313" y="4431689"/>
+            <a:ext cx="3077389" cy="1076326"/>
+          </a:xfrm>
+          <a:prstGeom prst="rect">
+            <a:avLst/>
+          </a:prstGeom>
+          <a:noFill/>
+          <a:extLst>
+            <a:ext uri="{909E8E84-426E-40DD-AFC4-6F175D3DCCD1}">
+              <a14:hiddenFill xmlns:a14="http://schemas.microsoft.com/office/drawing/2010/main">
+                <a:solidFill>
+                  <a:srgbClr val="FFFFFF"/>
+                </a:solidFill>
+              </a14:hiddenFill>
+            </a:ext>
+          </a:extLst>
+        </p:spPr>
+      </p:pic>
+      <p:pic>
+        <p:nvPicPr>
+          <p:cNvPr id="2060" name="Picture 12" descr="image"/>
+          <p:cNvPicPr>
+            <a:picLocks noChangeAspect="1" noChangeArrowheads="1"/>
+          </p:cNvPicPr>
+          <p:nvPr/>
+        </p:nvPicPr>
+        <p:blipFill>
+          <a:blip r:embed="rId8">
+            <a:extLst>
+              <a:ext uri="{28A0092B-C50C-407E-A947-70E740481C1C}">
+                <a14:useLocalDpi xmlns:a14="http://schemas.microsoft.com/office/drawing/2010/main" val="0"/>
+              </a:ext>
+            </a:extLst>
+          </a:blip>
+          <a:srcRect/>
+          <a:stretch>
+            <a:fillRect/>
+          </a:stretch>
+        </p:blipFill>
+        <p:spPr bwMode="auto">
+          <a:xfrm>
+            <a:off x="5165603" y="4178818"/>
+            <a:ext cx="1400174" cy="1329197"/>
+          </a:xfrm>
+          <a:prstGeom prst="rect">
+            <a:avLst/>
+          </a:prstGeom>
+          <a:noFill/>
+          <a:extLst>
+            <a:ext uri="{909E8E84-426E-40DD-AFC4-6F175D3DCCD1}">
+              <a14:hiddenFill xmlns:a14="http://schemas.microsoft.com/office/drawing/2010/main">
+                <a:solidFill>
+                  <a:srgbClr val="FFFFFF"/>
+                </a:solidFill>
+              </a14:hiddenFill>
+            </a:ext>
+          </a:extLst>
+        </p:spPr>
+      </p:pic>
+    </p:spTree>
+    <p:extLst>
+      <p:ext uri="{BB962C8B-B14F-4D97-AF65-F5344CB8AC3E}">
+        <p14:creationId xmlns:p14="http://schemas.microsoft.com/office/powerpoint/2010/main" val="221289789"/>
+      </p:ext>
+    </p:extLst>
+  </p:cSld>
+  <p:clrMapOvr>
+    <a:masterClrMapping/>
+  </p:clrMapOvr>
+</p:sld>
+</file>
+
+<file path=ppt/slides/slide6.xml><?xml version="1.0" encoding="utf-8"?>
+<p:sld xmlns:a="http://schemas.openxmlformats.org/drawingml/2006/main" xmlns:r="http://schemas.openxmlformats.org/officeDocument/2006/relationships" xmlns:p="http://schemas.openxmlformats.org/presentationml/2006/main">
+  <p:cSld>
+    <p:bg>
+      <p:bgPr>
+        <a:solidFill>
+          <a:schemeClr val="bg1"/>
+        </a:solidFill>
+        <a:effectLst/>
+      </p:bgPr>
+    </p:bg>
+    <p:spTree>
+      <p:nvGrpSpPr>
+        <p:cNvPr id="1" name=""/>
+        <p:cNvGrpSpPr/>
+        <p:nvPr/>
+      </p:nvGrpSpPr>
+      <p:grpSpPr>
+        <a:xfrm>
+          <a:off x="0" y="0"/>
+          <a:ext cx="0" cy="0"/>
+          <a:chOff x="0" y="0"/>
+          <a:chExt cx="0" cy="0"/>
+        </a:xfrm>
+      </p:grpSpPr>
+      <p:sp>
+        <p:nvSpPr>
+          <p:cNvPr id="10" name="Rectangle 9">
+            <a:extLst>
+              <a:ext uri="{FF2B5EF4-FFF2-40B4-BE49-F238E27FC236}">
+                <a16:creationId xmlns:a16="http://schemas.microsoft.com/office/drawing/2014/main" id="{681577AD-DA5F-48B3-8FB9-5199BA9EE681}"/>
+              </a:ext>
+              <a:ext uri="{C183D7F6-B498-43B3-948B-1728B52AA6E4}">
+                <adec:decorative xmlns:adec="http://schemas.microsoft.com/office/drawing/2017/decorative" xmlns="" val="1"/>
               </a:ext>
             </a:extLst>
           </p:cNvPr>
@@ -9740,7 +15530,7 @@
 </p:sld>
 </file>
 
-<file path=ppt/slides/slide4.xml><?xml version="1.0" encoding="utf-8"?>
+<file path=ppt/slides/slide7.xml><?xml version="1.0" encoding="utf-8"?>
 <p:sld xmlns:a="http://schemas.openxmlformats.org/drawingml/2006/main" xmlns:r="http://schemas.openxmlformats.org/officeDocument/2006/relationships" xmlns:p="http://schemas.openxmlformats.org/presentationml/2006/main">
   <p:cSld>
     <p:bg>
@@ -9773,7 +15563,7 @@
                 <a16:creationId xmlns:a16="http://schemas.microsoft.com/office/drawing/2014/main" id="{681577AD-DA5F-48B3-8FB9-5199BA9EE681}"/>
               </a:ext>
               <a:ext uri="{C183D7F6-B498-43B3-948B-1728B52AA6E4}">
-                <adec:decorative xmlns:adec="http://schemas.microsoft.com/office/drawing/2017/decorative" val="1"/>
+                <adec:decorative xmlns:adec="http://schemas.microsoft.com/office/drawing/2017/decorative" xmlns="" val="1"/>
               </a:ext>
             </a:extLst>
           </p:cNvPr>
@@ -9880,8 +15670,8 @@
         </p:nvSpPr>
         <p:spPr>
           <a:xfrm>
-            <a:off x="289249" y="2510395"/>
-            <a:ext cx="4016116" cy="3274586"/>
+            <a:off x="289249" y="2193872"/>
+            <a:ext cx="4016116" cy="3635428"/>
           </a:xfrm>
         </p:spPr>
         <p:txBody>
@@ -9891,13 +15681,89 @@
           <a:lstStyle/>
           <a:p>
             <a:r>
-              <a:rPr lang="en-US" dirty="0">
+              <a:rPr lang="en-US" sz="1600" dirty="0">
                 <a:solidFill>
                   <a:srgbClr val="FFFFFF"/>
                 </a:solidFill>
               </a:rPr>
-              <a:t>&lt;&lt;Add Analysis&gt;&gt;</a:t>
+              <a:t>The data suggests that 'Other Third Parties-Managed Care' (private insurance companies, employer-sponsored health plans, or other managed care </a:t>
             </a:r>
+            <a:r>
+              <a:rPr lang="en-US" sz="1600" dirty="0" smtClean="0">
+                <a:solidFill>
+                  <a:srgbClr val="FFFFFF"/>
+                </a:solidFill>
+              </a:rPr>
+              <a:t>organizations) is </a:t>
+            </a:r>
+            <a:r>
+              <a:rPr lang="en-US" sz="1600" dirty="0">
+                <a:solidFill>
+                  <a:srgbClr val="FFFFFF"/>
+                </a:solidFill>
+              </a:rPr>
+              <a:t>the largest category, accounting for just over 40% of the composition mix. </a:t>
+            </a:r>
+            <a:endParaRPr lang="en-US" sz="1600" dirty="0" smtClean="0">
+              <a:solidFill>
+                <a:srgbClr val="FFFFFF"/>
+              </a:solidFill>
+            </a:endParaRPr>
+          </a:p>
+          <a:p>
+            <a:r>
+              <a:rPr lang="en-US" sz="1600" dirty="0" smtClean="0">
+                <a:solidFill>
+                  <a:srgbClr val="FFFFFF"/>
+                </a:solidFill>
+              </a:rPr>
+              <a:t>‘Medi-Cal-Managed Care (CA’s Medicare program) </a:t>
+            </a:r>
+            <a:r>
+              <a:rPr lang="en-US" sz="1600" dirty="0">
+                <a:solidFill>
+                  <a:srgbClr val="FFFFFF"/>
+                </a:solidFill>
+              </a:rPr>
+              <a:t>and </a:t>
+            </a:r>
+            <a:r>
+              <a:rPr lang="en-US" sz="1600" dirty="0" smtClean="0">
+                <a:solidFill>
+                  <a:srgbClr val="FFFFFF"/>
+                </a:solidFill>
+              </a:rPr>
+              <a:t>Medicare-Traditional’ are </a:t>
+            </a:r>
+            <a:r>
+              <a:rPr lang="en-US" sz="1600" dirty="0">
+                <a:solidFill>
+                  <a:srgbClr val="FFFFFF"/>
+                </a:solidFill>
+              </a:rPr>
+              <a:t>the next largest </a:t>
+            </a:r>
+            <a:r>
+              <a:rPr lang="en-US" sz="1600" dirty="0" smtClean="0">
+                <a:solidFill>
+                  <a:srgbClr val="FFFFFF"/>
+                </a:solidFill>
+              </a:rPr>
+              <a:t>categories</a:t>
+            </a:r>
+            <a:r>
+              <a:rPr lang="en-US" sz="1600" dirty="0">
+                <a:solidFill>
+                  <a:srgbClr val="FFFFFF"/>
+                </a:solidFill>
+              </a:rPr>
+              <a:t>.</a:t>
+            </a:r>
+            <a:endParaRPr lang="en-US" sz="1600" dirty="0">
+              <a:solidFill>
+                <a:srgbClr val="FFFFFF"/>
+              </a:solidFill>
+            </a:endParaRPr>
           </a:p>
         </p:txBody>
       </p:sp>
@@ -9974,7 +15840,7 @@
 </p:sld>
 </file>
 
-<file path=ppt/slides/slide5.xml><?xml version="1.0" encoding="utf-8"?>
+<file path=ppt/slides/slide8.xml><?xml version="1.0" encoding="utf-8"?>
 <p:sld xmlns:a="http://schemas.openxmlformats.org/drawingml/2006/main" xmlns:r="http://schemas.openxmlformats.org/officeDocument/2006/relationships" xmlns:p="http://schemas.openxmlformats.org/presentationml/2006/main">
   <p:cSld>
     <p:bg>
@@ -10007,7 +15873,7 @@
                 <a16:creationId xmlns:a16="http://schemas.microsoft.com/office/drawing/2014/main" id="{64C9EE1D-12BB-43F7-9A2A-893578DCA63A}"/>
               </a:ext>
               <a:ext uri="{C183D7F6-B498-43B3-948B-1728B52AA6E4}">
-                <adec:decorative xmlns:adec="http://schemas.microsoft.com/office/drawing/2017/decorative" val="1"/>
+                <adec:decorative xmlns:adec="http://schemas.microsoft.com/office/drawing/2017/decorative" xmlns="" val="1"/>
               </a:ext>
             </a:extLst>
           </p:cNvPr>
@@ -10069,7 +15935,7 @@
                 <a16:creationId xmlns:a16="http://schemas.microsoft.com/office/drawing/2014/main" id="{43962A31-C54E-4762-B155-59777FED1C75}"/>
               </a:ext>
               <a:ext uri="{C183D7F6-B498-43B3-948B-1728B52AA6E4}">
-                <adec:decorative xmlns:adec="http://schemas.microsoft.com/office/drawing/2017/decorative" val="1"/>
+                <adec:decorative xmlns:adec="http://schemas.microsoft.com/office/drawing/2017/decorative" xmlns="" val="1"/>
               </a:ext>
             </a:extLst>
           </p:cNvPr>
@@ -10133,7 +15999,7 @@
                 <a16:creationId xmlns:a16="http://schemas.microsoft.com/office/drawing/2014/main" id="{4B392D36-B685-45E0-B197-6EE5D748093B}"/>
               </a:ext>
               <a:ext uri="{C183D7F6-B498-43B3-948B-1728B52AA6E4}">
-                <adec:decorative xmlns:adec="http://schemas.microsoft.com/office/drawing/2017/decorative" val="1"/>
+                <adec:decorative xmlns:adec="http://schemas.microsoft.com/office/drawing/2017/decorative" xmlns="" val="1"/>
               </a:ext>
             </a:extLst>
           </p:cNvPr>
@@ -10193,7 +16059,7 @@
                 <a16:creationId xmlns:a16="http://schemas.microsoft.com/office/drawing/2014/main" id="{9DCA8533-CC5E-4754-9A04-047EDE49E0F9}"/>
               </a:ext>
               <a:ext uri="{C183D7F6-B498-43B3-948B-1728B52AA6E4}">
-                <adec:decorative xmlns:adec="http://schemas.microsoft.com/office/drawing/2017/decorative" val="1"/>
+                <adec:decorative xmlns:adec="http://schemas.microsoft.com/office/drawing/2017/decorative" xmlns="" val="1"/>
               </a:ext>
             </a:extLst>
           </p:cNvPr>
@@ -10276,7 +16142,7 @@
           <a:lstStyle/>
           <a:p>
             <a:r>
-              <a:rPr lang="en-US" sz="5000" spc="-100"/>
+              <a:rPr lang="en-US" sz="5000" spc="-100" dirty="0"/>
               <a:t>Net Patient Revenue by Payer Category</a:t>
             </a:r>
           </a:p>
@@ -10361,7 +16227,7 @@
 </p:sld>
 </file>
 
-<file path=ppt/slides/slide6.xml><?xml version="1.0" encoding="utf-8"?>
+<file path=ppt/slides/slide9.xml><?xml version="1.0" encoding="utf-8"?>
 <p:sld xmlns:a="http://schemas.openxmlformats.org/drawingml/2006/main" xmlns:r="http://schemas.openxmlformats.org/officeDocument/2006/relationships" xmlns:p="http://schemas.openxmlformats.org/presentationml/2006/main">
   <p:cSld>
     <p:bg>
@@ -10394,7 +16260,7 @@
                 <a16:creationId xmlns:a16="http://schemas.microsoft.com/office/drawing/2014/main" id="{681577AD-DA5F-48B3-8FB9-5199BA9EE681}"/>
               </a:ext>
               <a:ext uri="{C183D7F6-B498-43B3-948B-1728B52AA6E4}">
-                <adec:decorative xmlns:adec="http://schemas.microsoft.com/office/drawing/2017/decorative" val="1"/>
+                <adec:decorative xmlns:adec="http://schemas.microsoft.com/office/drawing/2017/decorative" xmlns="" val="1"/>
               </a:ext>
             </a:extLst>
           </p:cNvPr>
@@ -10675,269 +16541,6 @@
 </p:sld>
 </file>
 
-<file path=ppt/slides/slide7.xml><?xml version="1.0" encoding="utf-8"?>
-<p:sld xmlns:a="http://schemas.openxmlformats.org/drawingml/2006/main" xmlns:r="http://schemas.openxmlformats.org/officeDocument/2006/relationships" xmlns:p="http://schemas.openxmlformats.org/presentationml/2006/main">
-  <p:cSld>
-    <p:spTree>
-      <p:nvGrpSpPr>
-        <p:cNvPr id="1" name=""/>
-        <p:cNvGrpSpPr/>
-        <p:nvPr/>
-      </p:nvGrpSpPr>
-      <p:grpSpPr>
-        <a:xfrm>
-          <a:off x="0" y="0"/>
-          <a:ext cx="0" cy="0"/>
-          <a:chOff x="0" y="0"/>
-          <a:chExt cx="0" cy="0"/>
-        </a:xfrm>
-      </p:grpSpPr>
-      <p:sp>
-        <p:nvSpPr>
-          <p:cNvPr id="2" name="Title 1">
-            <a:extLst>
-              <a:ext uri="{FF2B5EF4-FFF2-40B4-BE49-F238E27FC236}">
-                <a16:creationId xmlns:a16="http://schemas.microsoft.com/office/drawing/2014/main" id="{2702D8B7-D014-7167-C342-BBF94440264C}"/>
-              </a:ext>
-            </a:extLst>
-          </p:cNvPr>
-          <p:cNvSpPr>
-            <a:spLocks noGrp="1"/>
-          </p:cNvSpPr>
-          <p:nvPr>
-            <p:ph type="title"/>
-          </p:nvPr>
-        </p:nvSpPr>
-        <p:spPr/>
-        <p:txBody>
-          <a:bodyPr/>
-          <a:lstStyle/>
-          <a:p>
-            <a:r>
-              <a:rPr lang="en-US" dirty="0"/>
-              <a:t>Lessons Learned</a:t>
-            </a:r>
-          </a:p>
-        </p:txBody>
-      </p:sp>
-      <p:sp>
-        <p:nvSpPr>
-          <p:cNvPr id="3" name="Content Placeholder 2">
-            <a:extLst>
-              <a:ext uri="{FF2B5EF4-FFF2-40B4-BE49-F238E27FC236}">
-                <a16:creationId xmlns:a16="http://schemas.microsoft.com/office/drawing/2014/main" id="{B1F4A6BB-5547-0AA1-FB5B-67D439798FAD}"/>
-              </a:ext>
-            </a:extLst>
-          </p:cNvPr>
-          <p:cNvSpPr>
-            <a:spLocks noGrp="1"/>
-          </p:cNvSpPr>
-          <p:nvPr>
-            <p:ph idx="1"/>
-          </p:nvPr>
-        </p:nvSpPr>
-        <p:spPr/>
-        <p:txBody>
-          <a:bodyPr/>
-          <a:lstStyle/>
-          <a:p>
-            <a:endParaRPr lang="en-US" dirty="0"/>
-          </a:p>
-        </p:txBody>
-      </p:sp>
-    </p:spTree>
-    <p:extLst>
-      <p:ext uri="{BB962C8B-B14F-4D97-AF65-F5344CB8AC3E}">
-        <p14:creationId xmlns:p14="http://schemas.microsoft.com/office/powerpoint/2010/main" val="3343080671"/>
-      </p:ext>
-    </p:extLst>
-  </p:cSld>
-  <p:clrMapOvr>
-    <a:masterClrMapping/>
-  </p:clrMapOvr>
-</p:sld>
-</file>
-
-<file path=ppt/slides/slide8.xml><?xml version="1.0" encoding="utf-8"?>
-<p:sld xmlns:a="http://schemas.openxmlformats.org/drawingml/2006/main" xmlns:r="http://schemas.openxmlformats.org/officeDocument/2006/relationships" xmlns:p="http://schemas.openxmlformats.org/presentationml/2006/main">
-  <p:cSld>
-    <p:bg>
-      <p:bgPr>
-        <a:solidFill>
-          <a:schemeClr val="bg1"/>
-        </a:solidFill>
-        <a:effectLst/>
-      </p:bgPr>
-    </p:bg>
-    <p:spTree>
-      <p:nvGrpSpPr>
-        <p:cNvPr id="1" name=""/>
-        <p:cNvGrpSpPr/>
-        <p:nvPr/>
-      </p:nvGrpSpPr>
-      <p:grpSpPr>
-        <a:xfrm>
-          <a:off x="0" y="0"/>
-          <a:ext cx="0" cy="0"/>
-          <a:chOff x="0" y="0"/>
-          <a:chExt cx="0" cy="0"/>
-        </a:xfrm>
-      </p:grpSpPr>
-      <p:sp useBgFill="1">
-        <p:nvSpPr>
-          <p:cNvPr id="11" name="Rectangle 10">
-            <a:extLst>
-              <a:ext uri="{FF2B5EF4-FFF2-40B4-BE49-F238E27FC236}">
-                <a16:creationId xmlns:a16="http://schemas.microsoft.com/office/drawing/2014/main" id="{DADC4F84-175A-4AB1-916C-1E5796E1E0D3}"/>
-              </a:ext>
-              <a:ext uri="{C183D7F6-B498-43B3-948B-1728B52AA6E4}">
-                <adec:decorative xmlns:adec="http://schemas.microsoft.com/office/drawing/2017/decorative" val="1"/>
-              </a:ext>
-            </a:extLst>
-          </p:cNvPr>
-          <p:cNvSpPr>
-            <a:spLocks noGrp="1" noRot="1" noChangeAspect="1" noMove="1" noResize="1" noEditPoints="1" noAdjustHandles="1" noChangeArrowheads="1" noChangeShapeType="1" noTextEdit="1"/>
-          </p:cNvSpPr>
-          <p:nvPr>
-            <p:extLst>
-              <p:ext uri="{386F3935-93C4-4BCD-93E2-E3B085C9AB24}">
-                <p16:designElem xmlns:p16="http://schemas.microsoft.com/office/powerpoint/2015/main" val="1"/>
-              </p:ext>
-            </p:extLst>
-          </p:nvPr>
-        </p:nvSpPr>
-        <p:spPr>
-          <a:xfrm>
-            <a:off x="0" y="0"/>
-            <a:ext cx="12192000" cy="6858000"/>
-          </a:xfrm>
-          <a:prstGeom prst="rect">
-            <a:avLst/>
-          </a:prstGeom>
-          <a:ln>
-            <a:noFill/>
-          </a:ln>
-        </p:spPr>
-        <p:style>
-          <a:lnRef idx="2">
-            <a:schemeClr val="accent1">
-              <a:shade val="50000"/>
-            </a:schemeClr>
-          </a:lnRef>
-          <a:fillRef idx="1">
-            <a:schemeClr val="accent1"/>
-          </a:fillRef>
-          <a:effectRef idx="0">
-            <a:schemeClr val="accent1"/>
-          </a:effectRef>
-          <a:fontRef idx="minor">
-            <a:schemeClr val="lt1"/>
-          </a:fontRef>
-        </p:style>
-        <p:txBody>
-          <a:bodyPr rtlCol="0" anchor="ctr"/>
-          <a:lstStyle/>
-          <a:p>
-            <a:pPr algn="ctr"/>
-            <a:endParaRPr lang="en-US"/>
-          </a:p>
-        </p:txBody>
-      </p:sp>
-      <p:pic>
-        <p:nvPicPr>
-          <p:cNvPr id="7" name="Picture 6" descr="Question mark on green pastel background">
-            <a:extLst>
-              <a:ext uri="{FF2B5EF4-FFF2-40B4-BE49-F238E27FC236}">
-                <a16:creationId xmlns:a16="http://schemas.microsoft.com/office/drawing/2014/main" id="{4344C4FB-FAC7-DF6D-D09C-55E660A8F02B}"/>
-              </a:ext>
-            </a:extLst>
-          </p:cNvPr>
-          <p:cNvPicPr>
-            <a:picLocks noChangeAspect="1"/>
-          </p:cNvPicPr>
-          <p:nvPr/>
-        </p:nvPicPr>
-        <p:blipFill>
-          <a:blip r:embed="rId2">
-            <a:extLst>
-              <a:ext uri="{28A0092B-C50C-407E-A947-70E740481C1C}">
-                <a14:useLocalDpi xmlns:a14="http://schemas.microsoft.com/office/drawing/2010/main" val="0"/>
-              </a:ext>
-            </a:extLst>
-          </a:blip>
-          <a:srcRect t="12500" b="12500"/>
-          <a:stretch/>
-        </p:blipFill>
-        <p:spPr>
-          <a:xfrm>
-            <a:off x="20" y="10"/>
-            <a:ext cx="12191980" cy="6857990"/>
-          </a:xfrm>
-          <a:prstGeom prst="rect">
-            <a:avLst/>
-          </a:prstGeom>
-        </p:spPr>
-      </p:pic>
-      <p:sp>
-        <p:nvSpPr>
-          <p:cNvPr id="5" name="Content Placeholder 4">
-            <a:extLst>
-              <a:ext uri="{FF2B5EF4-FFF2-40B4-BE49-F238E27FC236}">
-                <a16:creationId xmlns:a16="http://schemas.microsoft.com/office/drawing/2014/main" id="{08385B63-719F-ECE2-901B-1947EBFB61BE}"/>
-              </a:ext>
-            </a:extLst>
-          </p:cNvPr>
-          <p:cNvSpPr>
-            <a:spLocks noGrp="1"/>
-          </p:cNvSpPr>
-          <p:nvPr>
-            <p:ph idx="1"/>
-          </p:nvPr>
-        </p:nvSpPr>
-        <p:spPr>
-          <a:xfrm>
-            <a:off x="693449" y="868680"/>
-            <a:ext cx="5668022" cy="5120640"/>
-          </a:xfrm>
-        </p:spPr>
-        <p:txBody>
-          <a:bodyPr>
-            <a:normAutofit/>
-          </a:bodyPr>
-          <a:lstStyle/>
-          <a:p>
-            <a:pPr marL="0" indent="0">
-              <a:buNone/>
-            </a:pPr>
-            <a:r>
-              <a:rPr lang="en-US" sz="6600">
-                <a:solidFill>
-                  <a:schemeClr val="tx1"/>
-                </a:solidFill>
-              </a:rPr>
-              <a:t>Any Questions?</a:t>
-            </a:r>
-            <a:endParaRPr lang="en-US" sz="6600" dirty="0">
-              <a:solidFill>
-                <a:schemeClr val="tx1"/>
-              </a:solidFill>
-            </a:endParaRPr>
-          </a:p>
-        </p:txBody>
-      </p:sp>
-    </p:spTree>
-    <p:extLst>
-      <p:ext uri="{BB962C8B-B14F-4D97-AF65-F5344CB8AC3E}">
-        <p14:creationId xmlns:p14="http://schemas.microsoft.com/office/powerpoint/2010/main" val="218649669"/>
-      </p:ext>
-    </p:extLst>
-  </p:cSld>
-  <p:clrMapOvr>
-    <a:overrideClrMapping bg1="dk1" tx1="lt1" bg2="dk2" tx2="lt2" accent1="accent1" accent2="accent2" accent3="accent3" accent4="accent4" accent5="accent5" accent6="accent6" hlink="hlink" folHlink="folHlink"/>
-  </p:clrMapOvr>
-</p:sld>
-</file>
-
 <file path=ppt/theme/theme1.xml><?xml version="1.0" encoding="utf-8"?>
 <a:theme xmlns:a="http://schemas.openxmlformats.org/drawingml/2006/main" name="Frame">
   <a:themeElements>
@@ -11167,4 +16770,265 @@
     </a:ext>
   </a:extLst>
 </a:theme>
+</file>
+
+<file path=ppt/theme/theme2.xml><?xml version="1.0" encoding="utf-8"?>
+<a:theme xmlns:a="http://schemas.openxmlformats.org/drawingml/2006/main" name="Office Theme">
+  <a:themeElements>
+    <a:clrScheme name="Office">
+      <a:dk1>
+        <a:sysClr val="windowText" lastClr="000000"/>
+      </a:dk1>
+      <a:lt1>
+        <a:sysClr val="window" lastClr="FFFFFF"/>
+      </a:lt1>
+      <a:dk2>
+        <a:srgbClr val="44546A"/>
+      </a:dk2>
+      <a:lt2>
+        <a:srgbClr val="E7E6E6"/>
+      </a:lt2>
+      <a:accent1>
+        <a:srgbClr val="5B9BD5"/>
+      </a:accent1>
+      <a:accent2>
+        <a:srgbClr val="ED7D31"/>
+      </a:accent2>
+      <a:accent3>
+        <a:srgbClr val="A5A5A5"/>
+      </a:accent3>
+      <a:accent4>
+        <a:srgbClr val="FFC000"/>
+      </a:accent4>
+      <a:accent5>
+        <a:srgbClr val="4472C4"/>
+      </a:accent5>
+      <a:accent6>
+        <a:srgbClr val="70AD47"/>
+      </a:accent6>
+      <a:hlink>
+        <a:srgbClr val="0563C1"/>
+      </a:hlink>
+      <a:folHlink>
+        <a:srgbClr val="954F72"/>
+      </a:folHlink>
+    </a:clrScheme>
+    <a:fontScheme name="Office">
+      <a:majorFont>
+        <a:latin typeface="Calibri Light" panose="020F0302020204030204"/>
+        <a:ea typeface=""/>
+        <a:cs typeface=""/>
+        <a:font script="Jpan" typeface="游ゴシック Light"/>
+        <a:font script="Hang" typeface="맑은 고딕"/>
+        <a:font script="Hans" typeface="等线 Light"/>
+        <a:font script="Hant" typeface="新細明體"/>
+        <a:font script="Arab" typeface="Times New Roman"/>
+        <a:font script="Hebr" typeface="Times New Roman"/>
+        <a:font script="Thai" typeface="Angsana New"/>
+        <a:font script="Ethi" typeface="Nyala"/>
+        <a:font script="Beng" typeface="Vrinda"/>
+        <a:font script="Gujr" typeface="Shruti"/>
+        <a:font script="Khmr" typeface="MoolBoran"/>
+        <a:font script="Knda" typeface="Tunga"/>
+        <a:font script="Guru" typeface="Raavi"/>
+        <a:font script="Cans" typeface="Euphemia"/>
+        <a:font script="Cher" typeface="Plantagenet Cherokee"/>
+        <a:font script="Yiii" typeface="Microsoft Yi Baiti"/>
+        <a:font script="Tibt" typeface="Microsoft Himalaya"/>
+        <a:font script="Thaa" typeface="MV Boli"/>
+        <a:font script="Deva" typeface="Mangal"/>
+        <a:font script="Telu" typeface="Gautami"/>
+        <a:font script="Taml" typeface="Latha"/>
+        <a:font script="Syrc" typeface="Estrangelo Edessa"/>
+        <a:font script="Orya" typeface="Kalinga"/>
+        <a:font script="Mlym" typeface="Kartika"/>
+        <a:font script="Laoo" typeface="DokChampa"/>
+        <a:font script="Sinh" typeface="Iskoola Pota"/>
+        <a:font script="Mong" typeface="Mongolian Baiti"/>
+        <a:font script="Viet" typeface="Times New Roman"/>
+        <a:font script="Uigh" typeface="Microsoft Uighur"/>
+        <a:font script="Geor" typeface="Sylfaen"/>
+      </a:majorFont>
+      <a:minorFont>
+        <a:latin typeface="Calibri" panose="020F0502020204030204"/>
+        <a:ea typeface=""/>
+        <a:cs typeface=""/>
+        <a:font script="Jpan" typeface="游ゴシック"/>
+        <a:font script="Hang" typeface="맑은 고딕"/>
+        <a:font script="Hans" typeface="等线"/>
+        <a:font script="Hant" typeface="新細明體"/>
+        <a:font script="Arab" typeface="Arial"/>
+        <a:font script="Hebr" typeface="Arial"/>
+        <a:font script="Thai" typeface="Cordia New"/>
+        <a:font script="Ethi" typeface="Nyala"/>
+        <a:font script="Beng" typeface="Vrinda"/>
+        <a:font script="Gujr" typeface="Shruti"/>
+        <a:font script="Khmr" typeface="DaunPenh"/>
+        <a:font script="Knda" typeface="Tunga"/>
+        <a:font script="Guru" typeface="Raavi"/>
+        <a:font script="Cans" typeface="Euphemia"/>
+        <a:font script="Cher" typeface="Plantagenet Cherokee"/>
+        <a:font script="Yiii" typeface="Microsoft Yi Baiti"/>
+        <a:font script="Tibt" typeface="Microsoft Himalaya"/>
+        <a:font script="Thaa" typeface="MV Boli"/>
+        <a:font script="Deva" typeface="Mangal"/>
+        <a:font script="Telu" typeface="Gautami"/>
+        <a:font script="Taml" typeface="Latha"/>
+        <a:font script="Syrc" typeface="Estrangelo Edessa"/>
+        <a:font script="Orya" typeface="Kalinga"/>
+        <a:font script="Mlym" typeface="Kartika"/>
+        <a:font script="Laoo" typeface="DokChampa"/>
+        <a:font script="Sinh" typeface="Iskoola Pota"/>
+        <a:font script="Mong" typeface="Mongolian Baiti"/>
+        <a:font script="Viet" typeface="Arial"/>
+        <a:font script="Uigh" typeface="Microsoft Uighur"/>
+        <a:font script="Geor" typeface="Sylfaen"/>
+      </a:minorFont>
+    </a:fontScheme>
+    <a:fmtScheme name="Office">
+      <a:fillStyleLst>
+        <a:solidFill>
+          <a:schemeClr val="phClr"/>
+        </a:solidFill>
+        <a:gradFill rotWithShape="1">
+          <a:gsLst>
+            <a:gs pos="0">
+              <a:schemeClr val="phClr">
+                <a:lumMod val="110000"/>
+                <a:satMod val="105000"/>
+                <a:tint val="67000"/>
+              </a:schemeClr>
+            </a:gs>
+            <a:gs pos="50000">
+              <a:schemeClr val="phClr">
+                <a:lumMod val="105000"/>
+                <a:satMod val="103000"/>
+                <a:tint val="73000"/>
+              </a:schemeClr>
+            </a:gs>
+            <a:gs pos="100000">
+              <a:schemeClr val="phClr">
+                <a:lumMod val="105000"/>
+                <a:satMod val="109000"/>
+                <a:tint val="81000"/>
+              </a:schemeClr>
+            </a:gs>
+          </a:gsLst>
+          <a:lin ang="5400000" scaled="0"/>
+        </a:gradFill>
+        <a:gradFill rotWithShape="1">
+          <a:gsLst>
+            <a:gs pos="0">
+              <a:schemeClr val="phClr">
+                <a:satMod val="103000"/>
+                <a:lumMod val="102000"/>
+                <a:tint val="94000"/>
+              </a:schemeClr>
+            </a:gs>
+            <a:gs pos="50000">
+              <a:schemeClr val="phClr">
+                <a:satMod val="110000"/>
+                <a:lumMod val="100000"/>
+                <a:shade val="100000"/>
+              </a:schemeClr>
+            </a:gs>
+            <a:gs pos="100000">
+              <a:schemeClr val="phClr">
+                <a:lumMod val="99000"/>
+                <a:satMod val="120000"/>
+                <a:shade val="78000"/>
+              </a:schemeClr>
+            </a:gs>
+          </a:gsLst>
+          <a:lin ang="5400000" scaled="0"/>
+        </a:gradFill>
+      </a:fillStyleLst>
+      <a:lnStyleLst>
+        <a:ln w="6350" cap="flat" cmpd="sng" algn="ctr">
+          <a:solidFill>
+            <a:schemeClr val="phClr"/>
+          </a:solidFill>
+          <a:prstDash val="solid"/>
+          <a:miter lim="800000"/>
+        </a:ln>
+        <a:ln w="12700" cap="flat" cmpd="sng" algn="ctr">
+          <a:solidFill>
+            <a:schemeClr val="phClr"/>
+          </a:solidFill>
+          <a:prstDash val="solid"/>
+          <a:miter lim="800000"/>
+        </a:ln>
+        <a:ln w="19050" cap="flat" cmpd="sng" algn="ctr">
+          <a:solidFill>
+            <a:schemeClr val="phClr"/>
+          </a:solidFill>
+          <a:prstDash val="solid"/>
+          <a:miter lim="800000"/>
+        </a:ln>
+      </a:lnStyleLst>
+      <a:effectStyleLst>
+        <a:effectStyle>
+          <a:effectLst/>
+        </a:effectStyle>
+        <a:effectStyle>
+          <a:effectLst/>
+        </a:effectStyle>
+        <a:effectStyle>
+          <a:effectLst>
+            <a:outerShdw blurRad="57150" dist="19050" dir="5400000" algn="ctr" rotWithShape="0">
+              <a:srgbClr val="000000">
+                <a:alpha val="63000"/>
+              </a:srgbClr>
+            </a:outerShdw>
+          </a:effectLst>
+        </a:effectStyle>
+      </a:effectStyleLst>
+      <a:bgFillStyleLst>
+        <a:solidFill>
+          <a:schemeClr val="phClr"/>
+        </a:solidFill>
+        <a:solidFill>
+          <a:schemeClr val="phClr">
+            <a:tint val="95000"/>
+            <a:satMod val="170000"/>
+          </a:schemeClr>
+        </a:solidFill>
+        <a:gradFill rotWithShape="1">
+          <a:gsLst>
+            <a:gs pos="0">
+              <a:schemeClr val="phClr">
+                <a:tint val="93000"/>
+                <a:satMod val="150000"/>
+                <a:shade val="98000"/>
+                <a:lumMod val="102000"/>
+              </a:schemeClr>
+            </a:gs>
+            <a:gs pos="50000">
+              <a:schemeClr val="phClr">
+                <a:tint val="98000"/>
+                <a:satMod val="130000"/>
+                <a:shade val="90000"/>
+                <a:lumMod val="103000"/>
+              </a:schemeClr>
+            </a:gs>
+            <a:gs pos="100000">
+              <a:schemeClr val="phClr">
+                <a:shade val="63000"/>
+                <a:satMod val="120000"/>
+              </a:schemeClr>
+            </a:gs>
+          </a:gsLst>
+          <a:lin ang="5400000" scaled="0"/>
+        </a:gradFill>
+      </a:bgFillStyleLst>
+    </a:fmtScheme>
+  </a:themeElements>
+  <a:objectDefaults/>
+  <a:extraClrSchemeLst/>
+  <a:extLst>
+    <a:ext uri="{05A4C25C-085E-4340-85A3-A5531E510DB2}">
+      <thm15:themeFamily xmlns:thm15="http://schemas.microsoft.com/office/thememl/2012/main" name="Office Theme" id="{62F939B6-93AF-4DB8-9C6B-D6C7DFDC589F}" vid="{4A3C46E8-61CC-4603-A589-7422A47A8E4A}"/>
+    </a:ext>
+  </a:extLst>
+</a:theme>
 </file>
--- a/Jenae/Project 3 - California Hospital Performance Comparison.pptx
+++ b/Jenae/Project 3 - California Hospital Performance Comparison.pptx
@@ -873,753 +873,6 @@
 </file>
 
 <file path=ppt/diagrams/colors2.xml><?xml version="1.0" encoding="utf-8"?>
-<dgm:colorsDef xmlns:dgm="http://schemas.openxmlformats.org/drawingml/2006/diagram" xmlns:a="http://schemas.openxmlformats.org/drawingml/2006/main" uniqueId="urn:microsoft.com/office/officeart/2005/8/colors/accent1_2">
-  <dgm:title val=""/>
-  <dgm:desc val=""/>
-  <dgm:catLst>
-    <dgm:cat type="accent1" pri="11200"/>
-  </dgm:catLst>
-  <dgm:styleLbl name="node0">
-    <dgm:fillClrLst meth="repeat">
-      <a:schemeClr val="accent1"/>
-    </dgm:fillClrLst>
-    <dgm:linClrLst meth="repeat">
-      <a:schemeClr val="lt1"/>
-    </dgm:linClrLst>
-    <dgm:effectClrLst/>
-    <dgm:txLinClrLst/>
-    <dgm:txFillClrLst/>
-    <dgm:txEffectClrLst/>
-  </dgm:styleLbl>
-  <dgm:styleLbl name="alignNode1">
-    <dgm:fillClrLst meth="repeat">
-      <a:schemeClr val="accent1"/>
-    </dgm:fillClrLst>
-    <dgm:linClrLst meth="repeat">
-      <a:schemeClr val="accent1"/>
-    </dgm:linClrLst>
-    <dgm:effectClrLst/>
-    <dgm:txLinClrLst/>
-    <dgm:txFillClrLst/>
-    <dgm:txEffectClrLst/>
-  </dgm:styleLbl>
-  <dgm:styleLbl name="node1">
-    <dgm:fillClrLst meth="repeat">
-      <a:schemeClr val="accent1"/>
-    </dgm:fillClrLst>
-    <dgm:linClrLst meth="repeat">
-      <a:schemeClr val="lt1"/>
-    </dgm:linClrLst>
-    <dgm:effectClrLst/>
-    <dgm:txLinClrLst/>
-    <dgm:txFillClrLst/>
-    <dgm:txEffectClrLst/>
-  </dgm:styleLbl>
-  <dgm:styleLbl name="lnNode1">
-    <dgm:fillClrLst meth="repeat">
-      <a:schemeClr val="accent1"/>
-    </dgm:fillClrLst>
-    <dgm:linClrLst meth="repeat">
-      <a:schemeClr val="lt1"/>
-    </dgm:linClrLst>
-    <dgm:effectClrLst/>
-    <dgm:txLinClrLst/>
-    <dgm:txFillClrLst/>
-    <dgm:txEffectClrLst/>
-  </dgm:styleLbl>
-  <dgm:styleLbl name="vennNode1">
-    <dgm:fillClrLst meth="repeat">
-      <a:schemeClr val="accent1">
-        <a:alpha val="50000"/>
-      </a:schemeClr>
-    </dgm:fillClrLst>
-    <dgm:linClrLst meth="repeat">
-      <a:schemeClr val="lt1"/>
-    </dgm:linClrLst>
-    <dgm:effectClrLst/>
-    <dgm:txLinClrLst/>
-    <dgm:txFillClrLst/>
-    <dgm:txEffectClrLst/>
-  </dgm:styleLbl>
-  <dgm:styleLbl name="node2">
-    <dgm:fillClrLst meth="repeat">
-      <a:schemeClr val="accent1"/>
-    </dgm:fillClrLst>
-    <dgm:linClrLst meth="repeat">
-      <a:schemeClr val="lt1"/>
-    </dgm:linClrLst>
-    <dgm:effectClrLst/>
-    <dgm:txLinClrLst/>
-    <dgm:txFillClrLst/>
-    <dgm:txEffectClrLst/>
-  </dgm:styleLbl>
-  <dgm:styleLbl name="node3">
-    <dgm:fillClrLst meth="repeat">
-      <a:schemeClr val="accent1"/>
-    </dgm:fillClrLst>
-    <dgm:linClrLst meth="repeat">
-      <a:schemeClr val="lt1"/>
-    </dgm:linClrLst>
-    <dgm:effectClrLst/>
-    <dgm:txLinClrLst/>
-    <dgm:txFillClrLst/>
-    <dgm:txEffectClrLst/>
-  </dgm:styleLbl>
-  <dgm:styleLbl name="node4">
-    <dgm:fillClrLst meth="repeat">
-      <a:schemeClr val="accent1"/>
-    </dgm:fillClrLst>
-    <dgm:linClrLst meth="repeat">
-      <a:schemeClr val="lt1"/>
-    </dgm:linClrLst>
-    <dgm:effectClrLst/>
-    <dgm:txLinClrLst/>
-    <dgm:txFillClrLst/>
-    <dgm:txEffectClrLst/>
-  </dgm:styleLbl>
-  <dgm:styleLbl name="fgImgPlace1">
-    <dgm:fillClrLst meth="repeat">
-      <a:schemeClr val="accent1">
-        <a:tint val="50000"/>
-      </a:schemeClr>
-    </dgm:fillClrLst>
-    <dgm:linClrLst meth="repeat">
-      <a:schemeClr val="lt1"/>
-    </dgm:linClrLst>
-    <dgm:effectClrLst/>
-    <dgm:txLinClrLst/>
-    <dgm:txFillClrLst meth="repeat">
-      <a:schemeClr val="lt1"/>
-    </dgm:txFillClrLst>
-    <dgm:txEffectClrLst/>
-  </dgm:styleLbl>
-  <dgm:styleLbl name="alignImgPlace1">
-    <dgm:fillClrLst meth="repeat">
-      <a:schemeClr val="accent1">
-        <a:tint val="50000"/>
-      </a:schemeClr>
-    </dgm:fillClrLst>
-    <dgm:linClrLst meth="repeat">
-      <a:schemeClr val="lt1"/>
-    </dgm:linClrLst>
-    <dgm:effectClrLst/>
-    <dgm:txLinClrLst/>
-    <dgm:txFillClrLst meth="repeat">
-      <a:schemeClr val="lt1"/>
-    </dgm:txFillClrLst>
-    <dgm:txEffectClrLst/>
-  </dgm:styleLbl>
-  <dgm:styleLbl name="bgImgPlace1">
-    <dgm:fillClrLst meth="repeat">
-      <a:schemeClr val="accent1">
-        <a:tint val="50000"/>
-      </a:schemeClr>
-    </dgm:fillClrLst>
-    <dgm:linClrLst meth="repeat">
-      <a:schemeClr val="lt1"/>
-    </dgm:linClrLst>
-    <dgm:effectClrLst/>
-    <dgm:txLinClrLst/>
-    <dgm:txFillClrLst meth="repeat">
-      <a:schemeClr val="lt1"/>
-    </dgm:txFillClrLst>
-    <dgm:txEffectClrLst/>
-  </dgm:styleLbl>
-  <dgm:styleLbl name="sibTrans2D1">
-    <dgm:fillClrLst meth="repeat">
-      <a:schemeClr val="accent1">
-        <a:tint val="60000"/>
-      </a:schemeClr>
-    </dgm:fillClrLst>
-    <dgm:linClrLst meth="repeat">
-      <a:schemeClr val="accent1">
-        <a:tint val="60000"/>
-      </a:schemeClr>
-    </dgm:linClrLst>
-    <dgm:effectClrLst/>
-    <dgm:txLinClrLst/>
-    <dgm:txFillClrLst/>
-    <dgm:txEffectClrLst/>
-  </dgm:styleLbl>
-  <dgm:styleLbl name="fgSibTrans2D1">
-    <dgm:fillClrLst meth="repeat">
-      <a:schemeClr val="accent1">
-        <a:tint val="60000"/>
-      </a:schemeClr>
-    </dgm:fillClrLst>
-    <dgm:linClrLst meth="repeat">
-      <a:schemeClr val="accent1">
-        <a:tint val="60000"/>
-      </a:schemeClr>
-    </dgm:linClrLst>
-    <dgm:effectClrLst/>
-    <dgm:txLinClrLst/>
-    <dgm:txFillClrLst/>
-    <dgm:txEffectClrLst/>
-  </dgm:styleLbl>
-  <dgm:styleLbl name="bgSibTrans2D1">
-    <dgm:fillClrLst meth="repeat">
-      <a:schemeClr val="accent1">
-        <a:tint val="60000"/>
-      </a:schemeClr>
-    </dgm:fillClrLst>
-    <dgm:linClrLst meth="repeat">
-      <a:schemeClr val="accent1">
-        <a:tint val="60000"/>
-      </a:schemeClr>
-    </dgm:linClrLst>
-    <dgm:effectClrLst/>
-    <dgm:txLinClrLst/>
-    <dgm:txFillClrLst/>
-    <dgm:txEffectClrLst/>
-  </dgm:styleLbl>
-  <dgm:styleLbl name="sibTrans1D1">
-    <dgm:fillClrLst meth="repeat">
-      <a:schemeClr val="accent1"/>
-    </dgm:fillClrLst>
-    <dgm:linClrLst meth="repeat">
-      <a:schemeClr val="accent1"/>
-    </dgm:linClrLst>
-    <dgm:effectClrLst/>
-    <dgm:txLinClrLst/>
-    <dgm:txFillClrLst meth="repeat">
-      <a:schemeClr val="tx1"/>
-    </dgm:txFillClrLst>
-    <dgm:txEffectClrLst/>
-  </dgm:styleLbl>
-  <dgm:styleLbl name="callout">
-    <dgm:fillClrLst meth="repeat">
-      <a:schemeClr val="accent1"/>
-    </dgm:fillClrLst>
-    <dgm:linClrLst meth="repeat">
-      <a:schemeClr val="accent1">
-        <a:tint val="50000"/>
-      </a:schemeClr>
-    </dgm:linClrLst>
-    <dgm:effectClrLst/>
-    <dgm:txLinClrLst/>
-    <dgm:txFillClrLst meth="repeat">
-      <a:schemeClr val="tx1"/>
-    </dgm:txFillClrLst>
-    <dgm:txEffectClrLst/>
-  </dgm:styleLbl>
-  <dgm:styleLbl name="asst0">
-    <dgm:fillClrLst meth="repeat">
-      <a:schemeClr val="accent1"/>
-    </dgm:fillClrLst>
-    <dgm:linClrLst meth="repeat">
-      <a:schemeClr val="lt1"/>
-    </dgm:linClrLst>
-    <dgm:effectClrLst/>
-    <dgm:txLinClrLst/>
-    <dgm:txFillClrLst/>
-    <dgm:txEffectClrLst/>
-  </dgm:styleLbl>
-  <dgm:styleLbl name="asst1">
-    <dgm:fillClrLst meth="repeat">
-      <a:schemeClr val="accent1"/>
-    </dgm:fillClrLst>
-    <dgm:linClrLst meth="repeat">
-      <a:schemeClr val="lt1"/>
-    </dgm:linClrLst>
-    <dgm:effectClrLst/>
-    <dgm:txLinClrLst/>
-    <dgm:txFillClrLst/>
-    <dgm:txEffectClrLst/>
-  </dgm:styleLbl>
-  <dgm:styleLbl name="asst2">
-    <dgm:fillClrLst meth="repeat">
-      <a:schemeClr val="accent1"/>
-    </dgm:fillClrLst>
-    <dgm:linClrLst meth="repeat">
-      <a:schemeClr val="lt1"/>
-    </dgm:linClrLst>
-    <dgm:effectClrLst/>
-    <dgm:txLinClrLst/>
-    <dgm:txFillClrLst/>
-    <dgm:txEffectClrLst/>
-  </dgm:styleLbl>
-  <dgm:styleLbl name="asst3">
-    <dgm:fillClrLst meth="repeat">
-      <a:schemeClr val="accent1"/>
-    </dgm:fillClrLst>
-    <dgm:linClrLst meth="repeat">
-      <a:schemeClr val="lt1"/>
-    </dgm:linClrLst>
-    <dgm:effectClrLst/>
-    <dgm:txLinClrLst/>
-    <dgm:txFillClrLst/>
-    <dgm:txEffectClrLst/>
-  </dgm:styleLbl>
-  <dgm:styleLbl name="asst4">
-    <dgm:fillClrLst meth="repeat">
-      <a:schemeClr val="accent1"/>
-    </dgm:fillClrLst>
-    <dgm:linClrLst meth="repeat">
-      <a:schemeClr val="lt1"/>
-    </dgm:linClrLst>
-    <dgm:effectClrLst/>
-    <dgm:txLinClrLst/>
-    <dgm:txFillClrLst/>
-    <dgm:txEffectClrLst/>
-  </dgm:styleLbl>
-  <dgm:styleLbl name="parChTrans2D1">
-    <dgm:fillClrLst meth="repeat">
-      <a:schemeClr val="accent1">
-        <a:tint val="60000"/>
-      </a:schemeClr>
-    </dgm:fillClrLst>
-    <dgm:linClrLst meth="repeat">
-      <a:schemeClr val="accent1">
-        <a:tint val="60000"/>
-      </a:schemeClr>
-    </dgm:linClrLst>
-    <dgm:effectClrLst/>
-    <dgm:txLinClrLst/>
-    <dgm:txFillClrLst meth="repeat">
-      <a:schemeClr val="lt1"/>
-    </dgm:txFillClrLst>
-    <dgm:txEffectClrLst/>
-  </dgm:styleLbl>
-  <dgm:styleLbl name="parChTrans2D2">
-    <dgm:fillClrLst meth="repeat">
-      <a:schemeClr val="accent1"/>
-    </dgm:fillClrLst>
-    <dgm:linClrLst meth="repeat">
-      <a:schemeClr val="accent1"/>
-    </dgm:linClrLst>
-    <dgm:effectClrLst/>
-    <dgm:txLinClrLst/>
-    <dgm:txFillClrLst meth="repeat">
-      <a:schemeClr val="lt1"/>
-    </dgm:txFillClrLst>
-    <dgm:txEffectClrLst/>
-  </dgm:styleLbl>
-  <dgm:styleLbl name="parChTrans2D3">
-    <dgm:fillClrLst meth="repeat">
-      <a:schemeClr val="accent1"/>
-    </dgm:fillClrLst>
-    <dgm:linClrLst meth="repeat">
-      <a:schemeClr val="accent1"/>
-    </dgm:linClrLst>
-    <dgm:effectClrLst/>
-    <dgm:txLinClrLst/>
-    <dgm:txFillClrLst meth="repeat">
-      <a:schemeClr val="lt1"/>
-    </dgm:txFillClrLst>
-    <dgm:txEffectClrLst/>
-  </dgm:styleLbl>
-  <dgm:styleLbl name="parChTrans2D4">
-    <dgm:fillClrLst meth="repeat">
-      <a:schemeClr val="accent1"/>
-    </dgm:fillClrLst>
-    <dgm:linClrLst meth="repeat">
-      <a:schemeClr val="accent1"/>
-    </dgm:linClrLst>
-    <dgm:effectClrLst/>
-    <dgm:txLinClrLst/>
-    <dgm:txFillClrLst meth="repeat">
-      <a:schemeClr val="lt1"/>
-    </dgm:txFillClrLst>
-    <dgm:txEffectClrLst/>
-  </dgm:styleLbl>
-  <dgm:styleLbl name="parChTrans1D1">
-    <dgm:fillClrLst meth="repeat">
-      <a:schemeClr val="accent1"/>
-    </dgm:fillClrLst>
-    <dgm:linClrLst meth="repeat">
-      <a:schemeClr val="accent1">
-        <a:shade val="60000"/>
-      </a:schemeClr>
-    </dgm:linClrLst>
-    <dgm:effectClrLst/>
-    <dgm:txLinClrLst/>
-    <dgm:txFillClrLst meth="repeat">
-      <a:schemeClr val="tx1"/>
-    </dgm:txFillClrLst>
-    <dgm:txEffectClrLst/>
-  </dgm:styleLbl>
-  <dgm:styleLbl name="parChTrans1D2">
-    <dgm:fillClrLst meth="repeat">
-      <a:schemeClr val="accent1"/>
-    </dgm:fillClrLst>
-    <dgm:linClrLst meth="repeat">
-      <a:schemeClr val="accent1">
-        <a:shade val="60000"/>
-      </a:schemeClr>
-    </dgm:linClrLst>
-    <dgm:effectClrLst/>
-    <dgm:txLinClrLst/>
-    <dgm:txFillClrLst meth="repeat">
-      <a:schemeClr val="tx1"/>
-    </dgm:txFillClrLst>
-    <dgm:txEffectClrLst/>
-  </dgm:styleLbl>
-  <dgm:styleLbl name="parChTrans1D3">
-    <dgm:fillClrLst meth="repeat">
-      <a:schemeClr val="accent1"/>
-    </dgm:fillClrLst>
-    <dgm:linClrLst meth="repeat">
-      <a:schemeClr val="accent1">
-        <a:shade val="80000"/>
-      </a:schemeClr>
-    </dgm:linClrLst>
-    <dgm:effectClrLst/>
-    <dgm:txLinClrLst/>
-    <dgm:txFillClrLst meth="repeat">
-      <a:schemeClr val="tx1"/>
-    </dgm:txFillClrLst>
-    <dgm:txEffectClrLst/>
-  </dgm:styleLbl>
-  <dgm:styleLbl name="parChTrans1D4">
-    <dgm:fillClrLst meth="repeat">
-      <a:schemeClr val="accent1"/>
-    </dgm:fillClrLst>
-    <dgm:linClrLst meth="repeat">
-      <a:schemeClr val="accent1">
-        <a:shade val="80000"/>
-      </a:schemeClr>
-    </dgm:linClrLst>
-    <dgm:effectClrLst/>
-    <dgm:txLinClrLst/>
-    <dgm:txFillClrLst meth="repeat">
-      <a:schemeClr val="tx1"/>
-    </dgm:txFillClrLst>
-    <dgm:txEffectClrLst/>
-  </dgm:styleLbl>
-  <dgm:styleLbl name="fgAcc1">
-    <dgm:fillClrLst meth="repeat">
-      <a:schemeClr val="lt1">
-        <a:alpha val="90000"/>
-      </a:schemeClr>
-    </dgm:fillClrLst>
-    <dgm:linClrLst meth="repeat">
-      <a:schemeClr val="accent1"/>
-    </dgm:linClrLst>
-    <dgm:effectClrLst/>
-    <dgm:txLinClrLst/>
-    <dgm:txFillClrLst meth="repeat">
-      <a:schemeClr val="dk1"/>
-    </dgm:txFillClrLst>
-    <dgm:txEffectClrLst/>
-  </dgm:styleLbl>
-  <dgm:styleLbl name="conFgAcc1">
-    <dgm:fillClrLst meth="repeat">
-      <a:schemeClr val="lt1">
-        <a:alpha val="90000"/>
-      </a:schemeClr>
-    </dgm:fillClrLst>
-    <dgm:linClrLst meth="repeat">
-      <a:schemeClr val="accent1"/>
-    </dgm:linClrLst>
-    <dgm:effectClrLst/>
-    <dgm:txLinClrLst/>
-    <dgm:txFillClrLst meth="repeat">
-      <a:schemeClr val="dk1"/>
-    </dgm:txFillClrLst>
-    <dgm:txEffectClrLst/>
-  </dgm:styleLbl>
-  <dgm:styleLbl name="alignAcc1">
-    <dgm:fillClrLst meth="repeat">
-      <a:schemeClr val="lt1">
-        <a:alpha val="90000"/>
-      </a:schemeClr>
-    </dgm:fillClrLst>
-    <dgm:linClrLst meth="repeat">
-      <a:schemeClr val="accent1"/>
-    </dgm:linClrLst>
-    <dgm:effectClrLst/>
-    <dgm:txLinClrLst/>
-    <dgm:txFillClrLst meth="repeat">
-      <a:schemeClr val="dk1"/>
-    </dgm:txFillClrLst>
-    <dgm:txEffectClrLst/>
-  </dgm:styleLbl>
-  <dgm:styleLbl name="trAlignAcc1">
-    <dgm:fillClrLst meth="repeat">
-      <a:schemeClr val="lt1">
-        <a:alpha val="40000"/>
-      </a:schemeClr>
-    </dgm:fillClrLst>
-    <dgm:linClrLst meth="repeat">
-      <a:schemeClr val="accent1"/>
-    </dgm:linClrLst>
-    <dgm:effectClrLst/>
-    <dgm:txLinClrLst/>
-    <dgm:txFillClrLst meth="repeat">
-      <a:schemeClr val="dk1"/>
-    </dgm:txFillClrLst>
-    <dgm:txEffectClrLst/>
-  </dgm:styleLbl>
-  <dgm:styleLbl name="bgAcc1">
-    <dgm:fillClrLst meth="repeat">
-      <a:schemeClr val="lt1">
-        <a:alpha val="90000"/>
-      </a:schemeClr>
-    </dgm:fillClrLst>
-    <dgm:linClrLst meth="repeat">
-      <a:schemeClr val="accent1"/>
-    </dgm:linClrLst>
-    <dgm:effectClrLst/>
-    <dgm:txLinClrLst/>
-    <dgm:txFillClrLst meth="repeat">
-      <a:schemeClr val="dk1"/>
-    </dgm:txFillClrLst>
-    <dgm:txEffectClrLst/>
-  </dgm:styleLbl>
-  <dgm:styleLbl name="solidFgAcc1">
-    <dgm:fillClrLst meth="repeat">
-      <a:schemeClr val="lt1"/>
-    </dgm:fillClrLst>
-    <dgm:linClrLst meth="repeat">
-      <a:schemeClr val="accent1"/>
-    </dgm:linClrLst>
-    <dgm:effectClrLst/>
-    <dgm:txLinClrLst/>
-    <dgm:txFillClrLst meth="repeat">
-      <a:schemeClr val="dk1"/>
-    </dgm:txFillClrLst>
-    <dgm:txEffectClrLst/>
-  </dgm:styleLbl>
-  <dgm:styleLbl name="solidAlignAcc1">
-    <dgm:fillClrLst meth="repeat">
-      <a:schemeClr val="lt1"/>
-    </dgm:fillClrLst>
-    <dgm:linClrLst meth="repeat">
-      <a:schemeClr val="accent1"/>
-    </dgm:linClrLst>
-    <dgm:effectClrLst/>
-    <dgm:txLinClrLst/>
-    <dgm:txFillClrLst meth="repeat">
-      <a:schemeClr val="dk1"/>
-    </dgm:txFillClrLst>
-    <dgm:txEffectClrLst/>
-  </dgm:styleLbl>
-  <dgm:styleLbl name="solidBgAcc1">
-    <dgm:fillClrLst meth="repeat">
-      <a:schemeClr val="lt1"/>
-    </dgm:fillClrLst>
-    <dgm:linClrLst meth="repeat">
-      <a:schemeClr val="accent1"/>
-    </dgm:linClrLst>
-    <dgm:effectClrLst/>
-    <dgm:txLinClrLst/>
-    <dgm:txFillClrLst meth="repeat">
-      <a:schemeClr val="dk1"/>
-    </dgm:txFillClrLst>
-    <dgm:txEffectClrLst/>
-  </dgm:styleLbl>
-  <dgm:styleLbl name="fgAccFollowNode1">
-    <dgm:fillClrLst meth="repeat">
-      <a:schemeClr val="accent1">
-        <a:alpha val="90000"/>
-        <a:tint val="40000"/>
-      </a:schemeClr>
-    </dgm:fillClrLst>
-    <dgm:linClrLst meth="repeat">
-      <a:schemeClr val="accent1">
-        <a:alpha val="90000"/>
-        <a:tint val="40000"/>
-      </a:schemeClr>
-    </dgm:linClrLst>
-    <dgm:effectClrLst/>
-    <dgm:txLinClrLst/>
-    <dgm:txFillClrLst meth="repeat">
-      <a:schemeClr val="dk1"/>
-    </dgm:txFillClrLst>
-    <dgm:txEffectClrLst/>
-  </dgm:styleLbl>
-  <dgm:styleLbl name="alignAccFollowNode1">
-    <dgm:fillClrLst meth="repeat">
-      <a:schemeClr val="accent1">
-        <a:alpha val="90000"/>
-        <a:tint val="40000"/>
-      </a:schemeClr>
-    </dgm:fillClrLst>
-    <dgm:linClrLst meth="repeat">
-      <a:schemeClr val="accent1">
-        <a:alpha val="90000"/>
-        <a:tint val="40000"/>
-      </a:schemeClr>
-    </dgm:linClrLst>
-    <dgm:effectClrLst/>
-    <dgm:txLinClrLst/>
-    <dgm:txFillClrLst meth="repeat">
-      <a:schemeClr val="dk1"/>
-    </dgm:txFillClrLst>
-    <dgm:txEffectClrLst/>
-  </dgm:styleLbl>
-  <dgm:styleLbl name="bgAccFollowNode1">
-    <dgm:fillClrLst meth="repeat">
-      <a:schemeClr val="accent1">
-        <a:alpha val="90000"/>
-        <a:tint val="40000"/>
-      </a:schemeClr>
-    </dgm:fillClrLst>
-    <dgm:linClrLst meth="repeat">
-      <a:schemeClr val="accent1">
-        <a:alpha val="90000"/>
-        <a:tint val="40000"/>
-      </a:schemeClr>
-    </dgm:linClrLst>
-    <dgm:effectClrLst/>
-    <dgm:txLinClrLst/>
-    <dgm:txFillClrLst meth="repeat">
-      <a:schemeClr val="dk1"/>
-    </dgm:txFillClrLst>
-    <dgm:txEffectClrLst/>
-  </dgm:styleLbl>
-  <dgm:styleLbl name="fgAcc0">
-    <dgm:fillClrLst meth="repeat">
-      <a:schemeClr val="lt1">
-        <a:alpha val="90000"/>
-      </a:schemeClr>
-    </dgm:fillClrLst>
-    <dgm:linClrLst meth="repeat">
-      <a:schemeClr val="accent1"/>
-    </dgm:linClrLst>
-    <dgm:effectClrLst/>
-    <dgm:txLinClrLst/>
-    <dgm:txFillClrLst meth="repeat">
-      <a:schemeClr val="dk1"/>
-    </dgm:txFillClrLst>
-    <dgm:txEffectClrLst/>
-  </dgm:styleLbl>
-  <dgm:styleLbl name="fgAcc2">
-    <dgm:fillClrLst meth="repeat">
-      <a:schemeClr val="lt1">
-        <a:alpha val="90000"/>
-      </a:schemeClr>
-    </dgm:fillClrLst>
-    <dgm:linClrLst meth="repeat">
-      <a:schemeClr val="accent1"/>
-    </dgm:linClrLst>
-    <dgm:effectClrLst/>
-    <dgm:txLinClrLst/>
-    <dgm:txFillClrLst meth="repeat">
-      <a:schemeClr val="dk1"/>
-    </dgm:txFillClrLst>
-    <dgm:txEffectClrLst/>
-  </dgm:styleLbl>
-  <dgm:styleLbl name="fgAcc3">
-    <dgm:fillClrLst meth="repeat">
-      <a:schemeClr val="lt1">
-        <a:alpha val="90000"/>
-      </a:schemeClr>
-    </dgm:fillClrLst>
-    <dgm:linClrLst meth="repeat">
-      <a:schemeClr val="accent1"/>
-    </dgm:linClrLst>
-    <dgm:effectClrLst/>
-    <dgm:txLinClrLst/>
-    <dgm:txFillClrLst meth="repeat">
-      <a:schemeClr val="dk1"/>
-    </dgm:txFillClrLst>
-    <dgm:txEffectClrLst/>
-  </dgm:styleLbl>
-  <dgm:styleLbl name="fgAcc4">
-    <dgm:fillClrLst meth="repeat">
-      <a:schemeClr val="lt1">
-        <a:alpha val="90000"/>
-      </a:schemeClr>
-    </dgm:fillClrLst>
-    <dgm:linClrLst meth="repeat">
-      <a:schemeClr val="accent1"/>
-    </dgm:linClrLst>
-    <dgm:effectClrLst/>
-    <dgm:txLinClrLst/>
-    <dgm:txFillClrLst meth="repeat">
-      <a:schemeClr val="dk1"/>
-    </dgm:txFillClrLst>
-    <dgm:txEffectClrLst/>
-  </dgm:styleLbl>
-  <dgm:styleLbl name="bgShp">
-    <dgm:fillClrLst meth="repeat">
-      <a:schemeClr val="accent1">
-        <a:tint val="40000"/>
-      </a:schemeClr>
-    </dgm:fillClrLst>
-    <dgm:linClrLst meth="repeat">
-      <a:schemeClr val="accent1"/>
-    </dgm:linClrLst>
-    <dgm:effectClrLst/>
-    <dgm:txLinClrLst/>
-    <dgm:txFillClrLst meth="repeat">
-      <a:schemeClr val="dk1"/>
-    </dgm:txFillClrLst>
-    <dgm:txEffectClrLst/>
-  </dgm:styleLbl>
-  <dgm:styleLbl name="dkBgShp">
-    <dgm:fillClrLst meth="repeat">
-      <a:schemeClr val="accent1">
-        <a:shade val="80000"/>
-      </a:schemeClr>
-    </dgm:fillClrLst>
-    <dgm:linClrLst meth="repeat">
-      <a:schemeClr val="accent1"/>
-    </dgm:linClrLst>
-    <dgm:effectClrLst/>
-    <dgm:txLinClrLst/>
-    <dgm:txFillClrLst meth="repeat">
-      <a:schemeClr val="lt1"/>
-    </dgm:txFillClrLst>
-    <dgm:txEffectClrLst/>
-  </dgm:styleLbl>
-  <dgm:styleLbl name="trBgShp">
-    <dgm:fillClrLst meth="repeat">
-      <a:schemeClr val="accent1">
-        <a:tint val="50000"/>
-        <a:alpha val="40000"/>
-      </a:schemeClr>
-    </dgm:fillClrLst>
-    <dgm:linClrLst meth="repeat">
-      <a:schemeClr val="accent1"/>
-    </dgm:linClrLst>
-    <dgm:effectClrLst/>
-    <dgm:txLinClrLst/>
-    <dgm:txFillClrLst meth="repeat">
-      <a:schemeClr val="lt1"/>
-    </dgm:txFillClrLst>
-    <dgm:txEffectClrLst/>
-  </dgm:styleLbl>
-  <dgm:styleLbl name="fgShp">
-    <dgm:fillClrLst meth="repeat">
-      <a:schemeClr val="accent1">
-        <a:tint val="60000"/>
-      </a:schemeClr>
-    </dgm:fillClrLst>
-    <dgm:linClrLst meth="repeat">
-      <a:schemeClr val="lt1"/>
-    </dgm:linClrLst>
-    <dgm:effectClrLst/>
-    <dgm:txLinClrLst/>
-    <dgm:txFillClrLst meth="repeat">
-      <a:schemeClr val="dk1"/>
-    </dgm:txFillClrLst>
-    <dgm:txEffectClrLst/>
-  </dgm:styleLbl>
-  <dgm:styleLbl name="revTx">
-    <dgm:fillClrLst meth="repeat">
-      <a:schemeClr val="lt1">
-        <a:alpha val="0"/>
-      </a:schemeClr>
-    </dgm:fillClrLst>
-    <dgm:linClrLst meth="repeat">
-      <a:schemeClr val="dk1">
-        <a:alpha val="0"/>
-      </a:schemeClr>
-    </dgm:linClrLst>
-    <dgm:effectClrLst/>
-    <dgm:txLinClrLst/>
-    <dgm:txFillClrLst meth="repeat">
-      <a:schemeClr val="tx1"/>
-    </dgm:txFillClrLst>
-    <dgm:txEffectClrLst/>
-  </dgm:styleLbl>
-</dgm:colorsDef>
-</file>
-
-<file path=ppt/diagrams/colors3.xml><?xml version="1.0" encoding="utf-8"?>
 <dgm:colorsDef xmlns:dgm="http://schemas.openxmlformats.org/drawingml/2006/diagram" xmlns:a="http://schemas.openxmlformats.org/drawingml/2006/main" uniqueId="urn:microsoft.com/office/officeart/2005/8/colors/accent1_2">
   <dgm:title val=""/>
   <dgm:desc val=""/>
@@ -2567,7 +1820,7 @@
                 <a14:useLocalDpi xmlns:a14="http://schemas.microsoft.com/office/drawing/2010/main" val="0"/>
               </a:ext>
               <a:ext uri="{96DAC541-7B7A-43D3-8B79-37D633B846F1}">
-                <asvg:svgBlip xmlns:asvg="http://schemas.microsoft.com/office/drawing/2016/SVG/main" xmlns="" r:embed="rId2"/>
+                <asvg:svgBlip xmlns="" xmlns:asvg="http://schemas.microsoft.com/office/drawing/2016/SVG/main" r:embed="rId2"/>
               </a:ext>
             </a:extLst>
           </a:blip>
@@ -2638,7 +1891,7 @@
                 <a14:useLocalDpi xmlns:a14="http://schemas.microsoft.com/office/drawing/2010/main" val="0"/>
               </a:ext>
               <a:ext uri="{96DAC541-7B7A-43D3-8B79-37D633B846F1}">
-                <asvg:svgBlip xmlns:asvg="http://schemas.microsoft.com/office/drawing/2016/SVG/main" xmlns="" r:embed="rId4"/>
+                <asvg:svgBlip xmlns="" xmlns:asvg="http://schemas.microsoft.com/office/drawing/2016/SVG/main" r:embed="rId4"/>
               </a:ext>
             </a:extLst>
           </a:blip>
@@ -2699,7 +1952,7 @@
           <a:blip xmlns:r="http://schemas.openxmlformats.org/officeDocument/2006/relationships" r:embed="rId5">
             <a:extLst>
               <a:ext uri="{96DAC541-7B7A-43D3-8B79-37D633B846F1}">
-                <asvg:svgBlip xmlns:asvg="http://schemas.microsoft.com/office/drawing/2016/SVG/main" xmlns="" r:embed="rId6"/>
+                <asvg:svgBlip xmlns="" xmlns:asvg="http://schemas.microsoft.com/office/drawing/2016/SVG/main" r:embed="rId6"/>
               </a:ext>
             </a:extLst>
           </a:blip>
@@ -2949,7 +2202,7 @@
           <a:blip xmlns:r="http://schemas.openxmlformats.org/officeDocument/2006/relationships" r:embed="rId1">
             <a:extLst>
               <a:ext uri="{96DAC541-7B7A-43D3-8B79-37D633B846F1}">
-                <asvg:svgBlip xmlns:asvg="http://schemas.microsoft.com/office/drawing/2016/SVG/main" xmlns="" r:embed="rId2"/>
+                <asvg:svgBlip xmlns="" xmlns:asvg="http://schemas.microsoft.com/office/drawing/2016/SVG/main" r:embed="rId2"/>
               </a:ext>
             </a:extLst>
           </a:blip>
@@ -3000,7 +2253,7 @@
           <a:blip xmlns:r="http://schemas.openxmlformats.org/officeDocument/2006/relationships" r:embed="rId3">
             <a:extLst>
               <a:ext uri="{96DAC541-7B7A-43D3-8B79-37D633B846F1}">
-                <asvg:svgBlip xmlns:asvg="http://schemas.microsoft.com/office/drawing/2016/SVG/main" xmlns="" r:embed="rId4"/>
+                <asvg:svgBlip xmlns="" xmlns:asvg="http://schemas.microsoft.com/office/drawing/2016/SVG/main" r:embed="rId4"/>
               </a:ext>
             </a:extLst>
           </a:blip>
@@ -3051,7 +2304,7 @@
           <a:blip xmlns:r="http://schemas.openxmlformats.org/officeDocument/2006/relationships" r:embed="rId5">
             <a:extLst>
               <a:ext uri="{96DAC541-7B7A-43D3-8B79-37D633B846F1}">
-                <asvg:svgBlip xmlns:asvg="http://schemas.microsoft.com/office/drawing/2016/SVG/main" xmlns="" r:embed="rId6"/>
+                <asvg:svgBlip xmlns="" xmlns:asvg="http://schemas.microsoft.com/office/drawing/2016/SVG/main" r:embed="rId6"/>
               </a:ext>
             </a:extLst>
           </a:blip>
@@ -3116,342 +2369,6 @@
   <dgm:extLst>
     <a:ext uri="http://schemas.microsoft.com/office/drawing/2008/diagram">
       <dsp:dataModelExt xmlns:dsp="http://schemas.microsoft.com/office/drawing/2008/diagram" relId="rId6" minVer="http://schemas.openxmlformats.org/drawingml/2006/diagram"/>
-    </a:ext>
-  </dgm:extLst>
-</dgm:dataModel>
-</file>
-
-<file path=ppt/diagrams/data3.xml><?xml version="1.0" encoding="utf-8"?>
-<dgm:dataModel xmlns:dgm="http://schemas.openxmlformats.org/drawingml/2006/diagram" xmlns:a="http://schemas.openxmlformats.org/drawingml/2006/main">
-  <dgm:ptLst>
-    <dgm:pt modelId="{B921DA41-0734-4180-A0B6-1C7C30DED0D5}" type="doc">
-      <dgm:prSet loTypeId="urn:microsoft.com/office/officeart/2018/2/layout/IconLabelList" loCatId="icon" qsTypeId="urn:microsoft.com/office/officeart/2005/8/quickstyle/simple1" qsCatId="simple" csTypeId="urn:microsoft.com/office/officeart/2005/8/colors/accent1_2" csCatId="accent1" phldr="1"/>
-      <dgm:spPr/>
-      <dgm:t>
-        <a:bodyPr/>
-        <a:lstStyle/>
-        <a:p>
-          <a:endParaRPr lang="en-US"/>
-        </a:p>
-      </dgm:t>
-    </dgm:pt>
-    <dgm:pt modelId="{CD05649B-8C74-4D5B-9E3F-2478BA58C891}">
-      <dgm:prSet/>
-      <dgm:spPr/>
-      <dgm:t>
-        <a:bodyPr/>
-        <a:lstStyle/>
-        <a:p>
-          <a:pPr>
-            <a:lnSpc>
-              <a:spcPct val="100000"/>
-            </a:lnSpc>
-          </a:pPr>
-          <a:r>
-            <a:rPr lang="en-US" dirty="0"/>
-            <a:t>9 Payer Categories</a:t>
-          </a:r>
-        </a:p>
-      </dgm:t>
-    </dgm:pt>
-    <dgm:pt modelId="{D80FF642-D437-4291-BAD2-8325AA4D3F91}" type="parTrans" cxnId="{1680D877-6EE7-4669-A372-0F398F999849}">
-      <dgm:prSet/>
-      <dgm:spPr/>
-      <dgm:t>
-        <a:bodyPr/>
-        <a:lstStyle/>
-        <a:p>
-          <a:endParaRPr lang="en-US"/>
-        </a:p>
-      </dgm:t>
-    </dgm:pt>
-    <dgm:pt modelId="{F50EEB1D-DA31-4ED6-9E63-43C83A8075FF}" type="sibTrans" cxnId="{1680D877-6EE7-4669-A372-0F398F999849}">
-      <dgm:prSet/>
-      <dgm:spPr/>
-      <dgm:t>
-        <a:bodyPr/>
-        <a:lstStyle/>
-        <a:p>
-          <a:endParaRPr lang="en-US"/>
-        </a:p>
-      </dgm:t>
-    </dgm:pt>
-    <dgm:pt modelId="{6F563EB3-AEFF-427A-89EC-D5F54DE0D1CE}">
-      <dgm:prSet/>
-      <dgm:spPr/>
-      <dgm:t>
-        <a:bodyPr/>
-        <a:lstStyle/>
-        <a:p>
-          <a:pPr>
-            <a:lnSpc>
-              <a:spcPct val="100000"/>
-            </a:lnSpc>
-          </a:pPr>
-          <a:r>
-            <a:rPr lang="en-US" dirty="0"/>
-            <a:t>431 Facilities</a:t>
-          </a:r>
-        </a:p>
-      </dgm:t>
-    </dgm:pt>
-    <dgm:pt modelId="{A1E92C1C-02F9-4AD1-9C19-4D29BA0FC418}" type="parTrans" cxnId="{7E345779-6A52-41EE-AC5F-761A4B01613E}">
-      <dgm:prSet/>
-      <dgm:spPr/>
-      <dgm:t>
-        <a:bodyPr/>
-        <a:lstStyle/>
-        <a:p>
-          <a:endParaRPr lang="en-US"/>
-        </a:p>
-      </dgm:t>
-    </dgm:pt>
-    <dgm:pt modelId="{C817E149-F3C7-4452-A6F4-665D49D13D94}" type="sibTrans" cxnId="{7E345779-6A52-41EE-AC5F-761A4B01613E}">
-      <dgm:prSet/>
-      <dgm:spPr/>
-      <dgm:t>
-        <a:bodyPr/>
-        <a:lstStyle/>
-        <a:p>
-          <a:endParaRPr lang="en-US"/>
-        </a:p>
-      </dgm:t>
-    </dgm:pt>
-    <dgm:pt modelId="{BE1D28A6-BC45-4632-BBC7-A7A1D6E10743}">
-      <dgm:prSet/>
-      <dgm:spPr/>
-      <dgm:t>
-        <a:bodyPr/>
-        <a:lstStyle/>
-        <a:p>
-          <a:pPr>
-            <a:lnSpc>
-              <a:spcPct val="100000"/>
-            </a:lnSpc>
-          </a:pPr>
-          <a:r>
-            <a:rPr lang="en-US"/>
-            <a:t>$16.5B in Combined Net Revenue</a:t>
-          </a:r>
-        </a:p>
-      </dgm:t>
-    </dgm:pt>
-    <dgm:pt modelId="{50FD35C8-F98E-4C15-9915-440B107ADE43}" type="parTrans" cxnId="{BFAEE101-1639-4670-8CF2-DE8BE8EB4188}">
-      <dgm:prSet/>
-      <dgm:spPr/>
-      <dgm:t>
-        <a:bodyPr/>
-        <a:lstStyle/>
-        <a:p>
-          <a:endParaRPr lang="en-US"/>
-        </a:p>
-      </dgm:t>
-    </dgm:pt>
-    <dgm:pt modelId="{1DF6F867-E370-44B3-96D9-4D831F312971}" type="sibTrans" cxnId="{BFAEE101-1639-4670-8CF2-DE8BE8EB4188}">
-      <dgm:prSet/>
-      <dgm:spPr/>
-      <dgm:t>
-        <a:bodyPr/>
-        <a:lstStyle/>
-        <a:p>
-          <a:endParaRPr lang="en-US"/>
-        </a:p>
-      </dgm:t>
-    </dgm:pt>
-    <dgm:pt modelId="{18CBCA29-BA31-47DE-8C33-F0613E7E4EB0}" type="pres">
-      <dgm:prSet presAssocID="{B921DA41-0734-4180-A0B6-1C7C30DED0D5}" presName="root" presStyleCnt="0">
-        <dgm:presLayoutVars>
-          <dgm:dir/>
-          <dgm:resizeHandles val="exact"/>
-        </dgm:presLayoutVars>
-      </dgm:prSet>
-      <dgm:spPr/>
-      <dgm:t>
-        <a:bodyPr/>
-        <a:lstStyle/>
-        <a:p>
-          <a:endParaRPr lang="en-US"/>
-        </a:p>
-      </dgm:t>
-    </dgm:pt>
-    <dgm:pt modelId="{501497E0-294A-49C5-89D2-C909FA231A6F}" type="pres">
-      <dgm:prSet presAssocID="{CD05649B-8C74-4D5B-9E3F-2478BA58C891}" presName="compNode" presStyleCnt="0"/>
-      <dgm:spPr/>
-    </dgm:pt>
-    <dgm:pt modelId="{F918D225-4876-42BC-96A3-9EF9540B7B88}" type="pres">
-      <dgm:prSet presAssocID="{CD05649B-8C74-4D5B-9E3F-2478BA58C891}" presName="iconRect" presStyleLbl="node1" presStyleIdx="0" presStyleCnt="3"/>
-      <dgm:spPr>
-        <a:blipFill>
-          <a:blip xmlns:r="http://schemas.openxmlformats.org/officeDocument/2006/relationships" r:embed="rId1">
-            <a:extLst>
-              <a:ext uri="{96DAC541-7B7A-43D3-8B79-37D633B846F1}">
-                <asvg:svgBlip xmlns:asvg="http://schemas.microsoft.com/office/drawing/2016/SVG/main" xmlns="" r:embed="rId2"/>
-              </a:ext>
-            </a:extLst>
-          </a:blip>
-          <a:srcRect/>
-          <a:stretch>
-            <a:fillRect/>
-          </a:stretch>
-        </a:blipFill>
-      </dgm:spPr>
-      <dgm:extLst>
-        <a:ext uri="{E40237B7-FDA0-4F09-8148-C483321AD2D9}">
-          <dgm14:cNvPr xmlns:dgm14="http://schemas.microsoft.com/office/drawing/2010/diagram" id="0" name="" descr="Payroll with solid fill"/>
-        </a:ext>
-      </dgm:extLst>
-    </dgm:pt>
-    <dgm:pt modelId="{D884340C-78CD-4F9B-8425-A387E6831590}" type="pres">
-      <dgm:prSet presAssocID="{CD05649B-8C74-4D5B-9E3F-2478BA58C891}" presName="spaceRect" presStyleCnt="0"/>
-      <dgm:spPr/>
-    </dgm:pt>
-    <dgm:pt modelId="{CC1A6799-D267-4FCD-8D98-2D457C544FFD}" type="pres">
-      <dgm:prSet presAssocID="{CD05649B-8C74-4D5B-9E3F-2478BA58C891}" presName="textRect" presStyleLbl="revTx" presStyleIdx="0" presStyleCnt="3">
-        <dgm:presLayoutVars>
-          <dgm:chMax val="1"/>
-          <dgm:chPref val="1"/>
-        </dgm:presLayoutVars>
-      </dgm:prSet>
-      <dgm:spPr/>
-      <dgm:t>
-        <a:bodyPr/>
-        <a:lstStyle/>
-        <a:p>
-          <a:endParaRPr lang="en-US"/>
-        </a:p>
-      </dgm:t>
-    </dgm:pt>
-    <dgm:pt modelId="{CD6BAFD9-E5DA-4F17-9A84-4AD1A3A70EE8}" type="pres">
-      <dgm:prSet presAssocID="{F50EEB1D-DA31-4ED6-9E63-43C83A8075FF}" presName="sibTrans" presStyleCnt="0"/>
-      <dgm:spPr/>
-    </dgm:pt>
-    <dgm:pt modelId="{B372CC1E-BE71-45A8-A836-9F46CB81AB30}" type="pres">
-      <dgm:prSet presAssocID="{6F563EB3-AEFF-427A-89EC-D5F54DE0D1CE}" presName="compNode" presStyleCnt="0"/>
-      <dgm:spPr/>
-    </dgm:pt>
-    <dgm:pt modelId="{42B8216D-0DFF-4247-9439-E07800C13E9B}" type="pres">
-      <dgm:prSet presAssocID="{6F563EB3-AEFF-427A-89EC-D5F54DE0D1CE}" presName="iconRect" presStyleLbl="node1" presStyleIdx="1" presStyleCnt="3"/>
-      <dgm:spPr>
-        <a:blipFill>
-          <a:blip xmlns:r="http://schemas.openxmlformats.org/officeDocument/2006/relationships" r:embed="rId3">
-            <a:extLst>
-              <a:ext uri="{96DAC541-7B7A-43D3-8B79-37D633B846F1}">
-                <asvg:svgBlip xmlns:asvg="http://schemas.microsoft.com/office/drawing/2016/SVG/main" xmlns="" r:embed="rId4"/>
-              </a:ext>
-            </a:extLst>
-          </a:blip>
-          <a:srcRect/>
-          <a:stretch>
-            <a:fillRect/>
-          </a:stretch>
-        </a:blipFill>
-      </dgm:spPr>
-      <dgm:extLst>
-        <a:ext uri="{E40237B7-FDA0-4F09-8148-C483321AD2D9}">
-          <dgm14:cNvPr xmlns:dgm14="http://schemas.microsoft.com/office/drawing/2010/diagram" id="0" name="" descr="Building outline"/>
-        </a:ext>
-      </dgm:extLst>
-    </dgm:pt>
-    <dgm:pt modelId="{D52461B0-ACF4-42F4-9E29-5921A1CC09DA}" type="pres">
-      <dgm:prSet presAssocID="{6F563EB3-AEFF-427A-89EC-D5F54DE0D1CE}" presName="spaceRect" presStyleCnt="0"/>
-      <dgm:spPr/>
-    </dgm:pt>
-    <dgm:pt modelId="{6D8C13C9-D2B6-41FD-949D-ED6966756D3F}" type="pres">
-      <dgm:prSet presAssocID="{6F563EB3-AEFF-427A-89EC-D5F54DE0D1CE}" presName="textRect" presStyleLbl="revTx" presStyleIdx="1" presStyleCnt="3">
-        <dgm:presLayoutVars>
-          <dgm:chMax val="1"/>
-          <dgm:chPref val="1"/>
-        </dgm:presLayoutVars>
-      </dgm:prSet>
-      <dgm:spPr/>
-      <dgm:t>
-        <a:bodyPr/>
-        <a:lstStyle/>
-        <a:p>
-          <a:endParaRPr lang="en-US"/>
-        </a:p>
-      </dgm:t>
-    </dgm:pt>
-    <dgm:pt modelId="{BE27F95E-0DD7-4F3D-A58D-41C81F6498EB}" type="pres">
-      <dgm:prSet presAssocID="{C817E149-F3C7-4452-A6F4-665D49D13D94}" presName="sibTrans" presStyleCnt="0"/>
-      <dgm:spPr/>
-    </dgm:pt>
-    <dgm:pt modelId="{FBB24A17-7684-426A-8879-852BE1EEACDB}" type="pres">
-      <dgm:prSet presAssocID="{BE1D28A6-BC45-4632-BBC7-A7A1D6E10743}" presName="compNode" presStyleCnt="0"/>
-      <dgm:spPr/>
-    </dgm:pt>
-    <dgm:pt modelId="{86CF668A-BE1C-4753-9587-6D3A7E72C782}" type="pres">
-      <dgm:prSet presAssocID="{BE1D28A6-BC45-4632-BBC7-A7A1D6E10743}" presName="iconRect" presStyleLbl="node1" presStyleIdx="2" presStyleCnt="3"/>
-      <dgm:spPr>
-        <a:blipFill>
-          <a:blip xmlns:r="http://schemas.openxmlformats.org/officeDocument/2006/relationships" r:embed="rId5">
-            <a:extLst>
-              <a:ext uri="{96DAC541-7B7A-43D3-8B79-37D633B846F1}">
-                <asvg:svgBlip xmlns:asvg="http://schemas.microsoft.com/office/drawing/2016/SVG/main" xmlns="" r:embed="rId6"/>
-              </a:ext>
-            </a:extLst>
-          </a:blip>
-          <a:srcRect/>
-          <a:stretch>
-            <a:fillRect/>
-          </a:stretch>
-        </a:blipFill>
-      </dgm:spPr>
-      <dgm:extLst>
-        <a:ext uri="{E40237B7-FDA0-4F09-8148-C483321AD2D9}">
-          <dgm14:cNvPr xmlns:dgm14="http://schemas.microsoft.com/office/drawing/2010/diagram" id="0" name="" descr="Money with solid fill"/>
-        </a:ext>
-      </dgm:extLst>
-    </dgm:pt>
-    <dgm:pt modelId="{3539C29A-407B-40EC-BBD5-9E2FBDE83DDB}" type="pres">
-      <dgm:prSet presAssocID="{BE1D28A6-BC45-4632-BBC7-A7A1D6E10743}" presName="spaceRect" presStyleCnt="0"/>
-      <dgm:spPr/>
-    </dgm:pt>
-    <dgm:pt modelId="{39863B24-82F4-4CA6-9BDD-CD3F63E41161}" type="pres">
-      <dgm:prSet presAssocID="{BE1D28A6-BC45-4632-BBC7-A7A1D6E10743}" presName="textRect" presStyleLbl="revTx" presStyleIdx="2" presStyleCnt="3">
-        <dgm:presLayoutVars>
-          <dgm:chMax val="1"/>
-          <dgm:chPref val="1"/>
-        </dgm:presLayoutVars>
-      </dgm:prSet>
-      <dgm:spPr/>
-      <dgm:t>
-        <a:bodyPr/>
-        <a:lstStyle/>
-        <a:p>
-          <a:endParaRPr lang="en-US"/>
-        </a:p>
-      </dgm:t>
-    </dgm:pt>
-  </dgm:ptLst>
-  <dgm:cxnLst>
-    <dgm:cxn modelId="{D15B439E-E938-4B2A-AB33-A7F61597D7F3}" type="presOf" srcId="{CD05649B-8C74-4D5B-9E3F-2478BA58C891}" destId="{CC1A6799-D267-4FCD-8D98-2D457C544FFD}" srcOrd="0" destOrd="0" presId="urn:microsoft.com/office/officeart/2018/2/layout/IconLabelList"/>
-    <dgm:cxn modelId="{7E345779-6A52-41EE-AC5F-761A4B01613E}" srcId="{B921DA41-0734-4180-A0B6-1C7C30DED0D5}" destId="{6F563EB3-AEFF-427A-89EC-D5F54DE0D1CE}" srcOrd="1" destOrd="0" parTransId="{A1E92C1C-02F9-4AD1-9C19-4D29BA0FC418}" sibTransId="{C817E149-F3C7-4452-A6F4-665D49D13D94}"/>
-    <dgm:cxn modelId="{BFAEE101-1639-4670-8CF2-DE8BE8EB4188}" srcId="{B921DA41-0734-4180-A0B6-1C7C30DED0D5}" destId="{BE1D28A6-BC45-4632-BBC7-A7A1D6E10743}" srcOrd="2" destOrd="0" parTransId="{50FD35C8-F98E-4C15-9915-440B107ADE43}" sibTransId="{1DF6F867-E370-44B3-96D9-4D831F312971}"/>
-    <dgm:cxn modelId="{1680D877-6EE7-4669-A372-0F398F999849}" srcId="{B921DA41-0734-4180-A0B6-1C7C30DED0D5}" destId="{CD05649B-8C74-4D5B-9E3F-2478BA58C891}" srcOrd="0" destOrd="0" parTransId="{D80FF642-D437-4291-BAD2-8325AA4D3F91}" sibTransId="{F50EEB1D-DA31-4ED6-9E63-43C83A8075FF}"/>
-    <dgm:cxn modelId="{D740EBFB-6A3D-4AD9-92E7-FB65DBCB4042}" type="presOf" srcId="{6F563EB3-AEFF-427A-89EC-D5F54DE0D1CE}" destId="{6D8C13C9-D2B6-41FD-949D-ED6966756D3F}" srcOrd="0" destOrd="0" presId="urn:microsoft.com/office/officeart/2018/2/layout/IconLabelList"/>
-    <dgm:cxn modelId="{8A96CC04-928E-4780-A7AA-8D92B0763C41}" type="presOf" srcId="{BE1D28A6-BC45-4632-BBC7-A7A1D6E10743}" destId="{39863B24-82F4-4CA6-9BDD-CD3F63E41161}" srcOrd="0" destOrd="0" presId="urn:microsoft.com/office/officeart/2018/2/layout/IconLabelList"/>
-    <dgm:cxn modelId="{8F1AE952-3587-42BE-AB67-0105F4820479}" type="presOf" srcId="{B921DA41-0734-4180-A0B6-1C7C30DED0D5}" destId="{18CBCA29-BA31-47DE-8C33-F0613E7E4EB0}" srcOrd="0" destOrd="0" presId="urn:microsoft.com/office/officeart/2018/2/layout/IconLabelList"/>
-    <dgm:cxn modelId="{CC638B33-FBA5-4178-B6D2-76C7DD3D0E65}" type="presParOf" srcId="{18CBCA29-BA31-47DE-8C33-F0613E7E4EB0}" destId="{501497E0-294A-49C5-89D2-C909FA231A6F}" srcOrd="0" destOrd="0" presId="urn:microsoft.com/office/officeart/2018/2/layout/IconLabelList"/>
-    <dgm:cxn modelId="{41B7A322-2A7E-45FF-B78E-2AAF42935051}" type="presParOf" srcId="{501497E0-294A-49C5-89D2-C909FA231A6F}" destId="{F918D225-4876-42BC-96A3-9EF9540B7B88}" srcOrd="0" destOrd="0" presId="urn:microsoft.com/office/officeart/2018/2/layout/IconLabelList"/>
-    <dgm:cxn modelId="{2750350F-B408-4266-BBDE-2A7B81BD8072}" type="presParOf" srcId="{501497E0-294A-49C5-89D2-C909FA231A6F}" destId="{D884340C-78CD-4F9B-8425-A387E6831590}" srcOrd="1" destOrd="0" presId="urn:microsoft.com/office/officeart/2018/2/layout/IconLabelList"/>
-    <dgm:cxn modelId="{E9F36F96-3A5A-4031-89D4-84656CAAB834}" type="presParOf" srcId="{501497E0-294A-49C5-89D2-C909FA231A6F}" destId="{CC1A6799-D267-4FCD-8D98-2D457C544FFD}" srcOrd="2" destOrd="0" presId="urn:microsoft.com/office/officeart/2018/2/layout/IconLabelList"/>
-    <dgm:cxn modelId="{13B1C341-E28A-4EF2-A77B-997C7C9BFD67}" type="presParOf" srcId="{18CBCA29-BA31-47DE-8C33-F0613E7E4EB0}" destId="{CD6BAFD9-E5DA-4F17-9A84-4AD1A3A70EE8}" srcOrd="1" destOrd="0" presId="urn:microsoft.com/office/officeart/2018/2/layout/IconLabelList"/>
-    <dgm:cxn modelId="{A83DD394-49BC-4474-AE84-2E8045C00460}" type="presParOf" srcId="{18CBCA29-BA31-47DE-8C33-F0613E7E4EB0}" destId="{B372CC1E-BE71-45A8-A836-9F46CB81AB30}" srcOrd="2" destOrd="0" presId="urn:microsoft.com/office/officeart/2018/2/layout/IconLabelList"/>
-    <dgm:cxn modelId="{A52CE2FC-74CB-4238-B1AF-736CB3EB3648}" type="presParOf" srcId="{B372CC1E-BE71-45A8-A836-9F46CB81AB30}" destId="{42B8216D-0DFF-4247-9439-E07800C13E9B}" srcOrd="0" destOrd="0" presId="urn:microsoft.com/office/officeart/2018/2/layout/IconLabelList"/>
-    <dgm:cxn modelId="{DDC05302-A371-4125-ABC5-33166A424538}" type="presParOf" srcId="{B372CC1E-BE71-45A8-A836-9F46CB81AB30}" destId="{D52461B0-ACF4-42F4-9E29-5921A1CC09DA}" srcOrd="1" destOrd="0" presId="urn:microsoft.com/office/officeart/2018/2/layout/IconLabelList"/>
-    <dgm:cxn modelId="{06596913-FD7F-400C-9CE1-8D5BD5AC48B4}" type="presParOf" srcId="{B372CC1E-BE71-45A8-A836-9F46CB81AB30}" destId="{6D8C13C9-D2B6-41FD-949D-ED6966756D3F}" srcOrd="2" destOrd="0" presId="urn:microsoft.com/office/officeart/2018/2/layout/IconLabelList"/>
-    <dgm:cxn modelId="{E41B56E4-9729-4F61-946D-5A5BA8F68C6B}" type="presParOf" srcId="{18CBCA29-BA31-47DE-8C33-F0613E7E4EB0}" destId="{BE27F95E-0DD7-4F3D-A58D-41C81F6498EB}" srcOrd="3" destOrd="0" presId="urn:microsoft.com/office/officeart/2018/2/layout/IconLabelList"/>
-    <dgm:cxn modelId="{23B924B7-6CED-484D-838B-CCEB8A8F14BB}" type="presParOf" srcId="{18CBCA29-BA31-47DE-8C33-F0613E7E4EB0}" destId="{FBB24A17-7684-426A-8879-852BE1EEACDB}" srcOrd="4" destOrd="0" presId="urn:microsoft.com/office/officeart/2018/2/layout/IconLabelList"/>
-    <dgm:cxn modelId="{853C2AB8-7AA3-4373-A0E4-6E69300E21BB}" type="presParOf" srcId="{FBB24A17-7684-426A-8879-852BE1EEACDB}" destId="{86CF668A-BE1C-4753-9587-6D3A7E72C782}" srcOrd="0" destOrd="0" presId="urn:microsoft.com/office/officeart/2018/2/layout/IconLabelList"/>
-    <dgm:cxn modelId="{B882CE1C-F712-4A92-BDB6-921B78E57B21}" type="presParOf" srcId="{FBB24A17-7684-426A-8879-852BE1EEACDB}" destId="{3539C29A-407B-40EC-BBD5-9E2FBDE83DDB}" srcOrd="1" destOrd="0" presId="urn:microsoft.com/office/officeart/2018/2/layout/IconLabelList"/>
-    <dgm:cxn modelId="{69860817-7184-40C0-86FD-67710A24200B}" type="presParOf" srcId="{FBB24A17-7684-426A-8879-852BE1EEACDB}" destId="{39863B24-82F4-4CA6-9BDD-CD3F63E41161}" srcOrd="2" destOrd="0" presId="urn:microsoft.com/office/officeart/2018/2/layout/IconLabelList"/>
-  </dgm:cxnLst>
-  <dgm:bg/>
-  <dgm:whole/>
-  <dgm:extLst>
-    <a:ext uri="http://schemas.microsoft.com/office/drawing/2008/diagram">
-      <dsp:dataModelExt xmlns:dsp="http://schemas.microsoft.com/office/drawing/2008/diagram" relId="rId7" minVer="http://schemas.openxmlformats.org/drawingml/2006/diagram"/>
     </a:ext>
   </dgm:extLst>
 </dgm:dataModel>
@@ -3527,7 +2444,7 @@
                 <a14:useLocalDpi xmlns:a14="http://schemas.microsoft.com/office/drawing/2010/main" val="0"/>
               </a:ext>
               <a:ext uri="{96DAC541-7B7A-43D3-8B79-37D633B846F1}">
-                <asvg:svgBlip xmlns:asvg="http://schemas.microsoft.com/office/drawing/2016/SVG/main" xmlns="" r:embed="rId2"/>
+                <asvg:svgBlip xmlns="" xmlns:asvg="http://schemas.microsoft.com/office/drawing/2016/SVG/main" r:embed="rId2"/>
               </a:ext>
             </a:extLst>
           </a:blip>
@@ -3697,7 +2614,7 @@
                 <a14:useLocalDpi xmlns:a14="http://schemas.microsoft.com/office/drawing/2010/main" val="0"/>
               </a:ext>
               <a:ext uri="{96DAC541-7B7A-43D3-8B79-37D633B846F1}">
-                <asvg:svgBlip xmlns:asvg="http://schemas.microsoft.com/office/drawing/2016/SVG/main" xmlns="" r:embed="rId4"/>
+                <asvg:svgBlip xmlns="" xmlns:asvg="http://schemas.microsoft.com/office/drawing/2016/SVG/main" r:embed="rId4"/>
               </a:ext>
             </a:extLst>
           </a:blip>
@@ -3856,7 +2773,7 @@
           <a:blip xmlns:r="http://schemas.openxmlformats.org/officeDocument/2006/relationships" r:embed="rId5">
             <a:extLst>
               <a:ext uri="{96DAC541-7B7A-43D3-8B79-37D633B846F1}">
-                <asvg:svgBlip xmlns:asvg="http://schemas.microsoft.com/office/drawing/2016/SVG/main" xmlns="" r:embed="rId6"/>
+                <asvg:svgBlip xmlns="" xmlns:asvg="http://schemas.microsoft.com/office/drawing/2016/SVG/main" r:embed="rId6"/>
               </a:ext>
             </a:extLst>
           </a:blip>
@@ -3986,7 +2903,7 @@
           <a:blip xmlns:r="http://schemas.openxmlformats.org/officeDocument/2006/relationships" r:embed="rId1">
             <a:extLst>
               <a:ext uri="{96DAC541-7B7A-43D3-8B79-37D633B846F1}">
-                <asvg:svgBlip xmlns:asvg="http://schemas.microsoft.com/office/drawing/2016/SVG/main" xmlns="" r:embed="rId2"/>
+                <asvg:svgBlip xmlns="" xmlns:asvg="http://schemas.microsoft.com/office/drawing/2016/SVG/main" r:embed="rId2"/>
               </a:ext>
             </a:extLst>
           </a:blip>
@@ -4107,7 +3024,7 @@
           <a:blip xmlns:r="http://schemas.openxmlformats.org/officeDocument/2006/relationships" r:embed="rId3">
             <a:extLst>
               <a:ext uri="{96DAC541-7B7A-43D3-8B79-37D633B846F1}">
-                <asvg:svgBlip xmlns:asvg="http://schemas.microsoft.com/office/drawing/2016/SVG/main" xmlns="" r:embed="rId4"/>
+                <asvg:svgBlip xmlns="" xmlns:asvg="http://schemas.microsoft.com/office/drawing/2016/SVG/main" r:embed="rId4"/>
               </a:ext>
             </a:extLst>
           </a:blip>
@@ -4225,7 +3142,7 @@
           <a:blip xmlns:r="http://schemas.openxmlformats.org/officeDocument/2006/relationships" r:embed="rId5">
             <a:extLst>
               <a:ext uri="{96DAC541-7B7A-43D3-8B79-37D633B846F1}">
-                <asvg:svgBlip xmlns:asvg="http://schemas.microsoft.com/office/drawing/2016/SVG/main" xmlns="" r:embed="rId6"/>
+                <asvg:svgBlip xmlns="" xmlns:asvg="http://schemas.microsoft.com/office/drawing/2016/SVG/main" r:embed="rId6"/>
               </a:ext>
             </a:extLst>
           </a:blip>
@@ -4312,357 +3229,6 @@
           </a:pPr>
           <a:r>
             <a:rPr lang="en-US" sz="1700" kern="1200" dirty="0"/>
-            <a:t>$16.5B in Combined Net Revenue</a:t>
-          </a:r>
-        </a:p>
-      </dsp:txBody>
-      <dsp:txXfrm>
-        <a:off x="4398066" y="1280076"/>
-        <a:ext cx="1800000" cy="720000"/>
-      </dsp:txXfrm>
-    </dsp:sp>
-  </dsp:spTree>
-</dsp:drawing>
-</file>
-
-<file path=ppt/diagrams/drawing3.xml><?xml version="1.0" encoding="utf-8"?>
-<dsp:drawing xmlns:dgm="http://schemas.openxmlformats.org/drawingml/2006/diagram" xmlns:dsp="http://schemas.microsoft.com/office/drawing/2008/diagram" xmlns:a="http://schemas.openxmlformats.org/drawingml/2006/main">
-  <dsp:spTree>
-    <dsp:nvGrpSpPr>
-      <dsp:cNvPr id="0" name=""/>
-      <dsp:cNvGrpSpPr/>
-    </dsp:nvGrpSpPr>
-    <dsp:grpSpPr/>
-    <dsp:sp modelId="{F918D225-4876-42BC-96A3-9EF9540B7B88}">
-      <dsp:nvSpPr>
-        <dsp:cNvPr id="0" name=""/>
-        <dsp:cNvSpPr/>
-      </dsp:nvSpPr>
-      <dsp:spPr>
-        <a:xfrm>
-          <a:off x="663065" y="199892"/>
-          <a:ext cx="810000" cy="810000"/>
-        </a:xfrm>
-        <a:prstGeom prst="rect">
-          <a:avLst/>
-        </a:prstGeom>
-        <a:blipFill>
-          <a:blip xmlns:r="http://schemas.openxmlformats.org/officeDocument/2006/relationships" r:embed="rId1">
-            <a:extLst>
-              <a:ext uri="{96DAC541-7B7A-43D3-8B79-37D633B846F1}">
-                <asvg:svgBlip xmlns:asvg="http://schemas.microsoft.com/office/drawing/2016/SVG/main" xmlns="" r:embed="rId2"/>
-              </a:ext>
-            </a:extLst>
-          </a:blip>
-          <a:srcRect/>
-          <a:stretch>
-            <a:fillRect/>
-          </a:stretch>
-        </a:blipFill>
-        <a:ln w="10795" cap="flat" cmpd="sng" algn="ctr">
-          <a:solidFill>
-            <a:schemeClr val="lt1">
-              <a:hueOff val="0"/>
-              <a:satOff val="0"/>
-              <a:lumOff val="0"/>
-              <a:alphaOff val="0"/>
-            </a:schemeClr>
-          </a:solidFill>
-          <a:prstDash val="solid"/>
-        </a:ln>
-        <a:effectLst/>
-      </dsp:spPr>
-      <dsp:style>
-        <a:lnRef idx="2">
-          <a:scrgbClr r="0" g="0" b="0"/>
-        </a:lnRef>
-        <a:fillRef idx="1">
-          <a:scrgbClr r="0" g="0" b="0"/>
-        </a:fillRef>
-        <a:effectRef idx="0">
-          <a:scrgbClr r="0" g="0" b="0"/>
-        </a:effectRef>
-        <a:fontRef idx="minor">
-          <a:schemeClr val="lt1"/>
-        </a:fontRef>
-      </dsp:style>
-    </dsp:sp>
-    <dsp:sp modelId="{CC1A6799-D267-4FCD-8D98-2D457C544FFD}">
-      <dsp:nvSpPr>
-        <dsp:cNvPr id="0" name=""/>
-        <dsp:cNvSpPr/>
-      </dsp:nvSpPr>
-      <dsp:spPr>
-        <a:xfrm>
-          <a:off x="168065" y="1280076"/>
-          <a:ext cx="1800000" cy="720000"/>
-        </a:xfrm>
-        <a:prstGeom prst="rect">
-          <a:avLst/>
-        </a:prstGeom>
-        <a:noFill/>
-        <a:ln>
-          <a:noFill/>
-        </a:ln>
-        <a:effectLst/>
-      </dsp:spPr>
-      <dsp:style>
-        <a:lnRef idx="0">
-          <a:scrgbClr r="0" g="0" b="0"/>
-        </a:lnRef>
-        <a:fillRef idx="0">
-          <a:scrgbClr r="0" g="0" b="0"/>
-        </a:fillRef>
-        <a:effectRef idx="0">
-          <a:scrgbClr r="0" g="0" b="0"/>
-        </a:effectRef>
-        <a:fontRef idx="minor"/>
-      </dsp:style>
-      <dsp:txBody>
-        <a:bodyPr spcFirstLastPara="0" vert="horz" wrap="square" lIns="0" tIns="0" rIns="0" bIns="0" numCol="1" spcCol="1270" anchor="t" anchorCtr="0">
-          <a:noAutofit/>
-        </a:bodyPr>
-        <a:lstStyle/>
-        <a:p>
-          <a:pPr lvl="0" algn="ctr" defTabSz="755650">
-            <a:lnSpc>
-              <a:spcPct val="100000"/>
-            </a:lnSpc>
-            <a:spcBef>
-              <a:spcPct val="0"/>
-            </a:spcBef>
-            <a:spcAft>
-              <a:spcPct val="35000"/>
-            </a:spcAft>
-          </a:pPr>
-          <a:r>
-            <a:rPr lang="en-US" sz="1700" kern="1200" dirty="0"/>
-            <a:t>9 Payer Categories</a:t>
-          </a:r>
-        </a:p>
-      </dsp:txBody>
-      <dsp:txXfrm>
-        <a:off x="168065" y="1280076"/>
-        <a:ext cx="1800000" cy="720000"/>
-      </dsp:txXfrm>
-    </dsp:sp>
-    <dsp:sp modelId="{42B8216D-0DFF-4247-9439-E07800C13E9B}">
-      <dsp:nvSpPr>
-        <dsp:cNvPr id="0" name=""/>
-        <dsp:cNvSpPr/>
-      </dsp:nvSpPr>
-      <dsp:spPr>
-        <a:xfrm>
-          <a:off x="2778065" y="199892"/>
-          <a:ext cx="810000" cy="810000"/>
-        </a:xfrm>
-        <a:prstGeom prst="rect">
-          <a:avLst/>
-        </a:prstGeom>
-        <a:blipFill>
-          <a:blip xmlns:r="http://schemas.openxmlformats.org/officeDocument/2006/relationships" r:embed="rId3">
-            <a:extLst>
-              <a:ext uri="{96DAC541-7B7A-43D3-8B79-37D633B846F1}">
-                <asvg:svgBlip xmlns:asvg="http://schemas.microsoft.com/office/drawing/2016/SVG/main" xmlns="" r:embed="rId4"/>
-              </a:ext>
-            </a:extLst>
-          </a:blip>
-          <a:srcRect/>
-          <a:stretch>
-            <a:fillRect/>
-          </a:stretch>
-        </a:blipFill>
-        <a:ln w="10795" cap="flat" cmpd="sng" algn="ctr">
-          <a:solidFill>
-            <a:schemeClr val="lt1">
-              <a:hueOff val="0"/>
-              <a:satOff val="0"/>
-              <a:lumOff val="0"/>
-              <a:alphaOff val="0"/>
-            </a:schemeClr>
-          </a:solidFill>
-          <a:prstDash val="solid"/>
-        </a:ln>
-        <a:effectLst/>
-      </dsp:spPr>
-      <dsp:style>
-        <a:lnRef idx="2">
-          <a:scrgbClr r="0" g="0" b="0"/>
-        </a:lnRef>
-        <a:fillRef idx="1">
-          <a:scrgbClr r="0" g="0" b="0"/>
-        </a:fillRef>
-        <a:effectRef idx="0">
-          <a:scrgbClr r="0" g="0" b="0"/>
-        </a:effectRef>
-        <a:fontRef idx="minor">
-          <a:schemeClr val="lt1"/>
-        </a:fontRef>
-      </dsp:style>
-    </dsp:sp>
-    <dsp:sp modelId="{6D8C13C9-D2B6-41FD-949D-ED6966756D3F}">
-      <dsp:nvSpPr>
-        <dsp:cNvPr id="0" name=""/>
-        <dsp:cNvSpPr/>
-      </dsp:nvSpPr>
-      <dsp:spPr>
-        <a:xfrm>
-          <a:off x="2283065" y="1280076"/>
-          <a:ext cx="1800000" cy="720000"/>
-        </a:xfrm>
-        <a:prstGeom prst="rect">
-          <a:avLst/>
-        </a:prstGeom>
-        <a:noFill/>
-        <a:ln>
-          <a:noFill/>
-        </a:ln>
-        <a:effectLst/>
-      </dsp:spPr>
-      <dsp:style>
-        <a:lnRef idx="0">
-          <a:scrgbClr r="0" g="0" b="0"/>
-        </a:lnRef>
-        <a:fillRef idx="0">
-          <a:scrgbClr r="0" g="0" b="0"/>
-        </a:fillRef>
-        <a:effectRef idx="0">
-          <a:scrgbClr r="0" g="0" b="0"/>
-        </a:effectRef>
-        <a:fontRef idx="minor"/>
-      </dsp:style>
-      <dsp:txBody>
-        <a:bodyPr spcFirstLastPara="0" vert="horz" wrap="square" lIns="0" tIns="0" rIns="0" bIns="0" numCol="1" spcCol="1270" anchor="t" anchorCtr="0">
-          <a:noAutofit/>
-        </a:bodyPr>
-        <a:lstStyle/>
-        <a:p>
-          <a:pPr lvl="0" algn="ctr" defTabSz="755650">
-            <a:lnSpc>
-              <a:spcPct val="100000"/>
-            </a:lnSpc>
-            <a:spcBef>
-              <a:spcPct val="0"/>
-            </a:spcBef>
-            <a:spcAft>
-              <a:spcPct val="35000"/>
-            </a:spcAft>
-          </a:pPr>
-          <a:r>
-            <a:rPr lang="en-US" sz="1700" kern="1200" dirty="0"/>
-            <a:t>431 Facilities</a:t>
-          </a:r>
-        </a:p>
-      </dsp:txBody>
-      <dsp:txXfrm>
-        <a:off x="2283065" y="1280076"/>
-        <a:ext cx="1800000" cy="720000"/>
-      </dsp:txXfrm>
-    </dsp:sp>
-    <dsp:sp modelId="{86CF668A-BE1C-4753-9587-6D3A7E72C782}">
-      <dsp:nvSpPr>
-        <dsp:cNvPr id="0" name=""/>
-        <dsp:cNvSpPr/>
-      </dsp:nvSpPr>
-      <dsp:spPr>
-        <a:xfrm>
-          <a:off x="4893066" y="199892"/>
-          <a:ext cx="810000" cy="810000"/>
-        </a:xfrm>
-        <a:prstGeom prst="rect">
-          <a:avLst/>
-        </a:prstGeom>
-        <a:blipFill>
-          <a:blip xmlns:r="http://schemas.openxmlformats.org/officeDocument/2006/relationships" r:embed="rId5">
-            <a:extLst>
-              <a:ext uri="{96DAC541-7B7A-43D3-8B79-37D633B846F1}">
-                <asvg:svgBlip xmlns:asvg="http://schemas.microsoft.com/office/drawing/2016/SVG/main" xmlns="" r:embed="rId6"/>
-              </a:ext>
-            </a:extLst>
-          </a:blip>
-          <a:srcRect/>
-          <a:stretch>
-            <a:fillRect/>
-          </a:stretch>
-        </a:blipFill>
-        <a:ln w="10795" cap="flat" cmpd="sng" algn="ctr">
-          <a:solidFill>
-            <a:schemeClr val="lt1">
-              <a:hueOff val="0"/>
-              <a:satOff val="0"/>
-              <a:lumOff val="0"/>
-              <a:alphaOff val="0"/>
-            </a:schemeClr>
-          </a:solidFill>
-          <a:prstDash val="solid"/>
-        </a:ln>
-        <a:effectLst/>
-      </dsp:spPr>
-      <dsp:style>
-        <a:lnRef idx="2">
-          <a:scrgbClr r="0" g="0" b="0"/>
-        </a:lnRef>
-        <a:fillRef idx="1">
-          <a:scrgbClr r="0" g="0" b="0"/>
-        </a:fillRef>
-        <a:effectRef idx="0">
-          <a:scrgbClr r="0" g="0" b="0"/>
-        </a:effectRef>
-        <a:fontRef idx="minor">
-          <a:schemeClr val="lt1"/>
-        </a:fontRef>
-      </dsp:style>
-    </dsp:sp>
-    <dsp:sp modelId="{39863B24-82F4-4CA6-9BDD-CD3F63E41161}">
-      <dsp:nvSpPr>
-        <dsp:cNvPr id="0" name=""/>
-        <dsp:cNvSpPr/>
-      </dsp:nvSpPr>
-      <dsp:spPr>
-        <a:xfrm>
-          <a:off x="4398066" y="1280076"/>
-          <a:ext cx="1800000" cy="720000"/>
-        </a:xfrm>
-        <a:prstGeom prst="rect">
-          <a:avLst/>
-        </a:prstGeom>
-        <a:noFill/>
-        <a:ln>
-          <a:noFill/>
-        </a:ln>
-        <a:effectLst/>
-      </dsp:spPr>
-      <dsp:style>
-        <a:lnRef idx="0">
-          <a:scrgbClr r="0" g="0" b="0"/>
-        </a:lnRef>
-        <a:fillRef idx="0">
-          <a:scrgbClr r="0" g="0" b="0"/>
-        </a:fillRef>
-        <a:effectRef idx="0">
-          <a:scrgbClr r="0" g="0" b="0"/>
-        </a:effectRef>
-        <a:fontRef idx="minor"/>
-      </dsp:style>
-      <dsp:txBody>
-        <a:bodyPr spcFirstLastPara="0" vert="horz" wrap="square" lIns="0" tIns="0" rIns="0" bIns="0" numCol="1" spcCol="1270" anchor="t" anchorCtr="0">
-          <a:noAutofit/>
-        </a:bodyPr>
-        <a:lstStyle/>
-        <a:p>
-          <a:pPr lvl="0" algn="ctr" defTabSz="755650">
-            <a:lnSpc>
-              <a:spcPct val="100000"/>
-            </a:lnSpc>
-            <a:spcBef>
-              <a:spcPct val="0"/>
-            </a:spcBef>
-            <a:spcAft>
-              <a:spcPct val="35000"/>
-            </a:spcAft>
-          </a:pPr>
-          <a:r>
-            <a:rPr lang="en-US" sz="1700" kern="1200"/>
             <a:t>$16.5B in Combined Net Revenue</a:t>
           </a:r>
         </a:p>
@@ -4953,7 +3519,7 @@
   </dgm:layoutNode>
   <dgm:extLst>
     <a:ext uri="{68A01E43-0DF5-4B5B-8FA6-DAF915123BFB}">
-      <dgm1612:lstStyle xmlns:dgm1612="http://schemas.microsoft.com/office/drawing/2016/12/diagram" xmlns="">
+      <dgm1612:lstStyle xmlns="" xmlns:dgm1612="http://schemas.microsoft.com/office/drawing/2016/12/diagram">
         <a:lvl1pPr>
           <a:lnSpc>
             <a:spcPct val="100000"/>
@@ -5148,197 +3714,7 @@
   </dgm:layoutNode>
   <dgm:extLst>
     <a:ext uri="{68A01E43-0DF5-4B5B-8FA6-DAF915123BFB}">
-      <dgm1612:lstStyle xmlns:dgm1612="http://schemas.microsoft.com/office/drawing/2016/12/diagram" xmlns="">
-        <a:lvl1pPr>
-          <a:lnSpc>
-            <a:spcPct val="100000"/>
-          </a:lnSpc>
-        </a:lvl1pPr>
-      </dgm1612:lstStyle>
-    </a:ext>
-  </dgm:extLst>
-</dgm:layoutDef>
-</file>
-
-<file path=ppt/diagrams/layout3.xml><?xml version="1.0" encoding="utf-8"?>
-<dgm:layoutDef xmlns:dgm="http://schemas.openxmlformats.org/drawingml/2006/diagram" xmlns:a="http://schemas.openxmlformats.org/drawingml/2006/main" uniqueId="urn:microsoft.com/office/officeart/2018/2/layout/IconLabelList">
-  <dgm:title val="Icon Label List"/>
-  <dgm:desc val="Use to show non-sequential or grouped chunks of information accompanied by a related visuals. Works best with icons or small pictures with short text captions."/>
-  <dgm:catLst>
-    <dgm:cat type="icon" pri="500"/>
-  </dgm:catLst>
-  <dgm:sampData useDef="1">
-    <dgm:dataModel>
-      <dgm:ptLst/>
-      <dgm:bg/>
-      <dgm:whole/>
-    </dgm:dataModel>
-  </dgm:sampData>
-  <dgm:styleData useDef="1">
-    <dgm:dataModel>
-      <dgm:ptLst/>
-      <dgm:bg/>
-      <dgm:whole/>
-    </dgm:dataModel>
-  </dgm:styleData>
-  <dgm:clrData useDef="1">
-    <dgm:dataModel>
-      <dgm:ptLst/>
-      <dgm:bg/>
-      <dgm:whole/>
-    </dgm:dataModel>
-  </dgm:clrData>
-  <dgm:layoutNode name="root">
-    <dgm:varLst>
-      <dgm:dir/>
-      <dgm:resizeHandles val="exact"/>
-    </dgm:varLst>
-    <dgm:choose name="Name0">
-      <dgm:if name="Name1" axis="self" func="var" arg="dir" op="equ" val="norm">
-        <dgm:alg type="snake">
-          <dgm:param type="grDir" val="tL"/>
-          <dgm:param type="flowDir" val="row"/>
-          <dgm:param type="contDir" val="sameDir"/>
-          <dgm:param type="off" val="ctr"/>
-          <dgm:param type="vertAlign" val="mid"/>
-          <dgm:param type="horzAlign" val="ctr"/>
-        </dgm:alg>
-      </dgm:if>
-      <dgm:else name="Name2">
-        <dgm:alg type="snake">
-          <dgm:param type="grDir" val="tR"/>
-          <dgm:param type="flowDir" val="row"/>
-          <dgm:param type="contDir" val="sameDir"/>
-          <dgm:param type="off" val="ctr"/>
-          <dgm:param type="vertAlign" val="mid"/>
-          <dgm:param type="horzAlign" val="ctr"/>
-        </dgm:alg>
-      </dgm:else>
-    </dgm:choose>
-    <dgm:shape xmlns:r="http://schemas.openxmlformats.org/officeDocument/2006/relationships" r:blip="">
-      <dgm:adjLst/>
-    </dgm:shape>
-    <dgm:presOf/>
-    <dgm:choose name="Name3">
-      <dgm:if name="Name4" axis="ch" ptType="node" func="cnt" op="lte" val="2">
-        <dgm:constrLst>
-          <dgm:constr type="h" for="ch" forName="compNode" refType="h" fact="0.4"/>
-          <dgm:constr type="w" for="ch" forName="compNode" val="120"/>
-          <dgm:constr type="w" for="ch" forName="sibTrans" refType="w" refFor="ch" refForName="compNode" fact="0.175"/>
-          <dgm:constr type="sp" refType="w" refFor="ch" refForName="compNode" op="equ" fact="0.25"/>
-          <dgm:constr type="primFontSz" for="des" ptType="node" op="equ" val="50"/>
-          <dgm:constr type="h" for="des" forName="compNode" op="equ"/>
-          <dgm:constr type="h" for="des" forName="textRect" op="equ"/>
-        </dgm:constrLst>
-      </dgm:if>
-      <dgm:if name="Name5" axis="ch" ptType="node" func="cnt" op="lte" val="4">
-        <dgm:constrLst>
-          <dgm:constr type="h" for="ch" forName="compNode" refType="h" fact="0.4"/>
-          <dgm:constr type="w" for="ch" forName="compNode" refType="w"/>
-          <dgm:constr type="w" for="ch" forName="sibTrans" refType="w" refFor="ch" refForName="compNode" fact="0.175"/>
-          <dgm:constr type="sp" refType="w" refFor="ch" refForName="compNode" op="equ" fact="0.25"/>
-          <dgm:constr type="primFontSz" for="des" ptType="node" op="equ" val="36"/>
-          <dgm:constr type="h" for="des" forName="compNode" op="equ"/>
-          <dgm:constr type="h" for="des" forName="textRect" op="equ"/>
-        </dgm:constrLst>
-      </dgm:if>
-      <dgm:else name="Name6">
-        <dgm:constrLst>
-          <dgm:constr type="h" for="ch" forName="compNode" refType="h" fact="0.4"/>
-          <dgm:constr type="w" for="ch" forName="compNode" refType="w"/>
-          <dgm:constr type="w" for="ch" forName="sibTrans" refType="w" refFor="ch" refForName="compNode" fact="0.175"/>
-          <dgm:constr type="sp" refType="w" refFor="ch" refForName="compNode" op="equ" fact="0.25"/>
-          <dgm:constr type="primFontSz" for="des" ptType="node" op="equ" val="24"/>
-          <dgm:constr type="h" for="des" forName="compNode" op="equ"/>
-          <dgm:constr type="h" for="des" forName="textRect" op="equ"/>
-        </dgm:constrLst>
-      </dgm:else>
-    </dgm:choose>
-    <dgm:ruleLst>
-      <dgm:rule type="w" for="ch" forName="compNode" val="50" fact="NaN" max="NaN"/>
-    </dgm:ruleLst>
-    <dgm:forEach name="Name7" axis="ch" ptType="node">
-      <dgm:layoutNode name="compNode">
-        <dgm:alg type="composite"/>
-        <dgm:shape xmlns:r="http://schemas.openxmlformats.org/officeDocument/2006/relationships" r:blip="">
-          <dgm:adjLst/>
-        </dgm:shape>
-        <dgm:presOf axis="self"/>
-        <dgm:constrLst>
-          <dgm:constr type="w" for="ch" forName="iconRect" refType="w" fact="0.45"/>
-          <dgm:constr type="h" for="ch" forName="iconRect" refType="w" refFor="ch" refForName="iconRect"/>
-          <dgm:constr type="ctrX" for="ch" forName="iconRect" refType="w" fact="0.5"/>
-          <dgm:constr type="t" for="ch" forName="iconRect"/>
-          <dgm:constr type="h" for="ch" forName="spaceRect" refType="h" fact="0.15"/>
-          <dgm:constr type="w" for="ch" forName="spaceRect" refType="w"/>
-          <dgm:constr type="l" for="ch" forName="spaceRect"/>
-          <dgm:constr type="t" for="ch" forName="spaceRect" refType="b" refFor="ch" refForName="iconRect"/>
-          <dgm:constr type="h" for="ch" forName="textRect" val="20"/>
-          <dgm:constr type="w" for="ch" forName="textRect" refType="w"/>
-          <dgm:constr type="l" for="ch" forName="textRect"/>
-          <dgm:constr type="t" for="ch" forName="textRect" refType="b" refFor="ch" refForName="spaceRect"/>
-        </dgm:constrLst>
-        <dgm:ruleLst>
-          <dgm:rule type="h" val="INF" fact="NaN" max="NaN"/>
-        </dgm:ruleLst>
-        <dgm:layoutNode name="iconRect" styleLbl="node1">
-          <dgm:alg type="sp"/>
-          <dgm:shape xmlns:r="http://schemas.openxmlformats.org/officeDocument/2006/relationships" type="rect" r:blip="" blipPhldr="1">
-            <dgm:adjLst/>
-          </dgm:shape>
-          <dgm:presOf/>
-          <dgm:constrLst/>
-          <dgm:ruleLst/>
-        </dgm:layoutNode>
-        <dgm:layoutNode name="spaceRect">
-          <dgm:alg type="sp"/>
-          <dgm:shape xmlns:r="http://schemas.openxmlformats.org/officeDocument/2006/relationships" r:blip="">
-            <dgm:adjLst/>
-          </dgm:shape>
-          <dgm:presOf/>
-          <dgm:constrLst/>
-          <dgm:ruleLst/>
-        </dgm:layoutNode>
-        <dgm:layoutNode name="textRect" styleLbl="revTx">
-          <dgm:varLst>
-            <dgm:chMax val="1"/>
-            <dgm:chPref val="1"/>
-          </dgm:varLst>
-          <dgm:alg type="tx">
-            <dgm:param type="txAnchorVert" val="t"/>
-          </dgm:alg>
-          <dgm:shape xmlns:r="http://schemas.openxmlformats.org/officeDocument/2006/relationships" type="rect" r:blip="">
-            <dgm:adjLst/>
-          </dgm:shape>
-          <dgm:presOf axis="self" ptType="node"/>
-          <dgm:constrLst>
-            <dgm:constr type="lMarg"/>
-            <dgm:constr type="rMarg"/>
-            <dgm:constr type="tMarg"/>
-            <dgm:constr type="bMarg"/>
-          </dgm:constrLst>
-          <dgm:ruleLst>
-            <dgm:rule type="primFontSz" val="11" fact="NaN" max="NaN"/>
-            <dgm:rule type="h" val="INF" fact="NaN" max="NaN"/>
-          </dgm:ruleLst>
-        </dgm:layoutNode>
-      </dgm:layoutNode>
-      <dgm:forEach name="Name8" axis="followSib" ptType="sibTrans" cnt="1">
-        <dgm:layoutNode name="sibTrans">
-          <dgm:alg type="sp"/>
-          <dgm:shape xmlns:r="http://schemas.openxmlformats.org/officeDocument/2006/relationships" r:blip="">
-            <dgm:adjLst/>
-          </dgm:shape>
-          <dgm:presOf axis="self"/>
-          <dgm:constrLst/>
-          <dgm:ruleLst/>
-        </dgm:layoutNode>
-      </dgm:forEach>
-    </dgm:forEach>
-  </dgm:layoutNode>
-  <dgm:extLst>
-    <a:ext uri="{68A01E43-0DF5-4B5B-8FA6-DAF915123BFB}">
-      <dgm1612:lstStyle xmlns:dgm1612="http://schemas.microsoft.com/office/drawing/2016/12/diagram" xmlns="">
+      <dgm1612:lstStyle xmlns="" xmlns:dgm1612="http://schemas.microsoft.com/office/drawing/2016/12/diagram">
         <a:lvl1pPr>
           <a:lnSpc>
             <a:spcPct val="100000"/>
@@ -6385,1040 +4761,6 @@
 </file>
 
 <file path=ppt/diagrams/quickStyle2.xml><?xml version="1.0" encoding="utf-8"?>
-<dgm:styleDef xmlns:dgm="http://schemas.openxmlformats.org/drawingml/2006/diagram" xmlns:a="http://schemas.openxmlformats.org/drawingml/2006/main" uniqueId="urn:microsoft.com/office/officeart/2005/8/quickstyle/simple1">
-  <dgm:title val=""/>
-  <dgm:desc val=""/>
-  <dgm:catLst>
-    <dgm:cat type="simple" pri="10100"/>
-  </dgm:catLst>
-  <dgm:scene3d>
-    <a:camera prst="orthographicFront"/>
-    <a:lightRig rig="threePt" dir="t"/>
-  </dgm:scene3d>
-  <dgm:styleLbl name="node0">
-    <dgm:scene3d>
-      <a:camera prst="orthographicFront"/>
-      <a:lightRig rig="threePt" dir="t"/>
-    </dgm:scene3d>
-    <dgm:sp3d/>
-    <dgm:txPr/>
-    <dgm:style>
-      <a:lnRef idx="2">
-        <a:scrgbClr r="0" g="0" b="0"/>
-      </a:lnRef>
-      <a:fillRef idx="1">
-        <a:scrgbClr r="0" g="0" b="0"/>
-      </a:fillRef>
-      <a:effectRef idx="0">
-        <a:scrgbClr r="0" g="0" b="0"/>
-      </a:effectRef>
-      <a:fontRef idx="minor">
-        <a:schemeClr val="lt1"/>
-      </a:fontRef>
-    </dgm:style>
-  </dgm:styleLbl>
-  <dgm:styleLbl name="lnNode1">
-    <dgm:scene3d>
-      <a:camera prst="orthographicFront"/>
-      <a:lightRig rig="threePt" dir="t"/>
-    </dgm:scene3d>
-    <dgm:sp3d/>
-    <dgm:txPr/>
-    <dgm:style>
-      <a:lnRef idx="2">
-        <a:scrgbClr r="0" g="0" b="0"/>
-      </a:lnRef>
-      <a:fillRef idx="1">
-        <a:scrgbClr r="0" g="0" b="0"/>
-      </a:fillRef>
-      <a:effectRef idx="0">
-        <a:scrgbClr r="0" g="0" b="0"/>
-      </a:effectRef>
-      <a:fontRef idx="minor">
-        <a:schemeClr val="lt1"/>
-      </a:fontRef>
-    </dgm:style>
-  </dgm:styleLbl>
-  <dgm:styleLbl name="vennNode1">
-    <dgm:scene3d>
-      <a:camera prst="orthographicFront"/>
-      <a:lightRig rig="threePt" dir="t"/>
-    </dgm:scene3d>
-    <dgm:sp3d/>
-    <dgm:txPr/>
-    <dgm:style>
-      <a:lnRef idx="2">
-        <a:scrgbClr r="0" g="0" b="0"/>
-      </a:lnRef>
-      <a:fillRef idx="1">
-        <a:scrgbClr r="0" g="0" b="0"/>
-      </a:fillRef>
-      <a:effectRef idx="0">
-        <a:scrgbClr r="0" g="0" b="0"/>
-      </a:effectRef>
-      <a:fontRef idx="minor">
-        <a:schemeClr val="tx1"/>
-      </a:fontRef>
-    </dgm:style>
-  </dgm:styleLbl>
-  <dgm:styleLbl name="alignNode1">
-    <dgm:scene3d>
-      <a:camera prst="orthographicFront"/>
-      <a:lightRig rig="threePt" dir="t"/>
-    </dgm:scene3d>
-    <dgm:sp3d/>
-    <dgm:txPr/>
-    <dgm:style>
-      <a:lnRef idx="2">
-        <a:scrgbClr r="0" g="0" b="0"/>
-      </a:lnRef>
-      <a:fillRef idx="1">
-        <a:scrgbClr r="0" g="0" b="0"/>
-      </a:fillRef>
-      <a:effectRef idx="0">
-        <a:scrgbClr r="0" g="0" b="0"/>
-      </a:effectRef>
-      <a:fontRef idx="minor">
-        <a:schemeClr val="lt1"/>
-      </a:fontRef>
-    </dgm:style>
-  </dgm:styleLbl>
-  <dgm:styleLbl name="node1">
-    <dgm:scene3d>
-      <a:camera prst="orthographicFront"/>
-      <a:lightRig rig="threePt" dir="t"/>
-    </dgm:scene3d>
-    <dgm:sp3d/>
-    <dgm:txPr/>
-    <dgm:style>
-      <a:lnRef idx="2">
-        <a:scrgbClr r="0" g="0" b="0"/>
-      </a:lnRef>
-      <a:fillRef idx="1">
-        <a:scrgbClr r="0" g="0" b="0"/>
-      </a:fillRef>
-      <a:effectRef idx="0">
-        <a:scrgbClr r="0" g="0" b="0"/>
-      </a:effectRef>
-      <a:fontRef idx="minor">
-        <a:schemeClr val="lt1"/>
-      </a:fontRef>
-    </dgm:style>
-  </dgm:styleLbl>
-  <dgm:styleLbl name="node2">
-    <dgm:scene3d>
-      <a:camera prst="orthographicFront"/>
-      <a:lightRig rig="threePt" dir="t"/>
-    </dgm:scene3d>
-    <dgm:sp3d/>
-    <dgm:txPr/>
-    <dgm:style>
-      <a:lnRef idx="2">
-        <a:scrgbClr r="0" g="0" b="0"/>
-      </a:lnRef>
-      <a:fillRef idx="1">
-        <a:scrgbClr r="0" g="0" b="0"/>
-      </a:fillRef>
-      <a:effectRef idx="0">
-        <a:scrgbClr r="0" g="0" b="0"/>
-      </a:effectRef>
-      <a:fontRef idx="minor">
-        <a:schemeClr val="lt1"/>
-      </a:fontRef>
-    </dgm:style>
-  </dgm:styleLbl>
-  <dgm:styleLbl name="node3">
-    <dgm:scene3d>
-      <a:camera prst="orthographicFront"/>
-      <a:lightRig rig="threePt" dir="t"/>
-    </dgm:scene3d>
-    <dgm:sp3d/>
-    <dgm:txPr/>
-    <dgm:style>
-      <a:lnRef idx="2">
-        <a:scrgbClr r="0" g="0" b="0"/>
-      </a:lnRef>
-      <a:fillRef idx="1">
-        <a:scrgbClr r="0" g="0" b="0"/>
-      </a:fillRef>
-      <a:effectRef idx="0">
-        <a:scrgbClr r="0" g="0" b="0"/>
-      </a:effectRef>
-      <a:fontRef idx="minor">
-        <a:schemeClr val="lt1"/>
-      </a:fontRef>
-    </dgm:style>
-  </dgm:styleLbl>
-  <dgm:styleLbl name="node4">
-    <dgm:scene3d>
-      <a:camera prst="orthographicFront"/>
-      <a:lightRig rig="threePt" dir="t"/>
-    </dgm:scene3d>
-    <dgm:sp3d/>
-    <dgm:txPr/>
-    <dgm:style>
-      <a:lnRef idx="2">
-        <a:scrgbClr r="0" g="0" b="0"/>
-      </a:lnRef>
-      <a:fillRef idx="1">
-        <a:scrgbClr r="0" g="0" b="0"/>
-      </a:fillRef>
-      <a:effectRef idx="0">
-        <a:scrgbClr r="0" g="0" b="0"/>
-      </a:effectRef>
-      <a:fontRef idx="minor">
-        <a:schemeClr val="lt1"/>
-      </a:fontRef>
-    </dgm:style>
-  </dgm:styleLbl>
-  <dgm:styleLbl name="fgImgPlace1">
-    <dgm:scene3d>
-      <a:camera prst="orthographicFront"/>
-      <a:lightRig rig="threePt" dir="t"/>
-    </dgm:scene3d>
-    <dgm:sp3d/>
-    <dgm:txPr/>
-    <dgm:style>
-      <a:lnRef idx="2">
-        <a:scrgbClr r="0" g="0" b="0"/>
-      </a:lnRef>
-      <a:fillRef idx="1">
-        <a:scrgbClr r="0" g="0" b="0"/>
-      </a:fillRef>
-      <a:effectRef idx="0">
-        <a:scrgbClr r="0" g="0" b="0"/>
-      </a:effectRef>
-      <a:fontRef idx="minor"/>
-    </dgm:style>
-  </dgm:styleLbl>
-  <dgm:styleLbl name="alignImgPlace1">
-    <dgm:scene3d>
-      <a:camera prst="orthographicFront"/>
-      <a:lightRig rig="threePt" dir="t"/>
-    </dgm:scene3d>
-    <dgm:sp3d/>
-    <dgm:txPr/>
-    <dgm:style>
-      <a:lnRef idx="2">
-        <a:scrgbClr r="0" g="0" b="0"/>
-      </a:lnRef>
-      <a:fillRef idx="1">
-        <a:scrgbClr r="0" g="0" b="0"/>
-      </a:fillRef>
-      <a:effectRef idx="0">
-        <a:scrgbClr r="0" g="0" b="0"/>
-      </a:effectRef>
-      <a:fontRef idx="minor"/>
-    </dgm:style>
-  </dgm:styleLbl>
-  <dgm:styleLbl name="bgImgPlace1">
-    <dgm:scene3d>
-      <a:camera prst="orthographicFront"/>
-      <a:lightRig rig="threePt" dir="t"/>
-    </dgm:scene3d>
-    <dgm:sp3d/>
-    <dgm:txPr/>
-    <dgm:style>
-      <a:lnRef idx="2">
-        <a:scrgbClr r="0" g="0" b="0"/>
-      </a:lnRef>
-      <a:fillRef idx="1">
-        <a:scrgbClr r="0" g="0" b="0"/>
-      </a:fillRef>
-      <a:effectRef idx="0">
-        <a:scrgbClr r="0" g="0" b="0"/>
-      </a:effectRef>
-      <a:fontRef idx="minor"/>
-    </dgm:style>
-  </dgm:styleLbl>
-  <dgm:styleLbl name="sibTrans2D1">
-    <dgm:scene3d>
-      <a:camera prst="orthographicFront"/>
-      <a:lightRig rig="threePt" dir="t"/>
-    </dgm:scene3d>
-    <dgm:sp3d/>
-    <dgm:txPr/>
-    <dgm:style>
-      <a:lnRef idx="0">
-        <a:scrgbClr r="0" g="0" b="0"/>
-      </a:lnRef>
-      <a:fillRef idx="1">
-        <a:scrgbClr r="0" g="0" b="0"/>
-      </a:fillRef>
-      <a:effectRef idx="0">
-        <a:scrgbClr r="0" g="0" b="0"/>
-      </a:effectRef>
-      <a:fontRef idx="minor">
-        <a:schemeClr val="lt1"/>
-      </a:fontRef>
-    </dgm:style>
-  </dgm:styleLbl>
-  <dgm:styleLbl name="fgSibTrans2D1">
-    <dgm:scene3d>
-      <a:camera prst="orthographicFront"/>
-      <a:lightRig rig="threePt" dir="t"/>
-    </dgm:scene3d>
-    <dgm:sp3d/>
-    <dgm:txPr/>
-    <dgm:style>
-      <a:lnRef idx="0">
-        <a:scrgbClr r="0" g="0" b="0"/>
-      </a:lnRef>
-      <a:fillRef idx="1">
-        <a:scrgbClr r="0" g="0" b="0"/>
-      </a:fillRef>
-      <a:effectRef idx="0">
-        <a:scrgbClr r="0" g="0" b="0"/>
-      </a:effectRef>
-      <a:fontRef idx="minor">
-        <a:schemeClr val="lt1"/>
-      </a:fontRef>
-    </dgm:style>
-  </dgm:styleLbl>
-  <dgm:styleLbl name="bgSibTrans2D1">
-    <dgm:scene3d>
-      <a:camera prst="orthographicFront"/>
-      <a:lightRig rig="threePt" dir="t"/>
-    </dgm:scene3d>
-    <dgm:sp3d/>
-    <dgm:txPr/>
-    <dgm:style>
-      <a:lnRef idx="0">
-        <a:scrgbClr r="0" g="0" b="0"/>
-      </a:lnRef>
-      <a:fillRef idx="1">
-        <a:scrgbClr r="0" g="0" b="0"/>
-      </a:fillRef>
-      <a:effectRef idx="0">
-        <a:scrgbClr r="0" g="0" b="0"/>
-      </a:effectRef>
-      <a:fontRef idx="minor">
-        <a:schemeClr val="lt1"/>
-      </a:fontRef>
-    </dgm:style>
-  </dgm:styleLbl>
-  <dgm:styleLbl name="sibTrans1D1">
-    <dgm:scene3d>
-      <a:camera prst="orthographicFront"/>
-      <a:lightRig rig="threePt" dir="t"/>
-    </dgm:scene3d>
-    <dgm:sp3d/>
-    <dgm:txPr/>
-    <dgm:style>
-      <a:lnRef idx="1">
-        <a:scrgbClr r="0" g="0" b="0"/>
-      </a:lnRef>
-      <a:fillRef idx="0">
-        <a:scrgbClr r="0" g="0" b="0"/>
-      </a:fillRef>
-      <a:effectRef idx="0">
-        <a:scrgbClr r="0" g="0" b="0"/>
-      </a:effectRef>
-      <a:fontRef idx="minor"/>
-    </dgm:style>
-  </dgm:styleLbl>
-  <dgm:styleLbl name="callout">
-    <dgm:scene3d>
-      <a:camera prst="orthographicFront"/>
-      <a:lightRig rig="threePt" dir="t"/>
-    </dgm:scene3d>
-    <dgm:sp3d/>
-    <dgm:txPr/>
-    <dgm:style>
-      <a:lnRef idx="2">
-        <a:scrgbClr r="0" g="0" b="0"/>
-      </a:lnRef>
-      <a:fillRef idx="1">
-        <a:scrgbClr r="0" g="0" b="0"/>
-      </a:fillRef>
-      <a:effectRef idx="0">
-        <a:scrgbClr r="0" g="0" b="0"/>
-      </a:effectRef>
-      <a:fontRef idx="minor"/>
-    </dgm:style>
-  </dgm:styleLbl>
-  <dgm:styleLbl name="asst0">
-    <dgm:scene3d>
-      <a:camera prst="orthographicFront"/>
-      <a:lightRig rig="threePt" dir="t"/>
-    </dgm:scene3d>
-    <dgm:sp3d/>
-    <dgm:txPr/>
-    <dgm:style>
-      <a:lnRef idx="2">
-        <a:scrgbClr r="0" g="0" b="0"/>
-      </a:lnRef>
-      <a:fillRef idx="1">
-        <a:scrgbClr r="0" g="0" b="0"/>
-      </a:fillRef>
-      <a:effectRef idx="0">
-        <a:scrgbClr r="0" g="0" b="0"/>
-      </a:effectRef>
-      <a:fontRef idx="minor">
-        <a:schemeClr val="lt1"/>
-      </a:fontRef>
-    </dgm:style>
-  </dgm:styleLbl>
-  <dgm:styleLbl name="asst1">
-    <dgm:scene3d>
-      <a:camera prst="orthographicFront"/>
-      <a:lightRig rig="threePt" dir="t"/>
-    </dgm:scene3d>
-    <dgm:sp3d/>
-    <dgm:txPr/>
-    <dgm:style>
-      <a:lnRef idx="2">
-        <a:scrgbClr r="0" g="0" b="0"/>
-      </a:lnRef>
-      <a:fillRef idx="1">
-        <a:scrgbClr r="0" g="0" b="0"/>
-      </a:fillRef>
-      <a:effectRef idx="0">
-        <a:scrgbClr r="0" g="0" b="0"/>
-      </a:effectRef>
-      <a:fontRef idx="minor">
-        <a:schemeClr val="lt1"/>
-      </a:fontRef>
-    </dgm:style>
-  </dgm:styleLbl>
-  <dgm:styleLbl name="asst2">
-    <dgm:scene3d>
-      <a:camera prst="orthographicFront"/>
-      <a:lightRig rig="threePt" dir="t"/>
-    </dgm:scene3d>
-    <dgm:sp3d/>
-    <dgm:txPr/>
-    <dgm:style>
-      <a:lnRef idx="2">
-        <a:scrgbClr r="0" g="0" b="0"/>
-      </a:lnRef>
-      <a:fillRef idx="1">
-        <a:scrgbClr r="0" g="0" b="0"/>
-      </a:fillRef>
-      <a:effectRef idx="0">
-        <a:scrgbClr r="0" g="0" b="0"/>
-      </a:effectRef>
-      <a:fontRef idx="minor">
-        <a:schemeClr val="lt1"/>
-      </a:fontRef>
-    </dgm:style>
-  </dgm:styleLbl>
-  <dgm:styleLbl name="asst3">
-    <dgm:scene3d>
-      <a:camera prst="orthographicFront"/>
-      <a:lightRig rig="threePt" dir="t"/>
-    </dgm:scene3d>
-    <dgm:sp3d/>
-    <dgm:txPr/>
-    <dgm:style>
-      <a:lnRef idx="2">
-        <a:scrgbClr r="0" g="0" b="0"/>
-      </a:lnRef>
-      <a:fillRef idx="1">
-        <a:scrgbClr r="0" g="0" b="0"/>
-      </a:fillRef>
-      <a:effectRef idx="0">
-        <a:scrgbClr r="0" g="0" b="0"/>
-      </a:effectRef>
-      <a:fontRef idx="minor">
-        <a:schemeClr val="lt1"/>
-      </a:fontRef>
-    </dgm:style>
-  </dgm:styleLbl>
-  <dgm:styleLbl name="asst4">
-    <dgm:scene3d>
-      <a:camera prst="orthographicFront"/>
-      <a:lightRig rig="threePt" dir="t"/>
-    </dgm:scene3d>
-    <dgm:sp3d/>
-    <dgm:txPr/>
-    <dgm:style>
-      <a:lnRef idx="2">
-        <a:scrgbClr r="0" g="0" b="0"/>
-      </a:lnRef>
-      <a:fillRef idx="1">
-        <a:scrgbClr r="0" g="0" b="0"/>
-      </a:fillRef>
-      <a:effectRef idx="0">
-        <a:scrgbClr r="0" g="0" b="0"/>
-      </a:effectRef>
-      <a:fontRef idx="minor">
-        <a:schemeClr val="lt1"/>
-      </a:fontRef>
-    </dgm:style>
-  </dgm:styleLbl>
-  <dgm:styleLbl name="parChTrans2D1">
-    <dgm:scene3d>
-      <a:camera prst="orthographicFront"/>
-      <a:lightRig rig="threePt" dir="t"/>
-    </dgm:scene3d>
-    <dgm:sp3d/>
-    <dgm:txPr/>
-    <dgm:style>
-      <a:lnRef idx="2">
-        <a:scrgbClr r="0" g="0" b="0"/>
-      </a:lnRef>
-      <a:fillRef idx="1">
-        <a:scrgbClr r="0" g="0" b="0"/>
-      </a:fillRef>
-      <a:effectRef idx="0">
-        <a:scrgbClr r="0" g="0" b="0"/>
-      </a:effectRef>
-      <a:fontRef idx="minor">
-        <a:schemeClr val="lt1"/>
-      </a:fontRef>
-    </dgm:style>
-  </dgm:styleLbl>
-  <dgm:styleLbl name="parChTrans2D2">
-    <dgm:scene3d>
-      <a:camera prst="orthographicFront"/>
-      <a:lightRig rig="threePt" dir="t"/>
-    </dgm:scene3d>
-    <dgm:sp3d/>
-    <dgm:txPr/>
-    <dgm:style>
-      <a:lnRef idx="2">
-        <a:scrgbClr r="0" g="0" b="0"/>
-      </a:lnRef>
-      <a:fillRef idx="1">
-        <a:scrgbClr r="0" g="0" b="0"/>
-      </a:fillRef>
-      <a:effectRef idx="0">
-        <a:scrgbClr r="0" g="0" b="0"/>
-      </a:effectRef>
-      <a:fontRef idx="minor">
-        <a:schemeClr val="lt1"/>
-      </a:fontRef>
-    </dgm:style>
-  </dgm:styleLbl>
-  <dgm:styleLbl name="parChTrans2D3">
-    <dgm:scene3d>
-      <a:camera prst="orthographicFront"/>
-      <a:lightRig rig="threePt" dir="t"/>
-    </dgm:scene3d>
-    <dgm:sp3d/>
-    <dgm:txPr/>
-    <dgm:style>
-      <a:lnRef idx="2">
-        <a:scrgbClr r="0" g="0" b="0"/>
-      </a:lnRef>
-      <a:fillRef idx="1">
-        <a:scrgbClr r="0" g="0" b="0"/>
-      </a:fillRef>
-      <a:effectRef idx="0">
-        <a:scrgbClr r="0" g="0" b="0"/>
-      </a:effectRef>
-      <a:fontRef idx="minor">
-        <a:schemeClr val="lt1"/>
-      </a:fontRef>
-    </dgm:style>
-  </dgm:styleLbl>
-  <dgm:styleLbl name="parChTrans2D4">
-    <dgm:scene3d>
-      <a:camera prst="orthographicFront"/>
-      <a:lightRig rig="threePt" dir="t"/>
-    </dgm:scene3d>
-    <dgm:sp3d/>
-    <dgm:txPr/>
-    <dgm:style>
-      <a:lnRef idx="2">
-        <a:scrgbClr r="0" g="0" b="0"/>
-      </a:lnRef>
-      <a:fillRef idx="1">
-        <a:scrgbClr r="0" g="0" b="0"/>
-      </a:fillRef>
-      <a:effectRef idx="0">
-        <a:scrgbClr r="0" g="0" b="0"/>
-      </a:effectRef>
-      <a:fontRef idx="minor">
-        <a:schemeClr val="lt1"/>
-      </a:fontRef>
-    </dgm:style>
-  </dgm:styleLbl>
-  <dgm:styleLbl name="parChTrans1D1">
-    <dgm:scene3d>
-      <a:camera prst="orthographicFront"/>
-      <a:lightRig rig="threePt" dir="t"/>
-    </dgm:scene3d>
-    <dgm:sp3d/>
-    <dgm:txPr/>
-    <dgm:style>
-      <a:lnRef idx="2">
-        <a:scrgbClr r="0" g="0" b="0"/>
-      </a:lnRef>
-      <a:fillRef idx="0">
-        <a:scrgbClr r="0" g="0" b="0"/>
-      </a:fillRef>
-      <a:effectRef idx="0">
-        <a:scrgbClr r="0" g="0" b="0"/>
-      </a:effectRef>
-      <a:fontRef idx="minor"/>
-    </dgm:style>
-  </dgm:styleLbl>
-  <dgm:styleLbl name="parChTrans1D2">
-    <dgm:scene3d>
-      <a:camera prst="orthographicFront"/>
-      <a:lightRig rig="threePt" dir="t"/>
-    </dgm:scene3d>
-    <dgm:sp3d/>
-    <dgm:txPr/>
-    <dgm:style>
-      <a:lnRef idx="2">
-        <a:scrgbClr r="0" g="0" b="0"/>
-      </a:lnRef>
-      <a:fillRef idx="0">
-        <a:scrgbClr r="0" g="0" b="0"/>
-      </a:fillRef>
-      <a:effectRef idx="0">
-        <a:scrgbClr r="0" g="0" b="0"/>
-      </a:effectRef>
-      <a:fontRef idx="minor"/>
-    </dgm:style>
-  </dgm:styleLbl>
-  <dgm:styleLbl name="parChTrans1D3">
-    <dgm:scene3d>
-      <a:camera prst="orthographicFront"/>
-      <a:lightRig rig="threePt" dir="t"/>
-    </dgm:scene3d>
-    <dgm:sp3d/>
-    <dgm:txPr/>
-    <dgm:style>
-      <a:lnRef idx="2">
-        <a:scrgbClr r="0" g="0" b="0"/>
-      </a:lnRef>
-      <a:fillRef idx="0">
-        <a:scrgbClr r="0" g="0" b="0"/>
-      </a:fillRef>
-      <a:effectRef idx="0">
-        <a:scrgbClr r="0" g="0" b="0"/>
-      </a:effectRef>
-      <a:fontRef idx="minor"/>
-    </dgm:style>
-  </dgm:styleLbl>
-  <dgm:styleLbl name="parChTrans1D4">
-    <dgm:scene3d>
-      <a:camera prst="orthographicFront"/>
-      <a:lightRig rig="threePt" dir="t"/>
-    </dgm:scene3d>
-    <dgm:sp3d/>
-    <dgm:txPr/>
-    <dgm:style>
-      <a:lnRef idx="2">
-        <a:scrgbClr r="0" g="0" b="0"/>
-      </a:lnRef>
-      <a:fillRef idx="0">
-        <a:scrgbClr r="0" g="0" b="0"/>
-      </a:fillRef>
-      <a:effectRef idx="0">
-        <a:scrgbClr r="0" g="0" b="0"/>
-      </a:effectRef>
-      <a:fontRef idx="minor"/>
-    </dgm:style>
-  </dgm:styleLbl>
-  <dgm:styleLbl name="fgAcc1">
-    <dgm:scene3d>
-      <a:camera prst="orthographicFront"/>
-      <a:lightRig rig="threePt" dir="t"/>
-    </dgm:scene3d>
-    <dgm:sp3d/>
-    <dgm:txPr/>
-    <dgm:style>
-      <a:lnRef idx="2">
-        <a:scrgbClr r="0" g="0" b="0"/>
-      </a:lnRef>
-      <a:fillRef idx="1">
-        <a:scrgbClr r="0" g="0" b="0"/>
-      </a:fillRef>
-      <a:effectRef idx="0">
-        <a:scrgbClr r="0" g="0" b="0"/>
-      </a:effectRef>
-      <a:fontRef idx="minor"/>
-    </dgm:style>
-  </dgm:styleLbl>
-  <dgm:styleLbl name="conFgAcc1">
-    <dgm:scene3d>
-      <a:camera prst="orthographicFront"/>
-      <a:lightRig rig="threePt" dir="t"/>
-    </dgm:scene3d>
-    <dgm:sp3d/>
-    <dgm:txPr/>
-    <dgm:style>
-      <a:lnRef idx="2">
-        <a:scrgbClr r="0" g="0" b="0"/>
-      </a:lnRef>
-      <a:fillRef idx="1">
-        <a:scrgbClr r="0" g="0" b="0"/>
-      </a:fillRef>
-      <a:effectRef idx="0">
-        <a:scrgbClr r="0" g="0" b="0"/>
-      </a:effectRef>
-      <a:fontRef idx="minor"/>
-    </dgm:style>
-  </dgm:styleLbl>
-  <dgm:styleLbl name="alignAcc1">
-    <dgm:scene3d>
-      <a:camera prst="orthographicFront"/>
-      <a:lightRig rig="threePt" dir="t"/>
-    </dgm:scene3d>
-    <dgm:sp3d/>
-    <dgm:txPr/>
-    <dgm:style>
-      <a:lnRef idx="2">
-        <a:scrgbClr r="0" g="0" b="0"/>
-      </a:lnRef>
-      <a:fillRef idx="1">
-        <a:scrgbClr r="0" g="0" b="0"/>
-      </a:fillRef>
-      <a:effectRef idx="0">
-        <a:scrgbClr r="0" g="0" b="0"/>
-      </a:effectRef>
-      <a:fontRef idx="minor"/>
-    </dgm:style>
-  </dgm:styleLbl>
-  <dgm:styleLbl name="trAlignAcc1">
-    <dgm:scene3d>
-      <a:camera prst="orthographicFront"/>
-      <a:lightRig rig="threePt" dir="t"/>
-    </dgm:scene3d>
-    <dgm:sp3d/>
-    <dgm:txPr/>
-    <dgm:style>
-      <a:lnRef idx="1">
-        <a:scrgbClr r="0" g="0" b="0"/>
-      </a:lnRef>
-      <a:fillRef idx="1">
-        <a:scrgbClr r="0" g="0" b="0"/>
-      </a:fillRef>
-      <a:effectRef idx="0">
-        <a:scrgbClr r="0" g="0" b="0"/>
-      </a:effectRef>
-      <a:fontRef idx="minor"/>
-    </dgm:style>
-  </dgm:styleLbl>
-  <dgm:styleLbl name="bgAcc1">
-    <dgm:scene3d>
-      <a:camera prst="orthographicFront"/>
-      <a:lightRig rig="threePt" dir="t"/>
-    </dgm:scene3d>
-    <dgm:sp3d/>
-    <dgm:txPr/>
-    <dgm:style>
-      <a:lnRef idx="2">
-        <a:scrgbClr r="0" g="0" b="0"/>
-      </a:lnRef>
-      <a:fillRef idx="1">
-        <a:scrgbClr r="0" g="0" b="0"/>
-      </a:fillRef>
-      <a:effectRef idx="0">
-        <a:scrgbClr r="0" g="0" b="0"/>
-      </a:effectRef>
-      <a:fontRef idx="minor"/>
-    </dgm:style>
-  </dgm:styleLbl>
-  <dgm:styleLbl name="solidFgAcc1">
-    <dgm:scene3d>
-      <a:camera prst="orthographicFront"/>
-      <a:lightRig rig="threePt" dir="t"/>
-    </dgm:scene3d>
-    <dgm:sp3d/>
-    <dgm:txPr/>
-    <dgm:style>
-      <a:lnRef idx="2">
-        <a:scrgbClr r="0" g="0" b="0"/>
-      </a:lnRef>
-      <a:fillRef idx="1">
-        <a:scrgbClr r="0" g="0" b="0"/>
-      </a:fillRef>
-      <a:effectRef idx="0">
-        <a:scrgbClr r="0" g="0" b="0"/>
-      </a:effectRef>
-      <a:fontRef idx="minor"/>
-    </dgm:style>
-  </dgm:styleLbl>
-  <dgm:styleLbl name="solidAlignAcc1">
-    <dgm:scene3d>
-      <a:camera prst="orthographicFront"/>
-      <a:lightRig rig="threePt" dir="t"/>
-    </dgm:scene3d>
-    <dgm:sp3d/>
-    <dgm:txPr/>
-    <dgm:style>
-      <a:lnRef idx="2">
-        <a:scrgbClr r="0" g="0" b="0"/>
-      </a:lnRef>
-      <a:fillRef idx="1">
-        <a:scrgbClr r="0" g="0" b="0"/>
-      </a:fillRef>
-      <a:effectRef idx="0">
-        <a:scrgbClr r="0" g="0" b="0"/>
-      </a:effectRef>
-      <a:fontRef idx="minor"/>
-    </dgm:style>
-  </dgm:styleLbl>
-  <dgm:styleLbl name="solidBgAcc1">
-    <dgm:scene3d>
-      <a:camera prst="orthographicFront"/>
-      <a:lightRig rig="threePt" dir="t"/>
-    </dgm:scene3d>
-    <dgm:sp3d/>
-    <dgm:txPr/>
-    <dgm:style>
-      <a:lnRef idx="2">
-        <a:scrgbClr r="0" g="0" b="0"/>
-      </a:lnRef>
-      <a:fillRef idx="1">
-        <a:scrgbClr r="0" g="0" b="0"/>
-      </a:fillRef>
-      <a:effectRef idx="0">
-        <a:scrgbClr r="0" g="0" b="0"/>
-      </a:effectRef>
-      <a:fontRef idx="minor"/>
-    </dgm:style>
-  </dgm:styleLbl>
-  <dgm:styleLbl name="fgAccFollowNode1">
-    <dgm:scene3d>
-      <a:camera prst="orthographicFront"/>
-      <a:lightRig rig="threePt" dir="t"/>
-    </dgm:scene3d>
-    <dgm:sp3d/>
-    <dgm:txPr/>
-    <dgm:style>
-      <a:lnRef idx="2">
-        <a:scrgbClr r="0" g="0" b="0"/>
-      </a:lnRef>
-      <a:fillRef idx="1">
-        <a:scrgbClr r="0" g="0" b="0"/>
-      </a:fillRef>
-      <a:effectRef idx="0">
-        <a:scrgbClr r="0" g="0" b="0"/>
-      </a:effectRef>
-      <a:fontRef idx="minor"/>
-    </dgm:style>
-  </dgm:styleLbl>
-  <dgm:styleLbl name="alignAccFollowNode1">
-    <dgm:scene3d>
-      <a:camera prst="orthographicFront"/>
-      <a:lightRig rig="threePt" dir="t"/>
-    </dgm:scene3d>
-    <dgm:sp3d/>
-    <dgm:txPr/>
-    <dgm:style>
-      <a:lnRef idx="2">
-        <a:scrgbClr r="0" g="0" b="0"/>
-      </a:lnRef>
-      <a:fillRef idx="1">
-        <a:scrgbClr r="0" g="0" b="0"/>
-      </a:fillRef>
-      <a:effectRef idx="0">
-        <a:scrgbClr r="0" g="0" b="0"/>
-      </a:effectRef>
-      <a:fontRef idx="minor"/>
-    </dgm:style>
-  </dgm:styleLbl>
-  <dgm:styleLbl name="bgAccFollowNode1">
-    <dgm:scene3d>
-      <a:camera prst="orthographicFront"/>
-      <a:lightRig rig="threePt" dir="t"/>
-    </dgm:scene3d>
-    <dgm:sp3d/>
-    <dgm:txPr/>
-    <dgm:style>
-      <a:lnRef idx="2">
-        <a:scrgbClr r="0" g="0" b="0"/>
-      </a:lnRef>
-      <a:fillRef idx="1">
-        <a:scrgbClr r="0" g="0" b="0"/>
-      </a:fillRef>
-      <a:effectRef idx="0">
-        <a:scrgbClr r="0" g="0" b="0"/>
-      </a:effectRef>
-      <a:fontRef idx="minor"/>
-    </dgm:style>
-  </dgm:styleLbl>
-  <dgm:styleLbl name="fgAcc0">
-    <dgm:scene3d>
-      <a:camera prst="orthographicFront"/>
-      <a:lightRig rig="threePt" dir="t"/>
-    </dgm:scene3d>
-    <dgm:sp3d/>
-    <dgm:txPr/>
-    <dgm:style>
-      <a:lnRef idx="2">
-        <a:scrgbClr r="0" g="0" b="0"/>
-      </a:lnRef>
-      <a:fillRef idx="1">
-        <a:scrgbClr r="0" g="0" b="0"/>
-      </a:fillRef>
-      <a:effectRef idx="0">
-        <a:scrgbClr r="0" g="0" b="0"/>
-      </a:effectRef>
-      <a:fontRef idx="minor"/>
-    </dgm:style>
-  </dgm:styleLbl>
-  <dgm:styleLbl name="fgAcc2">
-    <dgm:scene3d>
-      <a:camera prst="orthographicFront"/>
-      <a:lightRig rig="threePt" dir="t"/>
-    </dgm:scene3d>
-    <dgm:sp3d/>
-    <dgm:txPr/>
-    <dgm:style>
-      <a:lnRef idx="2">
-        <a:scrgbClr r="0" g="0" b="0"/>
-      </a:lnRef>
-      <a:fillRef idx="1">
-        <a:scrgbClr r="0" g="0" b="0"/>
-      </a:fillRef>
-      <a:effectRef idx="0">
-        <a:scrgbClr r="0" g="0" b="0"/>
-      </a:effectRef>
-      <a:fontRef idx="minor"/>
-    </dgm:style>
-  </dgm:styleLbl>
-  <dgm:styleLbl name="fgAcc3">
-    <dgm:scene3d>
-      <a:camera prst="orthographicFront"/>
-      <a:lightRig rig="threePt" dir="t"/>
-    </dgm:scene3d>
-    <dgm:sp3d/>
-    <dgm:txPr/>
-    <dgm:style>
-      <a:lnRef idx="2">
-        <a:scrgbClr r="0" g="0" b="0"/>
-      </a:lnRef>
-      <a:fillRef idx="1">
-        <a:scrgbClr r="0" g="0" b="0"/>
-      </a:fillRef>
-      <a:effectRef idx="0">
-        <a:scrgbClr r="0" g="0" b="0"/>
-      </a:effectRef>
-      <a:fontRef idx="minor"/>
-    </dgm:style>
-  </dgm:styleLbl>
-  <dgm:styleLbl name="fgAcc4">
-    <dgm:scene3d>
-      <a:camera prst="orthographicFront"/>
-      <a:lightRig rig="threePt" dir="t"/>
-    </dgm:scene3d>
-    <dgm:sp3d/>
-    <dgm:txPr/>
-    <dgm:style>
-      <a:lnRef idx="2">
-        <a:scrgbClr r="0" g="0" b="0"/>
-      </a:lnRef>
-      <a:fillRef idx="1">
-        <a:scrgbClr r="0" g="0" b="0"/>
-      </a:fillRef>
-      <a:effectRef idx="0">
-        <a:scrgbClr r="0" g="0" b="0"/>
-      </a:effectRef>
-      <a:fontRef idx="minor"/>
-    </dgm:style>
-  </dgm:styleLbl>
-  <dgm:styleLbl name="bgShp">
-    <dgm:scene3d>
-      <a:camera prst="orthographicFront"/>
-      <a:lightRig rig="threePt" dir="t"/>
-    </dgm:scene3d>
-    <dgm:sp3d/>
-    <dgm:txPr/>
-    <dgm:style>
-      <a:lnRef idx="0">
-        <a:scrgbClr r="0" g="0" b="0"/>
-      </a:lnRef>
-      <a:fillRef idx="1">
-        <a:scrgbClr r="0" g="0" b="0"/>
-      </a:fillRef>
-      <a:effectRef idx="0">
-        <a:scrgbClr r="0" g="0" b="0"/>
-      </a:effectRef>
-      <a:fontRef idx="minor"/>
-    </dgm:style>
-  </dgm:styleLbl>
-  <dgm:styleLbl name="dkBgShp">
-    <dgm:scene3d>
-      <a:camera prst="orthographicFront"/>
-      <a:lightRig rig="threePt" dir="t"/>
-    </dgm:scene3d>
-    <dgm:sp3d/>
-    <dgm:txPr/>
-    <dgm:style>
-      <a:lnRef idx="0">
-        <a:scrgbClr r="0" g="0" b="0"/>
-      </a:lnRef>
-      <a:fillRef idx="1">
-        <a:scrgbClr r="0" g="0" b="0"/>
-      </a:fillRef>
-      <a:effectRef idx="0">
-        <a:scrgbClr r="0" g="0" b="0"/>
-      </a:effectRef>
-      <a:fontRef idx="minor"/>
-    </dgm:style>
-  </dgm:styleLbl>
-  <dgm:styleLbl name="trBgShp">
-    <dgm:scene3d>
-      <a:camera prst="orthographicFront"/>
-      <a:lightRig rig="threePt" dir="t"/>
-    </dgm:scene3d>
-    <dgm:sp3d/>
-    <dgm:txPr/>
-    <dgm:style>
-      <a:lnRef idx="0">
-        <a:scrgbClr r="0" g="0" b="0"/>
-      </a:lnRef>
-      <a:fillRef idx="1">
-        <a:scrgbClr r="0" g="0" b="0"/>
-      </a:fillRef>
-      <a:effectRef idx="0">
-        <a:scrgbClr r="0" g="0" b="0"/>
-      </a:effectRef>
-      <a:fontRef idx="minor"/>
-    </dgm:style>
-  </dgm:styleLbl>
-  <dgm:styleLbl name="fgShp">
-    <dgm:scene3d>
-      <a:camera prst="orthographicFront"/>
-      <a:lightRig rig="threePt" dir="t"/>
-    </dgm:scene3d>
-    <dgm:sp3d/>
-    <dgm:txPr/>
-    <dgm:style>
-      <a:lnRef idx="2">
-        <a:scrgbClr r="0" g="0" b="0"/>
-      </a:lnRef>
-      <a:fillRef idx="1">
-        <a:scrgbClr r="0" g="0" b="0"/>
-      </a:fillRef>
-      <a:effectRef idx="0">
-        <a:scrgbClr r="0" g="0" b="0"/>
-      </a:effectRef>
-      <a:fontRef idx="minor"/>
-    </dgm:style>
-  </dgm:styleLbl>
-  <dgm:styleLbl name="revTx">
-    <dgm:scene3d>
-      <a:camera prst="orthographicFront"/>
-      <a:lightRig rig="threePt" dir="t"/>
-    </dgm:scene3d>
-    <dgm:sp3d/>
-    <dgm:txPr/>
-    <dgm:style>
-      <a:lnRef idx="0">
-        <a:scrgbClr r="0" g="0" b="0"/>
-      </a:lnRef>
-      <a:fillRef idx="0">
-        <a:scrgbClr r="0" g="0" b="0"/>
-      </a:fillRef>
-      <a:effectRef idx="0">
-        <a:scrgbClr r="0" g="0" b="0"/>
-      </a:effectRef>
-      <a:fontRef idx="minor"/>
-    </dgm:style>
-  </dgm:styleLbl>
-</dgm:styleDef>
-</file>
-
-<file path=ppt/diagrams/quickStyle3.xml><?xml version="1.0" encoding="utf-8"?>
 <dgm:styleDef xmlns:dgm="http://schemas.openxmlformats.org/drawingml/2006/diagram" xmlns:a="http://schemas.openxmlformats.org/drawingml/2006/main" uniqueId="urn:microsoft.com/office/officeart/2005/8/quickstyle/simple1">
   <dgm:title val=""/>
   <dgm:desc val=""/>
@@ -12187,7 +9529,7 @@
                 <a16:creationId xmlns:a16="http://schemas.microsoft.com/office/drawing/2014/main" id="{9FDD9264-A478-4B82-A891-2BEA8BF9F68A}"/>
               </a:ext>
               <a:ext uri="{C183D7F6-B498-43B3-948B-1728B52AA6E4}">
-                <adec:decorative xmlns:adec="http://schemas.microsoft.com/office/drawing/2017/decorative" xmlns="" val="1"/>
+                <adec:decorative xmlns="" xmlns:adec="http://schemas.microsoft.com/office/drawing/2017/decorative" val="1"/>
               </a:ext>
             </a:extLst>
           </p:cNvPr>
@@ -12282,7 +9624,7 @@
                 <a16:creationId xmlns:a16="http://schemas.microsoft.com/office/drawing/2014/main" id="{C4D755E9-CEF5-43A7-A514-4664F25F398C}"/>
               </a:ext>
               <a:ext uri="{C183D7F6-B498-43B3-948B-1728B52AA6E4}">
-                <adec:decorative xmlns:adec="http://schemas.microsoft.com/office/drawing/2017/decorative" xmlns="" val="1"/>
+                <adec:decorative xmlns="" xmlns:adec="http://schemas.microsoft.com/office/drawing/2017/decorative" val="1"/>
               </a:ext>
             </a:extLst>
           </p:cNvPr>
@@ -12437,7 +9779,7 @@
                 <a16:creationId xmlns:a16="http://schemas.microsoft.com/office/drawing/2014/main" id="{2BF879CD-ED15-450F-B829-699C694D2EBC}"/>
               </a:ext>
               <a:ext uri="{C183D7F6-B498-43B3-948B-1728B52AA6E4}">
-                <adec:decorative xmlns:adec="http://schemas.microsoft.com/office/drawing/2017/decorative" xmlns="" val="1"/>
+                <adec:decorative xmlns="" xmlns:adec="http://schemas.microsoft.com/office/drawing/2017/decorative" val="1"/>
               </a:ext>
             </a:extLst>
           </p:cNvPr>
@@ -13086,7 +10428,7 @@
                 <a16:creationId xmlns:a16="http://schemas.microsoft.com/office/drawing/2014/main" id="{DADC4F84-175A-4AB1-916C-1E5796E1E0D3}"/>
               </a:ext>
               <a:ext uri="{C183D7F6-B498-43B3-948B-1728B52AA6E4}">
-                <adec:decorative xmlns:adec="http://schemas.microsoft.com/office/drawing/2017/decorative" xmlns="" val="1"/>
+                <adec:decorative xmlns="" xmlns:adec="http://schemas.microsoft.com/office/drawing/2017/decorative" val="1"/>
               </a:ext>
             </a:extLst>
           </p:cNvPr>
@@ -13517,7 +10859,7 @@
                 <a16:creationId xmlns:a16="http://schemas.microsoft.com/office/drawing/2014/main" id="{681577AD-DA5F-48B3-8FB9-5199BA9EE681}"/>
               </a:ext>
               <a:ext uri="{C183D7F6-B498-43B3-948B-1728B52AA6E4}">
-                <adec:decorative xmlns:adec="http://schemas.microsoft.com/office/drawing/2017/decorative" xmlns="" val="1"/>
+                <adec:decorative xmlns="" xmlns:adec="http://schemas.microsoft.com/office/drawing/2017/decorative" val="1"/>
               </a:ext>
             </a:extLst>
           </p:cNvPr>
@@ -13948,7 +11290,7 @@
                 <a16:creationId xmlns:a16="http://schemas.microsoft.com/office/drawing/2014/main" id="{681577AD-DA5F-48B3-8FB9-5199BA9EE681}"/>
               </a:ext>
               <a:ext uri="{C183D7F6-B498-43B3-948B-1728B52AA6E4}">
-                <adec:decorative xmlns:adec="http://schemas.microsoft.com/office/drawing/2017/decorative" xmlns="" val="1"/>
+                <adec:decorative xmlns="" xmlns:adec="http://schemas.microsoft.com/office/drawing/2017/decorative" val="1"/>
               </a:ext>
             </a:extLst>
           </p:cNvPr>
@@ -14056,8 +11398,8 @@
         </p:nvSpPr>
         <p:spPr>
           <a:xfrm>
-            <a:off x="289249" y="2193871"/>
-            <a:ext cx="4016116" cy="3776105"/>
+            <a:off x="289249" y="2074985"/>
+            <a:ext cx="4016116" cy="3956538"/>
           </a:xfrm>
         </p:spPr>
         <p:txBody>
@@ -14269,7 +11611,7 @@
             <a:blip r:embed="rId7">
               <a:extLst>
                 <a:ext uri="{96DAC541-7B7A-43D3-8B79-37D633B846F1}">
-                  <asvg:svgBlip xmlns="" xmlns:dgm="http://schemas.openxmlformats.org/drawingml/2006/diagram" xmlns:asvg="http://schemas.microsoft.com/office/drawing/2016/SVG/main" xmlns:lc="http://schemas.openxmlformats.org/drawingml/2006/lockedCanvas" r:embed="rId8"/>
+                  <asvg:svgBlip xmlns:lc="http://schemas.openxmlformats.org/drawingml/2006/lockedCanvas" xmlns:asvg="http://schemas.microsoft.com/office/drawing/2016/SVG/main" xmlns:dgm="http://schemas.openxmlformats.org/drawingml/2006/diagram" xmlns="" r:embed="rId8"/>
                 </a:ext>
               </a:extLst>
             </a:blip>
@@ -14453,7 +11795,7 @@
             <a:blip r:embed="rId9">
               <a:extLst>
                 <a:ext uri="{96DAC541-7B7A-43D3-8B79-37D633B846F1}">
-                  <asvg:svgBlip xmlns="" xmlns:dgm="http://schemas.openxmlformats.org/drawingml/2006/diagram" xmlns:asvg="http://schemas.microsoft.com/office/drawing/2016/SVG/main" xmlns:lc="http://schemas.openxmlformats.org/drawingml/2006/lockedCanvas" r:embed="rId10"/>
+                  <asvg:svgBlip xmlns:lc="http://schemas.openxmlformats.org/drawingml/2006/lockedCanvas" xmlns:asvg="http://schemas.microsoft.com/office/drawing/2016/SVG/main" xmlns:dgm="http://schemas.openxmlformats.org/drawingml/2006/diagram" xmlns="" r:embed="rId10"/>
                 </a:ext>
               </a:extLst>
             </a:blip>
@@ -14610,7 +11952,6 @@
                 <a:rPr lang="en-US" sz="1700" dirty="0"/>
                 <a:t>108 Hospitals located in L.A. County</a:t>
               </a:r>
-              <a:endParaRPr lang="en-US" sz="1700" dirty="0"/>
             </a:p>
           </p:txBody>
         </p:sp>
@@ -14633,7 +11974,7 @@
             <a:blip r:embed="rId11">
               <a:extLst>
                 <a:ext uri="{96DAC541-7B7A-43D3-8B79-37D633B846F1}">
-                  <asvg:svgBlip xmlns="" xmlns:dgm="http://schemas.openxmlformats.org/drawingml/2006/diagram" xmlns:asvg="http://schemas.microsoft.com/office/drawing/2016/SVG/main" xmlns:lc="http://schemas.openxmlformats.org/drawingml/2006/lockedCanvas" r:embed="rId12"/>
+                  <asvg:svgBlip xmlns:lc="http://schemas.openxmlformats.org/drawingml/2006/lockedCanvas" xmlns:asvg="http://schemas.microsoft.com/office/drawing/2016/SVG/main" xmlns:dgm="http://schemas.openxmlformats.org/drawingml/2006/diagram" xmlns="" r:embed="rId12"/>
                 </a:ext>
               </a:extLst>
             </a:blip>
@@ -14841,7 +12182,7 @@
                 <a16:creationId xmlns:a16="http://schemas.microsoft.com/office/drawing/2014/main" id="{681577AD-DA5F-48B3-8FB9-5199BA9EE681}"/>
               </a:ext>
               <a:ext uri="{C183D7F6-B498-43B3-948B-1728B52AA6E4}">
-                <adec:decorative xmlns:adec="http://schemas.microsoft.com/office/drawing/2017/decorative" xmlns="" val="1"/>
+                <adec:decorative xmlns="" xmlns:adec="http://schemas.microsoft.com/office/drawing/2017/decorative" val="1"/>
               </a:ext>
             </a:extLst>
           </p:cNvPr>
@@ -15322,7 +12663,7 @@
                 <a16:creationId xmlns:a16="http://schemas.microsoft.com/office/drawing/2014/main" id="{681577AD-DA5F-48B3-8FB9-5199BA9EE681}"/>
               </a:ext>
               <a:ext uri="{C183D7F6-B498-43B3-948B-1728B52AA6E4}">
-                <adec:decorative xmlns:adec="http://schemas.microsoft.com/office/drawing/2017/decorative" xmlns="" val="1"/>
+                <adec:decorative xmlns="" xmlns:adec="http://schemas.microsoft.com/office/drawing/2017/decorative" val="1"/>
               </a:ext>
             </a:extLst>
           </p:cNvPr>
@@ -15563,7 +12904,7 @@
                 <a16:creationId xmlns:a16="http://schemas.microsoft.com/office/drawing/2014/main" id="{681577AD-DA5F-48B3-8FB9-5199BA9EE681}"/>
               </a:ext>
               <a:ext uri="{C183D7F6-B498-43B3-948B-1728B52AA6E4}">
-                <adec:decorative xmlns:adec="http://schemas.microsoft.com/office/drawing/2017/decorative" xmlns="" val="1"/>
+                <adec:decorative xmlns="" xmlns:adec="http://schemas.microsoft.com/office/drawing/2017/decorative" val="1"/>
               </a:ext>
             </a:extLst>
           </p:cNvPr>
@@ -15635,7 +12976,7 @@
         </p:nvSpPr>
         <p:spPr>
           <a:xfrm>
-            <a:off x="289249" y="1123837"/>
+            <a:off x="289249" y="938403"/>
             <a:ext cx="4016116" cy="1255469"/>
           </a:xfrm>
         </p:spPr>
@@ -15646,9 +12987,18 @@
           <a:lstStyle/>
           <a:p>
             <a:r>
-              <a:rPr lang="en-US" dirty="0"/>
-              <a:t>Mix of Pay Type</a:t>
+              <a:rPr lang="en-US" sz="3200" spc="-100" dirty="0" smtClean="0"/>
+              <a:t>Net </a:t>
             </a:r>
+            <a:r>
+              <a:rPr lang="en-US" sz="3200" spc="-100" dirty="0"/>
+              <a:t>Patient Revenue by Payer </a:t>
+            </a:r>
+            <a:r>
+              <a:rPr lang="en-US" sz="3200" spc="-100" dirty="0" smtClean="0"/>
+              <a:t>Category:</a:t>
+            </a:r>
+            <a:endParaRPr lang="en-US" sz="3200" dirty="0"/>
           </a:p>
         </p:txBody>
       </p:sp>
@@ -15670,8 +13020,8 @@
         </p:nvSpPr>
         <p:spPr>
           <a:xfrm>
-            <a:off x="289249" y="2193872"/>
-            <a:ext cx="4016116" cy="3635428"/>
+            <a:off x="289249" y="2366925"/>
+            <a:ext cx="4016116" cy="3532713"/>
           </a:xfrm>
         </p:spPr>
         <p:txBody>
@@ -15686,7 +13036,23 @@
                   <a:srgbClr val="FFFFFF"/>
                 </a:solidFill>
               </a:rPr>
-              <a:t>The data suggests that 'Other Third Parties-Managed Care' (private insurance companies, employer-sponsored health plans, or other managed care </a:t>
+              <a:t>The data suggests that 'Other Third Parties-Managed Care' </a:t>
+            </a:r>
+            <a:r>
+              <a:rPr lang="en-US" sz="1600" dirty="0" smtClean="0">
+                <a:solidFill>
+                  <a:srgbClr val="FFFFFF"/>
+                </a:solidFill>
+              </a:rPr>
+              <a:t>(e.g., private </a:t>
+            </a:r>
+            <a:r>
+              <a:rPr lang="en-US" sz="1600" dirty="0">
+                <a:solidFill>
+                  <a:srgbClr val="FFFFFF"/>
+                </a:solidFill>
+              </a:rPr>
+              <a:t>insurance companies, employer-sponsored health plans, or other managed care </a:t>
             </a:r>
             <a:r>
               <a:rPr lang="en-US" sz="1600" dirty="0" smtClean="0">
@@ -15702,22 +13068,15 @@
                   <a:srgbClr val="FFFFFF"/>
                 </a:solidFill>
               </a:rPr>
-              <a:t>the largest category, accounting for just over 40% of the composition mix. </a:t>
+              <a:t>the largest category, accounting for just over </a:t>
             </a:r>
-            <a:endParaRPr lang="en-US" sz="1600" dirty="0" smtClean="0">
-              <a:solidFill>
-                <a:srgbClr val="FFFFFF"/>
-              </a:solidFill>
-            </a:endParaRPr>
-          </a:p>
-          <a:p>
             <a:r>
               <a:rPr lang="en-US" sz="1600" dirty="0" smtClean="0">
                 <a:solidFill>
                   <a:srgbClr val="FFFFFF"/>
                 </a:solidFill>
               </a:rPr>
-              <a:t>‘Medi-Cal-Managed Care (CA’s Medicare program) </a:t>
+              <a:t>40.09% </a:t>
             </a:r>
             <a:r>
               <a:rPr lang="en-US" sz="1600" dirty="0">
@@ -15725,7 +13084,37 @@
                   <a:srgbClr val="FFFFFF"/>
                 </a:solidFill>
               </a:rPr>
-              <a:t>and </a:t>
+              <a:t>of the composition mix. </a:t>
+            </a:r>
+            <a:endParaRPr lang="en-US" sz="1600" dirty="0" smtClean="0">
+              <a:solidFill>
+                <a:srgbClr val="FFFFFF"/>
+              </a:solidFill>
+            </a:endParaRPr>
+          </a:p>
+          <a:p>
+            <a:endParaRPr lang="en-US" sz="1600" dirty="0" smtClean="0">
+              <a:solidFill>
+                <a:srgbClr val="FFFFFF"/>
+              </a:solidFill>
+            </a:endParaRPr>
+          </a:p>
+          <a:p>
+            <a:r>
+              <a:rPr lang="en-US" sz="1600" dirty="0" smtClean="0">
+                <a:solidFill>
+                  <a:srgbClr val="FFFFFF"/>
+                </a:solidFill>
+              </a:rPr>
+              <a:t>Importance of </a:t>
+            </a:r>
+            <a:r>
+              <a:rPr lang="en-US" sz="1600" dirty="0">
+                <a:solidFill>
+                  <a:srgbClr val="FFFFFF"/>
+                </a:solidFill>
+              </a:rPr>
+              <a:t>Payment </a:t>
             </a:r>
             <a:r>
               <a:rPr lang="en-US" sz="1600" dirty="0" smtClean="0">
@@ -15733,33 +13122,46 @@
                   <a:srgbClr val="FFFFFF"/>
                 </a:solidFill>
               </a:rPr>
-              <a:t>Medicare-Traditional’ are </a:t>
+              <a:t>Mix:</a:t>
             </a:r>
-            <a:r>
-              <a:rPr lang="en-US" sz="1600" dirty="0">
-                <a:solidFill>
-                  <a:srgbClr val="FFFFFF"/>
-                </a:solidFill>
-              </a:rPr>
-              <a:t>the next largest </a:t>
-            </a:r>
+          </a:p>
+          <a:p>
             <a:r>
               <a:rPr lang="en-US" sz="1600" dirty="0" smtClean="0">
                 <a:solidFill>
                   <a:srgbClr val="FFFFFF"/>
                 </a:solidFill>
               </a:rPr>
-              <a:t>categories</a:t>
+              <a:t>1. Revenue Optimization</a:t>
             </a:r>
+          </a:p>
+          <a:p>
             <a:r>
-              <a:rPr lang="en-US" sz="1600" dirty="0">
+              <a:rPr lang="en-US" sz="1600" dirty="0" smtClean="0">
                 <a:solidFill>
                   <a:srgbClr val="FFFFFF"/>
                 </a:solidFill>
               </a:rPr>
-              <a:t>.</a:t>
+              <a:t>2. Regulatory Compliance</a:t>
+            </a:r>
+          </a:p>
+          <a:p>
+            <a:r>
+              <a:rPr lang="en-US" sz="1600" dirty="0" smtClean="0">
+                <a:solidFill>
+                  <a:srgbClr val="FFFFFF"/>
+                </a:solidFill>
+              </a:rPr>
+              <a:t>3. Risk Management</a:t>
             </a:r>
             <a:endParaRPr lang="en-US" sz="1600" dirty="0">
+              <a:solidFill>
+                <a:srgbClr val="FFFFFF"/>
+              </a:solidFill>
+            </a:endParaRPr>
+          </a:p>
+          <a:p>
+            <a:endParaRPr lang="en-US" sz="1600" dirty="0" smtClean="0">
               <a:solidFill>
                 <a:srgbClr val="FFFFFF"/>
               </a:solidFill>
@@ -15789,7 +13191,7 @@
         </p:blipFill>
         <p:spPr>
           <a:xfrm>
-            <a:off x="4837711" y="3536208"/>
+            <a:off x="4846503" y="2150779"/>
             <a:ext cx="6871928" cy="2559792"/>
           </a:xfrm>
           <a:prstGeom prst="rect">
@@ -15797,36 +13199,6 @@
           </a:prstGeom>
         </p:spPr>
       </p:pic>
-      <p:graphicFrame>
-        <p:nvGraphicFramePr>
-          <p:cNvPr id="8" name="Content Placeholder 5">
-            <a:extLst>
-              <a:ext uri="{FF2B5EF4-FFF2-40B4-BE49-F238E27FC236}">
-                <a16:creationId xmlns:a16="http://schemas.microsoft.com/office/drawing/2014/main" id="{1373F261-8793-B5A0-6FA3-A1CBB3A136A8}"/>
-              </a:ext>
-            </a:extLst>
-          </p:cNvPr>
-          <p:cNvGraphicFramePr>
-            <a:graphicFrameLocks/>
-          </p:cNvGraphicFramePr>
-          <p:nvPr>
-            <p:extLst>
-              <p:ext uri="{D42A27DB-BD31-4B8C-83A1-F6EECF244321}">
-                <p14:modId xmlns:p14="http://schemas.microsoft.com/office/powerpoint/2010/main" val="2679527189"/>
-              </p:ext>
-            </p:extLst>
-          </p:nvPr>
-        </p:nvGraphicFramePr>
-        <p:xfrm>
-          <a:off x="5090609" y="869208"/>
-          <a:ext cx="6366132" cy="2199969"/>
-        </p:xfrm>
-        <a:graphic>
-          <a:graphicData uri="http://schemas.openxmlformats.org/drawingml/2006/diagram">
-            <dgm:relIds xmlns:dgm="http://schemas.openxmlformats.org/drawingml/2006/diagram" xmlns:r="http://schemas.openxmlformats.org/officeDocument/2006/relationships" r:dm="rId3" r:lo="rId4" r:qs="rId5" r:cs="rId6"/>
-          </a:graphicData>
-        </a:graphic>
-      </p:graphicFrame>
     </p:spTree>
     <p:extLst>
       <p:ext uri="{BB962C8B-B14F-4D97-AF65-F5344CB8AC3E}">
@@ -15873,7 +13245,7 @@
                 <a16:creationId xmlns:a16="http://schemas.microsoft.com/office/drawing/2014/main" id="{64C9EE1D-12BB-43F7-9A2A-893578DCA63A}"/>
               </a:ext>
               <a:ext uri="{C183D7F6-B498-43B3-948B-1728B52AA6E4}">
-                <adec:decorative xmlns:adec="http://schemas.microsoft.com/office/drawing/2017/decorative" xmlns="" val="1"/>
+                <adec:decorative xmlns="" xmlns:adec="http://schemas.microsoft.com/office/drawing/2017/decorative" val="1"/>
               </a:ext>
             </a:extLst>
           </p:cNvPr>
@@ -15935,7 +13307,7 @@
                 <a16:creationId xmlns:a16="http://schemas.microsoft.com/office/drawing/2014/main" id="{43962A31-C54E-4762-B155-59777FED1C75}"/>
               </a:ext>
               <a:ext uri="{C183D7F6-B498-43B3-948B-1728B52AA6E4}">
-                <adec:decorative xmlns:adec="http://schemas.microsoft.com/office/drawing/2017/decorative" xmlns="" val="1"/>
+                <adec:decorative xmlns="" xmlns:adec="http://schemas.microsoft.com/office/drawing/2017/decorative" val="1"/>
               </a:ext>
             </a:extLst>
           </p:cNvPr>
@@ -15999,7 +13371,7 @@
                 <a16:creationId xmlns:a16="http://schemas.microsoft.com/office/drawing/2014/main" id="{4B392D36-B685-45E0-B197-6EE5D748093B}"/>
               </a:ext>
               <a:ext uri="{C183D7F6-B498-43B3-948B-1728B52AA6E4}">
-                <adec:decorative xmlns:adec="http://schemas.microsoft.com/office/drawing/2017/decorative" xmlns="" val="1"/>
+                <adec:decorative xmlns="" xmlns:adec="http://schemas.microsoft.com/office/drawing/2017/decorative" val="1"/>
               </a:ext>
             </a:extLst>
           </p:cNvPr>
@@ -16059,7 +13431,7 @@
                 <a16:creationId xmlns:a16="http://schemas.microsoft.com/office/drawing/2014/main" id="{9DCA8533-CC5E-4754-9A04-047EDE49E0F9}"/>
               </a:ext>
               <a:ext uri="{C183D7F6-B498-43B3-948B-1728B52AA6E4}">
-                <adec:decorative xmlns:adec="http://schemas.microsoft.com/office/drawing/2017/decorative" xmlns="" val="1"/>
+                <adec:decorative xmlns="" xmlns:adec="http://schemas.microsoft.com/office/drawing/2017/decorative" val="1"/>
               </a:ext>
             </a:extLst>
           </p:cNvPr>
@@ -16260,7 +13632,7 @@
                 <a16:creationId xmlns:a16="http://schemas.microsoft.com/office/drawing/2014/main" id="{681577AD-DA5F-48B3-8FB9-5199BA9EE681}"/>
               </a:ext>
               <a:ext uri="{C183D7F6-B498-43B3-948B-1728B52AA6E4}">
-                <adec:decorative xmlns:adec="http://schemas.microsoft.com/office/drawing/2017/decorative" xmlns="" val="1"/>
+                <adec:decorative xmlns="" xmlns:adec="http://schemas.microsoft.com/office/drawing/2017/decorative" val="1"/>
               </a:ext>
             </a:extLst>
           </p:cNvPr>

--- a/Jenae/Project 3 - California Hospital Performance Comparison.pptx
+++ b/Jenae/Project 3 - California Hospital Performance Comparison.pptx
@@ -5,7 +5,7 @@
     <p:sldMasterId id="2147483677" r:id="rId1"/>
   </p:sldMasterIdLst>
   <p:notesMasterIdLst>
-    <p:notesMasterId r:id="rId13"/>
+    <p:notesMasterId r:id="rId14"/>
   </p:notesMasterIdLst>
   <p:sldIdLst>
     <p:sldId id="256" r:id="rId2"/>
@@ -18,7 +18,8 @@
     <p:sldId id="264" r:id="rId9"/>
     <p:sldId id="261" r:id="rId10"/>
     <p:sldId id="259" r:id="rId11"/>
-    <p:sldId id="262" r:id="rId12"/>
+    <p:sldId id="268" r:id="rId12"/>
+    <p:sldId id="262" r:id="rId13"/>
   </p:sldIdLst>
   <p:sldSz cx="12192000" cy="6858000"/>
   <p:notesSz cx="6858000" cy="9144000"/>
@@ -1820,7 +1821,7 @@
                 <a14:useLocalDpi xmlns:a14="http://schemas.microsoft.com/office/drawing/2010/main" val="0"/>
               </a:ext>
               <a:ext uri="{96DAC541-7B7A-43D3-8B79-37D633B846F1}">
-                <asvg:svgBlip xmlns="" xmlns:asvg="http://schemas.microsoft.com/office/drawing/2016/SVG/main" r:embed="rId2"/>
+                <asvg:svgBlip xmlns:asvg="http://schemas.microsoft.com/office/drawing/2016/SVG/main" xmlns="" r:embed="rId2"/>
               </a:ext>
             </a:extLst>
           </a:blip>
@@ -1891,7 +1892,7 @@
                 <a14:useLocalDpi xmlns:a14="http://schemas.microsoft.com/office/drawing/2010/main" val="0"/>
               </a:ext>
               <a:ext uri="{96DAC541-7B7A-43D3-8B79-37D633B846F1}">
-                <asvg:svgBlip xmlns="" xmlns:asvg="http://schemas.microsoft.com/office/drawing/2016/SVG/main" r:embed="rId4"/>
+                <asvg:svgBlip xmlns:asvg="http://schemas.microsoft.com/office/drawing/2016/SVG/main" xmlns="" r:embed="rId4"/>
               </a:ext>
             </a:extLst>
           </a:blip>
@@ -1952,7 +1953,7 @@
           <a:blip xmlns:r="http://schemas.openxmlformats.org/officeDocument/2006/relationships" r:embed="rId5">
             <a:extLst>
               <a:ext uri="{96DAC541-7B7A-43D3-8B79-37D633B846F1}">
-                <asvg:svgBlip xmlns="" xmlns:asvg="http://schemas.microsoft.com/office/drawing/2016/SVG/main" r:embed="rId6"/>
+                <asvg:svgBlip xmlns:asvg="http://schemas.microsoft.com/office/drawing/2016/SVG/main" xmlns="" r:embed="rId6"/>
               </a:ext>
             </a:extLst>
           </a:blip>
@@ -2202,7 +2203,7 @@
           <a:blip xmlns:r="http://schemas.openxmlformats.org/officeDocument/2006/relationships" r:embed="rId1">
             <a:extLst>
               <a:ext uri="{96DAC541-7B7A-43D3-8B79-37D633B846F1}">
-                <asvg:svgBlip xmlns="" xmlns:asvg="http://schemas.microsoft.com/office/drawing/2016/SVG/main" r:embed="rId2"/>
+                <asvg:svgBlip xmlns:asvg="http://schemas.microsoft.com/office/drawing/2016/SVG/main" xmlns="" r:embed="rId2"/>
               </a:ext>
             </a:extLst>
           </a:blip>
@@ -2253,7 +2254,7 @@
           <a:blip xmlns:r="http://schemas.openxmlformats.org/officeDocument/2006/relationships" r:embed="rId3">
             <a:extLst>
               <a:ext uri="{96DAC541-7B7A-43D3-8B79-37D633B846F1}">
-                <asvg:svgBlip xmlns="" xmlns:asvg="http://schemas.microsoft.com/office/drawing/2016/SVG/main" r:embed="rId4"/>
+                <asvg:svgBlip xmlns:asvg="http://schemas.microsoft.com/office/drawing/2016/SVG/main" xmlns="" r:embed="rId4"/>
               </a:ext>
             </a:extLst>
           </a:blip>
@@ -2304,7 +2305,7 @@
           <a:blip xmlns:r="http://schemas.openxmlformats.org/officeDocument/2006/relationships" r:embed="rId5">
             <a:extLst>
               <a:ext uri="{96DAC541-7B7A-43D3-8B79-37D633B846F1}">
-                <asvg:svgBlip xmlns="" xmlns:asvg="http://schemas.microsoft.com/office/drawing/2016/SVG/main" r:embed="rId6"/>
+                <asvg:svgBlip xmlns:asvg="http://schemas.microsoft.com/office/drawing/2016/SVG/main" xmlns="" r:embed="rId6"/>
               </a:ext>
             </a:extLst>
           </a:blip>
@@ -2444,7 +2445,7 @@
                 <a14:useLocalDpi xmlns:a14="http://schemas.microsoft.com/office/drawing/2010/main" val="0"/>
               </a:ext>
               <a:ext uri="{96DAC541-7B7A-43D3-8B79-37D633B846F1}">
-                <asvg:svgBlip xmlns="" xmlns:asvg="http://schemas.microsoft.com/office/drawing/2016/SVG/main" r:embed="rId2"/>
+                <asvg:svgBlip xmlns:asvg="http://schemas.microsoft.com/office/drawing/2016/SVG/main" xmlns="" r:embed="rId2"/>
               </a:ext>
             </a:extLst>
           </a:blip>
@@ -2614,7 +2615,7 @@
                 <a14:useLocalDpi xmlns:a14="http://schemas.microsoft.com/office/drawing/2010/main" val="0"/>
               </a:ext>
               <a:ext uri="{96DAC541-7B7A-43D3-8B79-37D633B846F1}">
-                <asvg:svgBlip xmlns="" xmlns:asvg="http://schemas.microsoft.com/office/drawing/2016/SVG/main" r:embed="rId4"/>
+                <asvg:svgBlip xmlns:asvg="http://schemas.microsoft.com/office/drawing/2016/SVG/main" xmlns="" r:embed="rId4"/>
               </a:ext>
             </a:extLst>
           </a:blip>
@@ -2773,7 +2774,7 @@
           <a:blip xmlns:r="http://schemas.openxmlformats.org/officeDocument/2006/relationships" r:embed="rId5">
             <a:extLst>
               <a:ext uri="{96DAC541-7B7A-43D3-8B79-37D633B846F1}">
-                <asvg:svgBlip xmlns="" xmlns:asvg="http://schemas.microsoft.com/office/drawing/2016/SVG/main" r:embed="rId6"/>
+                <asvg:svgBlip xmlns:asvg="http://schemas.microsoft.com/office/drawing/2016/SVG/main" xmlns="" r:embed="rId6"/>
               </a:ext>
             </a:extLst>
           </a:blip>
@@ -2903,7 +2904,7 @@
           <a:blip xmlns:r="http://schemas.openxmlformats.org/officeDocument/2006/relationships" r:embed="rId1">
             <a:extLst>
               <a:ext uri="{96DAC541-7B7A-43D3-8B79-37D633B846F1}">
-                <asvg:svgBlip xmlns="" xmlns:asvg="http://schemas.microsoft.com/office/drawing/2016/SVG/main" r:embed="rId2"/>
+                <asvg:svgBlip xmlns:asvg="http://schemas.microsoft.com/office/drawing/2016/SVG/main" xmlns="" r:embed="rId2"/>
               </a:ext>
             </a:extLst>
           </a:blip>
@@ -3024,7 +3025,7 @@
           <a:blip xmlns:r="http://schemas.openxmlformats.org/officeDocument/2006/relationships" r:embed="rId3">
             <a:extLst>
               <a:ext uri="{96DAC541-7B7A-43D3-8B79-37D633B846F1}">
-                <asvg:svgBlip xmlns="" xmlns:asvg="http://schemas.microsoft.com/office/drawing/2016/SVG/main" r:embed="rId4"/>
+                <asvg:svgBlip xmlns:asvg="http://schemas.microsoft.com/office/drawing/2016/SVG/main" xmlns="" r:embed="rId4"/>
               </a:ext>
             </a:extLst>
           </a:blip>
@@ -3142,7 +3143,7 @@
           <a:blip xmlns:r="http://schemas.openxmlformats.org/officeDocument/2006/relationships" r:embed="rId5">
             <a:extLst>
               <a:ext uri="{96DAC541-7B7A-43D3-8B79-37D633B846F1}">
-                <asvg:svgBlip xmlns="" xmlns:asvg="http://schemas.microsoft.com/office/drawing/2016/SVG/main" r:embed="rId6"/>
+                <asvg:svgBlip xmlns:asvg="http://schemas.microsoft.com/office/drawing/2016/SVG/main" xmlns="" r:embed="rId6"/>
               </a:ext>
             </a:extLst>
           </a:blip>
@@ -3519,7 +3520,7 @@
   </dgm:layoutNode>
   <dgm:extLst>
     <a:ext uri="{68A01E43-0DF5-4B5B-8FA6-DAF915123BFB}">
-      <dgm1612:lstStyle xmlns="" xmlns:dgm1612="http://schemas.microsoft.com/office/drawing/2016/12/diagram">
+      <dgm1612:lstStyle xmlns:dgm1612="http://schemas.microsoft.com/office/drawing/2016/12/diagram" xmlns="">
         <a:lvl1pPr>
           <a:lnSpc>
             <a:spcPct val="100000"/>
@@ -3714,7 +3715,7 @@
   </dgm:layoutNode>
   <dgm:extLst>
     <a:ext uri="{68A01E43-0DF5-4B5B-8FA6-DAF915123BFB}">
-      <dgm1612:lstStyle xmlns="" xmlns:dgm1612="http://schemas.microsoft.com/office/drawing/2016/12/diagram">
+      <dgm1612:lstStyle xmlns:dgm1612="http://schemas.microsoft.com/office/drawing/2016/12/diagram" xmlns="">
         <a:lvl1pPr>
           <a:lnSpc>
             <a:spcPct val="100000"/>
@@ -6219,6 +6220,90 @@
     <p:extLst>
       <p:ext uri="{BB962C8B-B14F-4D97-AF65-F5344CB8AC3E}">
         <p14:creationId xmlns:p14="http://schemas.microsoft.com/office/powerpoint/2010/main" val="375381324"/>
+      </p:ext>
+    </p:extLst>
+  </p:cSld>
+  <p:clrMapOvr>
+    <a:masterClrMapping/>
+  </p:clrMapOvr>
+</p:notes>
+</file>
+
+<file path=ppt/notesSlides/notesSlide2.xml><?xml version="1.0" encoding="utf-8"?>
+<p:notes xmlns:a="http://schemas.openxmlformats.org/drawingml/2006/main" xmlns:r="http://schemas.openxmlformats.org/officeDocument/2006/relationships" xmlns:p="http://schemas.openxmlformats.org/presentationml/2006/main">
+  <p:cSld>
+    <p:spTree>
+      <p:nvGrpSpPr>
+        <p:cNvPr id="1" name=""/>
+        <p:cNvGrpSpPr/>
+        <p:nvPr/>
+      </p:nvGrpSpPr>
+      <p:grpSpPr>
+        <a:xfrm>
+          <a:off x="0" y="0"/>
+          <a:ext cx="0" cy="0"/>
+          <a:chOff x="0" y="0"/>
+          <a:chExt cx="0" cy="0"/>
+        </a:xfrm>
+      </p:grpSpPr>
+      <p:sp>
+        <p:nvSpPr>
+          <p:cNvPr id="2" name="Slide Image Placeholder 1"/>
+          <p:cNvSpPr>
+            <a:spLocks noGrp="1" noRot="1" noChangeAspect="1"/>
+          </p:cNvSpPr>
+          <p:nvPr>
+            <p:ph type="sldImg"/>
+          </p:nvPr>
+        </p:nvSpPr>
+        <p:spPr/>
+      </p:sp>
+      <p:sp>
+        <p:nvSpPr>
+          <p:cNvPr id="3" name="Notes Placeholder 2"/>
+          <p:cNvSpPr>
+            <a:spLocks noGrp="1"/>
+          </p:cNvSpPr>
+          <p:nvPr>
+            <p:ph type="body" idx="1"/>
+          </p:nvPr>
+        </p:nvSpPr>
+        <p:spPr/>
+        <p:txBody>
+          <a:bodyPr/>
+          <a:lstStyle/>
+          <a:p>
+            <a:endParaRPr lang="en-US" dirty="0"/>
+          </a:p>
+        </p:txBody>
+      </p:sp>
+      <p:sp>
+        <p:nvSpPr>
+          <p:cNvPr id="4" name="Slide Number Placeholder 3"/>
+          <p:cNvSpPr>
+            <a:spLocks noGrp="1"/>
+          </p:cNvSpPr>
+          <p:nvPr>
+            <p:ph type="sldNum" sz="quarter" idx="10"/>
+          </p:nvPr>
+        </p:nvSpPr>
+        <p:spPr/>
+        <p:txBody>
+          <a:bodyPr/>
+          <a:lstStyle/>
+          <a:p>
+            <a:fld id="{9ACEF446-EFA3-4D05-AA19-5D78259E99C0}" type="slidenum">
+              <a:rPr lang="en-US" smtClean="0"/>
+              <a:t>11</a:t>
+            </a:fld>
+            <a:endParaRPr lang="en-US"/>
+          </a:p>
+        </p:txBody>
+      </p:sp>
+    </p:spTree>
+    <p:extLst>
+      <p:ext uri="{BB962C8B-B14F-4D97-AF65-F5344CB8AC3E}">
+        <p14:creationId xmlns:p14="http://schemas.microsoft.com/office/powerpoint/2010/main" val="2745924835"/>
       </p:ext>
     </p:extLst>
   </p:cSld>
@@ -9529,7 +9614,7 @@
                 <a16:creationId xmlns:a16="http://schemas.microsoft.com/office/drawing/2014/main" id="{9FDD9264-A478-4B82-A891-2BEA8BF9F68A}"/>
               </a:ext>
               <a:ext uri="{C183D7F6-B498-43B3-948B-1728B52AA6E4}">
-                <adec:decorative xmlns="" xmlns:adec="http://schemas.microsoft.com/office/drawing/2017/decorative" val="1"/>
+                <adec:decorative xmlns:adec="http://schemas.microsoft.com/office/drawing/2017/decorative" xmlns="" val="1"/>
               </a:ext>
             </a:extLst>
           </p:cNvPr>
@@ -9624,7 +9709,7 @@
                 <a16:creationId xmlns:a16="http://schemas.microsoft.com/office/drawing/2014/main" id="{C4D755E9-CEF5-43A7-A514-4664F25F398C}"/>
               </a:ext>
               <a:ext uri="{C183D7F6-B498-43B3-948B-1728B52AA6E4}">
-                <adec:decorative xmlns="" xmlns:adec="http://schemas.microsoft.com/office/drawing/2017/decorative" val="1"/>
+                <adec:decorative xmlns:adec="http://schemas.microsoft.com/office/drawing/2017/decorative" xmlns="" val="1"/>
               </a:ext>
             </a:extLst>
           </p:cNvPr>
@@ -9779,7 +9864,7 @@
                 <a16:creationId xmlns:a16="http://schemas.microsoft.com/office/drawing/2014/main" id="{2BF879CD-ED15-450F-B829-699C694D2EBC}"/>
               </a:ext>
               <a:ext uri="{C183D7F6-B498-43B3-948B-1728B52AA6E4}">
-                <adec:decorative xmlns="" xmlns:adec="http://schemas.microsoft.com/office/drawing/2017/decorative" val="1"/>
+                <adec:decorative xmlns:adec="http://schemas.microsoft.com/office/drawing/2017/decorative" xmlns="" val="1"/>
               </a:ext>
             </a:extLst>
           </p:cNvPr>
@@ -10352,8 +10437,9 @@
           <a:p>
             <a:r>
               <a:rPr lang="en-US" dirty="0"/>
-              <a:t>Lessons Learned</a:t>
+              <a:t>Data Limitations</a:t>
             </a:r>
+            <a:endParaRPr lang="en-US" dirty="0"/>
           </a:p>
         </p:txBody>
       </p:sp>
@@ -10378,6 +10464,55 @@
           <a:bodyPr/>
           <a:lstStyle/>
           <a:p>
+            <a:r>
+              <a:rPr lang="en-US" dirty="0" smtClean="0"/>
+              <a:t>Lack </a:t>
+            </a:r>
+            <a:r>
+              <a:rPr lang="en-US" dirty="0"/>
+              <a:t>of Comparative Data by years</a:t>
+            </a:r>
+            <a:r>
+              <a:rPr lang="en-US" dirty="0" smtClean="0"/>
+              <a:t>:</a:t>
+            </a:r>
+            <a:endParaRPr lang="en-US" dirty="0"/>
+          </a:p>
+          <a:p>
+            <a:pPr marL="0" indent="0">
+              <a:buNone/>
+            </a:pPr>
+            <a:r>
+              <a:rPr lang="en-US" dirty="0"/>
+              <a:t>The data represents one specific year, 2022. Without time-based data, it's challenging to discern trends, assess progress, or make year-over-year comparisons.</a:t>
+            </a:r>
+          </a:p>
+          <a:p>
+            <a:endParaRPr lang="en-US" dirty="0"/>
+          </a:p>
+          <a:p>
+            <a:r>
+              <a:rPr lang="en-US" dirty="0" smtClean="0"/>
+              <a:t>Potential </a:t>
+            </a:r>
+            <a:r>
+              <a:rPr lang="en-US" dirty="0"/>
+              <a:t>for Misinterpretation</a:t>
+            </a:r>
+            <a:r>
+              <a:rPr lang="en-US" dirty="0" smtClean="0"/>
+              <a:t>:</a:t>
+            </a:r>
+            <a:endParaRPr lang="en-US" dirty="0"/>
+          </a:p>
+          <a:p>
+            <a:pPr marL="0" indent="0">
+              <a:buNone/>
+            </a:pPr>
+            <a:r>
+              <a:rPr lang="en-US" dirty="0"/>
+              <a:t>The charts do not provide understanding on the underlying factors, such as policy changes or patient demographics, that could affect both net revenue and total asset size.</a:t>
+            </a:r>
             <a:endParaRPr lang="en-US" dirty="0"/>
           </a:p>
         </p:txBody>
@@ -10396,6 +10531,108 @@
 </file>
 
 <file path=ppt/slides/slide11.xml><?xml version="1.0" encoding="utf-8"?>
+<p:sld xmlns:a="http://schemas.openxmlformats.org/drawingml/2006/main" xmlns:r="http://schemas.openxmlformats.org/officeDocument/2006/relationships" xmlns:p="http://schemas.openxmlformats.org/presentationml/2006/main">
+  <p:cSld>
+    <p:spTree>
+      <p:nvGrpSpPr>
+        <p:cNvPr id="1" name=""/>
+        <p:cNvGrpSpPr/>
+        <p:nvPr/>
+      </p:nvGrpSpPr>
+      <p:grpSpPr>
+        <a:xfrm>
+          <a:off x="0" y="0"/>
+          <a:ext cx="0" cy="0"/>
+          <a:chOff x="0" y="0"/>
+          <a:chExt cx="0" cy="0"/>
+        </a:xfrm>
+      </p:grpSpPr>
+      <p:sp>
+        <p:nvSpPr>
+          <p:cNvPr id="2" name="Title 1">
+            <a:extLst>
+              <a:ext uri="{FF2B5EF4-FFF2-40B4-BE49-F238E27FC236}">
+                <a16:creationId xmlns:a16="http://schemas.microsoft.com/office/drawing/2014/main" id="{2702D8B7-D014-7167-C342-BBF94440264C}"/>
+              </a:ext>
+            </a:extLst>
+          </p:cNvPr>
+          <p:cNvSpPr>
+            <a:spLocks noGrp="1"/>
+          </p:cNvSpPr>
+          <p:nvPr>
+            <p:ph type="title"/>
+          </p:nvPr>
+        </p:nvSpPr>
+        <p:spPr/>
+        <p:txBody>
+          <a:bodyPr/>
+          <a:lstStyle/>
+          <a:p>
+            <a:r>
+              <a:rPr lang="en-US" dirty="0" smtClean="0"/>
+              <a:t>Challenges and Learnings</a:t>
+            </a:r>
+            <a:endParaRPr lang="en-US" dirty="0"/>
+          </a:p>
+        </p:txBody>
+      </p:sp>
+      <p:sp>
+        <p:nvSpPr>
+          <p:cNvPr id="3" name="Content Placeholder 2">
+            <a:extLst>
+              <a:ext uri="{FF2B5EF4-FFF2-40B4-BE49-F238E27FC236}">
+                <a16:creationId xmlns:a16="http://schemas.microsoft.com/office/drawing/2014/main" id="{B1F4A6BB-5547-0AA1-FB5B-67D439798FAD}"/>
+              </a:ext>
+            </a:extLst>
+          </p:cNvPr>
+          <p:cNvSpPr>
+            <a:spLocks noGrp="1"/>
+          </p:cNvSpPr>
+          <p:nvPr>
+            <p:ph idx="1"/>
+          </p:nvPr>
+        </p:nvSpPr>
+        <p:spPr/>
+        <p:txBody>
+          <a:bodyPr/>
+          <a:lstStyle/>
+          <a:p>
+            <a:r>
+              <a:rPr lang="en-US" dirty="0" smtClean="0"/>
+              <a:t>Extracting the data from database and importing it into JavaScript</a:t>
+            </a:r>
+          </a:p>
+          <a:p>
+            <a:r>
+              <a:rPr lang="en-US" dirty="0" smtClean="0"/>
+              <a:t>Limited Admin </a:t>
+            </a:r>
+            <a:r>
+              <a:rPr lang="en-US" dirty="0"/>
+              <a:t>access </a:t>
+            </a:r>
+            <a:r>
+              <a:rPr lang="en-US" dirty="0" smtClean="0"/>
+              <a:t>to install and reinstall applications</a:t>
+            </a:r>
+            <a:endParaRPr lang="en-US" dirty="0"/>
+          </a:p>
+        </p:txBody>
+      </p:sp>
+    </p:spTree>
+    <p:extLst>
+      <p:ext uri="{BB962C8B-B14F-4D97-AF65-F5344CB8AC3E}">
+        <p14:creationId xmlns:p14="http://schemas.microsoft.com/office/powerpoint/2010/main" val="1109808074"/>
+      </p:ext>
+    </p:extLst>
+  </p:cSld>
+  <p:clrMapOvr>
+    <a:masterClrMapping/>
+  </p:clrMapOvr>
+</p:sld>
+</file>
+
+<file path=ppt/slides/slide12.xml><?xml version="1.0" encoding="utf-8"?>
 <p:sld xmlns:a="http://schemas.openxmlformats.org/drawingml/2006/main" xmlns:r="http://schemas.openxmlformats.org/officeDocument/2006/relationships" xmlns:p="http://schemas.openxmlformats.org/presentationml/2006/main">
   <p:cSld>
     <p:bg>
@@ -10428,7 +10665,7 @@
                 <a16:creationId xmlns:a16="http://schemas.microsoft.com/office/drawing/2014/main" id="{DADC4F84-175A-4AB1-916C-1E5796E1E0D3}"/>
               </a:ext>
               <a:ext uri="{C183D7F6-B498-43B3-948B-1728B52AA6E4}">
-                <adec:decorative xmlns="" xmlns:adec="http://schemas.microsoft.com/office/drawing/2017/decorative" val="1"/>
+                <adec:decorative xmlns:adec="http://schemas.microsoft.com/office/drawing/2017/decorative" xmlns="" val="1"/>
               </a:ext>
             </a:extLst>
           </p:cNvPr>
@@ -10859,7 +11096,7 @@
                 <a16:creationId xmlns:a16="http://schemas.microsoft.com/office/drawing/2014/main" id="{681577AD-DA5F-48B3-8FB9-5199BA9EE681}"/>
               </a:ext>
               <a:ext uri="{C183D7F6-B498-43B3-948B-1728B52AA6E4}">
-                <adec:decorative xmlns="" xmlns:adec="http://schemas.microsoft.com/office/drawing/2017/decorative" val="1"/>
+                <adec:decorative xmlns:adec="http://schemas.microsoft.com/office/drawing/2017/decorative" xmlns="" val="1"/>
               </a:ext>
             </a:extLst>
           </p:cNvPr>
@@ -11290,7 +11527,7 @@
                 <a16:creationId xmlns:a16="http://schemas.microsoft.com/office/drawing/2014/main" id="{681577AD-DA5F-48B3-8FB9-5199BA9EE681}"/>
               </a:ext>
               <a:ext uri="{C183D7F6-B498-43B3-948B-1728B52AA6E4}">
-                <adec:decorative xmlns="" xmlns:adec="http://schemas.microsoft.com/office/drawing/2017/decorative" val="1"/>
+                <adec:decorative xmlns:adec="http://schemas.microsoft.com/office/drawing/2017/decorative" xmlns="" val="1"/>
               </a:ext>
             </a:extLst>
           </p:cNvPr>
@@ -11611,7 +11848,7 @@
             <a:blip r:embed="rId7">
               <a:extLst>
                 <a:ext uri="{96DAC541-7B7A-43D3-8B79-37D633B846F1}">
-                  <asvg:svgBlip xmlns:lc="http://schemas.openxmlformats.org/drawingml/2006/lockedCanvas" xmlns:asvg="http://schemas.microsoft.com/office/drawing/2016/SVG/main" xmlns:dgm="http://schemas.openxmlformats.org/drawingml/2006/diagram" xmlns="" r:embed="rId8"/>
+                  <asvg:svgBlip xmlns="" xmlns:dgm="http://schemas.openxmlformats.org/drawingml/2006/diagram" xmlns:asvg="http://schemas.microsoft.com/office/drawing/2016/SVG/main" xmlns:lc="http://schemas.openxmlformats.org/drawingml/2006/lockedCanvas" r:embed="rId8"/>
                 </a:ext>
               </a:extLst>
             </a:blip>
@@ -11795,7 +12032,7 @@
             <a:blip r:embed="rId9">
               <a:extLst>
                 <a:ext uri="{96DAC541-7B7A-43D3-8B79-37D633B846F1}">
-                  <asvg:svgBlip xmlns:lc="http://schemas.openxmlformats.org/drawingml/2006/lockedCanvas" xmlns:asvg="http://schemas.microsoft.com/office/drawing/2016/SVG/main" xmlns:dgm="http://schemas.openxmlformats.org/drawingml/2006/diagram" xmlns="" r:embed="rId10"/>
+                  <asvg:svgBlip xmlns="" xmlns:dgm="http://schemas.openxmlformats.org/drawingml/2006/diagram" xmlns:asvg="http://schemas.microsoft.com/office/drawing/2016/SVG/main" xmlns:lc="http://schemas.openxmlformats.org/drawingml/2006/lockedCanvas" r:embed="rId10"/>
                 </a:ext>
               </a:extLst>
             </a:blip>
@@ -11974,7 +12211,7 @@
             <a:blip r:embed="rId11">
               <a:extLst>
                 <a:ext uri="{96DAC541-7B7A-43D3-8B79-37D633B846F1}">
-                  <asvg:svgBlip xmlns:lc="http://schemas.openxmlformats.org/drawingml/2006/lockedCanvas" xmlns:asvg="http://schemas.microsoft.com/office/drawing/2016/SVG/main" xmlns:dgm="http://schemas.openxmlformats.org/drawingml/2006/diagram" xmlns="" r:embed="rId12"/>
+                  <asvg:svgBlip xmlns="" xmlns:dgm="http://schemas.openxmlformats.org/drawingml/2006/diagram" xmlns:asvg="http://schemas.microsoft.com/office/drawing/2016/SVG/main" xmlns:lc="http://schemas.openxmlformats.org/drawingml/2006/lockedCanvas" r:embed="rId12"/>
                 </a:ext>
               </a:extLst>
             </a:blip>
@@ -12182,7 +12419,7 @@
                 <a16:creationId xmlns:a16="http://schemas.microsoft.com/office/drawing/2014/main" id="{681577AD-DA5F-48B3-8FB9-5199BA9EE681}"/>
               </a:ext>
               <a:ext uri="{C183D7F6-B498-43B3-948B-1728B52AA6E4}">
-                <adec:decorative xmlns="" xmlns:adec="http://schemas.microsoft.com/office/drawing/2017/decorative" val="1"/>
+                <adec:decorative xmlns:adec="http://schemas.microsoft.com/office/drawing/2017/decorative" xmlns="" val="1"/>
               </a:ext>
             </a:extLst>
           </p:cNvPr>
@@ -12394,8 +12631,8 @@
         </p:blipFill>
         <p:spPr bwMode="auto">
           <a:xfrm>
-            <a:off x="5165602" y="945762"/>
-            <a:ext cx="1400175" cy="1381126"/>
+            <a:off x="5165601" y="1022624"/>
+            <a:ext cx="1229067" cy="1212346"/>
           </a:xfrm>
           <a:prstGeom prst="rect">
             <a:avLst/>
@@ -12436,7 +12673,7 @@
         <p:spPr bwMode="auto">
           <a:xfrm>
             <a:off x="8236315" y="1198205"/>
-            <a:ext cx="3193686" cy="1181101"/>
+            <a:ext cx="2803403" cy="1036765"/>
           </a:xfrm>
           <a:prstGeom prst="rect">
             <a:avLst/>
@@ -12476,8 +12713,8 @@
         </p:blipFill>
         <p:spPr bwMode="auto">
           <a:xfrm>
-            <a:off x="8236313" y="2669929"/>
-            <a:ext cx="3193687" cy="1270685"/>
+            <a:off x="8236314" y="2669930"/>
+            <a:ext cx="2803404" cy="1115402"/>
           </a:xfrm>
           <a:prstGeom prst="rect">
             <a:avLst/>
@@ -12517,8 +12754,8 @@
         </p:blipFill>
         <p:spPr bwMode="auto">
           <a:xfrm>
-            <a:off x="5165603" y="2776603"/>
-            <a:ext cx="2316652" cy="952500"/>
+            <a:off x="5165602" y="2809581"/>
+            <a:ext cx="2033547" cy="836100"/>
           </a:xfrm>
           <a:prstGeom prst="rect">
             <a:avLst/>
@@ -12558,8 +12795,8 @@
         </p:blipFill>
         <p:spPr bwMode="auto">
           <a:xfrm>
-            <a:off x="8236313" y="4431689"/>
-            <a:ext cx="3077389" cy="1076326"/>
+            <a:off x="8236313" y="4211882"/>
+            <a:ext cx="2701318" cy="944794"/>
           </a:xfrm>
           <a:prstGeom prst="rect">
             <a:avLst/>
@@ -12599,8 +12836,8 @@
         </p:blipFill>
         <p:spPr bwMode="auto">
           <a:xfrm>
-            <a:off x="5165603" y="4178818"/>
-            <a:ext cx="1400174" cy="1329197"/>
+            <a:off x="5165602" y="4211882"/>
+            <a:ext cx="1229066" cy="1166763"/>
           </a:xfrm>
           <a:prstGeom prst="rect">
             <a:avLst/>
@@ -12663,7 +12900,7 @@
                 <a16:creationId xmlns:a16="http://schemas.microsoft.com/office/drawing/2014/main" id="{681577AD-DA5F-48B3-8FB9-5199BA9EE681}"/>
               </a:ext>
               <a:ext uri="{C183D7F6-B498-43B3-948B-1728B52AA6E4}">
-                <adec:decorative xmlns="" xmlns:adec="http://schemas.microsoft.com/office/drawing/2017/decorative" val="1"/>
+                <adec:decorative xmlns:adec="http://schemas.microsoft.com/office/drawing/2017/decorative" xmlns="" val="1"/>
               </a:ext>
             </a:extLst>
           </p:cNvPr>
@@ -12904,7 +13141,7 @@
                 <a16:creationId xmlns:a16="http://schemas.microsoft.com/office/drawing/2014/main" id="{681577AD-DA5F-48B3-8FB9-5199BA9EE681}"/>
               </a:ext>
               <a:ext uri="{C183D7F6-B498-43B3-948B-1728B52AA6E4}">
-                <adec:decorative xmlns="" xmlns:adec="http://schemas.microsoft.com/office/drawing/2017/decorative" val="1"/>
+                <adec:decorative xmlns:adec="http://schemas.microsoft.com/office/drawing/2017/decorative" xmlns="" val="1"/>
               </a:ext>
             </a:extLst>
           </p:cNvPr>
@@ -13245,7 +13482,7 @@
                 <a16:creationId xmlns:a16="http://schemas.microsoft.com/office/drawing/2014/main" id="{64C9EE1D-12BB-43F7-9A2A-893578DCA63A}"/>
               </a:ext>
               <a:ext uri="{C183D7F6-B498-43B3-948B-1728B52AA6E4}">
-                <adec:decorative xmlns="" xmlns:adec="http://schemas.microsoft.com/office/drawing/2017/decorative" val="1"/>
+                <adec:decorative xmlns:adec="http://schemas.microsoft.com/office/drawing/2017/decorative" xmlns="" val="1"/>
               </a:ext>
             </a:extLst>
           </p:cNvPr>
@@ -13307,7 +13544,7 @@
                 <a16:creationId xmlns:a16="http://schemas.microsoft.com/office/drawing/2014/main" id="{43962A31-C54E-4762-B155-59777FED1C75}"/>
               </a:ext>
               <a:ext uri="{C183D7F6-B498-43B3-948B-1728B52AA6E4}">
-                <adec:decorative xmlns="" xmlns:adec="http://schemas.microsoft.com/office/drawing/2017/decorative" val="1"/>
+                <adec:decorative xmlns:adec="http://schemas.microsoft.com/office/drawing/2017/decorative" xmlns="" val="1"/>
               </a:ext>
             </a:extLst>
           </p:cNvPr>
@@ -13371,7 +13608,7 @@
                 <a16:creationId xmlns:a16="http://schemas.microsoft.com/office/drawing/2014/main" id="{4B392D36-B685-45E0-B197-6EE5D748093B}"/>
               </a:ext>
               <a:ext uri="{C183D7F6-B498-43B3-948B-1728B52AA6E4}">
-                <adec:decorative xmlns="" xmlns:adec="http://schemas.microsoft.com/office/drawing/2017/decorative" val="1"/>
+                <adec:decorative xmlns:adec="http://schemas.microsoft.com/office/drawing/2017/decorative" xmlns="" val="1"/>
               </a:ext>
             </a:extLst>
           </p:cNvPr>
@@ -13431,7 +13668,7 @@
                 <a16:creationId xmlns:a16="http://schemas.microsoft.com/office/drawing/2014/main" id="{9DCA8533-CC5E-4754-9A04-047EDE49E0F9}"/>
               </a:ext>
               <a:ext uri="{C183D7F6-B498-43B3-948B-1728B52AA6E4}">
-                <adec:decorative xmlns="" xmlns:adec="http://schemas.microsoft.com/office/drawing/2017/decorative" val="1"/>
+                <adec:decorative xmlns:adec="http://schemas.microsoft.com/office/drawing/2017/decorative" xmlns="" val="1"/>
               </a:ext>
             </a:extLst>
           </p:cNvPr>
@@ -13632,7 +13869,7 @@
                 <a16:creationId xmlns:a16="http://schemas.microsoft.com/office/drawing/2014/main" id="{681577AD-DA5F-48B3-8FB9-5199BA9EE681}"/>
               </a:ext>
               <a:ext uri="{C183D7F6-B498-43B3-948B-1728B52AA6E4}">
-                <adec:decorative xmlns="" xmlns:adec="http://schemas.microsoft.com/office/drawing/2017/decorative" val="1"/>
+                <adec:decorative xmlns:adec="http://schemas.microsoft.com/office/drawing/2017/decorative" xmlns="" val="1"/>
               </a:ext>
             </a:extLst>
           </p:cNvPr>

--- a/Jenae/Project 3 - California Hospital Performance Comparison.pptx
+++ b/Jenae/Project 3 - California Hospital Performance Comparison.pptx
@@ -5,7 +5,7 @@
     <p:sldMasterId id="2147483677" r:id="rId1"/>
   </p:sldMasterIdLst>
   <p:notesMasterIdLst>
-    <p:notesMasterId r:id="rId14"/>
+    <p:notesMasterId r:id="rId16"/>
   </p:notesMasterIdLst>
   <p:sldIdLst>
     <p:sldId id="256" r:id="rId2"/>
@@ -14,12 +14,14 @@
     <p:sldId id="265" r:id="rId5"/>
     <p:sldId id="267" r:id="rId6"/>
     <p:sldId id="257" r:id="rId7"/>
-    <p:sldId id="260" r:id="rId8"/>
-    <p:sldId id="264" r:id="rId9"/>
-    <p:sldId id="261" r:id="rId10"/>
-    <p:sldId id="259" r:id="rId11"/>
-    <p:sldId id="268" r:id="rId12"/>
-    <p:sldId id="262" r:id="rId13"/>
+    <p:sldId id="269" r:id="rId8"/>
+    <p:sldId id="270" r:id="rId9"/>
+    <p:sldId id="260" r:id="rId10"/>
+    <p:sldId id="264" r:id="rId11"/>
+    <p:sldId id="261" r:id="rId12"/>
+    <p:sldId id="259" r:id="rId13"/>
+    <p:sldId id="268" r:id="rId14"/>
+    <p:sldId id="262" r:id="rId15"/>
   </p:sldIdLst>
   <p:sldSz cx="12192000" cy="6858000"/>
   <p:notesSz cx="6858000" cy="9144000"/>
@@ -1647,12 +1649,8 @@
             </a:lnSpc>
           </a:pPr>
           <a:r>
-            <a:rPr lang="en-US" b="0" i="0" dirty="0" smtClean="0"/>
-            <a:t>PURPOSE: For </a:t>
-          </a:r>
-          <a:r>
             <a:rPr lang="en-US" b="0" i="0" dirty="0"/>
-            <a:t>this project, our goal was to build an insightful dashboard including key data </a:t>
+            <a:t>PURPOSE: For this project, our goal was to build an insightful dashboard including key data </a:t>
           </a:r>
           <a:r>
             <a:rPr lang="en-US" dirty="0"/>
@@ -1701,12 +1699,8 @@
             </a:lnSpc>
           </a:pPr>
           <a:r>
-            <a:rPr lang="en-US" b="0" i="0" dirty="0" smtClean="0"/>
-            <a:t>KEY OBJECTIVE: By </a:t>
-          </a:r>
-          <a:r>
             <a:rPr lang="en-US" b="0" i="0" dirty="0"/>
-            <a:t>analyzing and visualizing the revenue mix and types of care provided at each hospital, the user can uncover trends and insights about the current healthcare system operations in California.</a:t>
+            <a:t>KEY OBJECTIVE: By analyzing and visualizing the revenue mix and types of care provided at each hospital, the user can uncover trends and insights about the current healthcare system operations in California.</a:t>
           </a:r>
           <a:endParaRPr lang="en-US" dirty="0"/>
         </a:p>
@@ -1788,13 +1782,6 @@
         </dgm:presLayoutVars>
       </dgm:prSet>
       <dgm:spPr/>
-      <dgm:t>
-        <a:bodyPr/>
-        <a:lstStyle/>
-        <a:p>
-          <a:endParaRPr lang="en-US"/>
-        </a:p>
-      </dgm:t>
     </dgm:pt>
     <dgm:pt modelId="{0EE13416-1A0A-4BE7-AF38-309CCD9FCDDA}" type="pres">
       <dgm:prSet presAssocID="{D4DCD722-4182-4E38-852D-DC8181A21CBC}" presName="compNode" presStyleCnt="0"/>
@@ -1803,13 +1790,6 @@
     <dgm:pt modelId="{0A3EB985-0886-4635-A463-46277A5E572D}" type="pres">
       <dgm:prSet presAssocID="{D4DCD722-4182-4E38-852D-DC8181A21CBC}" presName="bgRect" presStyleLbl="bgShp" presStyleIdx="0" presStyleCnt="3"/>
       <dgm:spPr/>
-      <dgm:t>
-        <a:bodyPr/>
-        <a:lstStyle/>
-        <a:p>
-          <a:endParaRPr lang="en-US"/>
-        </a:p>
-      </dgm:t>
     </dgm:pt>
     <dgm:pt modelId="{F183BD5F-A441-429E-B298-F85C7FD9A97D}" type="pres">
       <dgm:prSet presAssocID="{D4DCD722-4182-4E38-852D-DC8181A21CBC}" presName="iconRect" presStyleLbl="node1" presStyleIdx="0" presStyleCnt="3"/>
@@ -1821,7 +1801,7 @@
                 <a14:useLocalDpi xmlns:a14="http://schemas.microsoft.com/office/drawing/2010/main" val="0"/>
               </a:ext>
               <a:ext uri="{96DAC541-7B7A-43D3-8B79-37D633B846F1}">
-                <asvg:svgBlip xmlns:asvg="http://schemas.microsoft.com/office/drawing/2016/SVG/main" xmlns="" r:embed="rId2"/>
+                <asvg:svgBlip xmlns:asvg="http://schemas.microsoft.com/office/drawing/2016/SVG/main" r:embed="rId2"/>
               </a:ext>
             </a:extLst>
           </a:blip>
@@ -1830,13 +1810,6 @@
           </a:stretch>
         </a:blipFill>
       </dgm:spPr>
-      <dgm:t>
-        <a:bodyPr/>
-        <a:lstStyle/>
-        <a:p>
-          <a:endParaRPr lang="en-US"/>
-        </a:p>
-      </dgm:t>
       <dgm:extLst>
         <a:ext uri="{E40237B7-FDA0-4F09-8148-C483321AD2D9}">
           <dgm14:cNvPr xmlns:dgm14="http://schemas.microsoft.com/office/drawing/2010/diagram" id="0" name="" descr="Statistics"/>
@@ -1855,13 +1828,6 @@
         </dgm:presLayoutVars>
       </dgm:prSet>
       <dgm:spPr/>
-      <dgm:t>
-        <a:bodyPr/>
-        <a:lstStyle/>
-        <a:p>
-          <a:endParaRPr lang="en-US"/>
-        </a:p>
-      </dgm:t>
     </dgm:pt>
     <dgm:pt modelId="{BD7FBB69-4D45-4015-8D5D-81E3B0A4907F}" type="pres">
       <dgm:prSet presAssocID="{CE7F95AC-4DE3-42AA-A71F-4EDF665F3304}" presName="sibTrans" presStyleCnt="0"/>
@@ -1874,13 +1840,6 @@
     <dgm:pt modelId="{CA57E06E-F102-47CB-91F2-161FB7AE1ABB}" type="pres">
       <dgm:prSet presAssocID="{0B3256F4-2EE4-4858-80E3-84F16D18622C}" presName="bgRect" presStyleLbl="bgShp" presStyleIdx="1" presStyleCnt="3"/>
       <dgm:spPr/>
-      <dgm:t>
-        <a:bodyPr/>
-        <a:lstStyle/>
-        <a:p>
-          <a:endParaRPr lang="en-US"/>
-        </a:p>
-      </dgm:t>
     </dgm:pt>
     <dgm:pt modelId="{9A3EFD32-1706-494B-BC41-B873B0873934}" type="pres">
       <dgm:prSet presAssocID="{0B3256F4-2EE4-4858-80E3-84F16D18622C}" presName="iconRect" presStyleLbl="node1" presStyleIdx="1" presStyleCnt="3"/>
@@ -1892,7 +1851,7 @@
                 <a14:useLocalDpi xmlns:a14="http://schemas.microsoft.com/office/drawing/2010/main" val="0"/>
               </a:ext>
               <a:ext uri="{96DAC541-7B7A-43D3-8B79-37D633B846F1}">
-                <asvg:svgBlip xmlns:asvg="http://schemas.microsoft.com/office/drawing/2016/SVG/main" xmlns="" r:embed="rId4"/>
+                <asvg:svgBlip xmlns:asvg="http://schemas.microsoft.com/office/drawing/2016/SVG/main" r:embed="rId4"/>
               </a:ext>
             </a:extLst>
           </a:blip>
@@ -1901,13 +1860,6 @@
           </a:stretch>
         </a:blipFill>
       </dgm:spPr>
-      <dgm:t>
-        <a:bodyPr/>
-        <a:lstStyle/>
-        <a:p>
-          <a:endParaRPr lang="en-US"/>
-        </a:p>
-      </dgm:t>
       <dgm:extLst>
         <a:ext uri="{E40237B7-FDA0-4F09-8148-C483321AD2D9}">
           <dgm14:cNvPr xmlns:dgm14="http://schemas.microsoft.com/office/drawing/2010/diagram" id="0" name="" descr="Doctor"/>
@@ -1926,13 +1878,6 @@
         </dgm:presLayoutVars>
       </dgm:prSet>
       <dgm:spPr/>
-      <dgm:t>
-        <a:bodyPr/>
-        <a:lstStyle/>
-        <a:p>
-          <a:endParaRPr lang="en-US"/>
-        </a:p>
-      </dgm:t>
     </dgm:pt>
     <dgm:pt modelId="{7D88DFF1-C999-4C81-9ECD-BC354B74357A}" type="pres">
       <dgm:prSet presAssocID="{45583C0E-4EAA-4FEA-BA94-8ED643336921}" presName="sibTrans" presStyleCnt="0"/>
@@ -1953,7 +1898,7 @@
           <a:blip xmlns:r="http://schemas.openxmlformats.org/officeDocument/2006/relationships" r:embed="rId5">
             <a:extLst>
               <a:ext uri="{96DAC541-7B7A-43D3-8B79-37D633B846F1}">
-                <asvg:svgBlip xmlns:asvg="http://schemas.microsoft.com/office/drawing/2016/SVG/main" xmlns="" r:embed="rId6"/>
+                <asvg:svgBlip xmlns:asvg="http://schemas.microsoft.com/office/drawing/2016/SVG/main" r:embed="rId6"/>
               </a:ext>
             </a:extLst>
           </a:blip>
@@ -1981,22 +1926,15 @@
         </dgm:presLayoutVars>
       </dgm:prSet>
       <dgm:spPr/>
-      <dgm:t>
-        <a:bodyPr/>
-        <a:lstStyle/>
-        <a:p>
-          <a:endParaRPr lang="en-US"/>
-        </a:p>
-      </dgm:t>
     </dgm:pt>
   </dgm:ptLst>
   <dgm:cxnLst>
     <dgm:cxn modelId="{470D943C-5DDC-4478-988D-49D8C0D9E44E}" type="presOf" srcId="{0B3256F4-2EE4-4858-80E3-84F16D18622C}" destId="{D995DAC8-92E1-4180-AFDA-BB26B85D3133}" srcOrd="0" destOrd="0" presId="urn:microsoft.com/office/officeart/2018/2/layout/IconVerticalSolidList"/>
+    <dgm:cxn modelId="{B68B9450-40E7-48AA-9837-08049450DDDC}" srcId="{5648D7A0-9D49-433C-A116-96E67296EEF4}" destId="{0B3256F4-2EE4-4858-80E3-84F16D18622C}" srcOrd="1" destOrd="0" parTransId="{3BEA5680-58EA-4B61-8854-C59850564086}" sibTransId="{45583C0E-4EAA-4FEA-BA94-8ED643336921}"/>
     <dgm:cxn modelId="{0556319D-B5E2-4E45-A39D-5B10A23FB278}" srcId="{5648D7A0-9D49-433C-A116-96E67296EEF4}" destId="{14E98AC5-9129-4BD1-A72E-62E664F8FFA8}" srcOrd="2" destOrd="0" parTransId="{43A129E9-1BA2-474E-86AA-CA9D35E2DF14}" sibTransId="{9B823D46-1E20-4844-8DE6-A19BA5D2A60E}"/>
+    <dgm:cxn modelId="{261C6FA6-55E9-4FD4-96E8-A057EC43B289}" type="presOf" srcId="{5648D7A0-9D49-433C-A116-96E67296EEF4}" destId="{59DE5CAA-2CAD-43E8-B0AF-7AF32D86B08A}" srcOrd="0" destOrd="0" presId="urn:microsoft.com/office/officeart/2018/2/layout/IconVerticalSolidList"/>
     <dgm:cxn modelId="{895D04B1-E1B1-46C0-A3EF-7A18399512F6}" type="presOf" srcId="{D4DCD722-4182-4E38-852D-DC8181A21CBC}" destId="{1AB80843-C108-47B6-98BC-B034661C3C04}" srcOrd="0" destOrd="0" presId="urn:microsoft.com/office/officeart/2018/2/layout/IconVerticalSolidList"/>
-    <dgm:cxn modelId="{261C6FA6-55E9-4FD4-96E8-A057EC43B289}" type="presOf" srcId="{5648D7A0-9D49-433C-A116-96E67296EEF4}" destId="{59DE5CAA-2CAD-43E8-B0AF-7AF32D86B08A}" srcOrd="0" destOrd="0" presId="urn:microsoft.com/office/officeart/2018/2/layout/IconVerticalSolidList"/>
     <dgm:cxn modelId="{63D101CE-514D-4E76-AE58-DDAE2C5E8617}" srcId="{5648D7A0-9D49-433C-A116-96E67296EEF4}" destId="{D4DCD722-4182-4E38-852D-DC8181A21CBC}" srcOrd="0" destOrd="0" parTransId="{70F3084D-7E3E-4101-91CB-2B5DCE0EDBB7}" sibTransId="{CE7F95AC-4DE3-42AA-A71F-4EDF665F3304}"/>
-    <dgm:cxn modelId="{B68B9450-40E7-48AA-9837-08049450DDDC}" srcId="{5648D7A0-9D49-433C-A116-96E67296EEF4}" destId="{0B3256F4-2EE4-4858-80E3-84F16D18622C}" srcOrd="1" destOrd="0" parTransId="{3BEA5680-58EA-4B61-8854-C59850564086}" sibTransId="{45583C0E-4EAA-4FEA-BA94-8ED643336921}"/>
     <dgm:cxn modelId="{CCC103E3-C135-4C73-BAFC-EB684CD17B23}" type="presOf" srcId="{14E98AC5-9129-4BD1-A72E-62E664F8FFA8}" destId="{AFBBA951-EA0F-4FEA-873D-D7F4CE07E77E}" srcOrd="0" destOrd="0" presId="urn:microsoft.com/office/officeart/2018/2/layout/IconVerticalSolidList"/>
     <dgm:cxn modelId="{F8688E0B-5331-47AD-926B-44A482F56D07}" type="presParOf" srcId="{59DE5CAA-2CAD-43E8-B0AF-7AF32D86B08A}" destId="{0EE13416-1A0A-4BE7-AF38-309CCD9FCDDA}" srcOrd="0" destOrd="0" presId="urn:microsoft.com/office/officeart/2018/2/layout/IconVerticalSolidList"/>
     <dgm:cxn modelId="{A2B80D35-7A5D-40A7-987D-E31AF9FB9D5E}" type="presParOf" srcId="{0EE13416-1A0A-4BE7-AF38-309CCD9FCDDA}" destId="{0A3EB985-0886-4635-A463-46277A5E572D}" srcOrd="0" destOrd="0" presId="urn:microsoft.com/office/officeart/2018/2/layout/IconVerticalSolidList"/>
@@ -2054,15 +1992,7 @@
           </a:pPr>
           <a:r>
             <a:rPr lang="en-US" dirty="0"/>
-            <a:t>9 </a:t>
-          </a:r>
-          <a:r>
-            <a:rPr lang="en-US" dirty="0" smtClean="0"/>
-            <a:t>Payer </a:t>
-          </a:r>
-          <a:r>
-            <a:rPr lang="en-US" dirty="0"/>
-            <a:t>Categories</a:t>
+            <a:t>9 Payer Categories</a:t>
           </a:r>
         </a:p>
       </dgm:t>
@@ -2103,13 +2033,8 @@
           </a:pPr>
           <a:r>
             <a:rPr lang="en-US" dirty="0"/>
-            <a:t>431 </a:t>
+            <a:t>431 Hospitals</a:t>
           </a:r>
-          <a:r>
-            <a:rPr lang="en-US" dirty="0" smtClean="0"/>
-            <a:t>Hospitals</a:t>
-          </a:r>
-          <a:endParaRPr lang="en-US" dirty="0"/>
         </a:p>
       </dgm:t>
     </dgm:pt>
@@ -2184,13 +2109,6 @@
         </dgm:presLayoutVars>
       </dgm:prSet>
       <dgm:spPr/>
-      <dgm:t>
-        <a:bodyPr/>
-        <a:lstStyle/>
-        <a:p>
-          <a:endParaRPr lang="en-US"/>
-        </a:p>
-      </dgm:t>
     </dgm:pt>
     <dgm:pt modelId="{501497E0-294A-49C5-89D2-C909FA231A6F}" type="pres">
       <dgm:prSet presAssocID="{CD05649B-8C74-4D5B-9E3F-2478BA58C891}" presName="compNode" presStyleCnt="0"/>
@@ -2203,7 +2121,7 @@
           <a:blip xmlns:r="http://schemas.openxmlformats.org/officeDocument/2006/relationships" r:embed="rId1">
             <a:extLst>
               <a:ext uri="{96DAC541-7B7A-43D3-8B79-37D633B846F1}">
-                <asvg:svgBlip xmlns:asvg="http://schemas.microsoft.com/office/drawing/2016/SVG/main" xmlns="" r:embed="rId2"/>
+                <asvg:svgBlip xmlns:asvg="http://schemas.microsoft.com/office/drawing/2016/SVG/main" r:embed="rId2"/>
               </a:ext>
             </a:extLst>
           </a:blip>
@@ -2231,13 +2149,6 @@
         </dgm:presLayoutVars>
       </dgm:prSet>
       <dgm:spPr/>
-      <dgm:t>
-        <a:bodyPr/>
-        <a:lstStyle/>
-        <a:p>
-          <a:endParaRPr lang="en-US"/>
-        </a:p>
-      </dgm:t>
     </dgm:pt>
     <dgm:pt modelId="{CD6BAFD9-E5DA-4F17-9A84-4AD1A3A70EE8}" type="pres">
       <dgm:prSet presAssocID="{F50EEB1D-DA31-4ED6-9E63-43C83A8075FF}" presName="sibTrans" presStyleCnt="0"/>
@@ -2254,7 +2165,7 @@
           <a:blip xmlns:r="http://schemas.openxmlformats.org/officeDocument/2006/relationships" r:embed="rId3">
             <a:extLst>
               <a:ext uri="{96DAC541-7B7A-43D3-8B79-37D633B846F1}">
-                <asvg:svgBlip xmlns:asvg="http://schemas.microsoft.com/office/drawing/2016/SVG/main" xmlns="" r:embed="rId4"/>
+                <asvg:svgBlip xmlns:asvg="http://schemas.microsoft.com/office/drawing/2016/SVG/main" r:embed="rId4"/>
               </a:ext>
             </a:extLst>
           </a:blip>
@@ -2282,13 +2193,6 @@
         </dgm:presLayoutVars>
       </dgm:prSet>
       <dgm:spPr/>
-      <dgm:t>
-        <a:bodyPr/>
-        <a:lstStyle/>
-        <a:p>
-          <a:endParaRPr lang="en-US"/>
-        </a:p>
-      </dgm:t>
     </dgm:pt>
     <dgm:pt modelId="{BE27F95E-0DD7-4F3D-A58D-41C81F6498EB}" type="pres">
       <dgm:prSet presAssocID="{C817E149-F3C7-4452-A6F4-665D49D13D94}" presName="sibTrans" presStyleCnt="0"/>
@@ -2305,7 +2209,7 @@
           <a:blip xmlns:r="http://schemas.openxmlformats.org/officeDocument/2006/relationships" r:embed="rId5">
             <a:extLst>
               <a:ext uri="{96DAC541-7B7A-43D3-8B79-37D633B846F1}">
-                <asvg:svgBlip xmlns:asvg="http://schemas.microsoft.com/office/drawing/2016/SVG/main" xmlns="" r:embed="rId6"/>
+                <asvg:svgBlip xmlns:asvg="http://schemas.microsoft.com/office/drawing/2016/SVG/main" r:embed="rId6"/>
               </a:ext>
             </a:extLst>
           </a:blip>
@@ -2333,23 +2237,16 @@
         </dgm:presLayoutVars>
       </dgm:prSet>
       <dgm:spPr/>
-      <dgm:t>
-        <a:bodyPr/>
-        <a:lstStyle/>
-        <a:p>
-          <a:endParaRPr lang="en-US"/>
-        </a:p>
-      </dgm:t>
     </dgm:pt>
   </dgm:ptLst>
   <dgm:cxnLst>
-    <dgm:cxn modelId="{D15B439E-E938-4B2A-AB33-A7F61597D7F3}" type="presOf" srcId="{CD05649B-8C74-4D5B-9E3F-2478BA58C891}" destId="{CC1A6799-D267-4FCD-8D98-2D457C544FFD}" srcOrd="0" destOrd="0" presId="urn:microsoft.com/office/officeart/2018/2/layout/IconLabelList"/>
-    <dgm:cxn modelId="{7E345779-6A52-41EE-AC5F-761A4B01613E}" srcId="{B921DA41-0734-4180-A0B6-1C7C30DED0D5}" destId="{6F563EB3-AEFF-427A-89EC-D5F54DE0D1CE}" srcOrd="1" destOrd="0" parTransId="{A1E92C1C-02F9-4AD1-9C19-4D29BA0FC418}" sibTransId="{C817E149-F3C7-4452-A6F4-665D49D13D94}"/>
     <dgm:cxn modelId="{BFAEE101-1639-4670-8CF2-DE8BE8EB4188}" srcId="{B921DA41-0734-4180-A0B6-1C7C30DED0D5}" destId="{BE1D28A6-BC45-4632-BBC7-A7A1D6E10743}" srcOrd="2" destOrd="0" parTransId="{50FD35C8-F98E-4C15-9915-440B107ADE43}" sibTransId="{1DF6F867-E370-44B3-96D9-4D831F312971}"/>
-    <dgm:cxn modelId="{1680D877-6EE7-4669-A372-0F398F999849}" srcId="{B921DA41-0734-4180-A0B6-1C7C30DED0D5}" destId="{CD05649B-8C74-4D5B-9E3F-2478BA58C891}" srcOrd="0" destOrd="0" parTransId="{D80FF642-D437-4291-BAD2-8325AA4D3F91}" sibTransId="{F50EEB1D-DA31-4ED6-9E63-43C83A8075FF}"/>
-    <dgm:cxn modelId="{D740EBFB-6A3D-4AD9-92E7-FB65DBCB4042}" type="presOf" srcId="{6F563EB3-AEFF-427A-89EC-D5F54DE0D1CE}" destId="{6D8C13C9-D2B6-41FD-949D-ED6966756D3F}" srcOrd="0" destOrd="0" presId="urn:microsoft.com/office/officeart/2018/2/layout/IconLabelList"/>
     <dgm:cxn modelId="{8A96CC04-928E-4780-A7AA-8D92B0763C41}" type="presOf" srcId="{BE1D28A6-BC45-4632-BBC7-A7A1D6E10743}" destId="{39863B24-82F4-4CA6-9BDD-CD3F63E41161}" srcOrd="0" destOrd="0" presId="urn:microsoft.com/office/officeart/2018/2/layout/IconLabelList"/>
     <dgm:cxn modelId="{8F1AE952-3587-42BE-AB67-0105F4820479}" type="presOf" srcId="{B921DA41-0734-4180-A0B6-1C7C30DED0D5}" destId="{18CBCA29-BA31-47DE-8C33-F0613E7E4EB0}" srcOrd="0" destOrd="0" presId="urn:microsoft.com/office/officeart/2018/2/layout/IconLabelList"/>
+    <dgm:cxn modelId="{1680D877-6EE7-4669-A372-0F398F999849}" srcId="{B921DA41-0734-4180-A0B6-1C7C30DED0D5}" destId="{CD05649B-8C74-4D5B-9E3F-2478BA58C891}" srcOrd="0" destOrd="0" parTransId="{D80FF642-D437-4291-BAD2-8325AA4D3F91}" sibTransId="{F50EEB1D-DA31-4ED6-9E63-43C83A8075FF}"/>
+    <dgm:cxn modelId="{7E345779-6A52-41EE-AC5F-761A4B01613E}" srcId="{B921DA41-0734-4180-A0B6-1C7C30DED0D5}" destId="{6F563EB3-AEFF-427A-89EC-D5F54DE0D1CE}" srcOrd="1" destOrd="0" parTransId="{A1E92C1C-02F9-4AD1-9C19-4D29BA0FC418}" sibTransId="{C817E149-F3C7-4452-A6F4-665D49D13D94}"/>
+    <dgm:cxn modelId="{D15B439E-E938-4B2A-AB33-A7F61597D7F3}" type="presOf" srcId="{CD05649B-8C74-4D5B-9E3F-2478BA58C891}" destId="{CC1A6799-D267-4FCD-8D98-2D457C544FFD}" srcOrd="0" destOrd="0" presId="urn:microsoft.com/office/officeart/2018/2/layout/IconLabelList"/>
+    <dgm:cxn modelId="{D740EBFB-6A3D-4AD9-92E7-FB65DBCB4042}" type="presOf" srcId="{6F563EB3-AEFF-427A-89EC-D5F54DE0D1CE}" destId="{6D8C13C9-D2B6-41FD-949D-ED6966756D3F}" srcOrd="0" destOrd="0" presId="urn:microsoft.com/office/officeart/2018/2/layout/IconLabelList"/>
     <dgm:cxn modelId="{CC638B33-FBA5-4178-B6D2-76C7DD3D0E65}" type="presParOf" srcId="{18CBCA29-BA31-47DE-8C33-F0613E7E4EB0}" destId="{501497E0-294A-49C5-89D2-C909FA231A6F}" srcOrd="0" destOrd="0" presId="urn:microsoft.com/office/officeart/2018/2/layout/IconLabelList"/>
     <dgm:cxn modelId="{41B7A322-2A7E-45FF-B78E-2AAF42935051}" type="presParOf" srcId="{501497E0-294A-49C5-89D2-C909FA231A6F}" destId="{F918D225-4876-42BC-96A3-9EF9540B7B88}" srcOrd="0" destOrd="0" presId="urn:microsoft.com/office/officeart/2018/2/layout/IconLabelList"/>
     <dgm:cxn modelId="{2750350F-B408-4266-BBDE-2A7B81BD8072}" type="presParOf" srcId="{501497E0-294A-49C5-89D2-C909FA231A6F}" destId="{D884340C-78CD-4F9B-8425-A387E6831590}" srcOrd="1" destOrd="0" presId="urn:microsoft.com/office/officeart/2018/2/layout/IconLabelList"/>
@@ -2445,7 +2342,7 @@
                 <a14:useLocalDpi xmlns:a14="http://schemas.microsoft.com/office/drawing/2010/main" val="0"/>
               </a:ext>
               <a:ext uri="{96DAC541-7B7A-43D3-8B79-37D633B846F1}">
-                <asvg:svgBlip xmlns:asvg="http://schemas.microsoft.com/office/drawing/2016/SVG/main" xmlns="" r:embed="rId2"/>
+                <asvg:svgBlip xmlns:asvg="http://schemas.microsoft.com/office/drawing/2016/SVG/main" r:embed="rId2"/>
               </a:ext>
             </a:extLst>
           </a:blip>
@@ -2518,7 +2415,7 @@
         </a:bodyPr>
         <a:lstStyle/>
         <a:p>
-          <a:pPr lvl="0" algn="l" defTabSz="755650">
+          <a:pPr marL="0" lvl="0" indent="0" algn="l" defTabSz="755650">
             <a:lnSpc>
               <a:spcPct val="100000"/>
             </a:lnSpc>
@@ -2528,14 +2425,11 @@
             <a:spcAft>
               <a:spcPct val="35000"/>
             </a:spcAft>
+            <a:buNone/>
           </a:pPr>
           <a:r>
-            <a:rPr lang="en-US" sz="1700" b="0" i="0" kern="1200" dirty="0" smtClean="0"/>
-            <a:t>PURPOSE: For </a:t>
-          </a:r>
-          <a:r>
             <a:rPr lang="en-US" sz="1700" b="0" i="0" kern="1200" dirty="0"/>
-            <a:t>this project, our goal was to build an insightful dashboard including key data </a:t>
+            <a:t>PURPOSE: For this project, our goal was to build an insightful dashboard including key data </a:t>
           </a:r>
           <a:r>
             <a:rPr lang="en-US" sz="1700" kern="1200" dirty="0"/>
@@ -2615,7 +2509,7 @@
                 <a14:useLocalDpi xmlns:a14="http://schemas.microsoft.com/office/drawing/2010/main" val="0"/>
               </a:ext>
               <a:ext uri="{96DAC541-7B7A-43D3-8B79-37D633B846F1}">
-                <asvg:svgBlip xmlns:asvg="http://schemas.microsoft.com/office/drawing/2016/SVG/main" xmlns="" r:embed="rId4"/>
+                <asvg:svgBlip xmlns:asvg="http://schemas.microsoft.com/office/drawing/2016/SVG/main" r:embed="rId4"/>
               </a:ext>
             </a:extLst>
           </a:blip>
@@ -2688,7 +2582,7 @@
         </a:bodyPr>
         <a:lstStyle/>
         <a:p>
-          <a:pPr lvl="0" algn="l" defTabSz="755650">
+          <a:pPr marL="0" lvl="0" indent="0" algn="l" defTabSz="755650">
             <a:lnSpc>
               <a:spcPct val="100000"/>
             </a:lnSpc>
@@ -2698,14 +2592,11 @@
             <a:spcAft>
               <a:spcPct val="35000"/>
             </a:spcAft>
+            <a:buNone/>
           </a:pPr>
           <a:r>
-            <a:rPr lang="en-US" sz="1700" b="0" i="0" kern="1200" dirty="0" smtClean="0"/>
-            <a:t>KEY OBJECTIVE: By </a:t>
-          </a:r>
-          <a:r>
             <a:rPr lang="en-US" sz="1700" b="0" i="0" kern="1200" dirty="0"/>
-            <a:t>analyzing and visualizing the revenue mix and types of care provided at each hospital, the user can uncover trends and insights about the current healthcare system operations in California.</a:t>
+            <a:t>KEY OBJECTIVE: By analyzing and visualizing the revenue mix and types of care provided at each hospital, the user can uncover trends and insights about the current healthcare system operations in California.</a:t>
           </a:r>
           <a:endParaRPr lang="en-US" sz="1700" kern="1200" dirty="0"/>
         </a:p>
@@ -2774,7 +2665,7 @@
           <a:blip xmlns:r="http://schemas.openxmlformats.org/officeDocument/2006/relationships" r:embed="rId5">
             <a:extLst>
               <a:ext uri="{96DAC541-7B7A-43D3-8B79-37D633B846F1}">
-                <asvg:svgBlip xmlns:asvg="http://schemas.microsoft.com/office/drawing/2016/SVG/main" xmlns="" r:embed="rId6"/>
+                <asvg:svgBlip xmlns:asvg="http://schemas.microsoft.com/office/drawing/2016/SVG/main" r:embed="rId6"/>
               </a:ext>
             </a:extLst>
           </a:blip>
@@ -2848,7 +2739,7 @@
         </a:bodyPr>
         <a:lstStyle/>
         <a:p>
-          <a:pPr lvl="0" algn="l" defTabSz="755650">
+          <a:pPr marL="0" lvl="0" indent="0" algn="l" defTabSz="755650">
             <a:lnSpc>
               <a:spcPct val="100000"/>
             </a:lnSpc>
@@ -2858,6 +2749,7 @@
             <a:spcAft>
               <a:spcPct val="35000"/>
             </a:spcAft>
+            <a:buNone/>
           </a:pPr>
           <a:r>
             <a:rPr lang="en-US" sz="1700" kern="1200" dirty="0"/>
@@ -2904,7 +2796,7 @@
           <a:blip xmlns:r="http://schemas.openxmlformats.org/officeDocument/2006/relationships" r:embed="rId1">
             <a:extLst>
               <a:ext uri="{96DAC541-7B7A-43D3-8B79-37D633B846F1}">
-                <asvg:svgBlip xmlns:asvg="http://schemas.microsoft.com/office/drawing/2016/SVG/main" xmlns="" r:embed="rId2"/>
+                <asvg:svgBlip xmlns:asvg="http://schemas.microsoft.com/office/drawing/2016/SVG/main" r:embed="rId2"/>
               </a:ext>
             </a:extLst>
           </a:blip>
@@ -2978,7 +2870,7 @@
         </a:bodyPr>
         <a:lstStyle/>
         <a:p>
-          <a:pPr lvl="0" algn="ctr" defTabSz="755650">
+          <a:pPr marL="0" lvl="0" indent="0" algn="ctr" defTabSz="755650">
             <a:lnSpc>
               <a:spcPct val="100000"/>
             </a:lnSpc>
@@ -2988,18 +2880,11 @@
             <a:spcAft>
               <a:spcPct val="35000"/>
             </a:spcAft>
+            <a:buNone/>
           </a:pPr>
           <a:r>
             <a:rPr lang="en-US" sz="1700" kern="1200" dirty="0"/>
-            <a:t>9 </a:t>
-          </a:r>
-          <a:r>
-            <a:rPr lang="en-US" sz="1700" kern="1200" dirty="0" smtClean="0"/>
-            <a:t>Payer </a:t>
-          </a:r>
-          <a:r>
-            <a:rPr lang="en-US" sz="1700" kern="1200" dirty="0"/>
-            <a:t>Categories</a:t>
+            <a:t>9 Payer Categories</a:t>
           </a:r>
         </a:p>
       </dsp:txBody>
@@ -3025,7 +2910,7 @@
           <a:blip xmlns:r="http://schemas.openxmlformats.org/officeDocument/2006/relationships" r:embed="rId3">
             <a:extLst>
               <a:ext uri="{96DAC541-7B7A-43D3-8B79-37D633B846F1}">
-                <asvg:svgBlip xmlns:asvg="http://schemas.microsoft.com/office/drawing/2016/SVG/main" xmlns="" r:embed="rId4"/>
+                <asvg:svgBlip xmlns:asvg="http://schemas.microsoft.com/office/drawing/2016/SVG/main" r:embed="rId4"/>
               </a:ext>
             </a:extLst>
           </a:blip>
@@ -3099,7 +2984,7 @@
         </a:bodyPr>
         <a:lstStyle/>
         <a:p>
-          <a:pPr lvl="0" algn="ctr" defTabSz="755650">
+          <a:pPr marL="0" lvl="0" indent="0" algn="ctr" defTabSz="755650">
             <a:lnSpc>
               <a:spcPct val="100000"/>
             </a:lnSpc>
@@ -3109,16 +2994,12 @@
             <a:spcAft>
               <a:spcPct val="35000"/>
             </a:spcAft>
+            <a:buNone/>
           </a:pPr>
           <a:r>
             <a:rPr lang="en-US" sz="1700" kern="1200" dirty="0"/>
-            <a:t>431 </a:t>
+            <a:t>431 Hospitals</a:t>
           </a:r>
-          <a:r>
-            <a:rPr lang="en-US" sz="1700" kern="1200" dirty="0" smtClean="0"/>
-            <a:t>Hospitals</a:t>
-          </a:r>
-          <a:endParaRPr lang="en-US" sz="1700" kern="1200" dirty="0"/>
         </a:p>
       </dsp:txBody>
       <dsp:txXfrm>
@@ -3143,7 +3024,7 @@
           <a:blip xmlns:r="http://schemas.openxmlformats.org/officeDocument/2006/relationships" r:embed="rId5">
             <a:extLst>
               <a:ext uri="{96DAC541-7B7A-43D3-8B79-37D633B846F1}">
-                <asvg:svgBlip xmlns:asvg="http://schemas.microsoft.com/office/drawing/2016/SVG/main" xmlns="" r:embed="rId6"/>
+                <asvg:svgBlip xmlns:asvg="http://schemas.microsoft.com/office/drawing/2016/SVG/main" r:embed="rId6"/>
               </a:ext>
             </a:extLst>
           </a:blip>
@@ -3217,7 +3098,7 @@
         </a:bodyPr>
         <a:lstStyle/>
         <a:p>
-          <a:pPr lvl="0" algn="ctr" defTabSz="755650">
+          <a:pPr marL="0" lvl="0" indent="0" algn="ctr" defTabSz="755650">
             <a:lnSpc>
               <a:spcPct val="100000"/>
             </a:lnSpc>
@@ -3227,6 +3108,7 @@
             <a:spcAft>
               <a:spcPct val="35000"/>
             </a:spcAft>
+            <a:buNone/>
           </a:pPr>
           <a:r>
             <a:rPr lang="en-US" sz="1700" kern="1200" dirty="0"/>
@@ -3520,7 +3402,7 @@
   </dgm:layoutNode>
   <dgm:extLst>
     <a:ext uri="{68A01E43-0DF5-4B5B-8FA6-DAF915123BFB}">
-      <dgm1612:lstStyle xmlns:dgm1612="http://schemas.microsoft.com/office/drawing/2016/12/diagram" xmlns="">
+      <dgm1612:lstStyle xmlns:dgm1612="http://schemas.microsoft.com/office/drawing/2016/12/diagram">
         <a:lvl1pPr>
           <a:lnSpc>
             <a:spcPct val="100000"/>
@@ -3715,7 +3597,7 @@
   </dgm:layoutNode>
   <dgm:extLst>
     <a:ext uri="{68A01E43-0DF5-4B5B-8FA6-DAF915123BFB}">
-      <dgm1612:lstStyle xmlns:dgm1612="http://schemas.microsoft.com/office/drawing/2016/12/diagram" xmlns="">
+      <dgm1612:lstStyle xmlns:dgm1612="http://schemas.microsoft.com/office/drawing/2016/12/diagram">
         <a:lvl1pPr>
           <a:lnSpc>
             <a:spcPct val="100000"/>
@@ -5877,7 +5759,7 @@
           <a:p>
             <a:fld id="{D8099AAA-69B8-418C-BEE6-AC95D1A624A2}" type="datetimeFigureOut">
               <a:rPr lang="en-US" smtClean="0"/>
-              <a:t>03/18/2024</a:t>
+              <a:t>3/18/24</a:t>
             </a:fld>
             <a:endParaRPr lang="en-US"/>
           </a:p>
@@ -5941,38 +5823,37 @@
           <a:p>
             <a:pPr lvl="0"/>
             <a:r>
-              <a:rPr lang="en-US" smtClean="0"/>
+              <a:rPr lang="en-US"/>
               <a:t>Edit Master text styles</a:t>
             </a:r>
           </a:p>
           <a:p>
             <a:pPr lvl="1"/>
             <a:r>
-              <a:rPr lang="en-US" smtClean="0"/>
+              <a:rPr lang="en-US"/>
               <a:t>Second level</a:t>
             </a:r>
           </a:p>
           <a:p>
             <a:pPr lvl="2"/>
             <a:r>
-              <a:rPr lang="en-US" smtClean="0"/>
+              <a:rPr lang="en-US"/>
               <a:t>Third level</a:t>
             </a:r>
           </a:p>
           <a:p>
             <a:pPr lvl="3"/>
             <a:r>
-              <a:rPr lang="en-US" smtClean="0"/>
+              <a:rPr lang="en-US"/>
               <a:t>Fourth level</a:t>
             </a:r>
           </a:p>
           <a:p>
             <a:pPr lvl="4"/>
             <a:r>
-              <a:rPr lang="en-US" smtClean="0"/>
+              <a:rPr lang="en-US"/>
               <a:t>Fifth level</a:t>
             </a:r>
-            <a:endParaRPr lang="en-US"/>
           </a:p>
         </p:txBody>
       </p:sp>
@@ -6294,7 +6175,7 @@
           <a:p>
             <a:fld id="{9ACEF446-EFA3-4D05-AA19-5D78259E99C0}" type="slidenum">
               <a:rPr lang="en-US" smtClean="0"/>
-              <a:t>11</a:t>
+              <a:t>13</a:t>
             </a:fld>
             <a:endParaRPr lang="en-US"/>
           </a:p>
@@ -6537,7 +6418,7 @@
           <a:p>
             <a:fld id="{14D49F24-C369-408B-985E-7F462C90F2F7}" type="datetimeFigureOut">
               <a:rPr lang="en-US" smtClean="0"/>
-              <a:t>03/18/2024</a:t>
+              <a:t>3/18/24</a:t>
             </a:fld>
             <a:endParaRPr lang="en-US"/>
           </a:p>
@@ -6707,7 +6588,7 @@
           <a:p>
             <a:fld id="{14D49F24-C369-408B-985E-7F462C90F2F7}" type="datetimeFigureOut">
               <a:rPr lang="en-US" smtClean="0"/>
-              <a:t>03/18/2024</a:t>
+              <a:t>3/18/24</a:t>
             </a:fld>
             <a:endParaRPr lang="en-US"/>
           </a:p>
@@ -6887,7 +6768,7 @@
           <a:p>
             <a:fld id="{14D49F24-C369-408B-985E-7F462C90F2F7}" type="datetimeFigureOut">
               <a:rPr lang="en-US" smtClean="0"/>
-              <a:t>03/18/2024</a:t>
+              <a:t>3/18/24</a:t>
             </a:fld>
             <a:endParaRPr lang="en-US"/>
           </a:p>
@@ -7057,7 +6938,7 @@
           <a:p>
             <a:fld id="{14D49F24-C369-408B-985E-7F462C90F2F7}" type="datetimeFigureOut">
               <a:rPr lang="en-US" smtClean="0"/>
-              <a:t>03/18/2024</a:t>
+              <a:t>3/18/24</a:t>
             </a:fld>
             <a:endParaRPr lang="en-US"/>
           </a:p>
@@ -7315,7 +7196,7 @@
           <a:p>
             <a:fld id="{14D49F24-C369-408B-985E-7F462C90F2F7}" type="datetimeFigureOut">
               <a:rPr lang="en-US" smtClean="0"/>
-              <a:t>03/18/2024</a:t>
+              <a:t>3/18/24</a:t>
             </a:fld>
             <a:endParaRPr lang="en-US"/>
           </a:p>
@@ -7603,7 +7484,7 @@
           <a:p>
             <a:fld id="{14D49F24-C369-408B-985E-7F462C90F2F7}" type="datetimeFigureOut">
               <a:rPr lang="en-US" smtClean="0"/>
-              <a:t>03/18/2024</a:t>
+              <a:t>3/18/24</a:t>
             </a:fld>
             <a:endParaRPr lang="en-US"/>
           </a:p>
@@ -8045,7 +7926,7 @@
           <a:p>
             <a:fld id="{14D49F24-C369-408B-985E-7F462C90F2F7}" type="datetimeFigureOut">
               <a:rPr lang="en-US" smtClean="0"/>
-              <a:t>03/18/2024</a:t>
+              <a:t>3/18/24</a:t>
             </a:fld>
             <a:endParaRPr lang="en-US"/>
           </a:p>
@@ -8163,7 +8044,7 @@
           <a:p>
             <a:fld id="{14D49F24-C369-408B-985E-7F462C90F2F7}" type="datetimeFigureOut">
               <a:rPr lang="en-US" smtClean="0"/>
-              <a:t>03/18/2024</a:t>
+              <a:t>3/18/24</a:t>
             </a:fld>
             <a:endParaRPr lang="en-US"/>
           </a:p>
@@ -8258,7 +8139,7 @@
           <a:p>
             <a:fld id="{14D49F24-C369-408B-985E-7F462C90F2F7}" type="datetimeFigureOut">
               <a:rPr lang="en-US" smtClean="0"/>
-              <a:t>03/18/2024</a:t>
+              <a:t>3/18/24</a:t>
             </a:fld>
             <a:endParaRPr lang="en-US"/>
           </a:p>
@@ -8546,7 +8427,7 @@
           <a:p>
             <a:fld id="{14D49F24-C369-408B-985E-7F462C90F2F7}" type="datetimeFigureOut">
               <a:rPr lang="en-US" smtClean="0"/>
-              <a:t>03/18/2024</a:t>
+              <a:t>3/18/24</a:t>
             </a:fld>
             <a:endParaRPr lang="en-US"/>
           </a:p>
@@ -8819,7 +8700,7 @@
           <a:p>
             <a:fld id="{14D49F24-C369-408B-985E-7F462C90F2F7}" type="datetimeFigureOut">
               <a:rPr lang="en-US" smtClean="0"/>
-              <a:t>03/18/2024</a:t>
+              <a:t>3/18/24</a:t>
             </a:fld>
             <a:endParaRPr lang="en-US"/>
           </a:p>
@@ -9116,7 +8997,7 @@
           <a:p>
             <a:fld id="{14D49F24-C369-408B-985E-7F462C90F2F7}" type="datetimeFigureOut">
               <a:rPr lang="en-US" smtClean="0"/>
-              <a:t>03/18/2024</a:t>
+              <a:t>3/18/24</a:t>
             </a:fld>
             <a:endParaRPr lang="en-US"/>
           </a:p>
@@ -9614,7 +9495,7 @@
                 <a16:creationId xmlns:a16="http://schemas.microsoft.com/office/drawing/2014/main" id="{9FDD9264-A478-4B82-A891-2BEA8BF9F68A}"/>
               </a:ext>
               <a:ext uri="{C183D7F6-B498-43B3-948B-1728B52AA6E4}">
-                <adec:decorative xmlns:adec="http://schemas.microsoft.com/office/drawing/2017/decorative" xmlns="" val="1"/>
+                <adec:decorative xmlns:adec="http://schemas.microsoft.com/office/drawing/2017/decorative" val="1"/>
               </a:ext>
             </a:extLst>
           </p:cNvPr>
@@ -9709,7 +9590,7 @@
                 <a16:creationId xmlns:a16="http://schemas.microsoft.com/office/drawing/2014/main" id="{C4D755E9-CEF5-43A7-A514-4664F25F398C}"/>
               </a:ext>
               <a:ext uri="{C183D7F6-B498-43B3-948B-1728B52AA6E4}">
-                <adec:decorative xmlns:adec="http://schemas.microsoft.com/office/drawing/2017/decorative" xmlns="" val="1"/>
+                <adec:decorative xmlns:adec="http://schemas.microsoft.com/office/drawing/2017/decorative" val="1"/>
               </a:ext>
             </a:extLst>
           </p:cNvPr>
@@ -9833,7 +9714,7 @@
           <a:lstStyle/>
           <a:p>
             <a:r>
-              <a:rPr lang="en-US" sz="2400" dirty="0" smtClean="0">
+              <a:rPr lang="en-US" sz="2400" dirty="0">
                 <a:effectLst>
                   <a:outerShdw blurRad="38100" dist="38100" dir="2700000" algn="tl">
                     <a:srgbClr val="000000">
@@ -9844,15 +9725,6 @@
               </a:rPr>
               <a:t>Data Visualization Track</a:t>
             </a:r>
-            <a:endParaRPr lang="en-US" sz="2400" dirty="0">
-              <a:effectLst>
-                <a:outerShdw blurRad="38100" dist="38100" dir="2700000" algn="tl">
-                  <a:srgbClr val="000000">
-                    <a:alpha val="43137"/>
-                  </a:srgbClr>
-                </a:outerShdw>
-              </a:effectLst>
-            </a:endParaRPr>
           </a:p>
         </p:txBody>
       </p:sp>
@@ -9864,7 +9736,7 @@
                 <a16:creationId xmlns:a16="http://schemas.microsoft.com/office/drawing/2014/main" id="{2BF879CD-ED15-450F-B829-699C694D2EBC}"/>
               </a:ext>
               <a:ext uri="{C183D7F6-B498-43B3-948B-1728B52AA6E4}">
-                <adec:decorative xmlns:adec="http://schemas.microsoft.com/office/drawing/2017/decorative" xmlns="" val="1"/>
+                <adec:decorative xmlns:adec="http://schemas.microsoft.com/office/drawing/2017/decorative" val="1"/>
               </a:ext>
             </a:extLst>
           </p:cNvPr>
@@ -10191,10 +10063,9 @@
           </a:lstStyle>
           <a:p>
             <a:r>
-              <a:rPr lang="en-US" sz="2000" dirty="0" smtClean="0"/>
+              <a:rPr lang="en-US" sz="2000" dirty="0"/>
               <a:t>Presented by Jenae Journot, Manuel Sosa and Greg Thomas</a:t>
             </a:r>
-            <a:endParaRPr lang="en-US" sz="2000" dirty="0"/>
           </a:p>
         </p:txBody>
       </p:sp>
@@ -10400,6 +10271,14 @@
 <file path=ppt/slides/slide10.xml><?xml version="1.0" encoding="utf-8"?>
 <p:sld xmlns:a="http://schemas.openxmlformats.org/drawingml/2006/main" xmlns:r="http://schemas.openxmlformats.org/officeDocument/2006/relationships" xmlns:p="http://schemas.openxmlformats.org/presentationml/2006/main">
   <p:cSld>
+    <p:bg>
+      <p:bgPr>
+        <a:solidFill>
+          <a:schemeClr val="bg1"/>
+        </a:solidFill>
+        <a:effectLst/>
+      </p:bgPr>
+    </p:bg>
     <p:spTree>
       <p:nvGrpSpPr>
         <p:cNvPr id="1" name=""/>
@@ -10416,10 +10295,258 @@
       </p:grpSpPr>
       <p:sp>
         <p:nvSpPr>
+          <p:cNvPr id="11" name="Rectangle 10">
+            <a:extLst>
+              <a:ext uri="{FF2B5EF4-FFF2-40B4-BE49-F238E27FC236}">
+                <a16:creationId xmlns:a16="http://schemas.microsoft.com/office/drawing/2014/main" id="{64C9EE1D-12BB-43F7-9A2A-893578DCA63A}"/>
+              </a:ext>
+              <a:ext uri="{C183D7F6-B498-43B3-948B-1728B52AA6E4}">
+                <adec:decorative xmlns:adec="http://schemas.microsoft.com/office/drawing/2017/decorative" val="1"/>
+              </a:ext>
+            </a:extLst>
+          </p:cNvPr>
+          <p:cNvSpPr>
+            <a:spLocks noGrp="1" noRot="1" noChangeAspect="1" noMove="1" noResize="1" noEditPoints="1" noAdjustHandles="1" noChangeArrowheads="1" noChangeShapeType="1" noTextEdit="1"/>
+          </p:cNvSpPr>
+          <p:nvPr>
+            <p:extLst>
+              <p:ext uri="{386F3935-93C4-4BCD-93E2-E3B085C9AB24}">
+                <p16:designElem xmlns:p16="http://schemas.microsoft.com/office/powerpoint/2015/main" val="1"/>
+              </p:ext>
+            </p:extLst>
+          </p:nvPr>
+        </p:nvSpPr>
+        <p:spPr>
+          <a:xfrm>
+            <a:off x="0" y="761999"/>
+            <a:ext cx="9141619" cy="5334001"/>
+          </a:xfrm>
+          <a:prstGeom prst="rect">
+            <a:avLst/>
+          </a:prstGeom>
+          <a:solidFill>
+            <a:schemeClr val="accent1"/>
+          </a:solidFill>
+          <a:ln>
+            <a:noFill/>
+          </a:ln>
+        </p:spPr>
+        <p:style>
+          <a:lnRef idx="2">
+            <a:schemeClr val="accent1">
+              <a:shade val="50000"/>
+            </a:schemeClr>
+          </a:lnRef>
+          <a:fillRef idx="1">
+            <a:schemeClr val="accent1"/>
+          </a:fillRef>
+          <a:effectRef idx="0">
+            <a:schemeClr val="accent1"/>
+          </a:effectRef>
+          <a:fontRef idx="minor">
+            <a:schemeClr val="lt1"/>
+          </a:fontRef>
+        </p:style>
+        <p:txBody>
+          <a:bodyPr/>
+          <a:lstStyle/>
+          <a:p>
+            <a:endParaRPr lang="en-US"/>
+          </a:p>
+        </p:txBody>
+      </p:sp>
+      <p:sp>
+        <p:nvSpPr>
+          <p:cNvPr id="13" name="Rectangle 12">
+            <a:extLst>
+              <a:ext uri="{FF2B5EF4-FFF2-40B4-BE49-F238E27FC236}">
+                <a16:creationId xmlns:a16="http://schemas.microsoft.com/office/drawing/2014/main" id="{43962A31-C54E-4762-B155-59777FED1C75}"/>
+              </a:ext>
+              <a:ext uri="{C183D7F6-B498-43B3-948B-1728B52AA6E4}">
+                <adec:decorative xmlns:adec="http://schemas.microsoft.com/office/drawing/2017/decorative" val="1"/>
+              </a:ext>
+            </a:extLst>
+          </p:cNvPr>
+          <p:cNvSpPr>
+            <a:spLocks noGrp="1" noRot="1" noChangeAspect="1" noMove="1" noResize="1" noEditPoints="1" noAdjustHandles="1" noChangeArrowheads="1" noChangeShapeType="1" noTextEdit="1"/>
+          </p:cNvSpPr>
+          <p:nvPr>
+            <p:extLst>
+              <p:ext uri="{386F3935-93C4-4BCD-93E2-E3B085C9AB24}">
+                <p16:designElem xmlns:p16="http://schemas.microsoft.com/office/powerpoint/2015/main" val="1"/>
+              </p:ext>
+            </p:extLst>
+          </p:nvPr>
+        </p:nvSpPr>
+        <p:spPr>
+          <a:xfrm>
+            <a:off x="9270263" y="761999"/>
+            <a:ext cx="2925318" cy="5334001"/>
+          </a:xfrm>
+          <a:prstGeom prst="rect">
+            <a:avLst/>
+          </a:prstGeom>
+          <a:solidFill>
+            <a:srgbClr val="C8C8C8">
+              <a:alpha val="49804"/>
+            </a:srgbClr>
+          </a:solidFill>
+          <a:ln>
+            <a:noFill/>
+          </a:ln>
+        </p:spPr>
+        <p:style>
+          <a:lnRef idx="2">
+            <a:schemeClr val="accent1">
+              <a:shade val="50000"/>
+            </a:schemeClr>
+          </a:lnRef>
+          <a:fillRef idx="1">
+            <a:schemeClr val="accent1"/>
+          </a:fillRef>
+          <a:effectRef idx="0">
+            <a:schemeClr val="accent1"/>
+          </a:effectRef>
+          <a:fontRef idx="minor">
+            <a:schemeClr val="lt1"/>
+          </a:fontRef>
+        </p:style>
+        <p:txBody>
+          <a:bodyPr/>
+          <a:lstStyle/>
+          <a:p>
+            <a:endParaRPr lang="en-US"/>
+          </a:p>
+        </p:txBody>
+      </p:sp>
+      <p:sp useBgFill="1">
+        <p:nvSpPr>
+          <p:cNvPr id="15" name="Rectangle 14">
+            <a:extLst>
+              <a:ext uri="{FF2B5EF4-FFF2-40B4-BE49-F238E27FC236}">
+                <a16:creationId xmlns:a16="http://schemas.microsoft.com/office/drawing/2014/main" id="{4B392D36-B685-45E0-B197-6EE5D748093B}"/>
+              </a:ext>
+              <a:ext uri="{C183D7F6-B498-43B3-948B-1728B52AA6E4}">
+                <adec:decorative xmlns:adec="http://schemas.microsoft.com/office/drawing/2017/decorative" val="1"/>
+              </a:ext>
+            </a:extLst>
+          </p:cNvPr>
+          <p:cNvSpPr>
+            <a:spLocks noGrp="1" noRot="1" noChangeAspect="1" noMove="1" noResize="1" noEditPoints="1" noAdjustHandles="1" noChangeArrowheads="1" noChangeShapeType="1" noTextEdit="1"/>
+          </p:cNvSpPr>
+          <p:nvPr>
+            <p:extLst>
+              <p:ext uri="{386F3935-93C4-4BCD-93E2-E3B085C9AB24}">
+                <p16:designElem xmlns:p16="http://schemas.microsoft.com/office/powerpoint/2015/main" val="1"/>
+              </p:ext>
+            </p:extLst>
+          </p:nvPr>
+        </p:nvSpPr>
+        <p:spPr>
+          <a:xfrm>
+            <a:off x="0" y="0"/>
+            <a:ext cx="12191999" cy="6858000"/>
+          </a:xfrm>
+          <a:prstGeom prst="rect">
+            <a:avLst/>
+          </a:prstGeom>
+          <a:ln>
+            <a:noFill/>
+          </a:ln>
+        </p:spPr>
+        <p:style>
+          <a:lnRef idx="2">
+            <a:schemeClr val="accent1">
+              <a:shade val="50000"/>
+            </a:schemeClr>
+          </a:lnRef>
+          <a:fillRef idx="1">
+            <a:schemeClr val="accent1"/>
+          </a:fillRef>
+          <a:effectRef idx="0">
+            <a:schemeClr val="accent1"/>
+          </a:effectRef>
+          <a:fontRef idx="minor">
+            <a:schemeClr val="lt1"/>
+          </a:fontRef>
+        </p:style>
+        <p:txBody>
+          <a:bodyPr rtlCol="0" anchor="ctr"/>
+          <a:lstStyle/>
+          <a:p>
+            <a:pPr algn="ctr"/>
+            <a:endParaRPr lang="en-US"/>
+          </a:p>
+        </p:txBody>
+      </p:sp>
+      <p:sp>
+        <p:nvSpPr>
+          <p:cNvPr id="17" name="Rectangle 16">
+            <a:extLst>
+              <a:ext uri="{FF2B5EF4-FFF2-40B4-BE49-F238E27FC236}">
+                <a16:creationId xmlns:a16="http://schemas.microsoft.com/office/drawing/2014/main" id="{9DCA8533-CC5E-4754-9A04-047EDE49E0F9}"/>
+              </a:ext>
+              <a:ext uri="{C183D7F6-B498-43B3-948B-1728B52AA6E4}">
+                <adec:decorative xmlns:adec="http://schemas.microsoft.com/office/drawing/2017/decorative" val="1"/>
+              </a:ext>
+            </a:extLst>
+          </p:cNvPr>
+          <p:cNvSpPr>
+            <a:spLocks noGrp="1" noRot="1" noChangeAspect="1" noMove="1" noResize="1" noEditPoints="1" noAdjustHandles="1" noChangeArrowheads="1" noChangeShapeType="1" noTextEdit="1"/>
+          </p:cNvSpPr>
+          <p:nvPr>
+            <p:extLst>
+              <p:ext uri="{386F3935-93C4-4BCD-93E2-E3B085C9AB24}">
+                <p16:designElem xmlns:p16="http://schemas.microsoft.com/office/powerpoint/2015/main" val="1"/>
+              </p:ext>
+            </p:extLst>
+          </p:nvPr>
+        </p:nvSpPr>
+        <p:spPr>
+          <a:xfrm>
+            <a:off x="0" y="4367639"/>
+            <a:ext cx="11707367" cy="1852186"/>
+          </a:xfrm>
+          <a:prstGeom prst="rect">
+            <a:avLst/>
+          </a:prstGeom>
+          <a:solidFill>
+            <a:schemeClr val="accent1"/>
+          </a:solidFill>
+          <a:ln>
+            <a:noFill/>
+          </a:ln>
+        </p:spPr>
+        <p:style>
+          <a:lnRef idx="2">
+            <a:schemeClr val="accent1">
+              <a:shade val="50000"/>
+            </a:schemeClr>
+          </a:lnRef>
+          <a:fillRef idx="1">
+            <a:schemeClr val="accent1"/>
+          </a:fillRef>
+          <a:effectRef idx="0">
+            <a:schemeClr val="accent1"/>
+          </a:effectRef>
+          <a:fontRef idx="minor">
+            <a:schemeClr val="lt1"/>
+          </a:fontRef>
+        </p:style>
+        <p:txBody>
+          <a:bodyPr/>
+          <a:lstStyle/>
+          <a:p>
+            <a:endParaRPr lang="en-US"/>
+          </a:p>
+        </p:txBody>
+      </p:sp>
+      <p:sp>
+        <p:nvSpPr>
           <p:cNvPr id="2" name="Title 1">
             <a:extLst>
               <a:ext uri="{FF2B5EF4-FFF2-40B4-BE49-F238E27FC236}">
-                <a16:creationId xmlns:a16="http://schemas.microsoft.com/office/drawing/2014/main" id="{2702D8B7-D014-7167-C342-BBF94440264C}"/>
+                <a16:creationId xmlns:a16="http://schemas.microsoft.com/office/drawing/2014/main" id="{42DDEF5E-97CF-67AD-61E7-5031AE23B6A0}"/>
               </a:ext>
             </a:extLst>
           </p:cNvPr>
@@ -10430,16 +10557,223 @@
             <p:ph type="title"/>
           </p:nvPr>
         </p:nvSpPr>
-        <p:spPr/>
+        <p:spPr>
+          <a:xfrm>
+            <a:off x="1069848" y="4590661"/>
+            <a:ext cx="10210862" cy="1065690"/>
+          </a:xfrm>
+        </p:spPr>
+        <p:txBody>
+          <a:bodyPr vert="horz" lIns="91440" tIns="45720" rIns="91440" bIns="45720" rtlCol="0" anchor="b">
+            <a:normAutofit/>
+          </a:bodyPr>
+          <a:lstStyle/>
+          <a:p>
+            <a:r>
+              <a:rPr lang="en-US" sz="5000" spc="-100" dirty="0"/>
+              <a:t>Net Patient Revenue by Payer Category</a:t>
+            </a:r>
+          </a:p>
+        </p:txBody>
+      </p:sp>
+      <p:pic>
+        <p:nvPicPr>
+          <p:cNvPr id="6" name="Picture 5">
+            <a:extLst>
+              <a:ext uri="{FF2B5EF4-FFF2-40B4-BE49-F238E27FC236}">
+                <a16:creationId xmlns:a16="http://schemas.microsoft.com/office/drawing/2014/main" id="{1DE17641-4937-3F7E-4890-F0E6B17DE326}"/>
+              </a:ext>
+            </a:extLst>
+          </p:cNvPr>
+          <p:cNvPicPr>
+            <a:picLocks noChangeAspect="1"/>
+          </p:cNvPicPr>
+          <p:nvPr/>
+        </p:nvPicPr>
+        <p:blipFill>
+          <a:blip r:embed="rId2">
+            <a:extLst>
+              <a:ext uri="{28A0092B-C50C-407E-A947-70E740481C1C}">
+                <a14:useLocalDpi xmlns:a14="http://schemas.microsoft.com/office/drawing/2010/main" val="0"/>
+              </a:ext>
+            </a:extLst>
+          </a:blip>
+          <a:stretch>
+            <a:fillRect/>
+          </a:stretch>
+        </p:blipFill>
+        <p:spPr>
+          <a:xfrm>
+            <a:off x="303959" y="727252"/>
+            <a:ext cx="5730399" cy="2936830"/>
+          </a:xfrm>
+          <a:prstGeom prst="rect">
+            <a:avLst/>
+          </a:prstGeom>
+        </p:spPr>
+      </p:pic>
+      <p:pic>
+        <p:nvPicPr>
+          <p:cNvPr id="4" name="Picture 3">
+            <a:extLst>
+              <a:ext uri="{FF2B5EF4-FFF2-40B4-BE49-F238E27FC236}">
+                <a16:creationId xmlns:a16="http://schemas.microsoft.com/office/drawing/2014/main" id="{A7BC05BB-32B4-015B-27E1-A92762543004}"/>
+              </a:ext>
+            </a:extLst>
+          </p:cNvPr>
+          <p:cNvPicPr>
+            <a:picLocks noChangeAspect="1"/>
+          </p:cNvPicPr>
+          <p:nvPr/>
+        </p:nvPicPr>
+        <p:blipFill>
+          <a:blip r:embed="rId3"/>
+          <a:stretch>
+            <a:fillRect/>
+          </a:stretch>
+        </p:blipFill>
+        <p:spPr>
+          <a:xfrm>
+            <a:off x="6338317" y="923364"/>
+            <a:ext cx="4789992" cy="2802145"/>
+          </a:xfrm>
+          <a:prstGeom prst="rect">
+            <a:avLst/>
+          </a:prstGeom>
+        </p:spPr>
+      </p:pic>
+    </p:spTree>
+    <p:extLst>
+      <p:ext uri="{BB962C8B-B14F-4D97-AF65-F5344CB8AC3E}">
+        <p14:creationId xmlns:p14="http://schemas.microsoft.com/office/powerpoint/2010/main" val="73709696"/>
+      </p:ext>
+    </p:extLst>
+  </p:cSld>
+  <p:clrMapOvr>
+    <a:masterClrMapping/>
+  </p:clrMapOvr>
+</p:sld>
+</file>
+
+<file path=ppt/slides/slide11.xml><?xml version="1.0" encoding="utf-8"?>
+<p:sld xmlns:a="http://schemas.openxmlformats.org/drawingml/2006/main" xmlns:r="http://schemas.openxmlformats.org/officeDocument/2006/relationships" xmlns:p="http://schemas.openxmlformats.org/presentationml/2006/main">
+  <p:cSld>
+    <p:bg>
+      <p:bgPr>
+        <a:solidFill>
+          <a:schemeClr val="bg1"/>
+        </a:solidFill>
+        <a:effectLst/>
+      </p:bgPr>
+    </p:bg>
+    <p:spTree>
+      <p:nvGrpSpPr>
+        <p:cNvPr id="1" name=""/>
+        <p:cNvGrpSpPr/>
+        <p:nvPr/>
+      </p:nvGrpSpPr>
+      <p:grpSpPr>
+        <a:xfrm>
+          <a:off x="0" y="0"/>
+          <a:ext cx="0" cy="0"/>
+          <a:chOff x="0" y="0"/>
+          <a:chExt cx="0" cy="0"/>
+        </a:xfrm>
+      </p:grpSpPr>
+      <p:sp>
+        <p:nvSpPr>
+          <p:cNvPr id="10" name="Rectangle 9">
+            <a:extLst>
+              <a:ext uri="{FF2B5EF4-FFF2-40B4-BE49-F238E27FC236}">
+                <a16:creationId xmlns:a16="http://schemas.microsoft.com/office/drawing/2014/main" id="{681577AD-DA5F-48B3-8FB9-5199BA9EE681}"/>
+              </a:ext>
+              <a:ext uri="{C183D7F6-B498-43B3-948B-1728B52AA6E4}">
+                <adec:decorative xmlns:adec="http://schemas.microsoft.com/office/drawing/2017/decorative" val="1"/>
+              </a:ext>
+            </a:extLst>
+          </p:cNvPr>
+          <p:cNvSpPr>
+            <a:spLocks noGrp="1" noRot="1" noChangeAspect="1" noMove="1" noResize="1" noEditPoints="1" noAdjustHandles="1" noChangeArrowheads="1" noChangeShapeType="1" noTextEdit="1"/>
+          </p:cNvSpPr>
+          <p:nvPr>
+            <p:extLst>
+              <p:ext uri="{386F3935-93C4-4BCD-93E2-E3B085C9AB24}">
+                <p16:designElem xmlns:p16="http://schemas.microsoft.com/office/powerpoint/2015/main" val="1"/>
+              </p:ext>
+            </p:extLst>
+          </p:nvPr>
+        </p:nvSpPr>
+        <p:spPr>
+          <a:xfrm>
+            <a:off x="1" y="765350"/>
+            <a:ext cx="4642228" cy="5330650"/>
+          </a:xfrm>
+          <a:prstGeom prst="rect">
+            <a:avLst/>
+          </a:prstGeom>
+          <a:solidFill>
+            <a:schemeClr val="accent1"/>
+          </a:solidFill>
+          <a:ln>
+            <a:noFill/>
+          </a:ln>
+        </p:spPr>
+        <p:style>
+          <a:lnRef idx="2">
+            <a:schemeClr val="accent1">
+              <a:shade val="50000"/>
+            </a:schemeClr>
+          </a:lnRef>
+          <a:fillRef idx="1">
+            <a:schemeClr val="accent1"/>
+          </a:fillRef>
+          <a:effectRef idx="0">
+            <a:schemeClr val="accent1"/>
+          </a:effectRef>
+          <a:fontRef idx="minor">
+            <a:schemeClr val="lt1"/>
+          </a:fontRef>
+        </p:style>
         <p:txBody>
           <a:bodyPr/>
           <a:lstStyle/>
           <a:p>
+            <a:endParaRPr lang="en-US"/>
+          </a:p>
+        </p:txBody>
+      </p:sp>
+      <p:sp>
+        <p:nvSpPr>
+          <p:cNvPr id="2" name="Title 1">
+            <a:extLst>
+              <a:ext uri="{FF2B5EF4-FFF2-40B4-BE49-F238E27FC236}">
+                <a16:creationId xmlns:a16="http://schemas.microsoft.com/office/drawing/2014/main" id="{006AEA51-05B8-7657-CD71-E43E34445B2B}"/>
+              </a:ext>
+            </a:extLst>
+          </p:cNvPr>
+          <p:cNvSpPr>
+            <a:spLocks noGrp="1"/>
+          </p:cNvSpPr>
+          <p:nvPr>
+            <p:ph type="title"/>
+          </p:nvPr>
+        </p:nvSpPr>
+        <p:spPr>
+          <a:xfrm>
+            <a:off x="289249" y="1123837"/>
+            <a:ext cx="4016116" cy="1255469"/>
+          </a:xfrm>
+        </p:spPr>
+        <p:txBody>
+          <a:bodyPr>
+            <a:normAutofit/>
+          </a:bodyPr>
+          <a:lstStyle/>
+          <a:p>
             <a:r>
               <a:rPr lang="en-US" dirty="0"/>
-              <a:t>Data Limitations</a:t>
+              <a:t>Type of Care</a:t>
             </a:r>
-            <a:endParaRPr lang="en-US" dirty="0"/>
           </a:p>
         </p:txBody>
       </p:sp>
@@ -10448,7 +10782,7 @@
           <p:cNvPr id="3" name="Content Placeholder 2">
             <a:extLst>
               <a:ext uri="{FF2B5EF4-FFF2-40B4-BE49-F238E27FC236}">
-                <a16:creationId xmlns:a16="http://schemas.microsoft.com/office/drawing/2014/main" id="{B1F4A6BB-5547-0AA1-FB5B-67D439798FAD}"/>
+                <a16:creationId xmlns:a16="http://schemas.microsoft.com/office/drawing/2014/main" id="{823EF9F2-09E6-EDD1-080B-B22A4AA63FE0}"/>
               </a:ext>
             </a:extLst>
           </p:cNvPr>
@@ -10459,68 +10793,173 @@
             <p:ph idx="1"/>
           </p:nvPr>
         </p:nvSpPr>
-        <p:spPr/>
+        <p:spPr>
+          <a:xfrm>
+            <a:off x="289249" y="2510395"/>
+            <a:ext cx="4016116" cy="3274586"/>
+          </a:xfrm>
+        </p:spPr>
         <p:txBody>
-          <a:bodyPr/>
+          <a:bodyPr anchor="t">
+            <a:normAutofit/>
+          </a:bodyPr>
           <a:lstStyle/>
           <a:p>
             <a:r>
-              <a:rPr lang="en-US" dirty="0" smtClean="0"/>
-              <a:t>Lack </a:t>
+              <a:rPr lang="en-US">
+                <a:solidFill>
+                  <a:srgbClr val="FFFFFF"/>
+                </a:solidFill>
+              </a:rPr>
+              <a:t>The type of care provided at each hospital varied. For most hospitals, the majority of care provided fell under Acute Care – which includes services like medical/surgical acute, obstetrics acute, definitive observation, medical/surgical intensive care, and coronary care.</a:t>
             </a:r>
-            <a:r>
-              <a:rPr lang="en-US" dirty="0"/>
-              <a:t>of Comparative Data by years</a:t>
-            </a:r>
-            <a:r>
-              <a:rPr lang="en-US" dirty="0" smtClean="0"/>
-              <a:t>:</a:t>
-            </a:r>
-            <a:endParaRPr lang="en-US" dirty="0"/>
-          </a:p>
-          <a:p>
-            <a:pPr marL="0" indent="0">
-              <a:buNone/>
-            </a:pPr>
-            <a:r>
-              <a:rPr lang="en-US" dirty="0"/>
-              <a:t>The data represents one specific year, 2022. Without time-based data, it's challenging to discern trends, assess progress, or make year-over-year comparisons.</a:t>
-            </a:r>
-          </a:p>
-          <a:p>
-            <a:endParaRPr lang="en-US" dirty="0"/>
-          </a:p>
-          <a:p>
-            <a:r>
-              <a:rPr lang="en-US" dirty="0" smtClean="0"/>
-              <a:t>Potential </a:t>
-            </a:r>
-            <a:r>
-              <a:rPr lang="en-US" dirty="0"/>
-              <a:t>for Misinterpretation</a:t>
-            </a:r>
-            <a:r>
-              <a:rPr lang="en-US" dirty="0" smtClean="0"/>
-              <a:t>:</a:t>
-            </a:r>
-            <a:endParaRPr lang="en-US" dirty="0"/>
-          </a:p>
-          <a:p>
-            <a:pPr marL="0" indent="0">
-              <a:buNone/>
-            </a:pPr>
-            <a:r>
-              <a:rPr lang="en-US" dirty="0"/>
-              <a:t>The charts do not provide understanding on the underlying factors, such as policy changes or patient demographics, that could affect both net revenue and total asset size.</a:t>
-            </a:r>
-            <a:endParaRPr lang="en-US" dirty="0"/>
           </a:p>
         </p:txBody>
       </p:sp>
+      <p:pic>
+        <p:nvPicPr>
+          <p:cNvPr id="5" name="Picture 4">
+            <a:extLst>
+              <a:ext uri="{FF2B5EF4-FFF2-40B4-BE49-F238E27FC236}">
+                <a16:creationId xmlns:a16="http://schemas.microsoft.com/office/drawing/2014/main" id="{0852B3FF-D1E9-2ABC-74E5-ACEBBDDFE0D0}"/>
+              </a:ext>
+            </a:extLst>
+          </p:cNvPr>
+          <p:cNvPicPr>
+            <a:picLocks noChangeAspect="1"/>
+          </p:cNvPicPr>
+          <p:nvPr/>
+        </p:nvPicPr>
+        <p:blipFill>
+          <a:blip r:embed="rId2">
+            <a:extLst>
+              <a:ext uri="{28A0092B-C50C-407E-A947-70E740481C1C}">
+                <a14:useLocalDpi xmlns:a14="http://schemas.microsoft.com/office/drawing/2010/main" val="0"/>
+              </a:ext>
+            </a:extLst>
+          </a:blip>
+          <a:srcRect/>
+          <a:stretch/>
+        </p:blipFill>
+        <p:spPr>
+          <a:xfrm>
+            <a:off x="5137462" y="675257"/>
+            <a:ext cx="6193767" cy="2663649"/>
+          </a:xfrm>
+          <a:prstGeom prst="rect">
+            <a:avLst/>
+          </a:prstGeom>
+          <a:ln>
+            <a:solidFill>
+              <a:schemeClr val="accent2"/>
+            </a:solidFill>
+          </a:ln>
+        </p:spPr>
+      </p:pic>
+      <p:pic>
+        <p:nvPicPr>
+          <p:cNvPr id="7" name="Picture 6">
+            <a:extLst>
+              <a:ext uri="{FF2B5EF4-FFF2-40B4-BE49-F238E27FC236}">
+                <a16:creationId xmlns:a16="http://schemas.microsoft.com/office/drawing/2014/main" id="{4A3001BC-2BA8-E361-1B49-1994C651D223}"/>
+              </a:ext>
+            </a:extLst>
+          </p:cNvPr>
+          <p:cNvPicPr>
+            <a:picLocks noChangeAspect="1"/>
+          </p:cNvPicPr>
+          <p:nvPr/>
+        </p:nvPicPr>
+        <p:blipFill>
+          <a:blip r:embed="rId3">
+            <a:extLst>
+              <a:ext uri="{28A0092B-C50C-407E-A947-70E740481C1C}">
+                <a14:useLocalDpi xmlns:a14="http://schemas.microsoft.com/office/drawing/2010/main" val="0"/>
+              </a:ext>
+            </a:extLst>
+          </a:blip>
+          <a:srcRect/>
+          <a:stretch/>
+        </p:blipFill>
+        <p:spPr>
+          <a:xfrm>
+            <a:off x="5137462" y="3671275"/>
+            <a:ext cx="6209800" cy="2663648"/>
+          </a:xfrm>
+          <a:prstGeom prst="rect">
+            <a:avLst/>
+          </a:prstGeom>
+          <a:ln>
+            <a:solidFill>
+              <a:schemeClr val="accent3"/>
+            </a:solidFill>
+          </a:ln>
+        </p:spPr>
+      </p:pic>
+      <p:pic>
+        <p:nvPicPr>
+          <p:cNvPr id="12" name="Picture 11">
+            <a:extLst>
+              <a:ext uri="{FF2B5EF4-FFF2-40B4-BE49-F238E27FC236}">
+                <a16:creationId xmlns:a16="http://schemas.microsoft.com/office/drawing/2014/main" id="{6785A70A-F2A2-A824-FD86-36DD23075ADB}"/>
+              </a:ext>
+            </a:extLst>
+          </p:cNvPr>
+          <p:cNvPicPr>
+            <a:picLocks noChangeAspect="1"/>
+          </p:cNvPicPr>
+          <p:nvPr/>
+        </p:nvPicPr>
+        <p:blipFill>
+          <a:blip r:embed="rId4"/>
+          <a:stretch>
+            <a:fillRect/>
+          </a:stretch>
+        </p:blipFill>
+        <p:spPr>
+          <a:xfrm>
+            <a:off x="5152704" y="3442033"/>
+            <a:ext cx="4884843" cy="175275"/>
+          </a:xfrm>
+          <a:prstGeom prst="rect">
+            <a:avLst/>
+          </a:prstGeom>
+        </p:spPr>
+      </p:pic>
+      <p:pic>
+        <p:nvPicPr>
+          <p:cNvPr id="14" name="Picture 13">
+            <a:extLst>
+              <a:ext uri="{FF2B5EF4-FFF2-40B4-BE49-F238E27FC236}">
+                <a16:creationId xmlns:a16="http://schemas.microsoft.com/office/drawing/2014/main" id="{3A813C7B-52D2-C89C-B4C6-2B68A97C066D}"/>
+              </a:ext>
+            </a:extLst>
+          </p:cNvPr>
+          <p:cNvPicPr>
+            <a:picLocks noChangeAspect="1"/>
+          </p:cNvPicPr>
+          <p:nvPr/>
+        </p:nvPicPr>
+        <p:blipFill>
+          <a:blip r:embed="rId5"/>
+          <a:stretch>
+            <a:fillRect/>
+          </a:stretch>
+        </p:blipFill>
+        <p:spPr>
+          <a:xfrm>
+            <a:off x="5137462" y="438528"/>
+            <a:ext cx="4884843" cy="190517"/>
+          </a:xfrm>
+          <a:prstGeom prst="rect">
+            <a:avLst/>
+          </a:prstGeom>
+        </p:spPr>
+      </p:pic>
     </p:spTree>
     <p:extLst>
       <p:ext uri="{BB962C8B-B14F-4D97-AF65-F5344CB8AC3E}">
-        <p14:creationId xmlns:p14="http://schemas.microsoft.com/office/powerpoint/2010/main" val="3343080671"/>
+        <p14:creationId xmlns:p14="http://schemas.microsoft.com/office/powerpoint/2010/main" val="2222846450"/>
       </p:ext>
     </p:extLst>
   </p:cSld>
@@ -10530,7 +10969,7 @@
 </p:sld>
 </file>
 
-<file path=ppt/slides/slide11.xml><?xml version="1.0" encoding="utf-8"?>
+<file path=ppt/slides/slide12.xml><?xml version="1.0" encoding="utf-8"?>
 <p:sld xmlns:a="http://schemas.openxmlformats.org/drawingml/2006/main" xmlns:r="http://schemas.openxmlformats.org/officeDocument/2006/relationships" xmlns:p="http://schemas.openxmlformats.org/presentationml/2006/main">
   <p:cSld>
     <p:spTree>
@@ -10569,10 +11008,9 @@
           <a:lstStyle/>
           <a:p>
             <a:r>
-              <a:rPr lang="en-US" dirty="0" smtClean="0"/>
-              <a:t>Challenges and Learnings</a:t>
+              <a:rPr lang="en-US" dirty="0"/>
+              <a:t>Data Limitations</a:t>
             </a:r>
-            <a:endParaRPr lang="en-US" dirty="0"/>
           </a:p>
         </p:txBody>
       </p:sp>
@@ -10598,24 +11036,128 @@
           <a:lstStyle/>
           <a:p>
             <a:r>
-              <a:rPr lang="en-US" dirty="0" smtClean="0"/>
+              <a:rPr lang="en-US" dirty="0"/>
+              <a:t>Lack of Comparative Data by years:</a:t>
+            </a:r>
+          </a:p>
+          <a:p>
+            <a:pPr marL="0" indent="0">
+              <a:buNone/>
+            </a:pPr>
+            <a:r>
+              <a:rPr lang="en-US" dirty="0"/>
+              <a:t>The data represents one specific year, 2022. Without time-based data, it's challenging to discern trends, assess progress, or make year-over-year comparisons.</a:t>
+            </a:r>
+          </a:p>
+          <a:p>
+            <a:endParaRPr lang="en-US" dirty="0"/>
+          </a:p>
+          <a:p>
+            <a:r>
+              <a:rPr lang="en-US" dirty="0"/>
+              <a:t>Potential for Misinterpretation:</a:t>
+            </a:r>
+          </a:p>
+          <a:p>
+            <a:pPr marL="0" indent="0">
+              <a:buNone/>
+            </a:pPr>
+            <a:r>
+              <a:rPr lang="en-US" dirty="0"/>
+              <a:t>The charts do not provide understanding on the underlying factors, such as policy changes or patient demographics, that could affect both net revenue and total asset size.</a:t>
+            </a:r>
+          </a:p>
+        </p:txBody>
+      </p:sp>
+    </p:spTree>
+    <p:extLst>
+      <p:ext uri="{BB962C8B-B14F-4D97-AF65-F5344CB8AC3E}">
+        <p14:creationId xmlns:p14="http://schemas.microsoft.com/office/powerpoint/2010/main" val="3343080671"/>
+      </p:ext>
+    </p:extLst>
+  </p:cSld>
+  <p:clrMapOvr>
+    <a:masterClrMapping/>
+  </p:clrMapOvr>
+</p:sld>
+</file>
+
+<file path=ppt/slides/slide13.xml><?xml version="1.0" encoding="utf-8"?>
+<p:sld xmlns:a="http://schemas.openxmlformats.org/drawingml/2006/main" xmlns:r="http://schemas.openxmlformats.org/officeDocument/2006/relationships" xmlns:p="http://schemas.openxmlformats.org/presentationml/2006/main">
+  <p:cSld>
+    <p:spTree>
+      <p:nvGrpSpPr>
+        <p:cNvPr id="1" name=""/>
+        <p:cNvGrpSpPr/>
+        <p:nvPr/>
+      </p:nvGrpSpPr>
+      <p:grpSpPr>
+        <a:xfrm>
+          <a:off x="0" y="0"/>
+          <a:ext cx="0" cy="0"/>
+          <a:chOff x="0" y="0"/>
+          <a:chExt cx="0" cy="0"/>
+        </a:xfrm>
+      </p:grpSpPr>
+      <p:sp>
+        <p:nvSpPr>
+          <p:cNvPr id="2" name="Title 1">
+            <a:extLst>
+              <a:ext uri="{FF2B5EF4-FFF2-40B4-BE49-F238E27FC236}">
+                <a16:creationId xmlns:a16="http://schemas.microsoft.com/office/drawing/2014/main" id="{2702D8B7-D014-7167-C342-BBF94440264C}"/>
+              </a:ext>
+            </a:extLst>
+          </p:cNvPr>
+          <p:cNvSpPr>
+            <a:spLocks noGrp="1"/>
+          </p:cNvSpPr>
+          <p:nvPr>
+            <p:ph type="title"/>
+          </p:nvPr>
+        </p:nvSpPr>
+        <p:spPr/>
+        <p:txBody>
+          <a:bodyPr/>
+          <a:lstStyle/>
+          <a:p>
+            <a:r>
+              <a:rPr lang="en-US" dirty="0"/>
+              <a:t>Challenges and Learnings</a:t>
+            </a:r>
+          </a:p>
+        </p:txBody>
+      </p:sp>
+      <p:sp>
+        <p:nvSpPr>
+          <p:cNvPr id="3" name="Content Placeholder 2">
+            <a:extLst>
+              <a:ext uri="{FF2B5EF4-FFF2-40B4-BE49-F238E27FC236}">
+                <a16:creationId xmlns:a16="http://schemas.microsoft.com/office/drawing/2014/main" id="{B1F4A6BB-5547-0AA1-FB5B-67D439798FAD}"/>
+              </a:ext>
+            </a:extLst>
+          </p:cNvPr>
+          <p:cNvSpPr>
+            <a:spLocks noGrp="1"/>
+          </p:cNvSpPr>
+          <p:nvPr>
+            <p:ph idx="1"/>
+          </p:nvPr>
+        </p:nvSpPr>
+        <p:spPr/>
+        <p:txBody>
+          <a:bodyPr/>
+          <a:lstStyle/>
+          <a:p>
+            <a:r>
+              <a:rPr lang="en-US" dirty="0"/>
               <a:t>Extracting the data from database and importing it into JavaScript</a:t>
             </a:r>
           </a:p>
           <a:p>
             <a:r>
-              <a:rPr lang="en-US" dirty="0" smtClean="0"/>
-              <a:t>Limited Admin </a:t>
+              <a:rPr lang="en-US" dirty="0"/>
+              <a:t>Limited Admin access to install and reinstall applications</a:t>
             </a:r>
-            <a:r>
-              <a:rPr lang="en-US" dirty="0"/>
-              <a:t>access </a:t>
-            </a:r>
-            <a:r>
-              <a:rPr lang="en-US" dirty="0" smtClean="0"/>
-              <a:t>to install and reinstall applications</a:t>
-            </a:r>
-            <a:endParaRPr lang="en-US" dirty="0"/>
           </a:p>
         </p:txBody>
       </p:sp>
@@ -10632,7 +11174,7 @@
 </p:sld>
 </file>
 
-<file path=ppt/slides/slide12.xml><?xml version="1.0" encoding="utf-8"?>
+<file path=ppt/slides/slide14.xml><?xml version="1.0" encoding="utf-8"?>
 <p:sld xmlns:a="http://schemas.openxmlformats.org/drawingml/2006/main" xmlns:r="http://schemas.openxmlformats.org/officeDocument/2006/relationships" xmlns:p="http://schemas.openxmlformats.org/presentationml/2006/main">
   <p:cSld>
     <p:bg>
@@ -10665,7 +11207,7 @@
                 <a16:creationId xmlns:a16="http://schemas.microsoft.com/office/drawing/2014/main" id="{DADC4F84-175A-4AB1-916C-1E5796E1E0D3}"/>
               </a:ext>
               <a:ext uri="{C183D7F6-B498-43B3-948B-1728B52AA6E4}">
-                <adec:decorative xmlns:adec="http://schemas.microsoft.com/office/drawing/2017/decorative" xmlns="" val="1"/>
+                <adec:decorative xmlns:adec="http://schemas.microsoft.com/office/drawing/2017/decorative" val="1"/>
               </a:ext>
             </a:extLst>
           </p:cNvPr>
@@ -10979,6 +11521,13 @@
             </a:schemeClr>
           </a:fontRef>
         </p:style>
+        <p:txBody>
+          <a:bodyPr/>
+          <a:lstStyle/>
+          <a:p>
+            <a:endParaRPr lang="en-US"/>
+          </a:p>
+        </p:txBody>
       </p:sp>
       <p:sp>
         <p:nvSpPr>
@@ -11033,6 +11582,13 @@
             </a:schemeClr>
           </a:fontRef>
         </p:style>
+        <p:txBody>
+          <a:bodyPr/>
+          <a:lstStyle/>
+          <a:p>
+            <a:endParaRPr lang="en-US"/>
+          </a:p>
+        </p:txBody>
       </p:sp>
       <p:sp>
         <p:nvSpPr>
@@ -11087,6 +11643,13 @@
             </a:schemeClr>
           </a:fontRef>
         </p:style>
+        <p:txBody>
+          <a:bodyPr/>
+          <a:lstStyle/>
+          <a:p>
+            <a:endParaRPr lang="en-US"/>
+          </a:p>
+        </p:txBody>
       </p:sp>
       <p:sp>
         <p:nvSpPr>
@@ -11096,7 +11659,7 @@
                 <a16:creationId xmlns:a16="http://schemas.microsoft.com/office/drawing/2014/main" id="{681577AD-DA5F-48B3-8FB9-5199BA9EE681}"/>
               </a:ext>
               <a:ext uri="{C183D7F6-B498-43B3-948B-1728B52AA6E4}">
-                <adec:decorative xmlns:adec="http://schemas.microsoft.com/office/drawing/2017/decorative" xmlns="" val="1"/>
+                <adec:decorative xmlns:adec="http://schemas.microsoft.com/office/drawing/2017/decorative" val="1"/>
               </a:ext>
             </a:extLst>
           </p:cNvPr>
@@ -11179,10 +11742,9 @@
           <a:lstStyle/>
           <a:p>
             <a:r>
-              <a:rPr lang="en-US" dirty="0" smtClean="0"/>
+              <a:rPr lang="en-US" dirty="0"/>
               <a:t>3 Questions to Answer via Visualizations:</a:t>
             </a:r>
-            <a:endParaRPr lang="en-US" dirty="0"/>
           </a:p>
         </p:txBody>
       </p:sp>
@@ -11252,6 +11814,13 @@
               </a:schemeClr>
             </a:fontRef>
           </p:style>
+          <p:txBody>
+            <a:bodyPr/>
+            <a:lstStyle/>
+            <a:p>
+              <a:endParaRPr lang="en-US"/>
+            </a:p>
+          </p:txBody>
         </p:sp>
         <p:sp>
           <p:nvSpPr>
@@ -11319,20 +11888,8 @@
                 </a:spcAft>
               </a:pPr>
               <a:r>
-                <a:rPr lang="en-US" sz="2000" dirty="0" smtClean="0"/>
-                <a:t>Where </a:t>
-              </a:r>
-              <a:r>
                 <a:rPr lang="en-US" sz="2000" dirty="0"/>
-                <a:t>are the </a:t>
-              </a:r>
-              <a:r>
-                <a:rPr lang="en-US" sz="2000" dirty="0" smtClean="0"/>
-                <a:t>ten largest and ten smallest hospitals </a:t>
-              </a:r>
-              <a:r>
-                <a:rPr lang="en-US" sz="2000" dirty="0"/>
-                <a:t>and healthcare systems located?</a:t>
+                <a:t>Where are the ten largest and ten smallest hospitals and healthcare systems located?</a:t>
               </a:r>
             </a:p>
             <a:p>
@@ -11361,7 +11918,7 @@
                   <a:spcPct val="35000"/>
                 </a:spcAft>
               </a:pPr>
-              <a:endParaRPr lang="en-US" sz="2000" dirty="0" smtClean="0"/>
+              <a:endParaRPr lang="en-US" sz="2000" dirty="0"/>
             </a:p>
             <a:p>
               <a:pPr lvl="0" algn="ctr" defTabSz="755650">
@@ -11375,7 +11932,7 @@
                   <a:spcPct val="35000"/>
                 </a:spcAft>
               </a:pPr>
-              <a:endParaRPr lang="en-US" sz="2000" dirty="0" smtClean="0"/>
+              <a:endParaRPr lang="en-US" sz="2000" dirty="0"/>
             </a:p>
             <a:p>
               <a:pPr lvl="0" algn="ctr" defTabSz="755650">
@@ -11390,28 +11947,8 @@
                 </a:spcAft>
               </a:pPr>
               <a:r>
-                <a:rPr lang="en-US" sz="2000" dirty="0" smtClean="0"/>
-                <a:t>What </a:t>
-              </a:r>
-              <a:r>
                 <a:rPr lang="en-US" sz="2000" dirty="0"/>
-                <a:t>is the mix of </a:t>
-              </a:r>
-              <a:r>
-                <a:rPr lang="en-US" sz="2000" dirty="0" smtClean="0"/>
-                <a:t>patient revenue </a:t>
-              </a:r>
-              <a:r>
-                <a:rPr lang="en-US" sz="2000" dirty="0"/>
-                <a:t>by </a:t>
-              </a:r>
-              <a:r>
-                <a:rPr lang="en-US" sz="2000" dirty="0" smtClean="0"/>
-                <a:t>payer category</a:t>
-              </a:r>
-              <a:r>
-                <a:rPr lang="en-US" sz="2000" dirty="0"/>
-                <a:t>?</a:t>
+                <a:t>What is the mix of patient revenue by payer category?</a:t>
               </a:r>
             </a:p>
             <a:p>
@@ -11440,7 +11977,7 @@
                   <a:spcPct val="35000"/>
                 </a:spcAft>
               </a:pPr>
-              <a:endParaRPr lang="en-US" sz="2000" dirty="0" smtClean="0"/>
+              <a:endParaRPr lang="en-US" sz="2000" dirty="0"/>
             </a:p>
             <a:p>
               <a:pPr lvl="0" algn="ctr" defTabSz="755650">
@@ -11469,12 +12006,8 @@
                 </a:spcAft>
               </a:pPr>
               <a:r>
-                <a:rPr lang="en-US" sz="2000" dirty="0" smtClean="0"/>
-                <a:t>What </a:t>
-              </a:r>
-              <a:r>
                 <a:rPr lang="en-US" sz="2000" dirty="0"/>
-                <a:t>is the breakdown of type of care?</a:t>
+                <a:t>What is the breakdown of type of care?</a:t>
               </a:r>
               <a:endParaRPr lang="en-US" sz="2000" kern="1200" dirty="0"/>
             </a:p>
@@ -11527,7 +12060,7 @@
                 <a16:creationId xmlns:a16="http://schemas.microsoft.com/office/drawing/2014/main" id="{681577AD-DA5F-48B3-8FB9-5199BA9EE681}"/>
               </a:ext>
               <a:ext uri="{C183D7F6-B498-43B3-948B-1728B52AA6E4}">
-                <adec:decorative xmlns:adec="http://schemas.microsoft.com/office/drawing/2017/decorative" xmlns="" val="1"/>
+                <adec:decorative xmlns:adec="http://schemas.microsoft.com/office/drawing/2017/decorative" val="1"/>
               </a:ext>
             </a:extLst>
           </p:cNvPr>
@@ -11610,10 +12143,9 @@
           <a:lstStyle/>
           <a:p>
             <a:r>
-              <a:rPr lang="en-US" dirty="0" smtClean="0"/>
+              <a:rPr lang="en-US" dirty="0"/>
               <a:t>Dataset</a:t>
             </a:r>
-            <a:endParaRPr lang="en-US" dirty="0"/>
           </a:p>
         </p:txBody>
       </p:sp>
@@ -11651,98 +12183,42 @@
                   <a:srgbClr val="FFFFFF"/>
                 </a:solidFill>
               </a:rPr>
-              <a:t>Our dataset comprises </a:t>
+              <a:t>Our dataset comprises of 431 records focusing on California hospitals and health systems’ financial and operational data, reported in 2022. We primarily focused on the following information:</a:t>
             </a:r>
-            <a:r>
-              <a:rPr lang="en-US" sz="1600" dirty="0" smtClean="0">
-                <a:solidFill>
-                  <a:srgbClr val="FFFFFF"/>
-                </a:solidFill>
-              </a:rPr>
-              <a:t>of 431 </a:t>
-            </a:r>
+          </a:p>
+          <a:p>
             <a:r>
               <a:rPr lang="en-US" sz="1600" dirty="0">
                 <a:solidFill>
                   <a:srgbClr val="FFFFFF"/>
                 </a:solidFill>
               </a:rPr>
-              <a:t>records focusing </a:t>
+              <a:t>1. Location </a:t>
             </a:r>
-            <a:r>
-              <a:rPr lang="en-US" sz="1600" dirty="0" smtClean="0">
-                <a:solidFill>
-                  <a:srgbClr val="FFFFFF"/>
-                </a:solidFill>
-              </a:rPr>
-              <a:t>on California </a:t>
-            </a:r>
+          </a:p>
+          <a:p>
             <a:r>
               <a:rPr lang="en-US" sz="1600" dirty="0">
                 <a:solidFill>
                   <a:srgbClr val="FFFFFF"/>
                 </a:solidFill>
               </a:rPr>
-              <a:t>hospitals and health </a:t>
+              <a:t>2. Asset size</a:t>
             </a:r>
-            <a:r>
-              <a:rPr lang="en-US" sz="1600" dirty="0" smtClean="0">
-                <a:solidFill>
-                  <a:srgbClr val="FFFFFF"/>
-                </a:solidFill>
-              </a:rPr>
-              <a:t>systems’ financial and operational data, </a:t>
-            </a:r>
+          </a:p>
+          <a:p>
             <a:r>
               <a:rPr lang="en-US" sz="1600" dirty="0">
                 <a:solidFill>
                   <a:srgbClr val="FFFFFF"/>
                 </a:solidFill>
               </a:rPr>
-              <a:t>reported in </a:t>
-            </a:r>
-            <a:r>
-              <a:rPr lang="en-US" sz="1600" dirty="0" smtClean="0">
-                <a:solidFill>
-                  <a:srgbClr val="FFFFFF"/>
-                </a:solidFill>
-              </a:rPr>
-              <a:t>2022. We primarily focused on the following information:</a:t>
-            </a:r>
-          </a:p>
-          <a:p>
-            <a:r>
-              <a:rPr lang="en-US" sz="1600" dirty="0" smtClean="0">
-                <a:solidFill>
-                  <a:srgbClr val="FFFFFF"/>
-                </a:solidFill>
-              </a:rPr>
-              <a:t>1. Location </a:t>
-            </a:r>
-          </a:p>
-          <a:p>
-            <a:r>
-              <a:rPr lang="en-US" sz="1600" dirty="0" smtClean="0">
-                <a:solidFill>
-                  <a:srgbClr val="FFFFFF"/>
-                </a:solidFill>
-              </a:rPr>
-              <a:t>2. Asset size</a:t>
-            </a:r>
-          </a:p>
-          <a:p>
-            <a:r>
-              <a:rPr lang="en-US" sz="1600" dirty="0" smtClean="0">
-                <a:solidFill>
-                  <a:srgbClr val="FFFFFF"/>
-                </a:solidFill>
-              </a:rPr>
               <a:t>3. Revenue by payer type</a:t>
             </a:r>
           </a:p>
           <a:p>
             <a:r>
-              <a:rPr lang="en-US" sz="1600" dirty="0" smtClean="0">
+              <a:rPr lang="en-US" sz="1600" dirty="0">
                 <a:solidFill>
                   <a:srgbClr val="FFFFFF"/>
                 </a:solidFill>
@@ -11759,7 +12235,7 @@
           </a:p>
           <a:p>
             <a:r>
-              <a:rPr lang="en-US" sz="1600" dirty="0" smtClean="0">
+              <a:rPr lang="en-US" sz="1600" dirty="0">
                 <a:solidFill>
                   <a:srgbClr val="FFFFFF"/>
                 </a:solidFill>
@@ -11769,34 +12245,13 @@
           </a:p>
           <a:p>
             <a:r>
-              <a:rPr lang="en-US" sz="1600" dirty="0" smtClean="0">
-                <a:solidFill>
-                  <a:srgbClr val="FFFFFF"/>
-                </a:solidFill>
-              </a:rPr>
-              <a:t>Hospital </a:t>
-            </a:r>
-            <a:r>
               <a:rPr lang="en-US" sz="1600" dirty="0">
                 <a:solidFill>
                   <a:srgbClr val="FFFFFF"/>
                 </a:solidFill>
               </a:rPr>
-              <a:t>Annual Financial Data - State of California, Department of Health Care Access and </a:t>
+              <a:t>Hospital Annual Financial Data - State of California, Department of Health Care Access and Information, 2022.</a:t>
             </a:r>
-            <a:r>
-              <a:rPr lang="en-US" sz="1600" dirty="0" smtClean="0">
-                <a:solidFill>
-                  <a:srgbClr val="FFFFFF"/>
-                </a:solidFill>
-              </a:rPr>
-              <a:t>Information, 2022.</a:t>
-            </a:r>
-            <a:endParaRPr lang="en-US" sz="1600" dirty="0">
-              <a:solidFill>
-                <a:srgbClr val="FFFFFF"/>
-              </a:solidFill>
-            </a:endParaRPr>
           </a:p>
         </p:txBody>
       </p:sp>
@@ -11848,7 +12303,7 @@
             <a:blip r:embed="rId7">
               <a:extLst>
                 <a:ext uri="{96DAC541-7B7A-43D3-8B79-37D633B846F1}">
-                  <asvg:svgBlip xmlns="" xmlns:dgm="http://schemas.openxmlformats.org/drawingml/2006/diagram" xmlns:asvg="http://schemas.microsoft.com/office/drawing/2016/SVG/main" xmlns:lc="http://schemas.openxmlformats.org/drawingml/2006/lockedCanvas" r:embed="rId8"/>
+                  <asvg:svgBlip xmlns:asvg="http://schemas.microsoft.com/office/drawing/2016/SVG/main" r:embed="rId8"/>
                 </a:ext>
               </a:extLst>
             </a:blip>
@@ -11882,6 +12337,13 @@
             <a:schemeClr val="lt1"/>
           </a:fontRef>
         </p:style>
+        <p:txBody>
+          <a:bodyPr/>
+          <a:lstStyle/>
+          <a:p>
+            <a:endParaRPr lang="en-US"/>
+          </a:p>
+        </p:txBody>
       </p:sp>
       <p:grpSp>
         <p:nvGrpSpPr>
@@ -11949,6 +12411,13 @@
               </a:schemeClr>
             </a:fontRef>
           </p:style>
+          <p:txBody>
+            <a:bodyPr/>
+            <a:lstStyle/>
+            <a:p>
+              <a:endParaRPr lang="en-US"/>
+            </a:p>
+          </p:txBody>
         </p:sp>
         <p:sp>
           <p:nvSpPr>
@@ -12006,10 +12475,9 @@
                 <a:t>6</a:t>
               </a:r>
               <a:r>
-                <a:rPr lang="en-US" sz="1700" kern="1200" dirty="0" smtClean="0"/>
+                <a:rPr lang="en-US" sz="1700" kern="1200" dirty="0"/>
                 <a:t> Types of Care</a:t>
               </a:r>
-              <a:endParaRPr lang="en-US" sz="1700" kern="1200" dirty="0"/>
             </a:p>
           </p:txBody>
         </p:sp>
@@ -12032,7 +12500,7 @@
             <a:blip r:embed="rId9">
               <a:extLst>
                 <a:ext uri="{96DAC541-7B7A-43D3-8B79-37D633B846F1}">
-                  <asvg:svgBlip xmlns="" xmlns:dgm="http://schemas.openxmlformats.org/drawingml/2006/diagram" xmlns:asvg="http://schemas.microsoft.com/office/drawing/2016/SVG/main" xmlns:lc="http://schemas.openxmlformats.org/drawingml/2006/lockedCanvas" r:embed="rId10"/>
+                  <asvg:svgBlip xmlns:asvg="http://schemas.microsoft.com/office/drawing/2016/SVG/main" r:embed="rId10"/>
                 </a:ext>
               </a:extLst>
             </a:blip>
@@ -12066,6 +12534,13 @@
             <a:schemeClr val="lt1"/>
           </a:fontRef>
         </p:style>
+        <p:txBody>
+          <a:bodyPr/>
+          <a:lstStyle/>
+          <a:p>
+            <a:endParaRPr lang="en-US"/>
+          </a:p>
+        </p:txBody>
       </p:sp>
       <p:grpSp>
         <p:nvGrpSpPr>
@@ -12133,6 +12608,13 @@
               </a:schemeClr>
             </a:fontRef>
           </p:style>
+          <p:txBody>
+            <a:bodyPr/>
+            <a:lstStyle/>
+            <a:p>
+              <a:endParaRPr lang="en-US"/>
+            </a:p>
+          </p:txBody>
         </p:sp>
         <p:sp>
           <p:nvSpPr>
@@ -12211,7 +12693,7 @@
             <a:blip r:embed="rId11">
               <a:extLst>
                 <a:ext uri="{96DAC541-7B7A-43D3-8B79-37D633B846F1}">
-                  <asvg:svgBlip xmlns="" xmlns:dgm="http://schemas.openxmlformats.org/drawingml/2006/diagram" xmlns:asvg="http://schemas.microsoft.com/office/drawing/2016/SVG/main" xmlns:lc="http://schemas.openxmlformats.org/drawingml/2006/lockedCanvas" r:embed="rId12"/>
+                  <asvg:svgBlip xmlns:asvg="http://schemas.microsoft.com/office/drawing/2016/SVG/main" r:embed="rId12"/>
                 </a:ext>
               </a:extLst>
             </a:blip>
@@ -12245,6 +12727,13 @@
             <a:schemeClr val="lt1"/>
           </a:fontRef>
         </p:style>
+        <p:txBody>
+          <a:bodyPr/>
+          <a:lstStyle/>
+          <a:p>
+            <a:endParaRPr lang="en-US"/>
+          </a:p>
+        </p:txBody>
       </p:sp>
       <p:grpSp>
         <p:nvGrpSpPr>
@@ -12312,6 +12801,13 @@
               </a:schemeClr>
             </a:fontRef>
           </p:style>
+          <p:txBody>
+            <a:bodyPr/>
+            <a:lstStyle/>
+            <a:p>
+              <a:endParaRPr lang="en-US"/>
+            </a:p>
+          </p:txBody>
         </p:sp>
         <p:sp>
           <p:nvSpPr>
@@ -12365,10 +12861,9 @@
                 </a:spcAft>
               </a:pPr>
               <a:r>
-                <a:rPr lang="en-US" sz="1700" kern="1200" dirty="0" smtClean="0"/>
+                <a:rPr lang="en-US" sz="1700" kern="1200" dirty="0"/>
                 <a:t>$248.5B in Combined Total Assets</a:t>
               </a:r>
-              <a:endParaRPr lang="en-US" sz="1700" kern="1200" dirty="0"/>
             </a:p>
           </p:txBody>
         </p:sp>
@@ -12419,7 +12914,7 @@
                 <a16:creationId xmlns:a16="http://schemas.microsoft.com/office/drawing/2014/main" id="{681577AD-DA5F-48B3-8FB9-5199BA9EE681}"/>
               </a:ext>
               <a:ext uri="{C183D7F6-B498-43B3-948B-1728B52AA6E4}">
-                <adec:decorative xmlns:adec="http://schemas.microsoft.com/office/drawing/2017/decorative" xmlns="" val="1"/>
+                <adec:decorative xmlns:adec="http://schemas.microsoft.com/office/drawing/2017/decorative" val="1"/>
               </a:ext>
             </a:extLst>
           </p:cNvPr>
@@ -12502,10 +12997,9 @@
           <a:lstStyle/>
           <a:p>
             <a:r>
-              <a:rPr lang="en-US" dirty="0" smtClean="0"/>
+              <a:rPr lang="en-US" dirty="0"/>
               <a:t>Tech Stack</a:t>
             </a:r>
-            <a:endParaRPr lang="en-US" dirty="0"/>
           </a:p>
         </p:txBody>
       </p:sp>
@@ -12538,7 +13032,7 @@
           <a:lstStyle/>
           <a:p>
             <a:r>
-              <a:rPr lang="en-US" sz="1600" dirty="0" smtClean="0">
+              <a:rPr lang="en-US" sz="1600" dirty="0">
                 <a:solidFill>
                   <a:srgbClr val="FFFFFF"/>
                 </a:solidFill>
@@ -12548,7 +13042,7 @@
           </a:p>
           <a:p>
             <a:r>
-              <a:rPr lang="en-US" sz="1600" dirty="0" smtClean="0">
+              <a:rPr lang="en-US" sz="1600" dirty="0">
                 <a:solidFill>
                   <a:srgbClr val="FFFFFF"/>
                 </a:solidFill>
@@ -12558,7 +13052,7 @@
           </a:p>
           <a:p>
             <a:r>
-              <a:rPr lang="en-US" sz="1600" dirty="0" smtClean="0">
+              <a:rPr lang="en-US" sz="1600" dirty="0">
                 <a:solidFill>
                   <a:srgbClr val="FFFFFF"/>
                 </a:solidFill>
@@ -12568,7 +13062,7 @@
           </a:p>
           <a:p>
             <a:r>
-              <a:rPr lang="en-US" sz="1600" dirty="0" smtClean="0">
+              <a:rPr lang="en-US" sz="1600" dirty="0">
                 <a:solidFill>
                   <a:srgbClr val="FFFFFF"/>
                 </a:solidFill>
@@ -12578,7 +13072,7 @@
           </a:p>
           <a:p>
             <a:r>
-              <a:rPr lang="en-US" sz="1600" dirty="0" smtClean="0">
+              <a:rPr lang="en-US" sz="1600" dirty="0">
                 <a:solidFill>
                   <a:srgbClr val="FFFFFF"/>
                 </a:solidFill>
@@ -12588,7 +13082,7 @@
           </a:p>
           <a:p>
             <a:r>
-              <a:rPr lang="en-US" sz="1600" dirty="0" smtClean="0">
+              <a:rPr lang="en-US" sz="1600" dirty="0">
                 <a:solidFill>
                   <a:srgbClr val="FFFFFF"/>
                 </a:solidFill>
@@ -12598,7 +13092,7 @@
           </a:p>
           <a:p>
             <a:r>
-              <a:rPr lang="en-US" sz="1600" dirty="0" smtClean="0">
+              <a:rPr lang="en-US" sz="1600" dirty="0">
                 <a:solidFill>
                   <a:srgbClr val="FFFFFF"/>
                 </a:solidFill>
@@ -12900,7 +13394,7 @@
                 <a16:creationId xmlns:a16="http://schemas.microsoft.com/office/drawing/2014/main" id="{681577AD-DA5F-48B3-8FB9-5199BA9EE681}"/>
               </a:ext>
               <a:ext uri="{C183D7F6-B498-43B3-948B-1728B52AA6E4}">
-                <adec:decorative xmlns:adec="http://schemas.microsoft.com/office/drawing/2017/decorative" xmlns="" val="1"/>
+                <adec:decorative xmlns:adec="http://schemas.microsoft.com/office/drawing/2017/decorative" val="1"/>
               </a:ext>
             </a:extLst>
           </p:cNvPr>
@@ -13013,37 +13507,72 @@
         </p:spPr>
         <p:txBody>
           <a:bodyPr anchor="t">
-            <a:normAutofit/>
+            <a:normAutofit fontScale="92500" lnSpcReduction="20000"/>
           </a:bodyPr>
           <a:lstStyle/>
           <a:p>
+            <a:pPr marL="0" indent="0">
+              <a:buNone/>
+            </a:pPr>
             <a:r>
               <a:rPr lang="en-US" dirty="0">
                 <a:solidFill>
                   <a:srgbClr val="FFFFFF"/>
                 </a:solidFill>
               </a:rPr>
-              <a:t>&lt;&lt;Add Analysis&gt;&gt;</a:t>
+              <a:t>The size of the hospital was determined by comparing total assets. </a:t>
             </a:r>
           </a:p>
           <a:p>
-            <a:endParaRPr lang="en-US" dirty="0">
-              <a:solidFill>
-                <a:srgbClr val="FFFFFF"/>
-              </a:solidFill>
-            </a:endParaRPr>
-          </a:p>
-          <a:p>
+            <a:pPr marL="0" indent="0">
+              <a:buNone/>
+            </a:pPr>
             <a:r>
               <a:rPr lang="en-US" dirty="0">
                 <a:solidFill>
                   <a:srgbClr val="FFFFFF"/>
                 </a:solidFill>
               </a:rPr>
-              <a:t>Note for Greg:</a:t>
+              <a:t>Larger hospitals are teaching or corporate and located in metro areas.</a:t>
             </a:r>
           </a:p>
           <a:p>
+            <a:pPr marL="0" indent="0">
+              <a:buNone/>
+            </a:pPr>
+            <a:endParaRPr lang="en-US" dirty="0">
+              <a:solidFill>
+                <a:srgbClr val="FFFFFF"/>
+              </a:solidFill>
+            </a:endParaRPr>
+          </a:p>
+          <a:p>
+            <a:pPr marL="0" indent="0">
+              <a:buNone/>
+            </a:pPr>
+            <a:r>
+              <a:rPr lang="en-US" dirty="0">
+                <a:solidFill>
+                  <a:srgbClr val="FFFFFF"/>
+                </a:solidFill>
+              </a:rPr>
+              <a:t>Smaller hospitals are rural or concentrate on a specialty.</a:t>
+            </a:r>
+          </a:p>
+          <a:p>
+            <a:pPr marL="0" indent="0">
+              <a:buNone/>
+            </a:pPr>
+            <a:endParaRPr lang="en-US" dirty="0">
+              <a:solidFill>
+                <a:srgbClr val="FFFFFF"/>
+              </a:solidFill>
+            </a:endParaRPr>
+          </a:p>
+          <a:p>
+            <a:pPr marL="0" indent="0">
+              <a:buNone/>
+            </a:pPr>
             <a:r>
               <a:rPr lang="en-US" dirty="0">
                 <a:solidFill>
@@ -13054,6 +13583,9 @@
             </a:r>
           </a:p>
           <a:p>
+            <a:pPr marL="0" indent="0">
+              <a:buNone/>
+            </a:pPr>
             <a:r>
               <a:rPr lang="en-US" dirty="0">
                 <a:solidFill>
@@ -13111,6 +13643,566 @@
 <file path=ppt/slides/slide7.xml><?xml version="1.0" encoding="utf-8"?>
 <p:sld xmlns:a="http://schemas.openxmlformats.org/drawingml/2006/main" xmlns:r="http://schemas.openxmlformats.org/officeDocument/2006/relationships" xmlns:p="http://schemas.openxmlformats.org/presentationml/2006/main">
   <p:cSld>
+    <p:spTree>
+      <p:nvGrpSpPr>
+        <p:cNvPr id="1" name=""/>
+        <p:cNvGrpSpPr/>
+        <p:nvPr/>
+      </p:nvGrpSpPr>
+      <p:grpSpPr>
+        <a:xfrm>
+          <a:off x="0" y="0"/>
+          <a:ext cx="0" cy="0"/>
+          <a:chOff x="0" y="0"/>
+          <a:chExt cx="0" cy="0"/>
+        </a:xfrm>
+      </p:grpSpPr>
+      <p:sp>
+        <p:nvSpPr>
+          <p:cNvPr id="2" name="Title 1">
+            <a:extLst>
+              <a:ext uri="{FF2B5EF4-FFF2-40B4-BE49-F238E27FC236}">
+                <a16:creationId xmlns:a16="http://schemas.microsoft.com/office/drawing/2014/main" id="{0265F446-7FD0-00CA-EBB4-140431946EA9}"/>
+              </a:ext>
+            </a:extLst>
+          </p:cNvPr>
+          <p:cNvSpPr>
+            <a:spLocks noGrp="1"/>
+          </p:cNvSpPr>
+          <p:nvPr>
+            <p:ph type="title"/>
+          </p:nvPr>
+        </p:nvSpPr>
+        <p:spPr>
+          <a:xfrm>
+            <a:off x="560490" y="1128408"/>
+            <a:ext cx="2265837" cy="4601183"/>
+          </a:xfrm>
+        </p:spPr>
+        <p:txBody>
+          <a:bodyPr>
+            <a:normAutofit fontScale="90000"/>
+          </a:bodyPr>
+          <a:lstStyle/>
+          <a:p>
+            <a:br>
+              <a:rPr lang="en-US" sz="1200" dirty="0"/>
+            </a:br>
+            <a:br>
+              <a:rPr lang="en-US" sz="1200" dirty="0"/>
+            </a:br>
+            <a:br>
+              <a:rPr lang="en-US" sz="1200" dirty="0"/>
+            </a:br>
+            <a:br>
+              <a:rPr lang="en-US" sz="1200" dirty="0"/>
+            </a:br>
+            <a:br>
+              <a:rPr lang="en-US" sz="1200" dirty="0"/>
+            </a:br>
+            <a:br>
+              <a:rPr lang="en-US" sz="1200" dirty="0"/>
+            </a:br>
+            <a:r>
+              <a:rPr lang="en-US" sz="1200" dirty="0"/>
+              <a:t>Top 10 Facilities – Acute Care</a:t>
+            </a:r>
+            <a:br>
+              <a:rPr lang="en-US" sz="1200" dirty="0"/>
+            </a:br>
+            <a:br>
+              <a:rPr lang="en-US" sz="1200" dirty="0"/>
+            </a:br>
+            <a:r>
+              <a:rPr lang="en-US" sz="1200" dirty="0"/>
+              <a:t>Medicare Trad – 	                      18.12%</a:t>
+            </a:r>
+            <a:br>
+              <a:rPr lang="en-US" sz="1200" dirty="0"/>
+            </a:br>
+            <a:r>
+              <a:rPr lang="en-US" sz="1200" dirty="0"/>
+              <a:t>Medicare MC  – 	                         7.34%</a:t>
+            </a:r>
+            <a:br>
+              <a:rPr lang="en-US" sz="1200" dirty="0"/>
+            </a:br>
+            <a:r>
+              <a:rPr lang="en-US" sz="1200" dirty="0"/>
+              <a:t>Medi Cal Trad – 	                        5.63%</a:t>
+            </a:r>
+            <a:br>
+              <a:rPr lang="en-US" sz="1200" dirty="0"/>
+            </a:br>
+            <a:r>
+              <a:rPr lang="en-US" sz="1200" dirty="0"/>
+              <a:t>Medi Cal MC – 	                         9.81%</a:t>
+            </a:r>
+            <a:br>
+              <a:rPr lang="en-US" sz="1200" dirty="0"/>
+            </a:br>
+            <a:r>
+              <a:rPr lang="en-US" sz="1200" dirty="0"/>
+              <a:t>County Indigent –                          0.70%</a:t>
+            </a:r>
+            <a:br>
+              <a:rPr lang="en-US" sz="1200" dirty="0"/>
+            </a:br>
+            <a:r>
+              <a:rPr lang="en-US" sz="1200" dirty="0"/>
+              <a:t>Third Part Trad – 	                         3.60%</a:t>
+            </a:r>
+            <a:br>
+              <a:rPr lang="en-US" sz="1200" dirty="0"/>
+            </a:br>
+            <a:r>
+              <a:rPr lang="en-US" sz="1200" dirty="0"/>
+              <a:t>Third Part MC – 	                      53.54%</a:t>
+            </a:r>
+            <a:br>
+              <a:rPr lang="en-US" sz="1200" dirty="0"/>
+            </a:br>
+            <a:r>
+              <a:rPr lang="en-US" sz="1200" dirty="0"/>
+              <a:t>Other Indigent –  	                        0.06%</a:t>
+            </a:r>
+            <a:br>
+              <a:rPr lang="en-US" sz="1200" dirty="0"/>
+            </a:br>
+            <a:r>
+              <a:rPr lang="en-US" sz="1200" dirty="0"/>
+              <a:t>Other – 	                        1.20%</a:t>
+            </a:r>
+            <a:br>
+              <a:rPr lang="en-US" sz="800" dirty="0"/>
+            </a:br>
+            <a:br>
+              <a:rPr lang="en-US" sz="800" dirty="0"/>
+            </a:br>
+            <a:br>
+              <a:rPr lang="en-US" sz="800" dirty="0"/>
+            </a:br>
+            <a:br>
+              <a:rPr lang="en-US" sz="800" dirty="0"/>
+            </a:br>
+            <a:br>
+              <a:rPr lang="en-US" sz="800" dirty="0"/>
+            </a:br>
+            <a:br>
+              <a:rPr lang="en-US" sz="800" dirty="0"/>
+            </a:br>
+            <a:br>
+              <a:rPr lang="en-US" sz="800" dirty="0"/>
+            </a:br>
+            <a:r>
+              <a:rPr lang="en-US" sz="1200" dirty="0"/>
+              <a:t>Bottom 10 Facilities – Acute Care</a:t>
+            </a:r>
+            <a:br>
+              <a:rPr lang="en-US" sz="1200" dirty="0"/>
+            </a:br>
+            <a:br>
+              <a:rPr lang="en-US" sz="1200" dirty="0"/>
+            </a:br>
+            <a:r>
+              <a:rPr lang="en-US" sz="1200" dirty="0"/>
+              <a:t>Medicare Trad – 	                      25.97%</a:t>
+            </a:r>
+            <a:br>
+              <a:rPr lang="en-US" sz="1200" dirty="0"/>
+            </a:br>
+            <a:r>
+              <a:rPr lang="en-US" sz="1200" dirty="0"/>
+              <a:t>Medicare MC  – 	                       9.99%</a:t>
+            </a:r>
+            <a:br>
+              <a:rPr lang="en-US" sz="1200" dirty="0"/>
+            </a:br>
+            <a:r>
+              <a:rPr lang="en-US" sz="1200" dirty="0"/>
+              <a:t>Medi Cal Trad – 	                    13.49%</a:t>
+            </a:r>
+            <a:br>
+              <a:rPr lang="en-US" sz="1200" dirty="0"/>
+            </a:br>
+            <a:r>
+              <a:rPr lang="en-US" sz="1200" dirty="0"/>
+              <a:t>Medi Cal MC – 	                    20.43%</a:t>
+            </a:r>
+            <a:br>
+              <a:rPr lang="en-US" sz="1200" dirty="0"/>
+            </a:br>
+            <a:r>
+              <a:rPr lang="en-US" sz="1200" dirty="0"/>
+              <a:t>County Indigent –                       0.52%</a:t>
+            </a:r>
+            <a:br>
+              <a:rPr lang="en-US" sz="1200" dirty="0"/>
+            </a:br>
+            <a:r>
+              <a:rPr lang="en-US" sz="1200" dirty="0"/>
+              <a:t>Third Part Trad – 	                    16.78%</a:t>
+            </a:r>
+            <a:br>
+              <a:rPr lang="en-US" sz="1200" dirty="0"/>
+            </a:br>
+            <a:r>
+              <a:rPr lang="en-US" sz="1200" dirty="0"/>
+              <a:t>Third Part MC – 	                      6.66%</a:t>
+            </a:r>
+            <a:br>
+              <a:rPr lang="en-US" sz="1200" dirty="0"/>
+            </a:br>
+            <a:r>
+              <a:rPr lang="en-US" sz="1200" dirty="0"/>
+              <a:t>Other Indigent –  	                      </a:t>
+            </a:r>
+            <a:r>
+              <a:rPr lang="en-US" sz="1200" dirty="0" err="1"/>
+              <a:t>o.oo</a:t>
+            </a:r>
+            <a:r>
+              <a:rPr lang="en-US" sz="1200" dirty="0"/>
+              <a:t>%</a:t>
+            </a:r>
+            <a:br>
+              <a:rPr lang="en-US" sz="1200" dirty="0"/>
+            </a:br>
+            <a:r>
+              <a:rPr lang="en-US" sz="1200" dirty="0"/>
+              <a:t>Other – 	                      6.16%</a:t>
+            </a:r>
+            <a:br>
+              <a:rPr lang="en-US" dirty="0"/>
+            </a:br>
+            <a:br>
+              <a:rPr lang="en-US" dirty="0"/>
+            </a:br>
+            <a:endParaRPr lang="en-US" dirty="0"/>
+          </a:p>
+        </p:txBody>
+      </p:sp>
+      <p:pic>
+        <p:nvPicPr>
+          <p:cNvPr id="6" name="Picture 5" descr="A pie chart with different colored circles&#10;&#10;Description automatically generated">
+            <a:extLst>
+              <a:ext uri="{FF2B5EF4-FFF2-40B4-BE49-F238E27FC236}">
+                <a16:creationId xmlns:a16="http://schemas.microsoft.com/office/drawing/2014/main" id="{E937D825-8658-D1EC-E628-FA024297938E}"/>
+              </a:ext>
+            </a:extLst>
+          </p:cNvPr>
+          <p:cNvPicPr>
+            <a:picLocks noChangeAspect="1"/>
+          </p:cNvPicPr>
+          <p:nvPr/>
+        </p:nvPicPr>
+        <p:blipFill>
+          <a:blip r:embed="rId2"/>
+          <a:stretch>
+            <a:fillRect/>
+          </a:stretch>
+        </p:blipFill>
+        <p:spPr>
+          <a:xfrm>
+            <a:off x="3849434" y="3618420"/>
+            <a:ext cx="6858000" cy="3081020"/>
+          </a:xfrm>
+          <a:prstGeom prst="rect">
+            <a:avLst/>
+          </a:prstGeom>
+        </p:spPr>
+      </p:pic>
+      <p:pic>
+        <p:nvPicPr>
+          <p:cNvPr id="9" name="Content Placeholder 8">
+            <a:extLst>
+              <a:ext uri="{FF2B5EF4-FFF2-40B4-BE49-F238E27FC236}">
+                <a16:creationId xmlns:a16="http://schemas.microsoft.com/office/drawing/2014/main" id="{5BC8AE8F-D8BB-18E0-25DD-C1130606F5AD}"/>
+              </a:ext>
+            </a:extLst>
+          </p:cNvPr>
+          <p:cNvPicPr>
+            <a:picLocks noGrp="1" noChangeAspect="1"/>
+          </p:cNvPicPr>
+          <p:nvPr>
+            <p:ph idx="1"/>
+          </p:nvPr>
+        </p:nvPicPr>
+        <p:blipFill>
+          <a:blip r:embed="rId3"/>
+          <a:stretch>
+            <a:fillRect/>
+          </a:stretch>
+        </p:blipFill>
+        <p:spPr>
+          <a:xfrm>
+            <a:off x="3849434" y="470981"/>
+            <a:ext cx="6388100" cy="2768600"/>
+          </a:xfrm>
+          <a:prstGeom prst="rect">
+            <a:avLst/>
+          </a:prstGeom>
+        </p:spPr>
+      </p:pic>
+    </p:spTree>
+    <p:extLst>
+      <p:ext uri="{BB962C8B-B14F-4D97-AF65-F5344CB8AC3E}">
+        <p14:creationId xmlns:p14="http://schemas.microsoft.com/office/powerpoint/2010/main" val="1960104821"/>
+      </p:ext>
+    </p:extLst>
+  </p:cSld>
+  <p:clrMapOvr>
+    <a:masterClrMapping/>
+  </p:clrMapOvr>
+</p:sld>
+</file>
+
+<file path=ppt/slides/slide8.xml><?xml version="1.0" encoding="utf-8"?>
+<p:sld xmlns:a="http://schemas.openxmlformats.org/drawingml/2006/main" xmlns:r="http://schemas.openxmlformats.org/officeDocument/2006/relationships" xmlns:p="http://schemas.openxmlformats.org/presentationml/2006/main">
+  <p:cSld>
+    <p:spTree>
+      <p:nvGrpSpPr>
+        <p:cNvPr id="1" name=""/>
+        <p:cNvGrpSpPr/>
+        <p:nvPr/>
+      </p:nvGrpSpPr>
+      <p:grpSpPr>
+        <a:xfrm>
+          <a:off x="0" y="0"/>
+          <a:ext cx="0" cy="0"/>
+          <a:chOff x="0" y="0"/>
+          <a:chExt cx="0" cy="0"/>
+        </a:xfrm>
+      </p:grpSpPr>
+      <p:sp>
+        <p:nvSpPr>
+          <p:cNvPr id="2" name="Title 1">
+            <a:extLst>
+              <a:ext uri="{FF2B5EF4-FFF2-40B4-BE49-F238E27FC236}">
+                <a16:creationId xmlns:a16="http://schemas.microsoft.com/office/drawing/2014/main" id="{CDF3B1AE-3276-CD1A-6E3A-2C018401D580}"/>
+              </a:ext>
+            </a:extLst>
+          </p:cNvPr>
+          <p:cNvSpPr>
+            <a:spLocks noGrp="1"/>
+          </p:cNvSpPr>
+          <p:nvPr>
+            <p:ph type="title"/>
+          </p:nvPr>
+        </p:nvSpPr>
+        <p:spPr/>
+        <p:txBody>
+          <a:bodyPr>
+            <a:normAutofit/>
+          </a:bodyPr>
+          <a:lstStyle/>
+          <a:p>
+            <a:r>
+              <a:rPr lang="en-US" sz="1100" dirty="0"/>
+              <a:t>Top 10  Fac. Acute Discharges – Average by Type</a:t>
+            </a:r>
+            <a:br>
+              <a:rPr lang="en-US" sz="1100" dirty="0"/>
+            </a:br>
+            <a:br>
+              <a:rPr lang="en-US" sz="1100" dirty="0"/>
+            </a:br>
+            <a:r>
+              <a:rPr lang="en-US" sz="1100" dirty="0"/>
+              <a:t>Acute		29,774 </a:t>
+            </a:r>
+            <a:br>
+              <a:rPr lang="en-US" sz="1100" dirty="0"/>
+            </a:br>
+            <a:r>
+              <a:rPr lang="en-US" sz="1100" dirty="0"/>
+              <a:t>Psychiatric		      737</a:t>
+            </a:r>
+            <a:br>
+              <a:rPr lang="en-US" sz="1100" dirty="0"/>
+            </a:br>
+            <a:r>
+              <a:rPr lang="en-US" sz="1100" dirty="0"/>
+              <a:t>Chemical Dependency	      774</a:t>
+            </a:r>
+            <a:br>
+              <a:rPr lang="en-US" sz="1100" dirty="0"/>
+            </a:br>
+            <a:r>
+              <a:rPr lang="en-US" sz="1100" dirty="0"/>
+              <a:t>Rehabilitation		     685</a:t>
+            </a:r>
+            <a:br>
+              <a:rPr lang="en-US" sz="1100" dirty="0"/>
+            </a:br>
+            <a:r>
+              <a:rPr lang="en-US" sz="1100" dirty="0"/>
+              <a:t>Long-Term Care		       -- </a:t>
+            </a:r>
+            <a:br>
+              <a:rPr lang="en-US" sz="1100" dirty="0"/>
+            </a:br>
+            <a:r>
+              <a:rPr lang="en-US" sz="1100" dirty="0"/>
+              <a:t>Residential / Daily Care	       --</a:t>
+            </a:r>
+            <a:br>
+              <a:rPr lang="en-US" sz="1100" dirty="0"/>
+            </a:br>
+            <a:br>
+              <a:rPr lang="en-US" sz="1100" dirty="0"/>
+            </a:br>
+            <a:br>
+              <a:rPr lang="en-US" sz="1100" dirty="0"/>
+            </a:br>
+            <a:br>
+              <a:rPr lang="en-US" sz="1100" dirty="0"/>
+            </a:br>
+            <a:br>
+              <a:rPr lang="en-US" sz="1100" dirty="0"/>
+            </a:br>
+            <a:br>
+              <a:rPr lang="en-US" sz="1100" dirty="0"/>
+            </a:br>
+            <a:br>
+              <a:rPr lang="en-US" sz="1100" dirty="0"/>
+            </a:br>
+            <a:br>
+              <a:rPr lang="en-US" sz="1100" dirty="0"/>
+            </a:br>
+            <a:br>
+              <a:rPr lang="en-US" sz="1100" dirty="0"/>
+            </a:br>
+            <a:r>
+              <a:rPr lang="en-US" sz="1100" dirty="0"/>
+              <a:t>Bottom 10  Fac. Acute Discharges – Average by Type</a:t>
+            </a:r>
+            <a:br>
+              <a:rPr lang="en-US" sz="1100" dirty="0"/>
+            </a:br>
+            <a:br>
+              <a:rPr lang="en-US" sz="1100" dirty="0"/>
+            </a:br>
+            <a:r>
+              <a:rPr lang="en-US" sz="1100" dirty="0"/>
+              <a:t>Acute		     434</a:t>
+            </a:r>
+            <a:br>
+              <a:rPr lang="en-US" sz="1100" dirty="0"/>
+            </a:br>
+            <a:r>
+              <a:rPr lang="en-US" sz="1100" dirty="0"/>
+              <a:t>Psychiatric		      105</a:t>
+            </a:r>
+            <a:br>
+              <a:rPr lang="en-US" sz="1100" dirty="0"/>
+            </a:br>
+            <a:r>
+              <a:rPr lang="en-US" sz="1100" dirty="0"/>
+              <a:t>Chemical Dependency	       --</a:t>
+            </a:r>
+            <a:br>
+              <a:rPr lang="en-US" sz="1100" dirty="0"/>
+            </a:br>
+            <a:r>
+              <a:rPr lang="en-US" sz="1100" dirty="0"/>
+              <a:t>Rehabilitation		       --</a:t>
+            </a:r>
+            <a:br>
+              <a:rPr lang="en-US" sz="1100" dirty="0"/>
+            </a:br>
+            <a:r>
+              <a:rPr lang="en-US" sz="1100" dirty="0"/>
+              <a:t>Long-Term Care		      112 </a:t>
+            </a:r>
+            <a:br>
+              <a:rPr lang="en-US" sz="1100" dirty="0"/>
+            </a:br>
+            <a:r>
+              <a:rPr lang="en-US" sz="1100" dirty="0"/>
+              <a:t>Residential / Daily Care	       --</a:t>
+            </a:r>
+          </a:p>
+        </p:txBody>
+      </p:sp>
+      <p:pic>
+        <p:nvPicPr>
+          <p:cNvPr id="4" name="Content Placeholder 3">
+            <a:extLst>
+              <a:ext uri="{FF2B5EF4-FFF2-40B4-BE49-F238E27FC236}">
+                <a16:creationId xmlns:a16="http://schemas.microsoft.com/office/drawing/2014/main" id="{CFD59C2C-61DF-FA8D-4061-90ACAC7BB478}"/>
+              </a:ext>
+            </a:extLst>
+          </p:cNvPr>
+          <p:cNvPicPr>
+            <a:picLocks noGrp="1" noChangeAspect="1"/>
+          </p:cNvPicPr>
+          <p:nvPr>
+            <p:ph idx="1"/>
+          </p:nvPr>
+        </p:nvPicPr>
+        <p:blipFill>
+          <a:blip r:embed="rId2"/>
+          <a:stretch>
+            <a:fillRect/>
+          </a:stretch>
+        </p:blipFill>
+        <p:spPr>
+          <a:xfrm>
+            <a:off x="3827174" y="311438"/>
+            <a:ext cx="6263742" cy="3238098"/>
+          </a:xfrm>
+          <a:prstGeom prst="rect">
+            <a:avLst/>
+          </a:prstGeom>
+        </p:spPr>
+      </p:pic>
+      <p:pic>
+        <p:nvPicPr>
+          <p:cNvPr id="6" name="Picture 5">
+            <a:extLst>
+              <a:ext uri="{FF2B5EF4-FFF2-40B4-BE49-F238E27FC236}">
+                <a16:creationId xmlns:a16="http://schemas.microsoft.com/office/drawing/2014/main" id="{3F6FAD57-5BBC-C7EE-A9CC-8ECAB7010A98}"/>
+              </a:ext>
+            </a:extLst>
+          </p:cNvPr>
+          <p:cNvPicPr>
+            <a:picLocks noChangeAspect="1"/>
+          </p:cNvPicPr>
+          <p:nvPr/>
+        </p:nvPicPr>
+        <p:blipFill>
+          <a:blip r:embed="rId3"/>
+          <a:stretch>
+            <a:fillRect/>
+          </a:stretch>
+        </p:blipFill>
+        <p:spPr>
+          <a:xfrm>
+            <a:off x="3996762" y="3549536"/>
+            <a:ext cx="5762799" cy="3043198"/>
+          </a:xfrm>
+          <a:prstGeom prst="rect">
+            <a:avLst/>
+          </a:prstGeom>
+        </p:spPr>
+      </p:pic>
+    </p:spTree>
+    <p:extLst>
+      <p:ext uri="{BB962C8B-B14F-4D97-AF65-F5344CB8AC3E}">
+        <p14:creationId xmlns:p14="http://schemas.microsoft.com/office/powerpoint/2010/main" val="1269476491"/>
+      </p:ext>
+    </p:extLst>
+  </p:cSld>
+  <p:clrMapOvr>
+    <a:masterClrMapping/>
+  </p:clrMapOvr>
+</p:sld>
+</file>
+
+<file path=ppt/slides/slide9.xml><?xml version="1.0" encoding="utf-8"?>
+<p:sld xmlns:a="http://schemas.openxmlformats.org/drawingml/2006/main" xmlns:r="http://schemas.openxmlformats.org/officeDocument/2006/relationships" xmlns:p="http://schemas.openxmlformats.org/presentationml/2006/main">
+  <p:cSld>
     <p:bg>
       <p:bgPr>
         <a:solidFill>
@@ -13141,7 +14233,7 @@
                 <a16:creationId xmlns:a16="http://schemas.microsoft.com/office/drawing/2014/main" id="{681577AD-DA5F-48B3-8FB9-5199BA9EE681}"/>
               </a:ext>
               <a:ext uri="{C183D7F6-B498-43B3-948B-1728B52AA6E4}">
-                <adec:decorative xmlns:adec="http://schemas.microsoft.com/office/drawing/2017/decorative" xmlns="" val="1"/>
+                <adec:decorative xmlns:adec="http://schemas.microsoft.com/office/drawing/2017/decorative" val="1"/>
               </a:ext>
             </a:extLst>
           </p:cNvPr>
@@ -13224,16 +14316,8 @@
           <a:lstStyle/>
           <a:p>
             <a:r>
-              <a:rPr lang="en-US" sz="3200" spc="-100" dirty="0" smtClean="0"/>
-              <a:t>Net </a:t>
-            </a:r>
-            <a:r>
               <a:rPr lang="en-US" sz="3200" spc="-100" dirty="0"/>
-              <a:t>Patient Revenue by Payer </a:t>
-            </a:r>
-            <a:r>
-              <a:rPr lang="en-US" sz="3200" spc="-100" dirty="0" smtClean="0"/>
-              <a:t>Category:</a:t>
+              <a:t>Net Patient Revenue by Payer Category:</a:t>
             </a:r>
             <a:endParaRPr lang="en-US" sz="3200" dirty="0"/>
           </a:p>
@@ -13273,132 +14357,58 @@
                   <a:srgbClr val="FFFFFF"/>
                 </a:solidFill>
               </a:rPr>
-              <a:t>The data suggests that 'Other Third Parties-Managed Care' </a:t>
+              <a:t>The data suggests that 'Other Third Parties-Managed Care' (e.g., private insurance companies, employer-sponsored health plans, or other managed care organizations) is the largest category, accounting for just over 40.09% of the composition mix. </a:t>
             </a:r>
-            <a:r>
-              <a:rPr lang="en-US" sz="1600" dirty="0" smtClean="0">
-                <a:solidFill>
-                  <a:srgbClr val="FFFFFF"/>
-                </a:solidFill>
-              </a:rPr>
-              <a:t>(e.g., private </a:t>
-            </a:r>
+          </a:p>
+          <a:p>
+            <a:endParaRPr lang="en-US" sz="1600" dirty="0">
+              <a:solidFill>
+                <a:srgbClr val="FFFFFF"/>
+              </a:solidFill>
+            </a:endParaRPr>
+          </a:p>
+          <a:p>
             <a:r>
               <a:rPr lang="en-US" sz="1600" dirty="0">
                 <a:solidFill>
                   <a:srgbClr val="FFFFFF"/>
                 </a:solidFill>
               </a:rPr>
-              <a:t>insurance companies, employer-sponsored health plans, or other managed care </a:t>
+              <a:t>Importance of Payment Mix:</a:t>
             </a:r>
-            <a:r>
-              <a:rPr lang="en-US" sz="1600" dirty="0" smtClean="0">
-                <a:solidFill>
-                  <a:srgbClr val="FFFFFF"/>
-                </a:solidFill>
-              </a:rPr>
-              <a:t>organizations) is </a:t>
-            </a:r>
+          </a:p>
+          <a:p>
             <a:r>
               <a:rPr lang="en-US" sz="1600" dirty="0">
                 <a:solidFill>
                   <a:srgbClr val="FFFFFF"/>
                 </a:solidFill>
               </a:rPr>
-              <a:t>the largest category, accounting for just over </a:t>
+              <a:t>1. Revenue Optimization</a:t>
             </a:r>
-            <a:r>
-              <a:rPr lang="en-US" sz="1600" dirty="0" smtClean="0">
-                <a:solidFill>
-                  <a:srgbClr val="FFFFFF"/>
-                </a:solidFill>
-              </a:rPr>
-              <a:t>40.09% </a:t>
-            </a:r>
+          </a:p>
+          <a:p>
             <a:r>
               <a:rPr lang="en-US" sz="1600" dirty="0">
                 <a:solidFill>
                   <a:srgbClr val="FFFFFF"/>
                 </a:solidFill>
               </a:rPr>
-              <a:t>of the composition mix. </a:t>
+              <a:t>2. Regulatory Compliance</a:t>
             </a:r>
-            <a:endParaRPr lang="en-US" sz="1600" dirty="0" smtClean="0">
-              <a:solidFill>
-                <a:srgbClr val="FFFFFF"/>
-              </a:solidFill>
-            </a:endParaRPr>
-          </a:p>
-          <a:p>
-            <a:endParaRPr lang="en-US" sz="1600" dirty="0" smtClean="0">
-              <a:solidFill>
-                <a:srgbClr val="FFFFFF"/>
-              </a:solidFill>
-            </a:endParaRPr>
-          </a:p>
-          <a:p>
-            <a:r>
-              <a:rPr lang="en-US" sz="1600" dirty="0" smtClean="0">
-                <a:solidFill>
-                  <a:srgbClr val="FFFFFF"/>
-                </a:solidFill>
-              </a:rPr>
-              <a:t>Importance of </a:t>
-            </a:r>
+          </a:p>
+          <a:p>
             <a:r>
               <a:rPr lang="en-US" sz="1600" dirty="0">
                 <a:solidFill>
                   <a:srgbClr val="FFFFFF"/>
                 </a:solidFill>
               </a:rPr>
-              <a:t>Payment </a:t>
-            </a:r>
-            <a:r>
-              <a:rPr lang="en-US" sz="1600" dirty="0" smtClean="0">
-                <a:solidFill>
-                  <a:srgbClr val="FFFFFF"/>
-                </a:solidFill>
-              </a:rPr>
-              <a:t>Mix:</a:t>
-            </a:r>
-          </a:p>
-          <a:p>
-            <a:r>
-              <a:rPr lang="en-US" sz="1600" dirty="0" smtClean="0">
-                <a:solidFill>
-                  <a:srgbClr val="FFFFFF"/>
-                </a:solidFill>
-              </a:rPr>
-              <a:t>1. Revenue Optimization</a:t>
-            </a:r>
-          </a:p>
-          <a:p>
-            <a:r>
-              <a:rPr lang="en-US" sz="1600" dirty="0" smtClean="0">
-                <a:solidFill>
-                  <a:srgbClr val="FFFFFF"/>
-                </a:solidFill>
-              </a:rPr>
-              <a:t>2. Regulatory Compliance</a:t>
-            </a:r>
-          </a:p>
-          <a:p>
-            <a:r>
-              <a:rPr lang="en-US" sz="1600" dirty="0" smtClean="0">
-                <a:solidFill>
-                  <a:srgbClr val="FFFFFF"/>
-                </a:solidFill>
-              </a:rPr>
               <a:t>3. Risk Management</a:t>
             </a:r>
+          </a:p>
+          <a:p>
             <a:endParaRPr lang="en-US" sz="1600" dirty="0">
-              <a:solidFill>
-                <a:srgbClr val="FFFFFF"/>
-              </a:solidFill>
-            </a:endParaRPr>
-          </a:p>
-          <a:p>
-            <a:endParaRPr lang="en-US" sz="1600" dirty="0" smtClean="0">
               <a:solidFill>
                 <a:srgbClr val="FFFFFF"/>
               </a:solidFill>
@@ -13440,707 +14450,6 @@
     <p:extLst>
       <p:ext uri="{BB962C8B-B14F-4D97-AF65-F5344CB8AC3E}">
         <p14:creationId xmlns:p14="http://schemas.microsoft.com/office/powerpoint/2010/main" val="355635710"/>
-      </p:ext>
-    </p:extLst>
-  </p:cSld>
-  <p:clrMapOvr>
-    <a:masterClrMapping/>
-  </p:clrMapOvr>
-</p:sld>
-</file>
-
-<file path=ppt/slides/slide8.xml><?xml version="1.0" encoding="utf-8"?>
-<p:sld xmlns:a="http://schemas.openxmlformats.org/drawingml/2006/main" xmlns:r="http://schemas.openxmlformats.org/officeDocument/2006/relationships" xmlns:p="http://schemas.openxmlformats.org/presentationml/2006/main">
-  <p:cSld>
-    <p:bg>
-      <p:bgPr>
-        <a:solidFill>
-          <a:schemeClr val="bg1"/>
-        </a:solidFill>
-        <a:effectLst/>
-      </p:bgPr>
-    </p:bg>
-    <p:spTree>
-      <p:nvGrpSpPr>
-        <p:cNvPr id="1" name=""/>
-        <p:cNvGrpSpPr/>
-        <p:nvPr/>
-      </p:nvGrpSpPr>
-      <p:grpSpPr>
-        <a:xfrm>
-          <a:off x="0" y="0"/>
-          <a:ext cx="0" cy="0"/>
-          <a:chOff x="0" y="0"/>
-          <a:chExt cx="0" cy="0"/>
-        </a:xfrm>
-      </p:grpSpPr>
-      <p:sp>
-        <p:nvSpPr>
-          <p:cNvPr id="11" name="Rectangle 10">
-            <a:extLst>
-              <a:ext uri="{FF2B5EF4-FFF2-40B4-BE49-F238E27FC236}">
-                <a16:creationId xmlns:a16="http://schemas.microsoft.com/office/drawing/2014/main" id="{64C9EE1D-12BB-43F7-9A2A-893578DCA63A}"/>
-              </a:ext>
-              <a:ext uri="{C183D7F6-B498-43B3-948B-1728B52AA6E4}">
-                <adec:decorative xmlns:adec="http://schemas.microsoft.com/office/drawing/2017/decorative" xmlns="" val="1"/>
-              </a:ext>
-            </a:extLst>
-          </p:cNvPr>
-          <p:cNvSpPr>
-            <a:spLocks noGrp="1" noRot="1" noChangeAspect="1" noMove="1" noResize="1" noEditPoints="1" noAdjustHandles="1" noChangeArrowheads="1" noChangeShapeType="1" noTextEdit="1"/>
-          </p:cNvSpPr>
-          <p:nvPr>
-            <p:extLst>
-              <p:ext uri="{386F3935-93C4-4BCD-93E2-E3B085C9AB24}">
-                <p16:designElem xmlns:p16="http://schemas.microsoft.com/office/powerpoint/2015/main" val="1"/>
-              </p:ext>
-            </p:extLst>
-          </p:nvPr>
-        </p:nvSpPr>
-        <p:spPr>
-          <a:xfrm>
-            <a:off x="0" y="761999"/>
-            <a:ext cx="9141619" cy="5334001"/>
-          </a:xfrm>
-          <a:prstGeom prst="rect">
-            <a:avLst/>
-          </a:prstGeom>
-          <a:solidFill>
-            <a:schemeClr val="accent1"/>
-          </a:solidFill>
-          <a:ln>
-            <a:noFill/>
-          </a:ln>
-        </p:spPr>
-        <p:style>
-          <a:lnRef idx="2">
-            <a:schemeClr val="accent1">
-              <a:shade val="50000"/>
-            </a:schemeClr>
-          </a:lnRef>
-          <a:fillRef idx="1">
-            <a:schemeClr val="accent1"/>
-          </a:fillRef>
-          <a:effectRef idx="0">
-            <a:schemeClr val="accent1"/>
-          </a:effectRef>
-          <a:fontRef idx="minor">
-            <a:schemeClr val="lt1"/>
-          </a:fontRef>
-        </p:style>
-        <p:txBody>
-          <a:bodyPr/>
-          <a:lstStyle/>
-          <a:p>
-            <a:endParaRPr lang="en-US"/>
-          </a:p>
-        </p:txBody>
-      </p:sp>
-      <p:sp>
-        <p:nvSpPr>
-          <p:cNvPr id="13" name="Rectangle 12">
-            <a:extLst>
-              <a:ext uri="{FF2B5EF4-FFF2-40B4-BE49-F238E27FC236}">
-                <a16:creationId xmlns:a16="http://schemas.microsoft.com/office/drawing/2014/main" id="{43962A31-C54E-4762-B155-59777FED1C75}"/>
-              </a:ext>
-              <a:ext uri="{C183D7F6-B498-43B3-948B-1728B52AA6E4}">
-                <adec:decorative xmlns:adec="http://schemas.microsoft.com/office/drawing/2017/decorative" xmlns="" val="1"/>
-              </a:ext>
-            </a:extLst>
-          </p:cNvPr>
-          <p:cNvSpPr>
-            <a:spLocks noGrp="1" noRot="1" noChangeAspect="1" noMove="1" noResize="1" noEditPoints="1" noAdjustHandles="1" noChangeArrowheads="1" noChangeShapeType="1" noTextEdit="1"/>
-          </p:cNvSpPr>
-          <p:nvPr>
-            <p:extLst>
-              <p:ext uri="{386F3935-93C4-4BCD-93E2-E3B085C9AB24}">
-                <p16:designElem xmlns:p16="http://schemas.microsoft.com/office/powerpoint/2015/main" val="1"/>
-              </p:ext>
-            </p:extLst>
-          </p:nvPr>
-        </p:nvSpPr>
-        <p:spPr>
-          <a:xfrm>
-            <a:off x="9270263" y="761999"/>
-            <a:ext cx="2925318" cy="5334001"/>
-          </a:xfrm>
-          <a:prstGeom prst="rect">
-            <a:avLst/>
-          </a:prstGeom>
-          <a:solidFill>
-            <a:srgbClr val="C8C8C8">
-              <a:alpha val="49804"/>
-            </a:srgbClr>
-          </a:solidFill>
-          <a:ln>
-            <a:noFill/>
-          </a:ln>
-        </p:spPr>
-        <p:style>
-          <a:lnRef idx="2">
-            <a:schemeClr val="accent1">
-              <a:shade val="50000"/>
-            </a:schemeClr>
-          </a:lnRef>
-          <a:fillRef idx="1">
-            <a:schemeClr val="accent1"/>
-          </a:fillRef>
-          <a:effectRef idx="0">
-            <a:schemeClr val="accent1"/>
-          </a:effectRef>
-          <a:fontRef idx="minor">
-            <a:schemeClr val="lt1"/>
-          </a:fontRef>
-        </p:style>
-        <p:txBody>
-          <a:bodyPr/>
-          <a:lstStyle/>
-          <a:p>
-            <a:endParaRPr lang="en-US"/>
-          </a:p>
-        </p:txBody>
-      </p:sp>
-      <p:sp useBgFill="1">
-        <p:nvSpPr>
-          <p:cNvPr id="15" name="Rectangle 14">
-            <a:extLst>
-              <a:ext uri="{FF2B5EF4-FFF2-40B4-BE49-F238E27FC236}">
-                <a16:creationId xmlns:a16="http://schemas.microsoft.com/office/drawing/2014/main" id="{4B392D36-B685-45E0-B197-6EE5D748093B}"/>
-              </a:ext>
-              <a:ext uri="{C183D7F6-B498-43B3-948B-1728B52AA6E4}">
-                <adec:decorative xmlns:adec="http://schemas.microsoft.com/office/drawing/2017/decorative" xmlns="" val="1"/>
-              </a:ext>
-            </a:extLst>
-          </p:cNvPr>
-          <p:cNvSpPr>
-            <a:spLocks noGrp="1" noRot="1" noChangeAspect="1" noMove="1" noResize="1" noEditPoints="1" noAdjustHandles="1" noChangeArrowheads="1" noChangeShapeType="1" noTextEdit="1"/>
-          </p:cNvSpPr>
-          <p:nvPr>
-            <p:extLst>
-              <p:ext uri="{386F3935-93C4-4BCD-93E2-E3B085C9AB24}">
-                <p16:designElem xmlns:p16="http://schemas.microsoft.com/office/powerpoint/2015/main" val="1"/>
-              </p:ext>
-            </p:extLst>
-          </p:nvPr>
-        </p:nvSpPr>
-        <p:spPr>
-          <a:xfrm>
-            <a:off x="0" y="0"/>
-            <a:ext cx="12191999" cy="6858000"/>
-          </a:xfrm>
-          <a:prstGeom prst="rect">
-            <a:avLst/>
-          </a:prstGeom>
-          <a:ln>
-            <a:noFill/>
-          </a:ln>
-        </p:spPr>
-        <p:style>
-          <a:lnRef idx="2">
-            <a:schemeClr val="accent1">
-              <a:shade val="50000"/>
-            </a:schemeClr>
-          </a:lnRef>
-          <a:fillRef idx="1">
-            <a:schemeClr val="accent1"/>
-          </a:fillRef>
-          <a:effectRef idx="0">
-            <a:schemeClr val="accent1"/>
-          </a:effectRef>
-          <a:fontRef idx="minor">
-            <a:schemeClr val="lt1"/>
-          </a:fontRef>
-        </p:style>
-        <p:txBody>
-          <a:bodyPr rtlCol="0" anchor="ctr"/>
-          <a:lstStyle/>
-          <a:p>
-            <a:pPr algn="ctr"/>
-            <a:endParaRPr lang="en-US"/>
-          </a:p>
-        </p:txBody>
-      </p:sp>
-      <p:sp>
-        <p:nvSpPr>
-          <p:cNvPr id="17" name="Rectangle 16">
-            <a:extLst>
-              <a:ext uri="{FF2B5EF4-FFF2-40B4-BE49-F238E27FC236}">
-                <a16:creationId xmlns:a16="http://schemas.microsoft.com/office/drawing/2014/main" id="{9DCA8533-CC5E-4754-9A04-047EDE49E0F9}"/>
-              </a:ext>
-              <a:ext uri="{C183D7F6-B498-43B3-948B-1728B52AA6E4}">
-                <adec:decorative xmlns:adec="http://schemas.microsoft.com/office/drawing/2017/decorative" xmlns="" val="1"/>
-              </a:ext>
-            </a:extLst>
-          </p:cNvPr>
-          <p:cNvSpPr>
-            <a:spLocks noGrp="1" noRot="1" noChangeAspect="1" noMove="1" noResize="1" noEditPoints="1" noAdjustHandles="1" noChangeArrowheads="1" noChangeShapeType="1" noTextEdit="1"/>
-          </p:cNvSpPr>
-          <p:nvPr>
-            <p:extLst>
-              <p:ext uri="{386F3935-93C4-4BCD-93E2-E3B085C9AB24}">
-                <p16:designElem xmlns:p16="http://schemas.microsoft.com/office/powerpoint/2015/main" val="1"/>
-              </p:ext>
-            </p:extLst>
-          </p:nvPr>
-        </p:nvSpPr>
-        <p:spPr>
-          <a:xfrm>
-            <a:off x="0" y="4367639"/>
-            <a:ext cx="11707367" cy="1852186"/>
-          </a:xfrm>
-          <a:prstGeom prst="rect">
-            <a:avLst/>
-          </a:prstGeom>
-          <a:solidFill>
-            <a:schemeClr val="accent1"/>
-          </a:solidFill>
-          <a:ln>
-            <a:noFill/>
-          </a:ln>
-        </p:spPr>
-        <p:style>
-          <a:lnRef idx="2">
-            <a:schemeClr val="accent1">
-              <a:shade val="50000"/>
-            </a:schemeClr>
-          </a:lnRef>
-          <a:fillRef idx="1">
-            <a:schemeClr val="accent1"/>
-          </a:fillRef>
-          <a:effectRef idx="0">
-            <a:schemeClr val="accent1"/>
-          </a:effectRef>
-          <a:fontRef idx="minor">
-            <a:schemeClr val="lt1"/>
-          </a:fontRef>
-        </p:style>
-        <p:txBody>
-          <a:bodyPr/>
-          <a:lstStyle/>
-          <a:p>
-            <a:endParaRPr lang="en-US"/>
-          </a:p>
-        </p:txBody>
-      </p:sp>
-      <p:sp>
-        <p:nvSpPr>
-          <p:cNvPr id="2" name="Title 1">
-            <a:extLst>
-              <a:ext uri="{FF2B5EF4-FFF2-40B4-BE49-F238E27FC236}">
-                <a16:creationId xmlns:a16="http://schemas.microsoft.com/office/drawing/2014/main" id="{42DDEF5E-97CF-67AD-61E7-5031AE23B6A0}"/>
-              </a:ext>
-            </a:extLst>
-          </p:cNvPr>
-          <p:cNvSpPr>
-            <a:spLocks noGrp="1"/>
-          </p:cNvSpPr>
-          <p:nvPr>
-            <p:ph type="title"/>
-          </p:nvPr>
-        </p:nvSpPr>
-        <p:spPr>
-          <a:xfrm>
-            <a:off x="1069848" y="4590661"/>
-            <a:ext cx="10210862" cy="1065690"/>
-          </a:xfrm>
-        </p:spPr>
-        <p:txBody>
-          <a:bodyPr vert="horz" lIns="91440" tIns="45720" rIns="91440" bIns="45720" rtlCol="0" anchor="b">
-            <a:normAutofit/>
-          </a:bodyPr>
-          <a:lstStyle/>
-          <a:p>
-            <a:r>
-              <a:rPr lang="en-US" sz="5000" spc="-100" dirty="0"/>
-              <a:t>Net Patient Revenue by Payer Category</a:t>
-            </a:r>
-          </a:p>
-        </p:txBody>
-      </p:sp>
-      <p:pic>
-        <p:nvPicPr>
-          <p:cNvPr id="6" name="Picture 5">
-            <a:extLst>
-              <a:ext uri="{FF2B5EF4-FFF2-40B4-BE49-F238E27FC236}">
-                <a16:creationId xmlns:a16="http://schemas.microsoft.com/office/drawing/2014/main" id="{1DE17641-4937-3F7E-4890-F0E6B17DE326}"/>
-              </a:ext>
-            </a:extLst>
-          </p:cNvPr>
-          <p:cNvPicPr>
-            <a:picLocks noChangeAspect="1"/>
-          </p:cNvPicPr>
-          <p:nvPr/>
-        </p:nvPicPr>
-        <p:blipFill>
-          <a:blip r:embed="rId2">
-            <a:extLst>
-              <a:ext uri="{28A0092B-C50C-407E-A947-70E740481C1C}">
-                <a14:useLocalDpi xmlns:a14="http://schemas.microsoft.com/office/drawing/2010/main" val="0"/>
-              </a:ext>
-            </a:extLst>
-          </a:blip>
-          <a:stretch>
-            <a:fillRect/>
-          </a:stretch>
-        </p:blipFill>
-        <p:spPr>
-          <a:xfrm>
-            <a:off x="303959" y="727252"/>
-            <a:ext cx="5730399" cy="2936830"/>
-          </a:xfrm>
-          <a:prstGeom prst="rect">
-            <a:avLst/>
-          </a:prstGeom>
-        </p:spPr>
-      </p:pic>
-      <p:pic>
-        <p:nvPicPr>
-          <p:cNvPr id="4" name="Picture 3">
-            <a:extLst>
-              <a:ext uri="{FF2B5EF4-FFF2-40B4-BE49-F238E27FC236}">
-                <a16:creationId xmlns:a16="http://schemas.microsoft.com/office/drawing/2014/main" id="{A7BC05BB-32B4-015B-27E1-A92762543004}"/>
-              </a:ext>
-            </a:extLst>
-          </p:cNvPr>
-          <p:cNvPicPr>
-            <a:picLocks noChangeAspect="1"/>
-          </p:cNvPicPr>
-          <p:nvPr/>
-        </p:nvPicPr>
-        <p:blipFill>
-          <a:blip r:embed="rId3"/>
-          <a:stretch>
-            <a:fillRect/>
-          </a:stretch>
-        </p:blipFill>
-        <p:spPr>
-          <a:xfrm>
-            <a:off x="6338317" y="923364"/>
-            <a:ext cx="4789992" cy="2802145"/>
-          </a:xfrm>
-          <a:prstGeom prst="rect">
-            <a:avLst/>
-          </a:prstGeom>
-        </p:spPr>
-      </p:pic>
-    </p:spTree>
-    <p:extLst>
-      <p:ext uri="{BB962C8B-B14F-4D97-AF65-F5344CB8AC3E}">
-        <p14:creationId xmlns:p14="http://schemas.microsoft.com/office/powerpoint/2010/main" val="73709696"/>
-      </p:ext>
-    </p:extLst>
-  </p:cSld>
-  <p:clrMapOvr>
-    <a:masterClrMapping/>
-  </p:clrMapOvr>
-</p:sld>
-</file>
-
-<file path=ppt/slides/slide9.xml><?xml version="1.0" encoding="utf-8"?>
-<p:sld xmlns:a="http://schemas.openxmlformats.org/drawingml/2006/main" xmlns:r="http://schemas.openxmlformats.org/officeDocument/2006/relationships" xmlns:p="http://schemas.openxmlformats.org/presentationml/2006/main">
-  <p:cSld>
-    <p:bg>
-      <p:bgPr>
-        <a:solidFill>
-          <a:schemeClr val="bg1"/>
-        </a:solidFill>
-        <a:effectLst/>
-      </p:bgPr>
-    </p:bg>
-    <p:spTree>
-      <p:nvGrpSpPr>
-        <p:cNvPr id="1" name=""/>
-        <p:cNvGrpSpPr/>
-        <p:nvPr/>
-      </p:nvGrpSpPr>
-      <p:grpSpPr>
-        <a:xfrm>
-          <a:off x="0" y="0"/>
-          <a:ext cx="0" cy="0"/>
-          <a:chOff x="0" y="0"/>
-          <a:chExt cx="0" cy="0"/>
-        </a:xfrm>
-      </p:grpSpPr>
-      <p:sp>
-        <p:nvSpPr>
-          <p:cNvPr id="10" name="Rectangle 9">
-            <a:extLst>
-              <a:ext uri="{FF2B5EF4-FFF2-40B4-BE49-F238E27FC236}">
-                <a16:creationId xmlns:a16="http://schemas.microsoft.com/office/drawing/2014/main" id="{681577AD-DA5F-48B3-8FB9-5199BA9EE681}"/>
-              </a:ext>
-              <a:ext uri="{C183D7F6-B498-43B3-948B-1728B52AA6E4}">
-                <adec:decorative xmlns:adec="http://schemas.microsoft.com/office/drawing/2017/decorative" xmlns="" val="1"/>
-              </a:ext>
-            </a:extLst>
-          </p:cNvPr>
-          <p:cNvSpPr>
-            <a:spLocks noGrp="1" noRot="1" noChangeAspect="1" noMove="1" noResize="1" noEditPoints="1" noAdjustHandles="1" noChangeArrowheads="1" noChangeShapeType="1" noTextEdit="1"/>
-          </p:cNvSpPr>
-          <p:nvPr>
-            <p:extLst>
-              <p:ext uri="{386F3935-93C4-4BCD-93E2-E3B085C9AB24}">
-                <p16:designElem xmlns:p16="http://schemas.microsoft.com/office/powerpoint/2015/main" val="1"/>
-              </p:ext>
-            </p:extLst>
-          </p:nvPr>
-        </p:nvSpPr>
-        <p:spPr>
-          <a:xfrm>
-            <a:off x="1" y="765350"/>
-            <a:ext cx="4642228" cy="5330650"/>
-          </a:xfrm>
-          <a:prstGeom prst="rect">
-            <a:avLst/>
-          </a:prstGeom>
-          <a:solidFill>
-            <a:schemeClr val="accent1"/>
-          </a:solidFill>
-          <a:ln>
-            <a:noFill/>
-          </a:ln>
-        </p:spPr>
-        <p:style>
-          <a:lnRef idx="2">
-            <a:schemeClr val="accent1">
-              <a:shade val="50000"/>
-            </a:schemeClr>
-          </a:lnRef>
-          <a:fillRef idx="1">
-            <a:schemeClr val="accent1"/>
-          </a:fillRef>
-          <a:effectRef idx="0">
-            <a:schemeClr val="accent1"/>
-          </a:effectRef>
-          <a:fontRef idx="minor">
-            <a:schemeClr val="lt1"/>
-          </a:fontRef>
-        </p:style>
-        <p:txBody>
-          <a:bodyPr/>
-          <a:lstStyle/>
-          <a:p>
-            <a:endParaRPr lang="en-US"/>
-          </a:p>
-        </p:txBody>
-      </p:sp>
-      <p:sp>
-        <p:nvSpPr>
-          <p:cNvPr id="2" name="Title 1">
-            <a:extLst>
-              <a:ext uri="{FF2B5EF4-FFF2-40B4-BE49-F238E27FC236}">
-                <a16:creationId xmlns:a16="http://schemas.microsoft.com/office/drawing/2014/main" id="{006AEA51-05B8-7657-CD71-E43E34445B2B}"/>
-              </a:ext>
-            </a:extLst>
-          </p:cNvPr>
-          <p:cNvSpPr>
-            <a:spLocks noGrp="1"/>
-          </p:cNvSpPr>
-          <p:nvPr>
-            <p:ph type="title"/>
-          </p:nvPr>
-        </p:nvSpPr>
-        <p:spPr>
-          <a:xfrm>
-            <a:off x="289249" y="1123837"/>
-            <a:ext cx="4016116" cy="1255469"/>
-          </a:xfrm>
-        </p:spPr>
-        <p:txBody>
-          <a:bodyPr>
-            <a:normAutofit/>
-          </a:bodyPr>
-          <a:lstStyle/>
-          <a:p>
-            <a:r>
-              <a:rPr lang="en-US" dirty="0"/>
-              <a:t>Type of Care</a:t>
-            </a:r>
-          </a:p>
-        </p:txBody>
-      </p:sp>
-      <p:sp>
-        <p:nvSpPr>
-          <p:cNvPr id="3" name="Content Placeholder 2">
-            <a:extLst>
-              <a:ext uri="{FF2B5EF4-FFF2-40B4-BE49-F238E27FC236}">
-                <a16:creationId xmlns:a16="http://schemas.microsoft.com/office/drawing/2014/main" id="{823EF9F2-09E6-EDD1-080B-B22A4AA63FE0}"/>
-              </a:ext>
-            </a:extLst>
-          </p:cNvPr>
-          <p:cNvSpPr>
-            <a:spLocks noGrp="1"/>
-          </p:cNvSpPr>
-          <p:nvPr>
-            <p:ph idx="1"/>
-          </p:nvPr>
-        </p:nvSpPr>
-        <p:spPr>
-          <a:xfrm>
-            <a:off x="289249" y="2510395"/>
-            <a:ext cx="4016116" cy="3274586"/>
-          </a:xfrm>
-        </p:spPr>
-        <p:txBody>
-          <a:bodyPr anchor="t">
-            <a:normAutofit/>
-          </a:bodyPr>
-          <a:lstStyle/>
-          <a:p>
-            <a:r>
-              <a:rPr lang="en-US">
-                <a:solidFill>
-                  <a:srgbClr val="FFFFFF"/>
-                </a:solidFill>
-              </a:rPr>
-              <a:t>The type of care provided at each hospital varied. For most hospitals, the majority of care provided fell under Acute Care – which includes services like medical/surgical acute, obstetrics acute, definitive observation, medical/surgical intensive care, and coronary care.</a:t>
-            </a:r>
-          </a:p>
-        </p:txBody>
-      </p:sp>
-      <p:pic>
-        <p:nvPicPr>
-          <p:cNvPr id="5" name="Picture 4">
-            <a:extLst>
-              <a:ext uri="{FF2B5EF4-FFF2-40B4-BE49-F238E27FC236}">
-                <a16:creationId xmlns:a16="http://schemas.microsoft.com/office/drawing/2014/main" id="{0852B3FF-D1E9-2ABC-74E5-ACEBBDDFE0D0}"/>
-              </a:ext>
-            </a:extLst>
-          </p:cNvPr>
-          <p:cNvPicPr>
-            <a:picLocks noChangeAspect="1"/>
-          </p:cNvPicPr>
-          <p:nvPr/>
-        </p:nvPicPr>
-        <p:blipFill>
-          <a:blip r:embed="rId2">
-            <a:extLst>
-              <a:ext uri="{28A0092B-C50C-407E-A947-70E740481C1C}">
-                <a14:useLocalDpi xmlns:a14="http://schemas.microsoft.com/office/drawing/2010/main" val="0"/>
-              </a:ext>
-            </a:extLst>
-          </a:blip>
-          <a:srcRect/>
-          <a:stretch/>
-        </p:blipFill>
-        <p:spPr>
-          <a:xfrm>
-            <a:off x="5137462" y="675257"/>
-            <a:ext cx="6193767" cy="2663649"/>
-          </a:xfrm>
-          <a:prstGeom prst="rect">
-            <a:avLst/>
-          </a:prstGeom>
-          <a:ln>
-            <a:solidFill>
-              <a:schemeClr val="accent2"/>
-            </a:solidFill>
-          </a:ln>
-        </p:spPr>
-      </p:pic>
-      <p:pic>
-        <p:nvPicPr>
-          <p:cNvPr id="7" name="Picture 6">
-            <a:extLst>
-              <a:ext uri="{FF2B5EF4-FFF2-40B4-BE49-F238E27FC236}">
-                <a16:creationId xmlns:a16="http://schemas.microsoft.com/office/drawing/2014/main" id="{4A3001BC-2BA8-E361-1B49-1994C651D223}"/>
-              </a:ext>
-            </a:extLst>
-          </p:cNvPr>
-          <p:cNvPicPr>
-            <a:picLocks noChangeAspect="1"/>
-          </p:cNvPicPr>
-          <p:nvPr/>
-        </p:nvPicPr>
-        <p:blipFill>
-          <a:blip r:embed="rId3">
-            <a:extLst>
-              <a:ext uri="{28A0092B-C50C-407E-A947-70E740481C1C}">
-                <a14:useLocalDpi xmlns:a14="http://schemas.microsoft.com/office/drawing/2010/main" val="0"/>
-              </a:ext>
-            </a:extLst>
-          </a:blip>
-          <a:srcRect/>
-          <a:stretch/>
-        </p:blipFill>
-        <p:spPr>
-          <a:xfrm>
-            <a:off x="5137462" y="3671275"/>
-            <a:ext cx="6209800" cy="2663648"/>
-          </a:xfrm>
-          <a:prstGeom prst="rect">
-            <a:avLst/>
-          </a:prstGeom>
-          <a:ln>
-            <a:solidFill>
-              <a:schemeClr val="accent3"/>
-            </a:solidFill>
-          </a:ln>
-        </p:spPr>
-      </p:pic>
-      <p:pic>
-        <p:nvPicPr>
-          <p:cNvPr id="12" name="Picture 11">
-            <a:extLst>
-              <a:ext uri="{FF2B5EF4-FFF2-40B4-BE49-F238E27FC236}">
-                <a16:creationId xmlns:a16="http://schemas.microsoft.com/office/drawing/2014/main" id="{6785A70A-F2A2-A824-FD86-36DD23075ADB}"/>
-              </a:ext>
-            </a:extLst>
-          </p:cNvPr>
-          <p:cNvPicPr>
-            <a:picLocks noChangeAspect="1"/>
-          </p:cNvPicPr>
-          <p:nvPr/>
-        </p:nvPicPr>
-        <p:blipFill>
-          <a:blip r:embed="rId4"/>
-          <a:stretch>
-            <a:fillRect/>
-          </a:stretch>
-        </p:blipFill>
-        <p:spPr>
-          <a:xfrm>
-            <a:off x="5152704" y="3442033"/>
-            <a:ext cx="4884843" cy="175275"/>
-          </a:xfrm>
-          <a:prstGeom prst="rect">
-            <a:avLst/>
-          </a:prstGeom>
-        </p:spPr>
-      </p:pic>
-      <p:pic>
-        <p:nvPicPr>
-          <p:cNvPr id="14" name="Picture 13">
-            <a:extLst>
-              <a:ext uri="{FF2B5EF4-FFF2-40B4-BE49-F238E27FC236}">
-                <a16:creationId xmlns:a16="http://schemas.microsoft.com/office/drawing/2014/main" id="{3A813C7B-52D2-C89C-B4C6-2B68A97C066D}"/>
-              </a:ext>
-            </a:extLst>
-          </p:cNvPr>
-          <p:cNvPicPr>
-            <a:picLocks noChangeAspect="1"/>
-          </p:cNvPicPr>
-          <p:nvPr/>
-        </p:nvPicPr>
-        <p:blipFill>
-          <a:blip r:embed="rId5"/>
-          <a:stretch>
-            <a:fillRect/>
-          </a:stretch>
-        </p:blipFill>
-        <p:spPr>
-          <a:xfrm>
-            <a:off x="5137462" y="438528"/>
-            <a:ext cx="4884843" cy="190517"/>
-          </a:xfrm>
-          <a:prstGeom prst="rect">
-            <a:avLst/>
-          </a:prstGeom>
-        </p:spPr>
-      </p:pic>
-    </p:spTree>
-    <p:extLst>
-      <p:ext uri="{BB962C8B-B14F-4D97-AF65-F5344CB8AC3E}">
-        <p14:creationId xmlns:p14="http://schemas.microsoft.com/office/powerpoint/2010/main" val="2222846450"/>
       </p:ext>
     </p:extLst>
   </p:cSld>
